--- a/Organization Detection.pptx
+++ b/Organization Detection.pptx
@@ -2,7 +2,7 @@
 <file path=ppt/presentation.xml><?xml version="1.0" encoding="utf-8"?>
 <p:presentation xmlns:a="http://schemas.openxmlformats.org/drawingml/2006/main" xmlns:r="http://schemas.openxmlformats.org/officeDocument/2006/relationships" xmlns:p="http://schemas.openxmlformats.org/presentationml/2006/main" saveSubsetFonts="1">
   <p:sldMasterIdLst>
-    <p:sldMasterId id="2147483648" r:id="rId1"/>
+    <p:sldMasterId id="2147483684" r:id="rId1"/>
   </p:sldMasterIdLst>
   <p:sldIdLst>
     <p:sldId id="256" r:id="rId2"/>
@@ -25,6 +25,8 @@
     <p:sldId id="274" r:id="rId19"/>
     <p:sldId id="273" r:id="rId20"/>
     <p:sldId id="272" r:id="rId21"/>
+    <p:sldId id="277" r:id="rId22"/>
+    <p:sldId id="278" r:id="rId23"/>
   </p:sldIdLst>
   <p:sldSz cx="9144000" cy="6858000" type="screen4x3"/>
   <p:notesSz cx="6858000" cy="9144000"/>
@@ -127,8 +129,13 @@
 </file>
 
 <file path=ppt/slideLayouts/slideLayout1.xml><?xml version="1.0" encoding="utf-8"?>
-<p:sldLayout xmlns:a="http://schemas.openxmlformats.org/drawingml/2006/main" xmlns:r="http://schemas.openxmlformats.org/officeDocument/2006/relationships" xmlns:p="http://schemas.openxmlformats.org/presentationml/2006/main" type="title" preserve="1">
+<p:sldLayout xmlns:a="http://schemas.openxmlformats.org/drawingml/2006/main" xmlns:r="http://schemas.openxmlformats.org/officeDocument/2006/relationships" xmlns:p="http://schemas.openxmlformats.org/presentationml/2006/main" showMasterSp="0" type="title" preserve="1">
   <p:cSld name="Title Slide">
+    <p:bg>
+      <p:bgRef idx="1001">
+        <a:schemeClr val="bg1"/>
+      </p:bgRef>
+    </p:bg>
     <p:spTree>
       <p:nvGrpSpPr>
         <p:cNvPr id="1" name=""/>
@@ -145,7 +152,7 @@
       </p:grpSpPr>
       <p:sp>
         <p:nvSpPr>
-          <p:cNvPr id="2" name="Title 1"/>
+          <p:cNvPr id="8" name="Title 7"/>
           <p:cNvSpPr>
             <a:spLocks noGrp="1"/>
           </p:cNvSpPr>
@@ -155,25 +162,29 @@
         </p:nvSpPr>
         <p:spPr>
           <a:xfrm>
-            <a:off x="685800" y="2130425"/>
-            <a:ext cx="7772400" cy="1470025"/>
+            <a:off x="2286000" y="3124200"/>
+            <a:ext cx="6172200" cy="1894362"/>
           </a:xfrm>
         </p:spPr>
         <p:txBody>
           <a:bodyPr/>
-          <a:lstStyle/>
-          <a:p>
-            <a:r>
-              <a:rPr lang="en-US" smtClean="0"/>
+          <a:lstStyle>
+            <a:lvl1pPr>
+              <a:defRPr b="1"/>
+            </a:lvl1pPr>
+          </a:lstStyle>
+          <a:p>
+            <a:r>
+              <a:rPr kumimoji="0" lang="en-US" smtClean="0"/>
               <a:t>Click to edit Master title style</a:t>
             </a:r>
-            <a:endParaRPr lang="en-US"/>
-          </a:p>
-        </p:txBody>
-      </p:sp>
-      <p:sp>
-        <p:nvSpPr>
-          <p:cNvPr id="3" name="Subtitle 2"/>
+            <a:endParaRPr kumimoji="0" lang="en-US"/>
+          </a:p>
+        </p:txBody>
+      </p:sp>
+      <p:sp>
+        <p:nvSpPr>
+          <p:cNvPr id="9" name="Subtitle 8"/>
           <p:cNvSpPr>
             <a:spLocks noGrp="1"/>
           </p:cNvSpPr>
@@ -183,116 +194,58 @@
         </p:nvSpPr>
         <p:spPr>
           <a:xfrm>
-            <a:off x="1371600" y="3886200"/>
-            <a:ext cx="6400800" cy="1752600"/>
+            <a:off x="2286000" y="5003322"/>
+            <a:ext cx="6172200" cy="1371600"/>
           </a:xfrm>
         </p:spPr>
         <p:txBody>
           <a:bodyPr/>
           <a:lstStyle>
-            <a:lvl1pPr marL="0" indent="0" algn="ctr">
+            <a:lvl1pPr marL="0" indent="0" algn="l">
               <a:buNone/>
-              <a:defRPr>
+              <a:defRPr sz="1800" b="1">
                 <a:solidFill>
-                  <a:schemeClr val="tx1">
-                    <a:tint val="75000"/>
-                  </a:schemeClr>
+                  <a:schemeClr val="tx2"/>
                 </a:solidFill>
               </a:defRPr>
             </a:lvl1pPr>
             <a:lvl2pPr marL="457200" indent="0" algn="ctr">
               <a:buNone/>
-              <a:defRPr>
-                <a:solidFill>
-                  <a:schemeClr val="tx1">
-                    <a:tint val="75000"/>
-                  </a:schemeClr>
-                </a:solidFill>
-              </a:defRPr>
             </a:lvl2pPr>
             <a:lvl3pPr marL="914400" indent="0" algn="ctr">
               <a:buNone/>
-              <a:defRPr>
-                <a:solidFill>
-                  <a:schemeClr val="tx1">
-                    <a:tint val="75000"/>
-                  </a:schemeClr>
-                </a:solidFill>
-              </a:defRPr>
             </a:lvl3pPr>
             <a:lvl4pPr marL="1371600" indent="0" algn="ctr">
               <a:buNone/>
-              <a:defRPr>
-                <a:solidFill>
-                  <a:schemeClr val="tx1">
-                    <a:tint val="75000"/>
-                  </a:schemeClr>
-                </a:solidFill>
-              </a:defRPr>
             </a:lvl4pPr>
             <a:lvl5pPr marL="1828800" indent="0" algn="ctr">
               <a:buNone/>
-              <a:defRPr>
-                <a:solidFill>
-                  <a:schemeClr val="tx1">
-                    <a:tint val="75000"/>
-                  </a:schemeClr>
-                </a:solidFill>
-              </a:defRPr>
             </a:lvl5pPr>
             <a:lvl6pPr marL="2286000" indent="0" algn="ctr">
               <a:buNone/>
-              <a:defRPr>
-                <a:solidFill>
-                  <a:schemeClr val="tx1">
-                    <a:tint val="75000"/>
-                  </a:schemeClr>
-                </a:solidFill>
-              </a:defRPr>
             </a:lvl6pPr>
             <a:lvl7pPr marL="2743200" indent="0" algn="ctr">
               <a:buNone/>
-              <a:defRPr>
-                <a:solidFill>
-                  <a:schemeClr val="tx1">
-                    <a:tint val="75000"/>
-                  </a:schemeClr>
-                </a:solidFill>
-              </a:defRPr>
             </a:lvl7pPr>
             <a:lvl8pPr marL="3200400" indent="0" algn="ctr">
               <a:buNone/>
-              <a:defRPr>
-                <a:solidFill>
-                  <a:schemeClr val="tx1">
-                    <a:tint val="75000"/>
-                  </a:schemeClr>
-                </a:solidFill>
-              </a:defRPr>
             </a:lvl8pPr>
             <a:lvl9pPr marL="3657600" indent="0" algn="ctr">
               <a:buNone/>
-              <a:defRPr>
-                <a:solidFill>
-                  <a:schemeClr val="tx1">
-                    <a:tint val="75000"/>
-                  </a:schemeClr>
-                </a:solidFill>
-              </a:defRPr>
             </a:lvl9pPr>
           </a:lstStyle>
           <a:p>
             <a:r>
-              <a:rPr lang="en-US" smtClean="0"/>
+              <a:rPr kumimoji="0" lang="en-US" smtClean="0"/>
               <a:t>Click to edit Master subtitle style</a:t>
             </a:r>
-            <a:endParaRPr lang="en-US"/>
-          </a:p>
-        </p:txBody>
-      </p:sp>
-      <p:sp>
-        <p:nvSpPr>
-          <p:cNvPr id="4" name="Date Placeholder 3"/>
+            <a:endParaRPr kumimoji="0" lang="en-US"/>
+          </a:p>
+        </p:txBody>
+      </p:sp>
+      <p:sp>
+        <p:nvSpPr>
+          <p:cNvPr id="28" name="Date Placeholder 27"/>
           <p:cNvSpPr>
             <a:spLocks noGrp="1"/>
           </p:cNvSpPr>
@@ -300,13 +253,19 @@
             <p:ph type="dt" sz="half" idx="10"/>
           </p:nvPr>
         </p:nvSpPr>
-        <p:spPr/>
+        <p:spPr bwMode="auto">
+          <a:xfrm rot="5400000">
+            <a:off x="7764621" y="1174097"/>
+            <a:ext cx="2286000" cy="381000"/>
+          </a:xfrm>
+        </p:spPr>
         <p:txBody>
           <a:bodyPr/>
           <a:lstStyle/>
           <a:p>
             <a:fld id="{153650A5-9763-422E-80B7-FD650D7318AA}" type="datetimeFigureOut">
               <a:rPr lang="en-US" smtClean="0"/>
+              <a:pPr/>
               <a:t>11/19/2013</a:t>
             </a:fld>
             <a:endParaRPr lang="en-US"/>
@@ -315,7 +274,7 @@
       </p:sp>
       <p:sp>
         <p:nvSpPr>
-          <p:cNvPr id="5" name="Footer Placeholder 4"/>
+          <p:cNvPr id="17" name="Footer Placeholder 16"/>
           <p:cNvSpPr>
             <a:spLocks noGrp="1"/>
           </p:cNvSpPr>
@@ -323,7 +282,12 @@
             <p:ph type="ftr" sz="quarter" idx="11"/>
           </p:nvPr>
         </p:nvSpPr>
-        <p:spPr/>
+        <p:spPr bwMode="auto">
+          <a:xfrm rot="5400000">
+            <a:off x="7077269" y="4181669"/>
+            <a:ext cx="3657600" cy="384048"/>
+          </a:xfrm>
+        </p:spPr>
         <p:txBody>
           <a:bodyPr/>
           <a:lstStyle/>
@@ -334,7 +298,701 @@
       </p:sp>
       <p:sp>
         <p:nvSpPr>
-          <p:cNvPr id="6" name="Slide Number Placeholder 5"/>
+          <p:cNvPr id="10" name="Rectangle 9"/>
+          <p:cNvSpPr/>
+          <p:nvPr/>
+        </p:nvSpPr>
+        <p:spPr bwMode="auto">
+          <a:xfrm>
+            <a:off x="381000" y="0"/>
+            <a:ext cx="609600" cy="6858000"/>
+          </a:xfrm>
+          <a:prstGeom prst="rect">
+            <a:avLst/>
+          </a:prstGeom>
+          <a:solidFill>
+            <a:schemeClr val="accent1">
+              <a:tint val="60000"/>
+              <a:alpha val="54000"/>
+            </a:schemeClr>
+          </a:solidFill>
+          <a:ln w="38100" cap="rnd" cmpd="sng" algn="ctr">
+            <a:noFill/>
+            <a:prstDash val="solid"/>
+          </a:ln>
+          <a:effectLst/>
+        </p:spPr>
+        <p:style>
+          <a:lnRef idx="3">
+            <a:schemeClr val="lt1"/>
+          </a:lnRef>
+          <a:fillRef idx="1">
+            <a:schemeClr val="accent1"/>
+          </a:fillRef>
+          <a:effectRef idx="1">
+            <a:schemeClr val="accent1"/>
+          </a:effectRef>
+          <a:fontRef idx="minor">
+            <a:schemeClr val="lt1"/>
+          </a:fontRef>
+        </p:style>
+        <p:txBody>
+          <a:bodyPr anchor="ctr"/>
+          <a:lstStyle/>
+          <a:p>
+            <a:pPr algn="ctr" eaLnBrk="1" latinLnBrk="0" hangingPunct="1"/>
+            <a:endParaRPr kumimoji="0" lang="en-US"/>
+          </a:p>
+        </p:txBody>
+      </p:sp>
+      <p:sp>
+        <p:nvSpPr>
+          <p:cNvPr id="12" name="Rectangle 11"/>
+          <p:cNvSpPr/>
+          <p:nvPr/>
+        </p:nvSpPr>
+        <p:spPr bwMode="auto">
+          <a:xfrm>
+            <a:off x="276336" y="0"/>
+            <a:ext cx="104664" cy="6858000"/>
+          </a:xfrm>
+          <a:prstGeom prst="rect">
+            <a:avLst/>
+          </a:prstGeom>
+          <a:solidFill>
+            <a:schemeClr val="accent1">
+              <a:tint val="40000"/>
+              <a:alpha val="36000"/>
+            </a:schemeClr>
+          </a:solidFill>
+          <a:ln w="38100" cap="rnd" cmpd="sng" algn="ctr">
+            <a:noFill/>
+            <a:prstDash val="solid"/>
+          </a:ln>
+          <a:effectLst/>
+        </p:spPr>
+        <p:style>
+          <a:lnRef idx="3">
+            <a:schemeClr val="lt1"/>
+          </a:lnRef>
+          <a:fillRef idx="1">
+            <a:schemeClr val="accent1"/>
+          </a:fillRef>
+          <a:effectRef idx="1">
+            <a:schemeClr val="accent1"/>
+          </a:effectRef>
+          <a:fontRef idx="minor">
+            <a:schemeClr val="lt1"/>
+          </a:fontRef>
+        </p:style>
+        <p:txBody>
+          <a:bodyPr anchor="ctr"/>
+          <a:lstStyle/>
+          <a:p>
+            <a:pPr algn="ctr" eaLnBrk="1" latinLnBrk="0" hangingPunct="1"/>
+            <a:endParaRPr kumimoji="0" lang="en-US"/>
+          </a:p>
+        </p:txBody>
+      </p:sp>
+      <p:sp>
+        <p:nvSpPr>
+          <p:cNvPr id="14" name="Rectangle 13"/>
+          <p:cNvSpPr/>
+          <p:nvPr/>
+        </p:nvSpPr>
+        <p:spPr bwMode="auto">
+          <a:xfrm>
+            <a:off x="990600" y="0"/>
+            <a:ext cx="181872" cy="6858000"/>
+          </a:xfrm>
+          <a:prstGeom prst="rect">
+            <a:avLst/>
+          </a:prstGeom>
+          <a:solidFill>
+            <a:schemeClr val="accent1">
+              <a:tint val="40000"/>
+              <a:alpha val="70000"/>
+            </a:schemeClr>
+          </a:solidFill>
+          <a:ln w="38100" cap="rnd" cmpd="sng" algn="ctr">
+            <a:noFill/>
+            <a:prstDash val="solid"/>
+          </a:ln>
+          <a:effectLst/>
+        </p:spPr>
+        <p:style>
+          <a:lnRef idx="3">
+            <a:schemeClr val="lt1"/>
+          </a:lnRef>
+          <a:fillRef idx="1">
+            <a:schemeClr val="accent1"/>
+          </a:fillRef>
+          <a:effectRef idx="1">
+            <a:schemeClr val="accent1"/>
+          </a:effectRef>
+          <a:fontRef idx="minor">
+            <a:schemeClr val="lt1"/>
+          </a:fontRef>
+        </p:style>
+        <p:txBody>
+          <a:bodyPr anchor="ctr"/>
+          <a:lstStyle/>
+          <a:p>
+            <a:pPr algn="ctr" eaLnBrk="1" latinLnBrk="0" hangingPunct="1"/>
+            <a:endParaRPr kumimoji="0" lang="en-US"/>
+          </a:p>
+        </p:txBody>
+      </p:sp>
+      <p:sp>
+        <p:nvSpPr>
+          <p:cNvPr id="19" name="Rectangle 18"/>
+          <p:cNvSpPr/>
+          <p:nvPr/>
+        </p:nvSpPr>
+        <p:spPr bwMode="auto">
+          <a:xfrm>
+            <a:off x="1141320" y="0"/>
+            <a:ext cx="230280" cy="6858000"/>
+          </a:xfrm>
+          <a:prstGeom prst="rect">
+            <a:avLst/>
+          </a:prstGeom>
+          <a:solidFill>
+            <a:schemeClr val="accent1">
+              <a:tint val="20000"/>
+              <a:alpha val="71000"/>
+            </a:schemeClr>
+          </a:solidFill>
+          <a:ln w="38100" cap="rnd" cmpd="sng" algn="ctr">
+            <a:noFill/>
+            <a:prstDash val="solid"/>
+          </a:ln>
+          <a:effectLst/>
+        </p:spPr>
+        <p:style>
+          <a:lnRef idx="3">
+            <a:schemeClr val="lt1"/>
+          </a:lnRef>
+          <a:fillRef idx="1">
+            <a:schemeClr val="accent1"/>
+          </a:fillRef>
+          <a:effectRef idx="1">
+            <a:schemeClr val="accent1"/>
+          </a:effectRef>
+          <a:fontRef idx="minor">
+            <a:schemeClr val="lt1"/>
+          </a:fontRef>
+        </p:style>
+        <p:txBody>
+          <a:bodyPr anchor="ctr"/>
+          <a:lstStyle/>
+          <a:p>
+            <a:pPr algn="ctr" eaLnBrk="1" latinLnBrk="0" hangingPunct="1"/>
+            <a:endParaRPr kumimoji="0" lang="en-US"/>
+          </a:p>
+        </p:txBody>
+      </p:sp>
+      <p:sp>
+        <p:nvSpPr>
+          <p:cNvPr id="11" name="Straight Connector 10"/>
+          <p:cNvSpPr>
+            <a:spLocks noChangeShapeType="1"/>
+          </p:cNvSpPr>
+          <p:nvPr/>
+        </p:nvSpPr>
+        <p:spPr bwMode="auto">
+          <a:xfrm>
+            <a:off x="106344" y="0"/>
+            <a:ext cx="0" cy="6858000"/>
+          </a:xfrm>
+          <a:prstGeom prst="line">
+            <a:avLst/>
+          </a:prstGeom>
+          <a:noFill/>
+          <a:ln w="57150" cap="flat" cmpd="sng" algn="ctr">
+            <a:solidFill>
+              <a:schemeClr val="accent1">
+                <a:tint val="60000"/>
+                <a:alpha val="73000"/>
+              </a:schemeClr>
+            </a:solidFill>
+            <a:prstDash val="solid"/>
+            <a:round/>
+            <a:headEnd type="none" w="med" len="med"/>
+            <a:tailEnd type="none" w="med" len="med"/>
+          </a:ln>
+          <a:effectLst/>
+        </p:spPr>
+        <p:txBody>
+          <a:bodyPr vert="horz" wrap="square" lIns="91440" tIns="45720" rIns="91440" bIns="45720" anchor="t" compatLnSpc="1"/>
+          <a:lstStyle/>
+          <a:p>
+            <a:endParaRPr kumimoji="0" lang="en-US"/>
+          </a:p>
+        </p:txBody>
+      </p:sp>
+      <p:sp>
+        <p:nvSpPr>
+          <p:cNvPr id="18" name="Straight Connector 17"/>
+          <p:cNvSpPr>
+            <a:spLocks noChangeShapeType="1"/>
+          </p:cNvSpPr>
+          <p:nvPr/>
+        </p:nvSpPr>
+        <p:spPr bwMode="auto">
+          <a:xfrm>
+            <a:off x="914400" y="0"/>
+            <a:ext cx="0" cy="6858000"/>
+          </a:xfrm>
+          <a:prstGeom prst="line">
+            <a:avLst/>
+          </a:prstGeom>
+          <a:noFill/>
+          <a:ln w="57150" cap="flat" cmpd="sng" algn="ctr">
+            <a:solidFill>
+              <a:schemeClr val="accent1">
+                <a:tint val="20000"/>
+                <a:alpha val="83000"/>
+              </a:schemeClr>
+            </a:solidFill>
+            <a:prstDash val="solid"/>
+            <a:round/>
+            <a:headEnd type="none" w="med" len="med"/>
+            <a:tailEnd type="none" w="med" len="med"/>
+          </a:ln>
+          <a:effectLst/>
+        </p:spPr>
+        <p:txBody>
+          <a:bodyPr vert="horz" wrap="square" lIns="91440" tIns="45720" rIns="91440" bIns="45720" anchor="t" compatLnSpc="1"/>
+          <a:lstStyle/>
+          <a:p>
+            <a:endParaRPr kumimoji="0" lang="en-US"/>
+          </a:p>
+        </p:txBody>
+      </p:sp>
+      <p:sp>
+        <p:nvSpPr>
+          <p:cNvPr id="20" name="Straight Connector 19"/>
+          <p:cNvSpPr>
+            <a:spLocks noChangeShapeType="1"/>
+          </p:cNvSpPr>
+          <p:nvPr/>
+        </p:nvSpPr>
+        <p:spPr bwMode="auto">
+          <a:xfrm>
+            <a:off x="854112" y="0"/>
+            <a:ext cx="0" cy="6858000"/>
+          </a:xfrm>
+          <a:prstGeom prst="line">
+            <a:avLst/>
+          </a:prstGeom>
+          <a:noFill/>
+          <a:ln w="57150" cap="flat" cmpd="sng" algn="ctr">
+            <a:solidFill>
+              <a:schemeClr val="accent1">
+                <a:tint val="60000"/>
+              </a:schemeClr>
+            </a:solidFill>
+            <a:prstDash val="solid"/>
+            <a:round/>
+            <a:headEnd type="none" w="med" len="med"/>
+            <a:tailEnd type="none" w="med" len="med"/>
+          </a:ln>
+          <a:effectLst/>
+        </p:spPr>
+        <p:txBody>
+          <a:bodyPr vert="horz" wrap="square" lIns="91440" tIns="45720" rIns="91440" bIns="45720" anchor="t" compatLnSpc="1"/>
+          <a:lstStyle/>
+          <a:p>
+            <a:endParaRPr kumimoji="0" lang="en-US"/>
+          </a:p>
+        </p:txBody>
+      </p:sp>
+      <p:sp>
+        <p:nvSpPr>
+          <p:cNvPr id="16" name="Straight Connector 15"/>
+          <p:cNvSpPr>
+            <a:spLocks noChangeShapeType="1"/>
+          </p:cNvSpPr>
+          <p:nvPr/>
+        </p:nvSpPr>
+        <p:spPr bwMode="auto">
+          <a:xfrm>
+            <a:off x="1726640" y="0"/>
+            <a:ext cx="0" cy="6858000"/>
+          </a:xfrm>
+          <a:prstGeom prst="line">
+            <a:avLst/>
+          </a:prstGeom>
+          <a:noFill/>
+          <a:ln w="28575" cap="flat" cmpd="sng" algn="ctr">
+            <a:solidFill>
+              <a:schemeClr val="accent1">
+                <a:tint val="60000"/>
+                <a:alpha val="82000"/>
+              </a:schemeClr>
+            </a:solidFill>
+            <a:prstDash val="solid"/>
+            <a:round/>
+            <a:headEnd type="none" w="med" len="med"/>
+            <a:tailEnd type="none" w="med" len="med"/>
+          </a:ln>
+          <a:effectLst/>
+        </p:spPr>
+        <p:txBody>
+          <a:bodyPr vert="horz" wrap="square" lIns="91440" tIns="45720" rIns="91440" bIns="45720" anchor="t" compatLnSpc="1"/>
+          <a:lstStyle/>
+          <a:p>
+            <a:endParaRPr kumimoji="0" lang="en-US"/>
+          </a:p>
+        </p:txBody>
+      </p:sp>
+      <p:sp>
+        <p:nvSpPr>
+          <p:cNvPr id="15" name="Straight Connector 14"/>
+          <p:cNvSpPr>
+            <a:spLocks noChangeShapeType="1"/>
+          </p:cNvSpPr>
+          <p:nvPr/>
+        </p:nvSpPr>
+        <p:spPr bwMode="auto">
+          <a:xfrm>
+            <a:off x="1066800" y="0"/>
+            <a:ext cx="0" cy="6858000"/>
+          </a:xfrm>
+          <a:prstGeom prst="line">
+            <a:avLst/>
+          </a:prstGeom>
+          <a:noFill/>
+          <a:ln w="9525" cap="flat" cmpd="sng" algn="ctr">
+            <a:solidFill>
+              <a:schemeClr val="accent1">
+                <a:tint val="60000"/>
+              </a:schemeClr>
+            </a:solidFill>
+            <a:prstDash val="solid"/>
+            <a:round/>
+            <a:headEnd type="none" w="med" len="med"/>
+            <a:tailEnd type="none" w="med" len="med"/>
+          </a:ln>
+          <a:effectLst/>
+        </p:spPr>
+        <p:txBody>
+          <a:bodyPr vert="horz" wrap="square" lIns="91440" tIns="45720" rIns="91440" bIns="45720" anchor="t" compatLnSpc="1"/>
+          <a:lstStyle/>
+          <a:p>
+            <a:endParaRPr kumimoji="0" lang="en-US"/>
+          </a:p>
+        </p:txBody>
+      </p:sp>
+      <p:sp>
+        <p:nvSpPr>
+          <p:cNvPr id="22" name="Straight Connector 21"/>
+          <p:cNvSpPr>
+            <a:spLocks noChangeShapeType="1"/>
+          </p:cNvSpPr>
+          <p:nvPr/>
+        </p:nvSpPr>
+        <p:spPr bwMode="auto">
+          <a:xfrm>
+            <a:off x="9113856" y="0"/>
+            <a:ext cx="0" cy="6858000"/>
+          </a:xfrm>
+          <a:prstGeom prst="line">
+            <a:avLst/>
+          </a:prstGeom>
+          <a:noFill/>
+          <a:ln w="57150" cap="flat" cmpd="thickThin" algn="ctr">
+            <a:solidFill>
+              <a:schemeClr val="accent1">
+                <a:tint val="60000"/>
+              </a:schemeClr>
+            </a:solidFill>
+            <a:prstDash val="solid"/>
+            <a:round/>
+            <a:headEnd type="none" w="med" len="med"/>
+            <a:tailEnd type="none" w="med" len="med"/>
+          </a:ln>
+          <a:effectLst/>
+        </p:spPr>
+        <p:txBody>
+          <a:bodyPr vert="horz" wrap="square" lIns="91440" tIns="45720" rIns="91440" bIns="45720" anchor="t" compatLnSpc="1"/>
+          <a:lstStyle/>
+          <a:p>
+            <a:endParaRPr kumimoji="0" lang="en-US"/>
+          </a:p>
+        </p:txBody>
+      </p:sp>
+      <p:sp>
+        <p:nvSpPr>
+          <p:cNvPr id="27" name="Rectangle 26"/>
+          <p:cNvSpPr/>
+          <p:nvPr/>
+        </p:nvSpPr>
+        <p:spPr bwMode="auto">
+          <a:xfrm>
+            <a:off x="1219200" y="0"/>
+            <a:ext cx="76200" cy="6858000"/>
+          </a:xfrm>
+          <a:prstGeom prst="rect">
+            <a:avLst/>
+          </a:prstGeom>
+          <a:solidFill>
+            <a:schemeClr val="accent1">
+              <a:tint val="60000"/>
+              <a:alpha val="51000"/>
+            </a:schemeClr>
+          </a:solidFill>
+          <a:ln w="38100" cap="rnd" cmpd="sng" algn="ctr">
+            <a:noFill/>
+            <a:prstDash val="solid"/>
+          </a:ln>
+          <a:effectLst/>
+        </p:spPr>
+        <p:style>
+          <a:lnRef idx="3">
+            <a:schemeClr val="lt1"/>
+          </a:lnRef>
+          <a:fillRef idx="1">
+            <a:schemeClr val="accent1"/>
+          </a:fillRef>
+          <a:effectRef idx="1">
+            <a:schemeClr val="accent1"/>
+          </a:effectRef>
+          <a:fontRef idx="minor">
+            <a:schemeClr val="lt1"/>
+          </a:fontRef>
+        </p:style>
+        <p:txBody>
+          <a:bodyPr anchor="ctr"/>
+          <a:lstStyle/>
+          <a:p>
+            <a:pPr algn="ctr" eaLnBrk="1" latinLnBrk="0" hangingPunct="1"/>
+            <a:endParaRPr kumimoji="0" lang="en-US" dirty="0"/>
+          </a:p>
+        </p:txBody>
+      </p:sp>
+      <p:sp>
+        <p:nvSpPr>
+          <p:cNvPr id="21" name="Oval 20"/>
+          <p:cNvSpPr/>
+          <p:nvPr/>
+        </p:nvSpPr>
+        <p:spPr bwMode="auto">
+          <a:xfrm>
+            <a:off x="609600" y="3429000"/>
+            <a:ext cx="1295400" cy="1295400"/>
+          </a:xfrm>
+          <a:prstGeom prst="ellipse">
+            <a:avLst/>
+          </a:prstGeom>
+          <a:solidFill>
+            <a:schemeClr val="accent1"/>
+          </a:solidFill>
+          <a:ln w="38100" cap="rnd" cmpd="sng" algn="ctr">
+            <a:noFill/>
+            <a:prstDash val="solid"/>
+          </a:ln>
+          <a:effectLst/>
+        </p:spPr>
+        <p:style>
+          <a:lnRef idx="3">
+            <a:schemeClr val="lt1"/>
+          </a:lnRef>
+          <a:fillRef idx="1">
+            <a:schemeClr val="accent1"/>
+          </a:fillRef>
+          <a:effectRef idx="1">
+            <a:schemeClr val="accent1"/>
+          </a:effectRef>
+          <a:fontRef idx="minor">
+            <a:schemeClr val="lt1"/>
+          </a:fontRef>
+        </p:style>
+        <p:txBody>
+          <a:bodyPr anchor="ctr"/>
+          <a:lstStyle/>
+          <a:p>
+            <a:pPr algn="ctr" eaLnBrk="1" latinLnBrk="0" hangingPunct="1"/>
+            <a:endParaRPr kumimoji="0" lang="en-US" dirty="0"/>
+          </a:p>
+        </p:txBody>
+      </p:sp>
+      <p:sp>
+        <p:nvSpPr>
+          <p:cNvPr id="23" name="Oval 22"/>
+          <p:cNvSpPr/>
+          <p:nvPr/>
+        </p:nvSpPr>
+        <p:spPr bwMode="auto">
+          <a:xfrm>
+            <a:off x="1309632" y="4866752"/>
+            <a:ext cx="641424" cy="641424"/>
+          </a:xfrm>
+          <a:prstGeom prst="ellipse">
+            <a:avLst/>
+          </a:prstGeom>
+          <a:ln w="28575" cap="rnd" cmpd="sng" algn="ctr">
+            <a:noFill/>
+            <a:prstDash val="solid"/>
+          </a:ln>
+          <a:effectLst/>
+        </p:spPr>
+        <p:style>
+          <a:lnRef idx="3">
+            <a:schemeClr val="lt1"/>
+          </a:lnRef>
+          <a:fillRef idx="1">
+            <a:schemeClr val="accent1"/>
+          </a:fillRef>
+          <a:effectRef idx="1">
+            <a:schemeClr val="accent1"/>
+          </a:effectRef>
+          <a:fontRef idx="minor">
+            <a:schemeClr val="lt1"/>
+          </a:fontRef>
+        </p:style>
+        <p:txBody>
+          <a:bodyPr anchor="ctr"/>
+          <a:lstStyle/>
+          <a:p>
+            <a:pPr algn="ctr" eaLnBrk="1" latinLnBrk="0" hangingPunct="1"/>
+            <a:endParaRPr kumimoji="0" lang="en-US" dirty="0"/>
+          </a:p>
+        </p:txBody>
+      </p:sp>
+      <p:sp>
+        <p:nvSpPr>
+          <p:cNvPr id="24" name="Oval 23"/>
+          <p:cNvSpPr/>
+          <p:nvPr/>
+        </p:nvSpPr>
+        <p:spPr bwMode="auto">
+          <a:xfrm>
+            <a:off x="1091080" y="5500632"/>
+            <a:ext cx="137160" cy="137160"/>
+          </a:xfrm>
+          <a:prstGeom prst="ellipse">
+            <a:avLst/>
+          </a:prstGeom>
+          <a:ln w="12700" cap="rnd" cmpd="sng" algn="ctr">
+            <a:noFill/>
+            <a:prstDash val="solid"/>
+          </a:ln>
+          <a:effectLst/>
+        </p:spPr>
+        <p:style>
+          <a:lnRef idx="3">
+            <a:schemeClr val="lt1"/>
+          </a:lnRef>
+          <a:fillRef idx="1">
+            <a:schemeClr val="accent1"/>
+          </a:fillRef>
+          <a:effectRef idx="1">
+            <a:schemeClr val="accent1"/>
+          </a:effectRef>
+          <a:fontRef idx="minor">
+            <a:schemeClr val="lt1"/>
+          </a:fontRef>
+        </p:style>
+        <p:txBody>
+          <a:bodyPr anchor="ctr"/>
+          <a:lstStyle/>
+          <a:p>
+            <a:pPr algn="ctr" eaLnBrk="1" latinLnBrk="0" hangingPunct="1"/>
+            <a:endParaRPr kumimoji="0" lang="en-US" dirty="0"/>
+          </a:p>
+        </p:txBody>
+      </p:sp>
+      <p:sp>
+        <p:nvSpPr>
+          <p:cNvPr id="26" name="Oval 25"/>
+          <p:cNvSpPr/>
+          <p:nvPr/>
+        </p:nvSpPr>
+        <p:spPr bwMode="auto">
+          <a:xfrm>
+            <a:off x="1664208" y="5788152"/>
+            <a:ext cx="274320" cy="274320"/>
+          </a:xfrm>
+          <a:prstGeom prst="ellipse">
+            <a:avLst/>
+          </a:prstGeom>
+          <a:ln w="12700" cap="rnd" cmpd="sng" algn="ctr">
+            <a:noFill/>
+            <a:prstDash val="solid"/>
+          </a:ln>
+          <a:effectLst/>
+        </p:spPr>
+        <p:style>
+          <a:lnRef idx="3">
+            <a:schemeClr val="lt1"/>
+          </a:lnRef>
+          <a:fillRef idx="1">
+            <a:schemeClr val="accent1"/>
+          </a:fillRef>
+          <a:effectRef idx="1">
+            <a:schemeClr val="accent1"/>
+          </a:effectRef>
+          <a:fontRef idx="minor">
+            <a:schemeClr val="lt1"/>
+          </a:fontRef>
+        </p:style>
+        <p:txBody>
+          <a:bodyPr anchor="ctr"/>
+          <a:lstStyle/>
+          <a:p>
+            <a:pPr algn="ctr" eaLnBrk="1" latinLnBrk="0" hangingPunct="1"/>
+            <a:endParaRPr kumimoji="0" lang="en-US" dirty="0"/>
+          </a:p>
+        </p:txBody>
+      </p:sp>
+      <p:sp>
+        <p:nvSpPr>
+          <p:cNvPr id="25" name="Oval 24"/>
+          <p:cNvSpPr/>
+          <p:nvPr/>
+        </p:nvSpPr>
+        <p:spPr>
+          <a:xfrm>
+            <a:off x="1905000" y="4495800"/>
+            <a:ext cx="365760" cy="365760"/>
+          </a:xfrm>
+          <a:prstGeom prst="ellipse">
+            <a:avLst/>
+          </a:prstGeom>
+          <a:ln w="28575" cap="rnd" cmpd="sng" algn="ctr">
+            <a:noFill/>
+            <a:prstDash val="solid"/>
+          </a:ln>
+          <a:effectLst/>
+        </p:spPr>
+        <p:style>
+          <a:lnRef idx="3">
+            <a:schemeClr val="lt1"/>
+          </a:lnRef>
+          <a:fillRef idx="1">
+            <a:schemeClr val="accent1"/>
+          </a:fillRef>
+          <a:effectRef idx="1">
+            <a:schemeClr val="accent1"/>
+          </a:effectRef>
+          <a:fontRef idx="minor">
+            <a:schemeClr val="lt1"/>
+          </a:fontRef>
+        </p:style>
+        <p:txBody>
+          <a:bodyPr anchor="ctr"/>
+          <a:lstStyle/>
+          <a:p>
+            <a:pPr algn="ctr" eaLnBrk="1" latinLnBrk="0" hangingPunct="1"/>
+            <a:endParaRPr kumimoji="0" lang="en-US" dirty="0"/>
+          </a:p>
+        </p:txBody>
+      </p:sp>
+      <p:sp>
+        <p:nvSpPr>
+          <p:cNvPr id="29" name="Slide Number Placeholder 28"/>
           <p:cNvSpPr>
             <a:spLocks noGrp="1"/>
           </p:cNvSpPr>
@@ -342,13 +1000,19 @@
             <p:ph type="sldNum" sz="quarter" idx="12"/>
           </p:nvPr>
         </p:nvSpPr>
-        <p:spPr/>
+        <p:spPr bwMode="auto">
+          <a:xfrm>
+            <a:off x="1325544" y="4928702"/>
+            <a:ext cx="609600" cy="517524"/>
+          </a:xfrm>
+        </p:spPr>
         <p:txBody>
           <a:bodyPr/>
           <a:lstStyle/>
           <a:p>
             <a:fld id="{C6566B18-BB5F-4837-959F-2A7F43B16BA7}" type="slidenum">
               <a:rPr lang="en-US" smtClean="0"/>
+              <a:pPr/>
               <a:t>‹#›</a:t>
             </a:fld>
             <a:endParaRPr lang="en-US"/>
@@ -358,7 +1022,7 @@
     </p:spTree>
   </p:cSld>
   <p:clrMapOvr>
-    <a:masterClrMapping/>
+    <a:overrideClrMapping bg1="lt1" tx1="dk1" bg2="lt2" tx2="dk2" accent1="accent1" accent2="accent2" accent3="accent3" accent4="accent4" accent5="accent5" accent6="accent6" hlink="hlink" folHlink="folHlink"/>
   </p:clrMapOvr>
 </p:sldLayout>
 </file>
@@ -396,10 +1060,10 @@
           <a:lstStyle/>
           <a:p>
             <a:r>
-              <a:rPr lang="en-US" smtClean="0"/>
+              <a:rPr kumimoji="0" lang="en-US" smtClean="0"/>
               <a:t>Click to edit Master title style</a:t>
             </a:r>
-            <a:endParaRPr lang="en-US"/>
+            <a:endParaRPr kumimoji="0" lang="en-US"/>
           </a:p>
         </p:txBody>
       </p:sp>
@@ -418,40 +1082,40 @@
           <a:bodyPr vert="eaVert"/>
           <a:lstStyle/>
           <a:p>
-            <a:pPr lvl="0"/>
+            <a:pPr lvl="0" eaLnBrk="1" latinLnBrk="0" hangingPunct="1"/>
             <a:r>
               <a:rPr lang="en-US" smtClean="0"/>
               <a:t>Click to edit Master text styles</a:t>
             </a:r>
           </a:p>
           <a:p>
-            <a:pPr lvl="1"/>
+            <a:pPr lvl="1" eaLnBrk="1" latinLnBrk="0" hangingPunct="1"/>
             <a:r>
               <a:rPr lang="en-US" smtClean="0"/>
               <a:t>Second level</a:t>
             </a:r>
           </a:p>
           <a:p>
-            <a:pPr lvl="2"/>
+            <a:pPr lvl="2" eaLnBrk="1" latinLnBrk="0" hangingPunct="1"/>
             <a:r>
               <a:rPr lang="en-US" smtClean="0"/>
               <a:t>Third level</a:t>
             </a:r>
           </a:p>
           <a:p>
-            <a:pPr lvl="3"/>
+            <a:pPr lvl="3" eaLnBrk="1" latinLnBrk="0" hangingPunct="1"/>
             <a:r>
               <a:rPr lang="en-US" smtClean="0"/>
               <a:t>Fourth level</a:t>
             </a:r>
           </a:p>
           <a:p>
-            <a:pPr lvl="4"/>
+            <a:pPr lvl="4" eaLnBrk="1" latinLnBrk="0" hangingPunct="1"/>
             <a:r>
               <a:rPr lang="en-US" smtClean="0"/>
               <a:t>Fifth level</a:t>
             </a:r>
-            <a:endParaRPr lang="en-US"/>
+            <a:endParaRPr kumimoji="0" lang="en-US"/>
           </a:p>
         </p:txBody>
       </p:sp>
@@ -472,6 +1136,7 @@
           <a:p>
             <a:fld id="{153650A5-9763-422E-80B7-FD650D7318AA}" type="datetimeFigureOut">
               <a:rPr lang="en-US" smtClean="0"/>
+              <a:pPr/>
               <a:t>11/19/2013</a:t>
             </a:fld>
             <a:endParaRPr lang="en-US"/>
@@ -514,6 +1179,7 @@
           <a:p>
             <a:fld id="{C6566B18-BB5F-4837-959F-2A7F43B16BA7}" type="slidenum">
               <a:rPr lang="en-US" smtClean="0"/>
+              <a:pPr/>
               <a:t>‹#›</a:t>
             </a:fld>
             <a:endParaRPr lang="en-US"/>
@@ -557,8 +1223,8 @@
         </p:nvSpPr>
         <p:spPr>
           <a:xfrm>
-            <a:off x="6629400" y="274638"/>
-            <a:ext cx="2057400" cy="5851525"/>
+            <a:off x="6629400" y="274639"/>
+            <a:ext cx="1676400" cy="5851525"/>
           </a:xfrm>
         </p:spPr>
         <p:txBody>
@@ -566,10 +1232,10 @@
           <a:lstStyle/>
           <a:p>
             <a:r>
-              <a:rPr lang="en-US" smtClean="0"/>
+              <a:rPr kumimoji="0" lang="en-US" smtClean="0"/>
               <a:t>Click to edit Master title style</a:t>
             </a:r>
-            <a:endParaRPr lang="en-US"/>
+            <a:endParaRPr kumimoji="0" lang="en-US"/>
           </a:p>
         </p:txBody>
       </p:sp>
@@ -593,40 +1259,40 @@
           <a:bodyPr vert="eaVert"/>
           <a:lstStyle/>
           <a:p>
-            <a:pPr lvl="0"/>
+            <a:pPr lvl="0" eaLnBrk="1" latinLnBrk="0" hangingPunct="1"/>
             <a:r>
               <a:rPr lang="en-US" smtClean="0"/>
               <a:t>Click to edit Master text styles</a:t>
             </a:r>
           </a:p>
           <a:p>
-            <a:pPr lvl="1"/>
+            <a:pPr lvl="1" eaLnBrk="1" latinLnBrk="0" hangingPunct="1"/>
             <a:r>
               <a:rPr lang="en-US" smtClean="0"/>
               <a:t>Second level</a:t>
             </a:r>
           </a:p>
           <a:p>
-            <a:pPr lvl="2"/>
+            <a:pPr lvl="2" eaLnBrk="1" latinLnBrk="0" hangingPunct="1"/>
             <a:r>
               <a:rPr lang="en-US" smtClean="0"/>
               <a:t>Third level</a:t>
             </a:r>
           </a:p>
           <a:p>
-            <a:pPr lvl="3"/>
+            <a:pPr lvl="3" eaLnBrk="1" latinLnBrk="0" hangingPunct="1"/>
             <a:r>
               <a:rPr lang="en-US" smtClean="0"/>
               <a:t>Fourth level</a:t>
             </a:r>
           </a:p>
           <a:p>
-            <a:pPr lvl="4"/>
+            <a:pPr lvl="4" eaLnBrk="1" latinLnBrk="0" hangingPunct="1"/>
             <a:r>
               <a:rPr lang="en-US" smtClean="0"/>
               <a:t>Fifth level</a:t>
             </a:r>
-            <a:endParaRPr lang="en-US"/>
+            <a:endParaRPr kumimoji="0" lang="en-US"/>
           </a:p>
         </p:txBody>
       </p:sp>
@@ -647,6 +1313,7 @@
           <a:p>
             <a:fld id="{153650A5-9763-422E-80B7-FD650D7318AA}" type="datetimeFigureOut">
               <a:rPr lang="en-US" smtClean="0"/>
+              <a:pPr/>
               <a:t>11/19/2013</a:t>
             </a:fld>
             <a:endParaRPr lang="en-US"/>
@@ -689,6 +1356,7 @@
           <a:p>
             <a:fld id="{C6566B18-BB5F-4837-959F-2A7F43B16BA7}" type="slidenum">
               <a:rPr lang="en-US" smtClean="0"/>
+              <a:pPr/>
               <a:t>‹#›</a:t>
             </a:fld>
             <a:endParaRPr lang="en-US"/>
@@ -736,82 +1404,88 @@
           <a:lstStyle/>
           <a:p>
             <a:r>
-              <a:rPr lang="en-US" smtClean="0"/>
+              <a:rPr kumimoji="0" lang="en-US" smtClean="0"/>
               <a:t>Click to edit Master title style</a:t>
             </a:r>
-            <a:endParaRPr lang="en-US"/>
-          </a:p>
-        </p:txBody>
-      </p:sp>
-      <p:sp>
-        <p:nvSpPr>
-          <p:cNvPr id="3" name="Content Placeholder 2"/>
-          <p:cNvSpPr>
-            <a:spLocks noGrp="1"/>
-          </p:cNvSpPr>
-          <p:nvPr>
-            <p:ph idx="1"/>
-          </p:nvPr>
-        </p:nvSpPr>
-        <p:spPr/>
+            <a:endParaRPr kumimoji="0" lang="en-US"/>
+          </a:p>
+        </p:txBody>
+      </p:sp>
+      <p:sp>
+        <p:nvSpPr>
+          <p:cNvPr id="8" name="Content Placeholder 7"/>
+          <p:cNvSpPr>
+            <a:spLocks noGrp="1"/>
+          </p:cNvSpPr>
+          <p:nvPr>
+            <p:ph sz="quarter" idx="1"/>
+          </p:nvPr>
+        </p:nvSpPr>
+        <p:spPr>
+          <a:xfrm>
+            <a:off x="457200" y="1600200"/>
+            <a:ext cx="7467600" cy="4873752"/>
+          </a:xfrm>
+        </p:spPr>
         <p:txBody>
           <a:bodyPr/>
           <a:lstStyle/>
           <a:p>
-            <a:pPr lvl="0"/>
+            <a:pPr lvl="0" eaLnBrk="1" latinLnBrk="0" hangingPunct="1"/>
             <a:r>
               <a:rPr lang="en-US" smtClean="0"/>
               <a:t>Click to edit Master text styles</a:t>
             </a:r>
           </a:p>
           <a:p>
-            <a:pPr lvl="1"/>
+            <a:pPr lvl="1" eaLnBrk="1" latinLnBrk="0" hangingPunct="1"/>
             <a:r>
               <a:rPr lang="en-US" smtClean="0"/>
               <a:t>Second level</a:t>
             </a:r>
           </a:p>
           <a:p>
-            <a:pPr lvl="2"/>
+            <a:pPr lvl="2" eaLnBrk="1" latinLnBrk="0" hangingPunct="1"/>
             <a:r>
               <a:rPr lang="en-US" smtClean="0"/>
               <a:t>Third level</a:t>
             </a:r>
           </a:p>
           <a:p>
-            <a:pPr lvl="3"/>
+            <a:pPr lvl="3" eaLnBrk="1" latinLnBrk="0" hangingPunct="1"/>
             <a:r>
               <a:rPr lang="en-US" smtClean="0"/>
               <a:t>Fourth level</a:t>
             </a:r>
           </a:p>
           <a:p>
-            <a:pPr lvl="4"/>
+            <a:pPr lvl="4" eaLnBrk="1" latinLnBrk="0" hangingPunct="1"/>
             <a:r>
               <a:rPr lang="en-US" smtClean="0"/>
               <a:t>Fifth level</a:t>
             </a:r>
-            <a:endParaRPr lang="en-US"/>
-          </a:p>
-        </p:txBody>
-      </p:sp>
-      <p:sp>
-        <p:nvSpPr>
-          <p:cNvPr id="4" name="Date Placeholder 3"/>
-          <p:cNvSpPr>
-            <a:spLocks noGrp="1"/>
-          </p:cNvSpPr>
-          <p:nvPr>
-            <p:ph type="dt" sz="half" idx="10"/>
+            <a:endParaRPr kumimoji="0" lang="en-US"/>
+          </a:p>
+        </p:txBody>
+      </p:sp>
+      <p:sp>
+        <p:nvSpPr>
+          <p:cNvPr id="7" name="Date Placeholder 6"/>
+          <p:cNvSpPr>
+            <a:spLocks noGrp="1"/>
+          </p:cNvSpPr>
+          <p:nvPr>
+            <p:ph type="dt" sz="half" idx="14"/>
           </p:nvPr>
         </p:nvSpPr>
         <p:spPr/>
         <p:txBody>
-          <a:bodyPr/>
+          <a:bodyPr rtlCol="0"/>
           <a:lstStyle/>
           <a:p>
             <a:fld id="{153650A5-9763-422E-80B7-FD650D7318AA}" type="datetimeFigureOut">
               <a:rPr lang="en-US" smtClean="0"/>
+              <a:pPr/>
               <a:t>11/19/2013</a:t>
             </a:fld>
             <a:endParaRPr lang="en-US"/>
@@ -820,42 +1494,43 @@
       </p:sp>
       <p:sp>
         <p:nvSpPr>
-          <p:cNvPr id="5" name="Footer Placeholder 4"/>
-          <p:cNvSpPr>
-            <a:spLocks noGrp="1"/>
-          </p:cNvSpPr>
-          <p:nvPr>
-            <p:ph type="ftr" sz="quarter" idx="11"/>
+          <p:cNvPr id="9" name="Slide Number Placeholder 8"/>
+          <p:cNvSpPr>
+            <a:spLocks noGrp="1"/>
+          </p:cNvSpPr>
+          <p:nvPr>
+            <p:ph type="sldNum" sz="quarter" idx="15"/>
           </p:nvPr>
         </p:nvSpPr>
         <p:spPr/>
         <p:txBody>
-          <a:bodyPr/>
-          <a:lstStyle/>
-          <a:p>
-            <a:endParaRPr lang="en-US"/>
-          </a:p>
-        </p:txBody>
-      </p:sp>
-      <p:sp>
-        <p:nvSpPr>
-          <p:cNvPr id="6" name="Slide Number Placeholder 5"/>
-          <p:cNvSpPr>
-            <a:spLocks noGrp="1"/>
-          </p:cNvSpPr>
-          <p:nvPr>
-            <p:ph type="sldNum" sz="quarter" idx="12"/>
-          </p:nvPr>
-        </p:nvSpPr>
-        <p:spPr/>
-        <p:txBody>
-          <a:bodyPr/>
+          <a:bodyPr rtlCol="0"/>
           <a:lstStyle/>
           <a:p>
             <a:fld id="{C6566B18-BB5F-4837-959F-2A7F43B16BA7}" type="slidenum">
               <a:rPr lang="en-US" smtClean="0"/>
+              <a:pPr/>
               <a:t>‹#›</a:t>
             </a:fld>
+            <a:endParaRPr lang="en-US"/>
+          </a:p>
+        </p:txBody>
+      </p:sp>
+      <p:sp>
+        <p:nvSpPr>
+          <p:cNvPr id="10" name="Footer Placeholder 9"/>
+          <p:cNvSpPr>
+            <a:spLocks noGrp="1"/>
+          </p:cNvSpPr>
+          <p:nvPr>
+            <p:ph type="ftr" sz="quarter" idx="16"/>
+          </p:nvPr>
+        </p:nvSpPr>
+        <p:spPr/>
+        <p:txBody>
+          <a:bodyPr rtlCol="0"/>
+          <a:lstStyle/>
+          <a:p>
             <a:endParaRPr lang="en-US"/>
           </a:p>
         </p:txBody>
@@ -869,8 +1544,13 @@
 </file>
 
 <file path=ppt/slideLayouts/slideLayout3.xml><?xml version="1.0" encoding="utf-8"?>
-<p:sldLayout xmlns:a="http://schemas.openxmlformats.org/drawingml/2006/main" xmlns:r="http://schemas.openxmlformats.org/officeDocument/2006/relationships" xmlns:p="http://schemas.openxmlformats.org/presentationml/2006/main" type="secHead" preserve="1">
+<p:sldLayout xmlns:a="http://schemas.openxmlformats.org/drawingml/2006/main" xmlns:r="http://schemas.openxmlformats.org/officeDocument/2006/relationships" xmlns:p="http://schemas.openxmlformats.org/presentationml/2006/main" showMasterSp="0" type="secHead" preserve="1">
   <p:cSld name="Section Header">
+    <p:bg>
+      <p:bgRef idx="1001">
+        <a:schemeClr val="bg2"/>
+      </p:bgRef>
+    </p:bg>
     <p:spTree>
       <p:nvGrpSpPr>
         <p:cNvPr id="1" name=""/>
@@ -897,23 +1577,24 @@
         </p:nvSpPr>
         <p:spPr>
           <a:xfrm>
-            <a:off x="722313" y="4406900"/>
-            <a:ext cx="7772400" cy="1362075"/>
+            <a:off x="2286000" y="2895600"/>
+            <a:ext cx="6172200" cy="2053590"/>
           </a:xfrm>
         </p:spPr>
         <p:txBody>
-          <a:bodyPr anchor="t"/>
+          <a:bodyPr/>
           <a:lstStyle>
             <a:lvl1pPr algn="l">
-              <a:defRPr sz="4000" b="1" cap="all"/>
+              <a:buNone/>
+              <a:defRPr sz="3000" b="1" cap="small" baseline="0"/>
             </a:lvl1pPr>
           </a:lstStyle>
           <a:p>
             <a:r>
-              <a:rPr lang="en-US" smtClean="0"/>
+              <a:rPr kumimoji="0" lang="en-US" smtClean="0"/>
               <a:t>Click to edit Master title style</a:t>
             </a:r>
-            <a:endParaRPr lang="en-US"/>
+            <a:endParaRPr kumimoji="0" lang="en-US"/>
           </a:p>
         </p:txBody>
       </p:sp>
@@ -929,24 +1610,22 @@
         </p:nvSpPr>
         <p:spPr>
           <a:xfrm>
-            <a:off x="722313" y="2906713"/>
-            <a:ext cx="7772400" cy="1500187"/>
+            <a:off x="2286000" y="5010150"/>
+            <a:ext cx="6172200" cy="1371600"/>
           </a:xfrm>
         </p:spPr>
         <p:txBody>
-          <a:bodyPr anchor="b"/>
+          <a:bodyPr anchor="t"/>
           <a:lstStyle>
             <a:lvl1pPr marL="0" indent="0">
               <a:buNone/>
-              <a:defRPr sz="2000">
+              <a:defRPr sz="1800" b="1">
                 <a:solidFill>
-                  <a:schemeClr val="tx1">
-                    <a:tint val="75000"/>
-                  </a:schemeClr>
+                  <a:schemeClr val="tx2"/>
                 </a:solidFill>
               </a:defRPr>
             </a:lvl1pPr>
-            <a:lvl2pPr marL="457200" indent="0">
+            <a:lvl2pPr>
               <a:buNone/>
               <a:defRPr sz="1800">
                 <a:solidFill>
@@ -956,7 +1635,7 @@
                 </a:solidFill>
               </a:defRPr>
             </a:lvl2pPr>
-            <a:lvl3pPr marL="914400" indent="0">
+            <a:lvl3pPr>
               <a:buNone/>
               <a:defRPr sz="1600">
                 <a:solidFill>
@@ -966,7 +1645,7 @@
                 </a:solidFill>
               </a:defRPr>
             </a:lvl3pPr>
-            <a:lvl4pPr marL="1371600" indent="0">
+            <a:lvl4pPr>
               <a:buNone/>
               <a:defRPr sz="1400">
                 <a:solidFill>
@@ -976,7 +1655,7 @@
                 </a:solidFill>
               </a:defRPr>
             </a:lvl4pPr>
-            <a:lvl5pPr marL="1828800" indent="0">
+            <a:lvl5pPr>
               <a:buNone/>
               <a:defRPr sz="1400">
                 <a:solidFill>
@@ -986,51 +1665,11 @@
                 </a:solidFill>
               </a:defRPr>
             </a:lvl5pPr>
-            <a:lvl6pPr marL="2286000" indent="0">
-              <a:buNone/>
-              <a:defRPr sz="1400">
-                <a:solidFill>
-                  <a:schemeClr val="tx1">
-                    <a:tint val="75000"/>
-                  </a:schemeClr>
-                </a:solidFill>
-              </a:defRPr>
-            </a:lvl6pPr>
-            <a:lvl7pPr marL="2743200" indent="0">
-              <a:buNone/>
-              <a:defRPr sz="1400">
-                <a:solidFill>
-                  <a:schemeClr val="tx1">
-                    <a:tint val="75000"/>
-                  </a:schemeClr>
-                </a:solidFill>
-              </a:defRPr>
-            </a:lvl7pPr>
-            <a:lvl8pPr marL="3200400" indent="0">
-              <a:buNone/>
-              <a:defRPr sz="1400">
-                <a:solidFill>
-                  <a:schemeClr val="tx1">
-                    <a:tint val="75000"/>
-                  </a:schemeClr>
-                </a:solidFill>
-              </a:defRPr>
-            </a:lvl8pPr>
-            <a:lvl9pPr marL="3657600" indent="0">
-              <a:buNone/>
-              <a:defRPr sz="1400">
-                <a:solidFill>
-                  <a:schemeClr val="tx1">
-                    <a:tint val="75000"/>
-                  </a:schemeClr>
-                </a:solidFill>
-              </a:defRPr>
-            </a:lvl9pPr>
           </a:lstStyle>
           <a:p>
-            <a:pPr lvl="0"/>
-            <a:r>
-              <a:rPr lang="en-US" smtClean="0"/>
+            <a:pPr lvl="0" eaLnBrk="1" latinLnBrk="0" hangingPunct="1"/>
+            <a:r>
+              <a:rPr kumimoji="0" lang="en-US" smtClean="0"/>
               <a:t>Click to edit Master text styles</a:t>
             </a:r>
           </a:p>
@@ -1046,13 +1685,19 @@
             <p:ph type="dt" sz="half" idx="10"/>
           </p:nvPr>
         </p:nvSpPr>
-        <p:spPr/>
+        <p:spPr bwMode="auto">
+          <a:xfrm rot="5400000">
+            <a:off x="7763256" y="1170432"/>
+            <a:ext cx="2286000" cy="381000"/>
+          </a:xfrm>
+        </p:spPr>
         <p:txBody>
           <a:bodyPr/>
           <a:lstStyle/>
           <a:p>
             <a:fld id="{153650A5-9763-422E-80B7-FD650D7318AA}" type="datetimeFigureOut">
               <a:rPr lang="en-US" smtClean="0"/>
+              <a:pPr/>
               <a:t>11/19/2013</a:t>
             </a:fld>
             <a:endParaRPr lang="en-US"/>
@@ -1069,7 +1714,12 @@
             <p:ph type="ftr" sz="quarter" idx="11"/>
           </p:nvPr>
         </p:nvSpPr>
-        <p:spPr/>
+        <p:spPr bwMode="auto">
+          <a:xfrm rot="5400000">
+            <a:off x="7077456" y="4178808"/>
+            <a:ext cx="3657600" cy="384048"/>
+          </a:xfrm>
+        </p:spPr>
         <p:txBody>
           <a:bodyPr/>
           <a:lstStyle/>
@@ -1080,6 +1730,697 @@
       </p:sp>
       <p:sp>
         <p:nvSpPr>
+          <p:cNvPr id="9" name="Rectangle 8"/>
+          <p:cNvSpPr/>
+          <p:nvPr/>
+        </p:nvSpPr>
+        <p:spPr bwMode="auto">
+          <a:xfrm>
+            <a:off x="381000" y="0"/>
+            <a:ext cx="609600" cy="6858000"/>
+          </a:xfrm>
+          <a:prstGeom prst="rect">
+            <a:avLst/>
+          </a:prstGeom>
+          <a:solidFill>
+            <a:schemeClr val="accent1">
+              <a:tint val="60000"/>
+              <a:alpha val="54000"/>
+            </a:schemeClr>
+          </a:solidFill>
+          <a:ln w="38100" cap="rnd" cmpd="sng" algn="ctr">
+            <a:noFill/>
+            <a:prstDash val="solid"/>
+          </a:ln>
+          <a:effectLst/>
+        </p:spPr>
+        <p:style>
+          <a:lnRef idx="3">
+            <a:schemeClr val="lt1"/>
+          </a:lnRef>
+          <a:fillRef idx="1">
+            <a:schemeClr val="accent1"/>
+          </a:fillRef>
+          <a:effectRef idx="1">
+            <a:schemeClr val="accent1"/>
+          </a:effectRef>
+          <a:fontRef idx="minor">
+            <a:schemeClr val="lt1"/>
+          </a:fontRef>
+        </p:style>
+        <p:txBody>
+          <a:bodyPr anchor="ctr"/>
+          <a:lstStyle/>
+          <a:p>
+            <a:pPr algn="ctr" eaLnBrk="1" latinLnBrk="0" hangingPunct="1"/>
+            <a:endParaRPr kumimoji="0" lang="en-US"/>
+          </a:p>
+        </p:txBody>
+      </p:sp>
+      <p:sp>
+        <p:nvSpPr>
+          <p:cNvPr id="10" name="Rectangle 9"/>
+          <p:cNvSpPr/>
+          <p:nvPr/>
+        </p:nvSpPr>
+        <p:spPr bwMode="auto">
+          <a:xfrm>
+            <a:off x="276336" y="0"/>
+            <a:ext cx="104664" cy="6858000"/>
+          </a:xfrm>
+          <a:prstGeom prst="rect">
+            <a:avLst/>
+          </a:prstGeom>
+          <a:solidFill>
+            <a:schemeClr val="accent1">
+              <a:tint val="40000"/>
+              <a:alpha val="36000"/>
+            </a:schemeClr>
+          </a:solidFill>
+          <a:ln w="38100" cap="rnd" cmpd="sng" algn="ctr">
+            <a:noFill/>
+            <a:prstDash val="solid"/>
+          </a:ln>
+          <a:effectLst/>
+        </p:spPr>
+        <p:style>
+          <a:lnRef idx="3">
+            <a:schemeClr val="lt1"/>
+          </a:lnRef>
+          <a:fillRef idx="1">
+            <a:schemeClr val="accent1"/>
+          </a:fillRef>
+          <a:effectRef idx="1">
+            <a:schemeClr val="accent1"/>
+          </a:effectRef>
+          <a:fontRef idx="minor">
+            <a:schemeClr val="lt1"/>
+          </a:fontRef>
+        </p:style>
+        <p:txBody>
+          <a:bodyPr anchor="ctr"/>
+          <a:lstStyle/>
+          <a:p>
+            <a:pPr algn="ctr" eaLnBrk="1" latinLnBrk="0" hangingPunct="1"/>
+            <a:endParaRPr kumimoji="0" lang="en-US"/>
+          </a:p>
+        </p:txBody>
+      </p:sp>
+      <p:sp>
+        <p:nvSpPr>
+          <p:cNvPr id="11" name="Rectangle 10"/>
+          <p:cNvSpPr/>
+          <p:nvPr/>
+        </p:nvSpPr>
+        <p:spPr bwMode="auto">
+          <a:xfrm>
+            <a:off x="990600" y="0"/>
+            <a:ext cx="181872" cy="6858000"/>
+          </a:xfrm>
+          <a:prstGeom prst="rect">
+            <a:avLst/>
+          </a:prstGeom>
+          <a:solidFill>
+            <a:schemeClr val="accent1">
+              <a:tint val="40000"/>
+              <a:alpha val="70000"/>
+            </a:schemeClr>
+          </a:solidFill>
+          <a:ln w="38100" cap="rnd" cmpd="sng" algn="ctr">
+            <a:noFill/>
+            <a:prstDash val="solid"/>
+          </a:ln>
+          <a:effectLst/>
+        </p:spPr>
+        <p:style>
+          <a:lnRef idx="3">
+            <a:schemeClr val="lt1"/>
+          </a:lnRef>
+          <a:fillRef idx="1">
+            <a:schemeClr val="accent1"/>
+          </a:fillRef>
+          <a:effectRef idx="1">
+            <a:schemeClr val="accent1"/>
+          </a:effectRef>
+          <a:fontRef idx="minor">
+            <a:schemeClr val="lt1"/>
+          </a:fontRef>
+        </p:style>
+        <p:txBody>
+          <a:bodyPr anchor="ctr"/>
+          <a:lstStyle/>
+          <a:p>
+            <a:pPr algn="ctr" eaLnBrk="1" latinLnBrk="0" hangingPunct="1"/>
+            <a:endParaRPr kumimoji="0" lang="en-US"/>
+          </a:p>
+        </p:txBody>
+      </p:sp>
+      <p:sp>
+        <p:nvSpPr>
+          <p:cNvPr id="12" name="Rectangle 11"/>
+          <p:cNvSpPr/>
+          <p:nvPr/>
+        </p:nvSpPr>
+        <p:spPr bwMode="auto">
+          <a:xfrm>
+            <a:off x="1141320" y="0"/>
+            <a:ext cx="230280" cy="6858000"/>
+          </a:xfrm>
+          <a:prstGeom prst="rect">
+            <a:avLst/>
+          </a:prstGeom>
+          <a:solidFill>
+            <a:schemeClr val="accent1">
+              <a:tint val="20000"/>
+              <a:alpha val="71000"/>
+            </a:schemeClr>
+          </a:solidFill>
+          <a:ln w="38100" cap="rnd" cmpd="sng" algn="ctr">
+            <a:noFill/>
+            <a:prstDash val="solid"/>
+          </a:ln>
+          <a:effectLst/>
+        </p:spPr>
+        <p:style>
+          <a:lnRef idx="3">
+            <a:schemeClr val="lt1"/>
+          </a:lnRef>
+          <a:fillRef idx="1">
+            <a:schemeClr val="accent1"/>
+          </a:fillRef>
+          <a:effectRef idx="1">
+            <a:schemeClr val="accent1"/>
+          </a:effectRef>
+          <a:fontRef idx="minor">
+            <a:schemeClr val="lt1"/>
+          </a:fontRef>
+        </p:style>
+        <p:txBody>
+          <a:bodyPr anchor="ctr"/>
+          <a:lstStyle/>
+          <a:p>
+            <a:pPr algn="ctr" eaLnBrk="1" latinLnBrk="0" hangingPunct="1"/>
+            <a:endParaRPr kumimoji="0" lang="en-US"/>
+          </a:p>
+        </p:txBody>
+      </p:sp>
+      <p:sp>
+        <p:nvSpPr>
+          <p:cNvPr id="13" name="Straight Connector 12"/>
+          <p:cNvSpPr>
+            <a:spLocks noChangeShapeType="1"/>
+          </p:cNvSpPr>
+          <p:nvPr/>
+        </p:nvSpPr>
+        <p:spPr bwMode="auto">
+          <a:xfrm>
+            <a:off x="106344" y="0"/>
+            <a:ext cx="0" cy="6858000"/>
+          </a:xfrm>
+          <a:prstGeom prst="line">
+            <a:avLst/>
+          </a:prstGeom>
+          <a:noFill/>
+          <a:ln w="57150" cap="flat" cmpd="sng" algn="ctr">
+            <a:solidFill>
+              <a:schemeClr val="accent1">
+                <a:tint val="60000"/>
+                <a:alpha val="73000"/>
+              </a:schemeClr>
+            </a:solidFill>
+            <a:prstDash val="solid"/>
+            <a:round/>
+            <a:headEnd type="none" w="med" len="med"/>
+            <a:tailEnd type="none" w="med" len="med"/>
+          </a:ln>
+          <a:effectLst/>
+        </p:spPr>
+        <p:txBody>
+          <a:bodyPr vert="horz" wrap="square" lIns="91440" tIns="45720" rIns="91440" bIns="45720" anchor="t" compatLnSpc="1"/>
+          <a:lstStyle/>
+          <a:p>
+            <a:endParaRPr kumimoji="0" lang="en-US"/>
+          </a:p>
+        </p:txBody>
+      </p:sp>
+      <p:sp>
+        <p:nvSpPr>
+          <p:cNvPr id="14" name="Straight Connector 13"/>
+          <p:cNvSpPr>
+            <a:spLocks noChangeShapeType="1"/>
+          </p:cNvSpPr>
+          <p:nvPr/>
+        </p:nvSpPr>
+        <p:spPr bwMode="auto">
+          <a:xfrm>
+            <a:off x="914400" y="0"/>
+            <a:ext cx="0" cy="6858000"/>
+          </a:xfrm>
+          <a:prstGeom prst="line">
+            <a:avLst/>
+          </a:prstGeom>
+          <a:noFill/>
+          <a:ln w="57150" cap="flat" cmpd="sng" algn="ctr">
+            <a:solidFill>
+              <a:schemeClr val="accent1">
+                <a:tint val="20000"/>
+                <a:alpha val="83000"/>
+              </a:schemeClr>
+            </a:solidFill>
+            <a:prstDash val="solid"/>
+            <a:round/>
+            <a:headEnd type="none" w="med" len="med"/>
+            <a:tailEnd type="none" w="med" len="med"/>
+          </a:ln>
+          <a:effectLst/>
+        </p:spPr>
+        <p:txBody>
+          <a:bodyPr vert="horz" wrap="square" lIns="91440" tIns="45720" rIns="91440" bIns="45720" anchor="t" compatLnSpc="1"/>
+          <a:lstStyle/>
+          <a:p>
+            <a:endParaRPr kumimoji="0" lang="en-US"/>
+          </a:p>
+        </p:txBody>
+      </p:sp>
+      <p:sp>
+        <p:nvSpPr>
+          <p:cNvPr id="15" name="Straight Connector 14"/>
+          <p:cNvSpPr>
+            <a:spLocks noChangeShapeType="1"/>
+          </p:cNvSpPr>
+          <p:nvPr/>
+        </p:nvSpPr>
+        <p:spPr bwMode="auto">
+          <a:xfrm>
+            <a:off x="854112" y="0"/>
+            <a:ext cx="0" cy="6858000"/>
+          </a:xfrm>
+          <a:prstGeom prst="line">
+            <a:avLst/>
+          </a:prstGeom>
+          <a:noFill/>
+          <a:ln w="57150" cap="flat" cmpd="sng" algn="ctr">
+            <a:solidFill>
+              <a:schemeClr val="accent1">
+                <a:tint val="60000"/>
+              </a:schemeClr>
+            </a:solidFill>
+            <a:prstDash val="solid"/>
+            <a:round/>
+            <a:headEnd type="none" w="med" len="med"/>
+            <a:tailEnd type="none" w="med" len="med"/>
+          </a:ln>
+          <a:effectLst/>
+        </p:spPr>
+        <p:txBody>
+          <a:bodyPr vert="horz" wrap="square" lIns="91440" tIns="45720" rIns="91440" bIns="45720" anchor="t" compatLnSpc="1"/>
+          <a:lstStyle/>
+          <a:p>
+            <a:endParaRPr kumimoji="0" lang="en-US"/>
+          </a:p>
+        </p:txBody>
+      </p:sp>
+      <p:sp>
+        <p:nvSpPr>
+          <p:cNvPr id="16" name="Straight Connector 15"/>
+          <p:cNvSpPr>
+            <a:spLocks noChangeShapeType="1"/>
+          </p:cNvSpPr>
+          <p:nvPr/>
+        </p:nvSpPr>
+        <p:spPr bwMode="auto">
+          <a:xfrm>
+            <a:off x="1726640" y="0"/>
+            <a:ext cx="0" cy="6858000"/>
+          </a:xfrm>
+          <a:prstGeom prst="line">
+            <a:avLst/>
+          </a:prstGeom>
+          <a:noFill/>
+          <a:ln w="28575" cap="flat" cmpd="sng" algn="ctr">
+            <a:solidFill>
+              <a:schemeClr val="accent1">
+                <a:tint val="60000"/>
+                <a:alpha val="82000"/>
+              </a:schemeClr>
+            </a:solidFill>
+            <a:prstDash val="solid"/>
+            <a:round/>
+            <a:headEnd type="none" w="med" len="med"/>
+            <a:tailEnd type="none" w="med" len="med"/>
+          </a:ln>
+          <a:effectLst/>
+        </p:spPr>
+        <p:txBody>
+          <a:bodyPr vert="horz" wrap="square" lIns="91440" tIns="45720" rIns="91440" bIns="45720" anchor="t" compatLnSpc="1"/>
+          <a:lstStyle/>
+          <a:p>
+            <a:endParaRPr kumimoji="0" lang="en-US"/>
+          </a:p>
+        </p:txBody>
+      </p:sp>
+      <p:sp>
+        <p:nvSpPr>
+          <p:cNvPr id="17" name="Straight Connector 16"/>
+          <p:cNvSpPr>
+            <a:spLocks noChangeShapeType="1"/>
+          </p:cNvSpPr>
+          <p:nvPr/>
+        </p:nvSpPr>
+        <p:spPr bwMode="auto">
+          <a:xfrm>
+            <a:off x="1066800" y="0"/>
+            <a:ext cx="0" cy="6858000"/>
+          </a:xfrm>
+          <a:prstGeom prst="line">
+            <a:avLst/>
+          </a:prstGeom>
+          <a:noFill/>
+          <a:ln w="9525" cap="flat" cmpd="sng" algn="ctr">
+            <a:solidFill>
+              <a:schemeClr val="accent1">
+                <a:tint val="60000"/>
+              </a:schemeClr>
+            </a:solidFill>
+            <a:prstDash val="solid"/>
+            <a:round/>
+            <a:headEnd type="none" w="med" len="med"/>
+            <a:tailEnd type="none" w="med" len="med"/>
+          </a:ln>
+          <a:effectLst/>
+        </p:spPr>
+        <p:txBody>
+          <a:bodyPr vert="horz" wrap="square" lIns="91440" tIns="45720" rIns="91440" bIns="45720" anchor="t" compatLnSpc="1"/>
+          <a:lstStyle/>
+          <a:p>
+            <a:endParaRPr kumimoji="0" lang="en-US"/>
+          </a:p>
+        </p:txBody>
+      </p:sp>
+      <p:sp>
+        <p:nvSpPr>
+          <p:cNvPr id="18" name="Rectangle 17"/>
+          <p:cNvSpPr/>
+          <p:nvPr/>
+        </p:nvSpPr>
+        <p:spPr bwMode="auto">
+          <a:xfrm>
+            <a:off x="1219200" y="0"/>
+            <a:ext cx="76200" cy="6858000"/>
+          </a:xfrm>
+          <a:prstGeom prst="rect">
+            <a:avLst/>
+          </a:prstGeom>
+          <a:solidFill>
+            <a:schemeClr val="accent1">
+              <a:tint val="60000"/>
+              <a:alpha val="51000"/>
+            </a:schemeClr>
+          </a:solidFill>
+          <a:ln w="38100" cap="rnd" cmpd="sng" algn="ctr">
+            <a:noFill/>
+            <a:prstDash val="solid"/>
+          </a:ln>
+          <a:effectLst/>
+        </p:spPr>
+        <p:style>
+          <a:lnRef idx="3">
+            <a:schemeClr val="lt1"/>
+          </a:lnRef>
+          <a:fillRef idx="1">
+            <a:schemeClr val="accent1"/>
+          </a:fillRef>
+          <a:effectRef idx="1">
+            <a:schemeClr val="accent1"/>
+          </a:effectRef>
+          <a:fontRef idx="minor">
+            <a:schemeClr val="lt1"/>
+          </a:fontRef>
+        </p:style>
+        <p:txBody>
+          <a:bodyPr anchor="ctr"/>
+          <a:lstStyle/>
+          <a:p>
+            <a:pPr algn="ctr" eaLnBrk="1" latinLnBrk="0" hangingPunct="1"/>
+            <a:endParaRPr kumimoji="0" lang="en-US" dirty="0"/>
+          </a:p>
+        </p:txBody>
+      </p:sp>
+      <p:sp>
+        <p:nvSpPr>
+          <p:cNvPr id="19" name="Oval 18"/>
+          <p:cNvSpPr/>
+          <p:nvPr/>
+        </p:nvSpPr>
+        <p:spPr bwMode="auto">
+          <a:xfrm>
+            <a:off x="609600" y="3429000"/>
+            <a:ext cx="1295400" cy="1295400"/>
+          </a:xfrm>
+          <a:prstGeom prst="ellipse">
+            <a:avLst/>
+          </a:prstGeom>
+          <a:ln w="38100" cap="rnd" cmpd="sng" algn="ctr">
+            <a:noFill/>
+            <a:prstDash val="solid"/>
+          </a:ln>
+          <a:effectLst/>
+        </p:spPr>
+        <p:style>
+          <a:lnRef idx="3">
+            <a:schemeClr val="lt1"/>
+          </a:lnRef>
+          <a:fillRef idx="1">
+            <a:schemeClr val="accent1"/>
+          </a:fillRef>
+          <a:effectRef idx="1">
+            <a:schemeClr val="accent1"/>
+          </a:effectRef>
+          <a:fontRef idx="minor">
+            <a:schemeClr val="lt1"/>
+          </a:fontRef>
+        </p:style>
+        <p:txBody>
+          <a:bodyPr anchor="ctr"/>
+          <a:lstStyle/>
+          <a:p>
+            <a:pPr algn="ctr" eaLnBrk="1" latinLnBrk="0" hangingPunct="1"/>
+            <a:endParaRPr kumimoji="0" lang="en-US" dirty="0"/>
+          </a:p>
+        </p:txBody>
+      </p:sp>
+      <p:sp>
+        <p:nvSpPr>
+          <p:cNvPr id="20" name="Oval 19"/>
+          <p:cNvSpPr/>
+          <p:nvPr/>
+        </p:nvSpPr>
+        <p:spPr bwMode="auto">
+          <a:xfrm>
+            <a:off x="1324704" y="4866752"/>
+            <a:ext cx="641424" cy="641424"/>
+          </a:xfrm>
+          <a:prstGeom prst="ellipse">
+            <a:avLst/>
+          </a:prstGeom>
+          <a:ln w="28575" cap="rnd" cmpd="sng" algn="ctr">
+            <a:noFill/>
+            <a:prstDash val="solid"/>
+          </a:ln>
+          <a:effectLst/>
+        </p:spPr>
+        <p:style>
+          <a:lnRef idx="3">
+            <a:schemeClr val="lt1"/>
+          </a:lnRef>
+          <a:fillRef idx="1">
+            <a:schemeClr val="accent1"/>
+          </a:fillRef>
+          <a:effectRef idx="1">
+            <a:schemeClr val="accent1"/>
+          </a:effectRef>
+          <a:fontRef idx="minor">
+            <a:schemeClr val="lt1"/>
+          </a:fontRef>
+        </p:style>
+        <p:txBody>
+          <a:bodyPr anchor="ctr"/>
+          <a:lstStyle/>
+          <a:p>
+            <a:pPr algn="ctr" eaLnBrk="1" latinLnBrk="0" hangingPunct="1"/>
+            <a:endParaRPr kumimoji="0" lang="en-US" dirty="0"/>
+          </a:p>
+        </p:txBody>
+      </p:sp>
+      <p:sp>
+        <p:nvSpPr>
+          <p:cNvPr id="21" name="Oval 20"/>
+          <p:cNvSpPr/>
+          <p:nvPr/>
+        </p:nvSpPr>
+        <p:spPr bwMode="auto">
+          <a:xfrm>
+            <a:off x="1091080" y="5500632"/>
+            <a:ext cx="137160" cy="137160"/>
+          </a:xfrm>
+          <a:prstGeom prst="ellipse">
+            <a:avLst/>
+          </a:prstGeom>
+          <a:ln w="12700" cap="rnd" cmpd="sng" algn="ctr">
+            <a:noFill/>
+            <a:prstDash val="solid"/>
+          </a:ln>
+          <a:effectLst/>
+        </p:spPr>
+        <p:style>
+          <a:lnRef idx="3">
+            <a:schemeClr val="lt1"/>
+          </a:lnRef>
+          <a:fillRef idx="1">
+            <a:schemeClr val="accent1"/>
+          </a:fillRef>
+          <a:effectRef idx="1">
+            <a:schemeClr val="accent1"/>
+          </a:effectRef>
+          <a:fontRef idx="minor">
+            <a:schemeClr val="lt1"/>
+          </a:fontRef>
+        </p:style>
+        <p:txBody>
+          <a:bodyPr anchor="ctr"/>
+          <a:lstStyle/>
+          <a:p>
+            <a:pPr algn="ctr" eaLnBrk="1" latinLnBrk="0" hangingPunct="1"/>
+            <a:endParaRPr kumimoji="0" lang="en-US" dirty="0"/>
+          </a:p>
+        </p:txBody>
+      </p:sp>
+      <p:sp>
+        <p:nvSpPr>
+          <p:cNvPr id="22" name="Oval 21"/>
+          <p:cNvSpPr/>
+          <p:nvPr/>
+        </p:nvSpPr>
+        <p:spPr bwMode="auto">
+          <a:xfrm>
+            <a:off x="1664208" y="5791200"/>
+            <a:ext cx="274320" cy="274320"/>
+          </a:xfrm>
+          <a:prstGeom prst="ellipse">
+            <a:avLst/>
+          </a:prstGeom>
+          <a:ln w="12700" cap="rnd" cmpd="sng" algn="ctr">
+            <a:noFill/>
+            <a:prstDash val="solid"/>
+          </a:ln>
+          <a:effectLst/>
+        </p:spPr>
+        <p:style>
+          <a:lnRef idx="3">
+            <a:schemeClr val="lt1"/>
+          </a:lnRef>
+          <a:fillRef idx="1">
+            <a:schemeClr val="accent1"/>
+          </a:fillRef>
+          <a:effectRef idx="1">
+            <a:schemeClr val="accent1"/>
+          </a:effectRef>
+          <a:fontRef idx="minor">
+            <a:schemeClr val="lt1"/>
+          </a:fontRef>
+        </p:style>
+        <p:txBody>
+          <a:bodyPr anchor="ctr"/>
+          <a:lstStyle/>
+          <a:p>
+            <a:pPr algn="ctr" eaLnBrk="1" latinLnBrk="0" hangingPunct="1"/>
+            <a:endParaRPr kumimoji="0" lang="en-US" dirty="0"/>
+          </a:p>
+        </p:txBody>
+      </p:sp>
+      <p:sp>
+        <p:nvSpPr>
+          <p:cNvPr id="23" name="Oval 22"/>
+          <p:cNvSpPr/>
+          <p:nvPr/>
+        </p:nvSpPr>
+        <p:spPr bwMode="auto">
+          <a:xfrm>
+            <a:off x="1879040" y="4479888"/>
+            <a:ext cx="365760" cy="365760"/>
+          </a:xfrm>
+          <a:prstGeom prst="ellipse">
+            <a:avLst/>
+          </a:prstGeom>
+          <a:ln w="28575" cap="rnd" cmpd="sng" algn="ctr">
+            <a:noFill/>
+            <a:prstDash val="solid"/>
+          </a:ln>
+          <a:effectLst/>
+        </p:spPr>
+        <p:style>
+          <a:lnRef idx="3">
+            <a:schemeClr val="lt1"/>
+          </a:lnRef>
+          <a:fillRef idx="1">
+            <a:schemeClr val="accent1"/>
+          </a:fillRef>
+          <a:effectRef idx="1">
+            <a:schemeClr val="accent1"/>
+          </a:effectRef>
+          <a:fontRef idx="minor">
+            <a:schemeClr val="lt1"/>
+          </a:fontRef>
+        </p:style>
+        <p:txBody>
+          <a:bodyPr anchor="ctr"/>
+          <a:lstStyle/>
+          <a:p>
+            <a:pPr algn="ctr" eaLnBrk="1" latinLnBrk="0" hangingPunct="1"/>
+            <a:endParaRPr kumimoji="0" lang="en-US" dirty="0"/>
+          </a:p>
+        </p:txBody>
+      </p:sp>
+      <p:sp>
+        <p:nvSpPr>
+          <p:cNvPr id="26" name="Straight Connector 25"/>
+          <p:cNvSpPr>
+            <a:spLocks noChangeShapeType="1"/>
+          </p:cNvSpPr>
+          <p:nvPr/>
+        </p:nvSpPr>
+        <p:spPr bwMode="auto">
+          <a:xfrm>
+            <a:off x="9097944" y="0"/>
+            <a:ext cx="0" cy="6858000"/>
+          </a:xfrm>
+          <a:prstGeom prst="line">
+            <a:avLst/>
+          </a:prstGeom>
+          <a:noFill/>
+          <a:ln w="57150" cap="flat" cmpd="thickThin" algn="ctr">
+            <a:solidFill>
+              <a:schemeClr val="accent1">
+                <a:tint val="60000"/>
+              </a:schemeClr>
+            </a:solidFill>
+            <a:prstDash val="solid"/>
+            <a:round/>
+            <a:headEnd type="none" w="med" len="med"/>
+            <a:tailEnd type="none" w="med" len="med"/>
+          </a:ln>
+          <a:effectLst/>
+        </p:spPr>
+        <p:txBody>
+          <a:bodyPr vert="horz" wrap="square" lIns="91440" tIns="45720" rIns="91440" bIns="45720" anchor="t" compatLnSpc="1"/>
+          <a:lstStyle/>
+          <a:p>
+            <a:endParaRPr kumimoji="0" lang="en-US"/>
+          </a:p>
+        </p:txBody>
+      </p:sp>
+      <p:sp>
+        <p:nvSpPr>
           <p:cNvPr id="6" name="Slide Number Placeholder 5"/>
           <p:cNvSpPr>
             <a:spLocks noGrp="1"/>
@@ -1088,13 +2429,19 @@
             <p:ph type="sldNum" sz="quarter" idx="12"/>
           </p:nvPr>
         </p:nvSpPr>
-        <p:spPr/>
+        <p:spPr bwMode="auto">
+          <a:xfrm>
+            <a:off x="1340616" y="4928702"/>
+            <a:ext cx="609600" cy="517524"/>
+          </a:xfrm>
+        </p:spPr>
         <p:txBody>
           <a:bodyPr/>
           <a:lstStyle/>
           <a:p>
             <a:fld id="{C6566B18-BB5F-4837-959F-2A7F43B16BA7}" type="slidenum">
               <a:rPr lang="en-US" smtClean="0"/>
+              <a:pPr/>
               <a:t>‹#›</a:t>
             </a:fld>
             <a:endParaRPr lang="en-US"/>
@@ -1104,7 +2451,7 @@
     </p:spTree>
   </p:cSld>
   <p:clrMapOvr>
-    <a:masterClrMapping/>
+    <a:overrideClrMapping bg1="dk1" tx1="lt1" bg2="dk2" tx2="lt2" accent1="accent1" accent2="accent2" accent3="accent3" accent4="accent4" accent5="accent5" accent6="accent6" hlink="hlink" folHlink="folHlink"/>
   </p:clrMapOvr>
 </p:sldLayout>
 </file>
@@ -1142,245 +2489,191 @@
           <a:lstStyle/>
           <a:p>
             <a:r>
+              <a:rPr kumimoji="0" lang="en-US" smtClean="0"/>
+              <a:t>Click to edit Master title style</a:t>
+            </a:r>
+            <a:endParaRPr kumimoji="0" lang="en-US"/>
+          </a:p>
+        </p:txBody>
+      </p:sp>
+      <p:sp>
+        <p:nvSpPr>
+          <p:cNvPr id="5" name="Date Placeholder 4"/>
+          <p:cNvSpPr>
+            <a:spLocks noGrp="1"/>
+          </p:cNvSpPr>
+          <p:nvPr>
+            <p:ph type="dt" sz="half" idx="10"/>
+          </p:nvPr>
+        </p:nvSpPr>
+        <p:spPr/>
+        <p:txBody>
+          <a:bodyPr/>
+          <a:lstStyle/>
+          <a:p>
+            <a:fld id="{153650A5-9763-422E-80B7-FD650D7318AA}" type="datetimeFigureOut">
               <a:rPr lang="en-US" smtClean="0"/>
-              <a:t>Click to edit Master title style</a:t>
-            </a:r>
+              <a:pPr/>
+              <a:t>11/19/2013</a:t>
+            </a:fld>
             <a:endParaRPr lang="en-US"/>
           </a:p>
         </p:txBody>
       </p:sp>
       <p:sp>
         <p:nvSpPr>
-          <p:cNvPr id="3" name="Content Placeholder 2"/>
-          <p:cNvSpPr>
-            <a:spLocks noGrp="1"/>
-          </p:cNvSpPr>
-          <p:nvPr>
-            <p:ph sz="half" idx="1"/>
+          <p:cNvPr id="6" name="Footer Placeholder 5"/>
+          <p:cNvSpPr>
+            <a:spLocks noGrp="1"/>
+          </p:cNvSpPr>
+          <p:nvPr>
+            <p:ph type="ftr" sz="quarter" idx="11"/>
+          </p:nvPr>
+        </p:nvSpPr>
+        <p:spPr/>
+        <p:txBody>
+          <a:bodyPr/>
+          <a:lstStyle/>
+          <a:p>
+            <a:endParaRPr lang="en-US"/>
+          </a:p>
+        </p:txBody>
+      </p:sp>
+      <p:sp>
+        <p:nvSpPr>
+          <p:cNvPr id="7" name="Slide Number Placeholder 6"/>
+          <p:cNvSpPr>
+            <a:spLocks noGrp="1"/>
+          </p:cNvSpPr>
+          <p:nvPr>
+            <p:ph type="sldNum" sz="quarter" idx="12"/>
+          </p:nvPr>
+        </p:nvSpPr>
+        <p:spPr/>
+        <p:txBody>
+          <a:bodyPr/>
+          <a:lstStyle/>
+          <a:p>
+            <a:fld id="{C6566B18-BB5F-4837-959F-2A7F43B16BA7}" type="slidenum">
+              <a:rPr lang="en-US" smtClean="0"/>
+              <a:pPr/>
+              <a:t>‹#›</a:t>
+            </a:fld>
+            <a:endParaRPr lang="en-US"/>
+          </a:p>
+        </p:txBody>
+      </p:sp>
+      <p:sp>
+        <p:nvSpPr>
+          <p:cNvPr id="9" name="Content Placeholder 8"/>
+          <p:cNvSpPr>
+            <a:spLocks noGrp="1"/>
+          </p:cNvSpPr>
+          <p:nvPr>
+            <p:ph sz="quarter" idx="1"/>
           </p:nvPr>
         </p:nvSpPr>
         <p:spPr>
           <a:xfrm>
             <a:off x="457200" y="1600200"/>
-            <a:ext cx="4038600" cy="4525963"/>
+            <a:ext cx="3657600" cy="4572000"/>
           </a:xfrm>
         </p:spPr>
         <p:txBody>
           <a:bodyPr/>
-          <a:lstStyle>
-            <a:lvl1pPr>
-              <a:defRPr sz="2800"/>
-            </a:lvl1pPr>
-            <a:lvl2pPr>
-              <a:defRPr sz="2400"/>
-            </a:lvl2pPr>
-            <a:lvl3pPr>
-              <a:defRPr sz="2000"/>
-            </a:lvl3pPr>
-            <a:lvl4pPr>
-              <a:defRPr sz="1800"/>
-            </a:lvl4pPr>
-            <a:lvl5pPr>
-              <a:defRPr sz="1800"/>
-            </a:lvl5pPr>
-            <a:lvl6pPr>
-              <a:defRPr sz="1800"/>
-            </a:lvl6pPr>
-            <a:lvl7pPr>
-              <a:defRPr sz="1800"/>
-            </a:lvl7pPr>
-            <a:lvl8pPr>
-              <a:defRPr sz="1800"/>
-            </a:lvl8pPr>
-            <a:lvl9pPr>
-              <a:defRPr sz="1800"/>
-            </a:lvl9pPr>
-          </a:lstStyle>
-          <a:p>
-            <a:pPr lvl="0"/>
+          <a:lstStyle/>
+          <a:p>
+            <a:pPr lvl="0" eaLnBrk="1" latinLnBrk="0" hangingPunct="1"/>
             <a:r>
               <a:rPr lang="en-US" smtClean="0"/>
               <a:t>Click to edit Master text styles</a:t>
             </a:r>
           </a:p>
           <a:p>
-            <a:pPr lvl="1"/>
+            <a:pPr lvl="1" eaLnBrk="1" latinLnBrk="0" hangingPunct="1"/>
             <a:r>
               <a:rPr lang="en-US" smtClean="0"/>
               <a:t>Second level</a:t>
             </a:r>
           </a:p>
           <a:p>
-            <a:pPr lvl="2"/>
+            <a:pPr lvl="2" eaLnBrk="1" latinLnBrk="0" hangingPunct="1"/>
             <a:r>
               <a:rPr lang="en-US" smtClean="0"/>
               <a:t>Third level</a:t>
             </a:r>
           </a:p>
           <a:p>
-            <a:pPr lvl="3"/>
+            <a:pPr lvl="3" eaLnBrk="1" latinLnBrk="0" hangingPunct="1"/>
             <a:r>
               <a:rPr lang="en-US" smtClean="0"/>
               <a:t>Fourth level</a:t>
             </a:r>
           </a:p>
           <a:p>
-            <a:pPr lvl="4"/>
+            <a:pPr lvl="4" eaLnBrk="1" latinLnBrk="0" hangingPunct="1"/>
             <a:r>
               <a:rPr lang="en-US" smtClean="0"/>
               <a:t>Fifth level</a:t>
             </a:r>
-            <a:endParaRPr lang="en-US"/>
-          </a:p>
-        </p:txBody>
-      </p:sp>
-      <p:sp>
-        <p:nvSpPr>
-          <p:cNvPr id="4" name="Content Placeholder 3"/>
-          <p:cNvSpPr>
-            <a:spLocks noGrp="1"/>
-          </p:cNvSpPr>
-          <p:nvPr>
-            <p:ph sz="half" idx="2"/>
+            <a:endParaRPr kumimoji="0" lang="en-US"/>
+          </a:p>
+        </p:txBody>
+      </p:sp>
+      <p:sp>
+        <p:nvSpPr>
+          <p:cNvPr id="11" name="Content Placeholder 10"/>
+          <p:cNvSpPr>
+            <a:spLocks noGrp="1"/>
+          </p:cNvSpPr>
+          <p:nvPr>
+            <p:ph sz="quarter" idx="2"/>
           </p:nvPr>
         </p:nvSpPr>
         <p:spPr>
           <a:xfrm>
-            <a:off x="4648200" y="1600200"/>
-            <a:ext cx="4038600" cy="4525963"/>
+            <a:off x="4270248" y="1600200"/>
+            <a:ext cx="3657600" cy="4572000"/>
           </a:xfrm>
         </p:spPr>
         <p:txBody>
           <a:bodyPr/>
-          <a:lstStyle>
-            <a:lvl1pPr>
-              <a:defRPr sz="2800"/>
-            </a:lvl1pPr>
-            <a:lvl2pPr>
-              <a:defRPr sz="2400"/>
-            </a:lvl2pPr>
-            <a:lvl3pPr>
-              <a:defRPr sz="2000"/>
-            </a:lvl3pPr>
-            <a:lvl4pPr>
-              <a:defRPr sz="1800"/>
-            </a:lvl4pPr>
-            <a:lvl5pPr>
-              <a:defRPr sz="1800"/>
-            </a:lvl5pPr>
-            <a:lvl6pPr>
-              <a:defRPr sz="1800"/>
-            </a:lvl6pPr>
-            <a:lvl7pPr>
-              <a:defRPr sz="1800"/>
-            </a:lvl7pPr>
-            <a:lvl8pPr>
-              <a:defRPr sz="1800"/>
-            </a:lvl8pPr>
-            <a:lvl9pPr>
-              <a:defRPr sz="1800"/>
-            </a:lvl9pPr>
-          </a:lstStyle>
-          <a:p>
-            <a:pPr lvl="0"/>
+          <a:lstStyle/>
+          <a:p>
+            <a:pPr lvl="0" eaLnBrk="1" latinLnBrk="0" hangingPunct="1"/>
             <a:r>
               <a:rPr lang="en-US" smtClean="0"/>
               <a:t>Click to edit Master text styles</a:t>
             </a:r>
           </a:p>
           <a:p>
-            <a:pPr lvl="1"/>
+            <a:pPr lvl="1" eaLnBrk="1" latinLnBrk="0" hangingPunct="1"/>
             <a:r>
               <a:rPr lang="en-US" smtClean="0"/>
               <a:t>Second level</a:t>
             </a:r>
           </a:p>
           <a:p>
-            <a:pPr lvl="2"/>
+            <a:pPr lvl="2" eaLnBrk="1" latinLnBrk="0" hangingPunct="1"/>
             <a:r>
               <a:rPr lang="en-US" smtClean="0"/>
               <a:t>Third level</a:t>
             </a:r>
           </a:p>
           <a:p>
-            <a:pPr lvl="3"/>
+            <a:pPr lvl="3" eaLnBrk="1" latinLnBrk="0" hangingPunct="1"/>
             <a:r>
               <a:rPr lang="en-US" smtClean="0"/>
               <a:t>Fourth level</a:t>
             </a:r>
           </a:p>
           <a:p>
-            <a:pPr lvl="4"/>
+            <a:pPr lvl="4" eaLnBrk="1" latinLnBrk="0" hangingPunct="1"/>
             <a:r>
               <a:rPr lang="en-US" smtClean="0"/>
               <a:t>Fifth level</a:t>
             </a:r>
-            <a:endParaRPr lang="en-US"/>
-          </a:p>
-        </p:txBody>
-      </p:sp>
-      <p:sp>
-        <p:nvSpPr>
-          <p:cNvPr id="5" name="Date Placeholder 4"/>
-          <p:cNvSpPr>
-            <a:spLocks noGrp="1"/>
-          </p:cNvSpPr>
-          <p:nvPr>
-            <p:ph type="dt" sz="half" idx="10"/>
-          </p:nvPr>
-        </p:nvSpPr>
-        <p:spPr/>
-        <p:txBody>
-          <a:bodyPr/>
-          <a:lstStyle/>
-          <a:p>
-            <a:fld id="{153650A5-9763-422E-80B7-FD650D7318AA}" type="datetimeFigureOut">
-              <a:rPr lang="en-US" smtClean="0"/>
-              <a:t>11/19/2013</a:t>
-            </a:fld>
-            <a:endParaRPr lang="en-US"/>
-          </a:p>
-        </p:txBody>
-      </p:sp>
-      <p:sp>
-        <p:nvSpPr>
-          <p:cNvPr id="6" name="Footer Placeholder 5"/>
-          <p:cNvSpPr>
-            <a:spLocks noGrp="1"/>
-          </p:cNvSpPr>
-          <p:nvPr>
-            <p:ph type="ftr" sz="quarter" idx="11"/>
-          </p:nvPr>
-        </p:nvSpPr>
-        <p:spPr/>
-        <p:txBody>
-          <a:bodyPr/>
-          <a:lstStyle/>
-          <a:p>
-            <a:endParaRPr lang="en-US"/>
-          </a:p>
-        </p:txBody>
-      </p:sp>
-      <p:sp>
-        <p:nvSpPr>
-          <p:cNvPr id="7" name="Slide Number Placeholder 6"/>
-          <p:cNvSpPr>
-            <a:spLocks noGrp="1"/>
-          </p:cNvSpPr>
-          <p:nvPr>
-            <p:ph type="sldNum" sz="quarter" idx="12"/>
-          </p:nvPr>
-        </p:nvSpPr>
-        <p:spPr/>
-        <p:txBody>
-          <a:bodyPr/>
-          <a:lstStyle/>
-          <a:p>
-            <a:fld id="{C6566B18-BB5F-4837-959F-2A7F43B16BA7}" type="slidenum">
-              <a:rPr lang="en-US" smtClean="0"/>
-              <a:t>‹#›</a:t>
-            </a:fld>
-            <a:endParaRPr lang="en-US"/>
+            <a:endParaRPr kumimoji="0" lang="en-US"/>
           </a:p>
         </p:txBody>
       </p:sp>
@@ -1419,9 +2712,14 @@
             <p:ph type="title"/>
           </p:nvPr>
         </p:nvSpPr>
-        <p:spPr/>
-        <p:txBody>
-          <a:bodyPr/>
+        <p:spPr>
+          <a:xfrm>
+            <a:off x="457200" y="273050"/>
+            <a:ext cx="7543800" cy="1143000"/>
+          </a:xfrm>
+        </p:spPr>
+        <p:txBody>
+          <a:bodyPr anchor="b"/>
           <a:lstStyle>
             <a:lvl1pPr>
               <a:defRPr/>
@@ -1429,310 +2727,10 @@
           </a:lstStyle>
           <a:p>
             <a:r>
-              <a:rPr lang="en-US" smtClean="0"/>
+              <a:rPr kumimoji="0" lang="en-US" smtClean="0"/>
               <a:t>Click to edit Master title style</a:t>
             </a:r>
-            <a:endParaRPr lang="en-US"/>
-          </a:p>
-        </p:txBody>
-      </p:sp>
-      <p:sp>
-        <p:nvSpPr>
-          <p:cNvPr id="3" name="Text Placeholder 2"/>
-          <p:cNvSpPr>
-            <a:spLocks noGrp="1"/>
-          </p:cNvSpPr>
-          <p:nvPr>
-            <p:ph type="body" idx="1"/>
-          </p:nvPr>
-        </p:nvSpPr>
-        <p:spPr>
-          <a:xfrm>
-            <a:off x="457200" y="1535113"/>
-            <a:ext cx="4040188" cy="639762"/>
-          </a:xfrm>
-        </p:spPr>
-        <p:txBody>
-          <a:bodyPr anchor="b"/>
-          <a:lstStyle>
-            <a:lvl1pPr marL="0" indent="0">
-              <a:buNone/>
-              <a:defRPr sz="2400" b="1"/>
-            </a:lvl1pPr>
-            <a:lvl2pPr marL="457200" indent="0">
-              <a:buNone/>
-              <a:defRPr sz="2000" b="1"/>
-            </a:lvl2pPr>
-            <a:lvl3pPr marL="914400" indent="0">
-              <a:buNone/>
-              <a:defRPr sz="1800" b="1"/>
-            </a:lvl3pPr>
-            <a:lvl4pPr marL="1371600" indent="0">
-              <a:buNone/>
-              <a:defRPr sz="1600" b="1"/>
-            </a:lvl4pPr>
-            <a:lvl5pPr marL="1828800" indent="0">
-              <a:buNone/>
-              <a:defRPr sz="1600" b="1"/>
-            </a:lvl5pPr>
-            <a:lvl6pPr marL="2286000" indent="0">
-              <a:buNone/>
-              <a:defRPr sz="1600" b="1"/>
-            </a:lvl6pPr>
-            <a:lvl7pPr marL="2743200" indent="0">
-              <a:buNone/>
-              <a:defRPr sz="1600" b="1"/>
-            </a:lvl7pPr>
-            <a:lvl8pPr marL="3200400" indent="0">
-              <a:buNone/>
-              <a:defRPr sz="1600" b="1"/>
-            </a:lvl8pPr>
-            <a:lvl9pPr marL="3657600" indent="0">
-              <a:buNone/>
-              <a:defRPr sz="1600" b="1"/>
-            </a:lvl9pPr>
-          </a:lstStyle>
-          <a:p>
-            <a:pPr lvl="0"/>
-            <a:r>
-              <a:rPr lang="en-US" smtClean="0"/>
-              <a:t>Click to edit Master text styles</a:t>
-            </a:r>
-          </a:p>
-        </p:txBody>
-      </p:sp>
-      <p:sp>
-        <p:nvSpPr>
-          <p:cNvPr id="4" name="Content Placeholder 3"/>
-          <p:cNvSpPr>
-            <a:spLocks noGrp="1"/>
-          </p:cNvSpPr>
-          <p:nvPr>
-            <p:ph sz="half" idx="2"/>
-          </p:nvPr>
-        </p:nvSpPr>
-        <p:spPr>
-          <a:xfrm>
-            <a:off x="457200" y="2174875"/>
-            <a:ext cx="4040188" cy="3951288"/>
-          </a:xfrm>
-        </p:spPr>
-        <p:txBody>
-          <a:bodyPr/>
-          <a:lstStyle>
-            <a:lvl1pPr>
-              <a:defRPr sz="2400"/>
-            </a:lvl1pPr>
-            <a:lvl2pPr>
-              <a:defRPr sz="2000"/>
-            </a:lvl2pPr>
-            <a:lvl3pPr>
-              <a:defRPr sz="1800"/>
-            </a:lvl3pPr>
-            <a:lvl4pPr>
-              <a:defRPr sz="1600"/>
-            </a:lvl4pPr>
-            <a:lvl5pPr>
-              <a:defRPr sz="1600"/>
-            </a:lvl5pPr>
-            <a:lvl6pPr>
-              <a:defRPr sz="1600"/>
-            </a:lvl6pPr>
-            <a:lvl7pPr>
-              <a:defRPr sz="1600"/>
-            </a:lvl7pPr>
-            <a:lvl8pPr>
-              <a:defRPr sz="1600"/>
-            </a:lvl8pPr>
-            <a:lvl9pPr>
-              <a:defRPr sz="1600"/>
-            </a:lvl9pPr>
-          </a:lstStyle>
-          <a:p>
-            <a:pPr lvl="0"/>
-            <a:r>
-              <a:rPr lang="en-US" smtClean="0"/>
-              <a:t>Click to edit Master text styles</a:t>
-            </a:r>
-          </a:p>
-          <a:p>
-            <a:pPr lvl="1"/>
-            <a:r>
-              <a:rPr lang="en-US" smtClean="0"/>
-              <a:t>Second level</a:t>
-            </a:r>
-          </a:p>
-          <a:p>
-            <a:pPr lvl="2"/>
-            <a:r>
-              <a:rPr lang="en-US" smtClean="0"/>
-              <a:t>Third level</a:t>
-            </a:r>
-          </a:p>
-          <a:p>
-            <a:pPr lvl="3"/>
-            <a:r>
-              <a:rPr lang="en-US" smtClean="0"/>
-              <a:t>Fourth level</a:t>
-            </a:r>
-          </a:p>
-          <a:p>
-            <a:pPr lvl="4"/>
-            <a:r>
-              <a:rPr lang="en-US" smtClean="0"/>
-              <a:t>Fifth level</a:t>
-            </a:r>
-            <a:endParaRPr lang="en-US"/>
-          </a:p>
-        </p:txBody>
-      </p:sp>
-      <p:sp>
-        <p:nvSpPr>
-          <p:cNvPr id="5" name="Text Placeholder 4"/>
-          <p:cNvSpPr>
-            <a:spLocks noGrp="1"/>
-          </p:cNvSpPr>
-          <p:nvPr>
-            <p:ph type="body" sz="quarter" idx="3"/>
-          </p:nvPr>
-        </p:nvSpPr>
-        <p:spPr>
-          <a:xfrm>
-            <a:off x="4645025" y="1535113"/>
-            <a:ext cx="4041775" cy="639762"/>
-          </a:xfrm>
-        </p:spPr>
-        <p:txBody>
-          <a:bodyPr anchor="b"/>
-          <a:lstStyle>
-            <a:lvl1pPr marL="0" indent="0">
-              <a:buNone/>
-              <a:defRPr sz="2400" b="1"/>
-            </a:lvl1pPr>
-            <a:lvl2pPr marL="457200" indent="0">
-              <a:buNone/>
-              <a:defRPr sz="2000" b="1"/>
-            </a:lvl2pPr>
-            <a:lvl3pPr marL="914400" indent="0">
-              <a:buNone/>
-              <a:defRPr sz="1800" b="1"/>
-            </a:lvl3pPr>
-            <a:lvl4pPr marL="1371600" indent="0">
-              <a:buNone/>
-              <a:defRPr sz="1600" b="1"/>
-            </a:lvl4pPr>
-            <a:lvl5pPr marL="1828800" indent="0">
-              <a:buNone/>
-              <a:defRPr sz="1600" b="1"/>
-            </a:lvl5pPr>
-            <a:lvl6pPr marL="2286000" indent="0">
-              <a:buNone/>
-              <a:defRPr sz="1600" b="1"/>
-            </a:lvl6pPr>
-            <a:lvl7pPr marL="2743200" indent="0">
-              <a:buNone/>
-              <a:defRPr sz="1600" b="1"/>
-            </a:lvl7pPr>
-            <a:lvl8pPr marL="3200400" indent="0">
-              <a:buNone/>
-              <a:defRPr sz="1600" b="1"/>
-            </a:lvl8pPr>
-            <a:lvl9pPr marL="3657600" indent="0">
-              <a:buNone/>
-              <a:defRPr sz="1600" b="1"/>
-            </a:lvl9pPr>
-          </a:lstStyle>
-          <a:p>
-            <a:pPr lvl="0"/>
-            <a:r>
-              <a:rPr lang="en-US" smtClean="0"/>
-              <a:t>Click to edit Master text styles</a:t>
-            </a:r>
-          </a:p>
-        </p:txBody>
-      </p:sp>
-      <p:sp>
-        <p:nvSpPr>
-          <p:cNvPr id="6" name="Content Placeholder 5"/>
-          <p:cNvSpPr>
-            <a:spLocks noGrp="1"/>
-          </p:cNvSpPr>
-          <p:nvPr>
-            <p:ph sz="quarter" idx="4"/>
-          </p:nvPr>
-        </p:nvSpPr>
-        <p:spPr>
-          <a:xfrm>
-            <a:off x="4645025" y="2174875"/>
-            <a:ext cx="4041775" cy="3951288"/>
-          </a:xfrm>
-        </p:spPr>
-        <p:txBody>
-          <a:bodyPr/>
-          <a:lstStyle>
-            <a:lvl1pPr>
-              <a:defRPr sz="2400"/>
-            </a:lvl1pPr>
-            <a:lvl2pPr>
-              <a:defRPr sz="2000"/>
-            </a:lvl2pPr>
-            <a:lvl3pPr>
-              <a:defRPr sz="1800"/>
-            </a:lvl3pPr>
-            <a:lvl4pPr>
-              <a:defRPr sz="1600"/>
-            </a:lvl4pPr>
-            <a:lvl5pPr>
-              <a:defRPr sz="1600"/>
-            </a:lvl5pPr>
-            <a:lvl6pPr>
-              <a:defRPr sz="1600"/>
-            </a:lvl6pPr>
-            <a:lvl7pPr>
-              <a:defRPr sz="1600"/>
-            </a:lvl7pPr>
-            <a:lvl8pPr>
-              <a:defRPr sz="1600"/>
-            </a:lvl8pPr>
-            <a:lvl9pPr>
-              <a:defRPr sz="1600"/>
-            </a:lvl9pPr>
-          </a:lstStyle>
-          <a:p>
-            <a:pPr lvl="0"/>
-            <a:r>
-              <a:rPr lang="en-US" smtClean="0"/>
-              <a:t>Click to edit Master text styles</a:t>
-            </a:r>
-          </a:p>
-          <a:p>
-            <a:pPr lvl="1"/>
-            <a:r>
-              <a:rPr lang="en-US" smtClean="0"/>
-              <a:t>Second level</a:t>
-            </a:r>
-          </a:p>
-          <a:p>
-            <a:pPr lvl="2"/>
-            <a:r>
-              <a:rPr lang="en-US" smtClean="0"/>
-              <a:t>Third level</a:t>
-            </a:r>
-          </a:p>
-          <a:p>
-            <a:pPr lvl="3"/>
-            <a:r>
-              <a:rPr lang="en-US" smtClean="0"/>
-              <a:t>Fourth level</a:t>
-            </a:r>
-          </a:p>
-          <a:p>
-            <a:pPr lvl="4"/>
-            <a:r>
-              <a:rPr lang="en-US" smtClean="0"/>
-              <a:t>Fifth level</a:t>
-            </a:r>
-            <a:endParaRPr lang="en-US"/>
+            <a:endParaRPr kumimoji="0" lang="en-US"/>
           </a:p>
         </p:txBody>
       </p:sp>
@@ -1753,6 +2751,7 @@
           <a:p>
             <a:fld id="{153650A5-9763-422E-80B7-FD650D7318AA}" type="datetimeFigureOut">
               <a:rPr lang="en-US" smtClean="0"/>
+              <a:pPr/>
               <a:t>11/19/2013</a:t>
             </a:fld>
             <a:endParaRPr lang="en-US"/>
@@ -1795,9 +2794,220 @@
           <a:p>
             <a:fld id="{C6566B18-BB5F-4837-959F-2A7F43B16BA7}" type="slidenum">
               <a:rPr lang="en-US" smtClean="0"/>
+              <a:pPr/>
               <a:t>‹#›</a:t>
             </a:fld>
             <a:endParaRPr lang="en-US"/>
+          </a:p>
+        </p:txBody>
+      </p:sp>
+      <p:sp>
+        <p:nvSpPr>
+          <p:cNvPr id="11" name="Content Placeholder 10"/>
+          <p:cNvSpPr>
+            <a:spLocks noGrp="1"/>
+          </p:cNvSpPr>
+          <p:nvPr>
+            <p:ph sz="quarter" idx="2"/>
+          </p:nvPr>
+        </p:nvSpPr>
+        <p:spPr>
+          <a:xfrm>
+            <a:off x="457200" y="2362200"/>
+            <a:ext cx="3657600" cy="3886200"/>
+          </a:xfrm>
+        </p:spPr>
+        <p:txBody>
+          <a:bodyPr/>
+          <a:lstStyle/>
+          <a:p>
+            <a:pPr lvl="0" eaLnBrk="1" latinLnBrk="0" hangingPunct="1"/>
+            <a:r>
+              <a:rPr lang="en-US" smtClean="0"/>
+              <a:t>Click to edit Master text styles</a:t>
+            </a:r>
+          </a:p>
+          <a:p>
+            <a:pPr lvl="1" eaLnBrk="1" latinLnBrk="0" hangingPunct="1"/>
+            <a:r>
+              <a:rPr lang="en-US" smtClean="0"/>
+              <a:t>Second level</a:t>
+            </a:r>
+          </a:p>
+          <a:p>
+            <a:pPr lvl="2" eaLnBrk="1" latinLnBrk="0" hangingPunct="1"/>
+            <a:r>
+              <a:rPr lang="en-US" smtClean="0"/>
+              <a:t>Third level</a:t>
+            </a:r>
+          </a:p>
+          <a:p>
+            <a:pPr lvl="3" eaLnBrk="1" latinLnBrk="0" hangingPunct="1"/>
+            <a:r>
+              <a:rPr lang="en-US" smtClean="0"/>
+              <a:t>Fourth level</a:t>
+            </a:r>
+          </a:p>
+          <a:p>
+            <a:pPr lvl="4" eaLnBrk="1" latinLnBrk="0" hangingPunct="1"/>
+            <a:r>
+              <a:rPr lang="en-US" smtClean="0"/>
+              <a:t>Fifth level</a:t>
+            </a:r>
+            <a:endParaRPr kumimoji="0" lang="en-US"/>
+          </a:p>
+        </p:txBody>
+      </p:sp>
+      <p:sp>
+        <p:nvSpPr>
+          <p:cNvPr id="13" name="Content Placeholder 12"/>
+          <p:cNvSpPr>
+            <a:spLocks noGrp="1"/>
+          </p:cNvSpPr>
+          <p:nvPr>
+            <p:ph sz="quarter" idx="4"/>
+          </p:nvPr>
+        </p:nvSpPr>
+        <p:spPr>
+          <a:xfrm>
+            <a:off x="4371975" y="2362200"/>
+            <a:ext cx="3657600" cy="3886200"/>
+          </a:xfrm>
+        </p:spPr>
+        <p:txBody>
+          <a:bodyPr/>
+          <a:lstStyle/>
+          <a:p>
+            <a:pPr lvl="0" eaLnBrk="1" latinLnBrk="0" hangingPunct="1"/>
+            <a:r>
+              <a:rPr lang="en-US" smtClean="0"/>
+              <a:t>Click to edit Master text styles</a:t>
+            </a:r>
+          </a:p>
+          <a:p>
+            <a:pPr lvl="1" eaLnBrk="1" latinLnBrk="0" hangingPunct="1"/>
+            <a:r>
+              <a:rPr lang="en-US" smtClean="0"/>
+              <a:t>Second level</a:t>
+            </a:r>
+          </a:p>
+          <a:p>
+            <a:pPr lvl="2" eaLnBrk="1" latinLnBrk="0" hangingPunct="1"/>
+            <a:r>
+              <a:rPr lang="en-US" smtClean="0"/>
+              <a:t>Third level</a:t>
+            </a:r>
+          </a:p>
+          <a:p>
+            <a:pPr lvl="3" eaLnBrk="1" latinLnBrk="0" hangingPunct="1"/>
+            <a:r>
+              <a:rPr lang="en-US" smtClean="0"/>
+              <a:t>Fourth level</a:t>
+            </a:r>
+          </a:p>
+          <a:p>
+            <a:pPr lvl="4" eaLnBrk="1" latinLnBrk="0" hangingPunct="1"/>
+            <a:r>
+              <a:rPr lang="en-US" smtClean="0"/>
+              <a:t>Fifth level</a:t>
+            </a:r>
+            <a:endParaRPr kumimoji="0" lang="en-US"/>
+          </a:p>
+        </p:txBody>
+      </p:sp>
+      <p:sp>
+        <p:nvSpPr>
+          <p:cNvPr id="12" name="Text Placeholder 11"/>
+          <p:cNvSpPr>
+            <a:spLocks noGrp="1"/>
+          </p:cNvSpPr>
+          <p:nvPr>
+            <p:ph type="body" sz="quarter" idx="1"/>
+          </p:nvPr>
+        </p:nvSpPr>
+        <p:spPr>
+          <a:xfrm>
+            <a:off x="457200" y="1569720"/>
+            <a:ext cx="3657600" cy="658368"/>
+          </a:xfrm>
+          <a:prstGeom prst="roundRect">
+            <a:avLst>
+              <a:gd name="adj" fmla="val 16667"/>
+            </a:avLst>
+          </a:prstGeom>
+          <a:solidFill>
+            <a:schemeClr val="accent1"/>
+          </a:solidFill>
+        </p:spPr>
+        <p:txBody>
+          <a:bodyPr rtlCol="0" anchor="ctr">
+            <a:noAutofit/>
+          </a:bodyPr>
+          <a:lstStyle>
+            <a:lvl1pPr marL="0" indent="0">
+              <a:buFontTx/>
+              <a:buNone/>
+              <a:defRPr sz="2000" b="1">
+                <a:solidFill>
+                  <a:srgbClr val="FFFFFF"/>
+                </a:solidFill>
+              </a:defRPr>
+            </a:lvl1pPr>
+          </a:lstStyle>
+          <a:p>
+            <a:pPr lvl="0" eaLnBrk="1" latinLnBrk="0" hangingPunct="1"/>
+            <a:r>
+              <a:rPr kumimoji="0" lang="en-US" smtClean="0"/>
+              <a:t>Click to edit Master text styles</a:t>
+            </a:r>
+          </a:p>
+        </p:txBody>
+      </p:sp>
+      <p:sp>
+        <p:nvSpPr>
+          <p:cNvPr id="14" name="Text Placeholder 13"/>
+          <p:cNvSpPr>
+            <a:spLocks noGrp="1"/>
+          </p:cNvSpPr>
+          <p:nvPr>
+            <p:ph type="body" sz="quarter" idx="3"/>
+          </p:nvPr>
+        </p:nvSpPr>
+        <p:spPr>
+          <a:xfrm>
+            <a:off x="4343400" y="1569720"/>
+            <a:ext cx="3657600" cy="658368"/>
+          </a:xfrm>
+          <a:prstGeom prst="roundRect">
+            <a:avLst>
+              <a:gd name="adj" fmla="val 16667"/>
+            </a:avLst>
+          </a:prstGeom>
+          <a:solidFill>
+            <a:schemeClr val="accent1"/>
+          </a:solidFill>
+        </p:spPr>
+        <p:txBody>
+          <a:bodyPr rtlCol="0" anchor="ctr">
+            <a:noAutofit/>
+          </a:bodyPr>
+          <a:lstStyle>
+            <a:lvl1pPr marL="0" indent="0">
+              <a:buFontTx/>
+              <a:buNone/>
+              <a:defRPr sz="2000" b="1">
+                <a:solidFill>
+                  <a:srgbClr val="FFFFFF"/>
+                </a:solidFill>
+              </a:defRPr>
+            </a:lvl1pPr>
+          </a:lstStyle>
+          <a:p>
+            <a:pPr lvl="0" eaLnBrk="1" latinLnBrk="0" hangingPunct="1"/>
+            <a:r>
+              <a:rPr kumimoji="0" lang="en-US" smtClean="0"/>
+              <a:t>Click to edit Master text styles</a:t>
+            </a:r>
           </a:p>
         </p:txBody>
       </p:sp>
@@ -1842,16 +3052,16 @@
           <a:lstStyle/>
           <a:p>
             <a:r>
-              <a:rPr lang="en-US" smtClean="0"/>
+              <a:rPr kumimoji="0" lang="en-US" smtClean="0"/>
               <a:t>Click to edit Master title style</a:t>
             </a:r>
-            <a:endParaRPr lang="en-US"/>
-          </a:p>
-        </p:txBody>
-      </p:sp>
-      <p:sp>
-        <p:nvSpPr>
-          <p:cNvPr id="3" name="Date Placeholder 2"/>
+            <a:endParaRPr kumimoji="0" lang="en-US"/>
+          </a:p>
+        </p:txBody>
+      </p:sp>
+      <p:sp>
+        <p:nvSpPr>
+          <p:cNvPr id="6" name="Date Placeholder 5"/>
           <p:cNvSpPr>
             <a:spLocks noGrp="1"/>
           </p:cNvSpPr>
@@ -1861,11 +3071,12 @@
         </p:nvSpPr>
         <p:spPr/>
         <p:txBody>
-          <a:bodyPr/>
+          <a:bodyPr rtlCol="0"/>
           <a:lstStyle/>
           <a:p>
             <a:fld id="{153650A5-9763-422E-80B7-FD650D7318AA}" type="datetimeFigureOut">
               <a:rPr lang="en-US" smtClean="0"/>
+              <a:pPr/>
               <a:t>11/19/2013</a:t>
             </a:fld>
             <a:endParaRPr lang="en-US"/>
@@ -1874,42 +3085,43 @@
       </p:sp>
       <p:sp>
         <p:nvSpPr>
-          <p:cNvPr id="4" name="Footer Placeholder 3"/>
-          <p:cNvSpPr>
-            <a:spLocks noGrp="1"/>
-          </p:cNvSpPr>
-          <p:nvPr>
-            <p:ph type="ftr" sz="quarter" idx="11"/>
+          <p:cNvPr id="7" name="Slide Number Placeholder 6"/>
+          <p:cNvSpPr>
+            <a:spLocks noGrp="1"/>
+          </p:cNvSpPr>
+          <p:nvPr>
+            <p:ph type="sldNum" sz="quarter" idx="11"/>
           </p:nvPr>
         </p:nvSpPr>
         <p:spPr/>
         <p:txBody>
-          <a:bodyPr/>
-          <a:lstStyle/>
-          <a:p>
-            <a:endParaRPr lang="en-US"/>
-          </a:p>
-        </p:txBody>
-      </p:sp>
-      <p:sp>
-        <p:nvSpPr>
-          <p:cNvPr id="5" name="Slide Number Placeholder 4"/>
-          <p:cNvSpPr>
-            <a:spLocks noGrp="1"/>
-          </p:cNvSpPr>
-          <p:nvPr>
-            <p:ph type="sldNum" sz="quarter" idx="12"/>
-          </p:nvPr>
-        </p:nvSpPr>
-        <p:spPr/>
-        <p:txBody>
-          <a:bodyPr/>
+          <a:bodyPr rtlCol="0"/>
           <a:lstStyle/>
           <a:p>
             <a:fld id="{C6566B18-BB5F-4837-959F-2A7F43B16BA7}" type="slidenum">
               <a:rPr lang="en-US" smtClean="0"/>
+              <a:pPr/>
               <a:t>‹#›</a:t>
             </a:fld>
+            <a:endParaRPr lang="en-US"/>
+          </a:p>
+        </p:txBody>
+      </p:sp>
+      <p:sp>
+        <p:nvSpPr>
+          <p:cNvPr id="8" name="Footer Placeholder 7"/>
+          <p:cNvSpPr>
+            <a:spLocks noGrp="1"/>
+          </p:cNvSpPr>
+          <p:nvPr>
+            <p:ph type="ftr" sz="quarter" idx="12"/>
+          </p:nvPr>
+        </p:nvSpPr>
+        <p:spPr/>
+        <p:txBody>
+          <a:bodyPr rtlCol="0"/>
+          <a:lstStyle/>
+          <a:p>
             <a:endParaRPr lang="en-US"/>
           </a:p>
         </p:txBody>
@@ -1956,6 +3168,7 @@
           <a:p>
             <a:fld id="{153650A5-9763-422E-80B7-FD650D7318AA}" type="datetimeFigureOut">
               <a:rPr lang="en-US" smtClean="0"/>
+              <a:pPr/>
               <a:t>11/19/2013</a:t>
             </a:fld>
             <a:endParaRPr lang="en-US"/>
@@ -1998,6 +3211,7 @@
           <a:p>
             <a:fld id="{C6566B18-BB5F-4837-959F-2A7F43B16BA7}" type="slidenum">
               <a:rPr lang="en-US" smtClean="0"/>
+              <a:pPr/>
               <a:t>‹#›</a:t>
             </a:fld>
             <a:endParaRPr lang="en-US"/>
@@ -2013,8 +3227,13 @@
 </file>
 
 <file path=ppt/slideLayouts/slideLayout8.xml><?xml version="1.0" encoding="utf-8"?>
-<p:sldLayout xmlns:a="http://schemas.openxmlformats.org/drawingml/2006/main" xmlns:r="http://schemas.openxmlformats.org/officeDocument/2006/relationships" xmlns:p="http://schemas.openxmlformats.org/presentationml/2006/main" type="objTx" preserve="1">
+<p:sldLayout xmlns:a="http://schemas.openxmlformats.org/drawingml/2006/main" xmlns:r="http://schemas.openxmlformats.org/officeDocument/2006/relationships" xmlns:p="http://schemas.openxmlformats.org/presentationml/2006/main" showMasterSp="0" type="objTx" preserve="1">
   <p:cSld name="Content with Caption">
+    <p:bg>
+      <p:bgRef idx="1001">
+        <a:schemeClr val="bg1"/>
+      </p:bgRef>
+    </p:bg>
     <p:spTree>
       <p:nvGrpSpPr>
         <p:cNvPr id="1" name=""/>
@@ -2031,6 +3250,45 @@
       </p:grpSpPr>
       <p:sp>
         <p:nvSpPr>
+          <p:cNvPr id="10" name="Straight Connector 9"/>
+          <p:cNvSpPr>
+            <a:spLocks noChangeShapeType="1"/>
+          </p:cNvSpPr>
+          <p:nvPr/>
+        </p:nvSpPr>
+        <p:spPr bwMode="auto">
+          <a:xfrm>
+            <a:off x="8763000" y="0"/>
+            <a:ext cx="0" cy="6858000"/>
+          </a:xfrm>
+          <a:prstGeom prst="line">
+            <a:avLst/>
+          </a:prstGeom>
+          <a:noFill/>
+          <a:ln w="38100" cap="flat" cmpd="sng" algn="ctr">
+            <a:solidFill>
+              <a:schemeClr val="accent1">
+                <a:tint val="60000"/>
+                <a:alpha val="93000"/>
+              </a:schemeClr>
+            </a:solidFill>
+            <a:prstDash val="solid"/>
+            <a:round/>
+            <a:headEnd type="none" w="med" len="med"/>
+            <a:tailEnd type="none" w="med" len="med"/>
+          </a:ln>
+          <a:effectLst/>
+        </p:spPr>
+        <p:txBody>
+          <a:bodyPr vert="horz" wrap="square" lIns="91440" tIns="45720" rIns="91440" bIns="45720" anchor="t" compatLnSpc="1"/>
+          <a:lstStyle/>
+          <a:p>
+            <a:endParaRPr kumimoji="0" lang="en-US" dirty="0"/>
+          </a:p>
+        </p:txBody>
+      </p:sp>
+      <p:sp>
+        <p:nvSpPr>
           <p:cNvPr id="2" name="Title 1"/>
           <p:cNvSpPr>
             <a:spLocks noGrp="1"/>
@@ -2040,194 +3298,396 @@
           </p:nvPr>
         </p:nvSpPr>
         <p:spPr>
-          <a:xfrm>
-            <a:off x="457200" y="273050"/>
-            <a:ext cx="3008313" cy="1162050"/>
+          <a:xfrm rot="5400000">
+            <a:off x="3371850" y="3200400"/>
+            <a:ext cx="6309360" cy="457200"/>
           </a:xfrm>
         </p:spPr>
         <p:txBody>
           <a:bodyPr anchor="b"/>
           <a:lstStyle>
             <a:lvl1pPr algn="l">
-              <a:defRPr sz="2000" b="1"/>
+              <a:buNone/>
+              <a:defRPr sz="2000" b="1" cap="small" baseline="0"/>
             </a:lvl1pPr>
           </a:lstStyle>
           <a:p>
             <a:r>
-              <a:rPr lang="en-US" smtClean="0"/>
+              <a:rPr kumimoji="0" lang="en-US" smtClean="0"/>
               <a:t>Click to edit Master title style</a:t>
             </a:r>
-            <a:endParaRPr lang="en-US"/>
-          </a:p>
-        </p:txBody>
-      </p:sp>
-      <p:sp>
-        <p:nvSpPr>
-          <p:cNvPr id="3" name="Content Placeholder 2"/>
-          <p:cNvSpPr>
-            <a:spLocks noGrp="1"/>
-          </p:cNvSpPr>
-          <p:nvPr>
-            <p:ph idx="1"/>
+            <a:endParaRPr kumimoji="0" lang="en-US"/>
+          </a:p>
+        </p:txBody>
+      </p:sp>
+      <p:sp>
+        <p:nvSpPr>
+          <p:cNvPr id="3" name="Text Placeholder 2"/>
+          <p:cNvSpPr>
+            <a:spLocks noGrp="1"/>
+          </p:cNvSpPr>
+          <p:nvPr>
+            <p:ph type="body" idx="2"/>
           </p:nvPr>
         </p:nvSpPr>
         <p:spPr>
           <a:xfrm>
-            <a:off x="3575050" y="273050"/>
-            <a:ext cx="5111750" cy="5853113"/>
-          </a:xfrm>
-        </p:spPr>
-        <p:txBody>
-          <a:bodyPr/>
-          <a:lstStyle>
-            <a:lvl1pPr>
-              <a:defRPr sz="3200"/>
-            </a:lvl1pPr>
-            <a:lvl2pPr>
-              <a:defRPr sz="2800"/>
-            </a:lvl2pPr>
-            <a:lvl3pPr>
-              <a:defRPr sz="2400"/>
-            </a:lvl3pPr>
-            <a:lvl4pPr>
-              <a:defRPr sz="2000"/>
-            </a:lvl4pPr>
-            <a:lvl5pPr>
-              <a:defRPr sz="2000"/>
-            </a:lvl5pPr>
-            <a:lvl6pPr>
-              <a:defRPr sz="2000"/>
-            </a:lvl6pPr>
-            <a:lvl7pPr>
-              <a:defRPr sz="2000"/>
-            </a:lvl7pPr>
-            <a:lvl8pPr>
-              <a:defRPr sz="2000"/>
-            </a:lvl8pPr>
-            <a:lvl9pPr>
-              <a:defRPr sz="2000"/>
-            </a:lvl9pPr>
-          </a:lstStyle>
-          <a:p>
-            <a:pPr lvl="0"/>
-            <a:r>
-              <a:rPr lang="en-US" smtClean="0"/>
-              <a:t>Click to edit Master text styles</a:t>
-            </a:r>
-          </a:p>
-          <a:p>
-            <a:pPr lvl="1"/>
-            <a:r>
-              <a:rPr lang="en-US" smtClean="0"/>
-              <a:t>Second level</a:t>
-            </a:r>
-          </a:p>
-          <a:p>
-            <a:pPr lvl="2"/>
-            <a:r>
-              <a:rPr lang="en-US" smtClean="0"/>
-              <a:t>Third level</a:t>
-            </a:r>
-          </a:p>
-          <a:p>
-            <a:pPr lvl="3"/>
-            <a:r>
-              <a:rPr lang="en-US" smtClean="0"/>
-              <a:t>Fourth level</a:t>
-            </a:r>
-          </a:p>
-          <a:p>
-            <a:pPr lvl="4"/>
-            <a:r>
-              <a:rPr lang="en-US" smtClean="0"/>
-              <a:t>Fifth level</a:t>
-            </a:r>
-            <a:endParaRPr lang="en-US"/>
-          </a:p>
-        </p:txBody>
-      </p:sp>
-      <p:sp>
-        <p:nvSpPr>
-          <p:cNvPr id="4" name="Text Placeholder 3"/>
-          <p:cNvSpPr>
-            <a:spLocks noGrp="1"/>
-          </p:cNvSpPr>
-          <p:nvPr>
-            <p:ph type="body" sz="half" idx="2"/>
-          </p:nvPr>
-        </p:nvSpPr>
-        <p:spPr>
-          <a:xfrm>
-            <a:off x="457200" y="1435100"/>
-            <a:ext cx="3008313" cy="4691063"/>
+            <a:off x="6812280" y="274320"/>
+            <a:ext cx="1527048" cy="4983480"/>
           </a:xfrm>
         </p:spPr>
         <p:txBody>
           <a:bodyPr/>
           <a:lstStyle>
             <a:lvl1pPr marL="0" indent="0">
+              <a:spcBef>
+                <a:spcPts val="400"/>
+              </a:spcBef>
+              <a:spcAft>
+                <a:spcPts val="1000"/>
+              </a:spcAft>
               <a:buNone/>
-              <a:defRPr sz="1400"/>
+              <a:defRPr sz="1200"/>
             </a:lvl1pPr>
-            <a:lvl2pPr marL="457200" indent="0">
+            <a:lvl2pPr>
               <a:buNone/>
               <a:defRPr sz="1200"/>
             </a:lvl2pPr>
-            <a:lvl3pPr marL="914400" indent="0">
+            <a:lvl3pPr>
               <a:buNone/>
               <a:defRPr sz="1000"/>
             </a:lvl3pPr>
-            <a:lvl4pPr marL="1371600" indent="0">
+            <a:lvl4pPr>
               <a:buNone/>
               <a:defRPr sz="900"/>
             </a:lvl4pPr>
-            <a:lvl5pPr marL="1828800" indent="0">
+            <a:lvl5pPr>
               <a:buNone/>
               <a:defRPr sz="900"/>
             </a:lvl5pPr>
-            <a:lvl6pPr marL="2286000" indent="0">
-              <a:buNone/>
-              <a:defRPr sz="900"/>
-            </a:lvl6pPr>
-            <a:lvl7pPr marL="2743200" indent="0">
-              <a:buNone/>
-              <a:defRPr sz="900"/>
-            </a:lvl7pPr>
-            <a:lvl8pPr marL="3200400" indent="0">
-              <a:buNone/>
-              <a:defRPr sz="900"/>
-            </a:lvl8pPr>
-            <a:lvl9pPr marL="3657600" indent="0">
-              <a:buNone/>
-              <a:defRPr sz="900"/>
-            </a:lvl9pPr>
           </a:lstStyle>
           <a:p>
-            <a:pPr lvl="0"/>
+            <a:pPr lvl="0" eaLnBrk="1" latinLnBrk="0" hangingPunct="1"/>
+            <a:r>
+              <a:rPr kumimoji="0" lang="en-US" smtClean="0"/>
+              <a:t>Click to edit Master text styles</a:t>
+            </a:r>
+          </a:p>
+        </p:txBody>
+      </p:sp>
+      <p:sp>
+        <p:nvSpPr>
+          <p:cNvPr id="8" name="Straight Connector 7"/>
+          <p:cNvSpPr>
+            <a:spLocks noChangeShapeType="1"/>
+          </p:cNvSpPr>
+          <p:nvPr/>
+        </p:nvSpPr>
+        <p:spPr bwMode="auto">
+          <a:xfrm>
+            <a:off x="6248400" y="0"/>
+            <a:ext cx="0" cy="6858000"/>
+          </a:xfrm>
+          <a:prstGeom prst="line">
+            <a:avLst/>
+          </a:prstGeom>
+          <a:noFill/>
+          <a:ln w="38100" cap="flat" cmpd="sng" algn="ctr">
+            <a:solidFill>
+              <a:schemeClr val="accent1">
+                <a:tint val="60000"/>
+              </a:schemeClr>
+            </a:solidFill>
+            <a:prstDash val="solid"/>
+            <a:round/>
+            <a:headEnd type="none" w="med" len="med"/>
+            <a:tailEnd type="none" w="med" len="med"/>
+          </a:ln>
+          <a:effectLst/>
+        </p:spPr>
+        <p:txBody>
+          <a:bodyPr vert="horz" wrap="square" lIns="91440" tIns="45720" rIns="91440" bIns="45720" anchor="t" compatLnSpc="1"/>
+          <a:lstStyle/>
+          <a:p>
+            <a:endParaRPr kumimoji="0" lang="en-US" dirty="0"/>
+          </a:p>
+        </p:txBody>
+      </p:sp>
+      <p:sp>
+        <p:nvSpPr>
+          <p:cNvPr id="9" name="Straight Connector 8"/>
+          <p:cNvSpPr>
+            <a:spLocks noChangeShapeType="1"/>
+          </p:cNvSpPr>
+          <p:nvPr/>
+        </p:nvSpPr>
+        <p:spPr bwMode="auto">
+          <a:xfrm>
+            <a:off x="6192296" y="0"/>
+            <a:ext cx="0" cy="6858000"/>
+          </a:xfrm>
+          <a:prstGeom prst="line">
+            <a:avLst/>
+          </a:prstGeom>
+          <a:noFill/>
+          <a:ln w="12700" cap="flat" cmpd="sng" algn="ctr">
+            <a:solidFill>
+              <a:schemeClr val="accent1"/>
+            </a:solidFill>
+            <a:prstDash val="solid"/>
+            <a:round/>
+            <a:headEnd type="none" w="med" len="med"/>
+            <a:tailEnd type="none" w="med" len="med"/>
+          </a:ln>
+          <a:effectLst/>
+        </p:spPr>
+        <p:txBody>
+          <a:bodyPr vert="horz" wrap="square" lIns="91440" tIns="45720" rIns="91440" bIns="45720" anchor="t" compatLnSpc="1"/>
+          <a:lstStyle/>
+          <a:p>
+            <a:endParaRPr kumimoji="0" lang="en-US" dirty="0"/>
+          </a:p>
+        </p:txBody>
+      </p:sp>
+      <p:sp>
+        <p:nvSpPr>
+          <p:cNvPr id="11" name="Straight Connector 10"/>
+          <p:cNvSpPr>
+            <a:spLocks noChangeShapeType="1"/>
+          </p:cNvSpPr>
+          <p:nvPr/>
+        </p:nvSpPr>
+        <p:spPr bwMode="auto">
+          <a:xfrm>
+            <a:off x="8991600" y="0"/>
+            <a:ext cx="0" cy="6858000"/>
+          </a:xfrm>
+          <a:prstGeom prst="line">
+            <a:avLst/>
+          </a:prstGeom>
+          <a:noFill/>
+          <a:ln w="19050" cap="flat" cmpd="sng" algn="ctr">
+            <a:solidFill>
+              <a:schemeClr val="accent1"/>
+            </a:solidFill>
+            <a:prstDash val="solid"/>
+            <a:round/>
+            <a:headEnd type="none" w="med" len="med"/>
+            <a:tailEnd type="none" w="med" len="med"/>
+          </a:ln>
+          <a:effectLst/>
+        </p:spPr>
+        <p:txBody>
+          <a:bodyPr vert="horz" wrap="square" lIns="91440" tIns="45720" rIns="91440" bIns="45720" anchor="t" compatLnSpc="1"/>
+          <a:lstStyle/>
+          <a:p>
+            <a:endParaRPr kumimoji="0" lang="en-US"/>
+          </a:p>
+        </p:txBody>
+      </p:sp>
+      <p:sp>
+        <p:nvSpPr>
+          <p:cNvPr id="12" name="Rectangle 11"/>
+          <p:cNvSpPr/>
+          <p:nvPr/>
+        </p:nvSpPr>
+        <p:spPr bwMode="auto">
+          <a:xfrm>
+            <a:off x="8839200" y="0"/>
+            <a:ext cx="304800" cy="6858000"/>
+          </a:xfrm>
+          <a:prstGeom prst="rect">
+            <a:avLst/>
+          </a:prstGeom>
+          <a:solidFill>
+            <a:schemeClr val="accent1">
+              <a:tint val="60000"/>
+              <a:alpha val="87000"/>
+            </a:schemeClr>
+          </a:solidFill>
+          <a:ln w="38100" cap="rnd" cmpd="sng" algn="ctr">
+            <a:noFill/>
+            <a:prstDash val="solid"/>
+          </a:ln>
+          <a:effectLst/>
+        </p:spPr>
+        <p:style>
+          <a:lnRef idx="3">
+            <a:schemeClr val="lt1"/>
+          </a:lnRef>
+          <a:fillRef idx="1">
+            <a:schemeClr val="accent1"/>
+          </a:fillRef>
+          <a:effectRef idx="1">
+            <a:schemeClr val="accent1"/>
+          </a:effectRef>
+          <a:fontRef idx="minor">
+            <a:schemeClr val="lt1"/>
+          </a:fontRef>
+        </p:style>
+        <p:txBody>
+          <a:bodyPr anchor="ctr"/>
+          <a:lstStyle/>
+          <a:p>
+            <a:pPr algn="ctr" eaLnBrk="1" latinLnBrk="0" hangingPunct="1"/>
+            <a:endParaRPr kumimoji="0" lang="en-US"/>
+          </a:p>
+        </p:txBody>
+      </p:sp>
+      <p:sp>
+        <p:nvSpPr>
+          <p:cNvPr id="13" name="Straight Connector 12"/>
+          <p:cNvSpPr>
+            <a:spLocks noChangeShapeType="1"/>
+          </p:cNvSpPr>
+          <p:nvPr/>
+        </p:nvSpPr>
+        <p:spPr bwMode="auto">
+          <a:xfrm>
+            <a:off x="8915400" y="0"/>
+            <a:ext cx="0" cy="6858000"/>
+          </a:xfrm>
+          <a:prstGeom prst="line">
+            <a:avLst/>
+          </a:prstGeom>
+          <a:noFill/>
+          <a:ln w="9525" cap="flat" cmpd="sng" algn="ctr">
+            <a:solidFill>
+              <a:schemeClr val="accent1"/>
+            </a:solidFill>
+            <a:prstDash val="solid"/>
+            <a:round/>
+            <a:headEnd type="none" w="med" len="med"/>
+            <a:tailEnd type="none" w="med" len="med"/>
+          </a:ln>
+          <a:effectLst/>
+        </p:spPr>
+        <p:txBody>
+          <a:bodyPr vert="horz" wrap="square" lIns="91440" tIns="45720" rIns="91440" bIns="45720" anchor="t" compatLnSpc="1"/>
+          <a:lstStyle/>
+          <a:p>
+            <a:endParaRPr kumimoji="0" lang="en-US"/>
+          </a:p>
+        </p:txBody>
+      </p:sp>
+      <p:sp>
+        <p:nvSpPr>
+          <p:cNvPr id="14" name="Oval 13"/>
+          <p:cNvSpPr/>
+          <p:nvPr/>
+        </p:nvSpPr>
+        <p:spPr>
+          <a:xfrm>
+            <a:off x="8156448" y="5715000"/>
+            <a:ext cx="548640" cy="548640"/>
+          </a:xfrm>
+          <a:prstGeom prst="ellipse">
+            <a:avLst/>
+          </a:prstGeom>
+          <a:ln w="38100" cap="rnd" cmpd="sng" algn="ctr">
+            <a:noFill/>
+            <a:prstDash val="solid"/>
+          </a:ln>
+          <a:effectLst/>
+        </p:spPr>
+        <p:style>
+          <a:lnRef idx="3">
+            <a:schemeClr val="lt1"/>
+          </a:lnRef>
+          <a:fillRef idx="1">
+            <a:schemeClr val="accent1"/>
+          </a:fillRef>
+          <a:effectRef idx="1">
+            <a:schemeClr val="accent1"/>
+          </a:effectRef>
+          <a:fontRef idx="minor">
+            <a:schemeClr val="lt1"/>
+          </a:fontRef>
+        </p:style>
+        <p:txBody>
+          <a:bodyPr anchor="ctr"/>
+          <a:lstStyle/>
+          <a:p>
+            <a:pPr algn="ctr" eaLnBrk="1" latinLnBrk="0" hangingPunct="1"/>
+            <a:endParaRPr kumimoji="0" lang="en-US" dirty="0"/>
+          </a:p>
+        </p:txBody>
+      </p:sp>
+      <p:sp>
+        <p:nvSpPr>
+          <p:cNvPr id="18" name="Content Placeholder 17"/>
+          <p:cNvSpPr>
+            <a:spLocks noGrp="1"/>
+          </p:cNvSpPr>
+          <p:nvPr>
+            <p:ph sz="quarter" idx="1"/>
+          </p:nvPr>
+        </p:nvSpPr>
+        <p:spPr>
+          <a:xfrm>
+            <a:off x="304800" y="274320"/>
+            <a:ext cx="5638800" cy="6327648"/>
+          </a:xfrm>
+        </p:spPr>
+        <p:txBody>
+          <a:bodyPr/>
+          <a:lstStyle/>
+          <a:p>
+            <a:pPr lvl="0" eaLnBrk="1" latinLnBrk="0" hangingPunct="1"/>
             <a:r>
               <a:rPr lang="en-US" smtClean="0"/>
               <a:t>Click to edit Master text styles</a:t>
             </a:r>
           </a:p>
-        </p:txBody>
-      </p:sp>
-      <p:sp>
-        <p:nvSpPr>
-          <p:cNvPr id="5" name="Date Placeholder 4"/>
-          <p:cNvSpPr>
-            <a:spLocks noGrp="1"/>
-          </p:cNvSpPr>
-          <p:nvPr>
-            <p:ph type="dt" sz="half" idx="10"/>
+          <a:p>
+            <a:pPr lvl="1" eaLnBrk="1" latinLnBrk="0" hangingPunct="1"/>
+            <a:r>
+              <a:rPr lang="en-US" smtClean="0"/>
+              <a:t>Second level</a:t>
+            </a:r>
+          </a:p>
+          <a:p>
+            <a:pPr lvl="2" eaLnBrk="1" latinLnBrk="0" hangingPunct="1"/>
+            <a:r>
+              <a:rPr lang="en-US" smtClean="0"/>
+              <a:t>Third level</a:t>
+            </a:r>
+          </a:p>
+          <a:p>
+            <a:pPr lvl="3" eaLnBrk="1" latinLnBrk="0" hangingPunct="1"/>
+            <a:r>
+              <a:rPr lang="en-US" smtClean="0"/>
+              <a:t>Fourth level</a:t>
+            </a:r>
+          </a:p>
+          <a:p>
+            <a:pPr lvl="4" eaLnBrk="1" latinLnBrk="0" hangingPunct="1"/>
+            <a:r>
+              <a:rPr lang="en-US" smtClean="0"/>
+              <a:t>Fifth level</a:t>
+            </a:r>
+            <a:endParaRPr kumimoji="0" lang="en-US"/>
+          </a:p>
+        </p:txBody>
+      </p:sp>
+      <p:sp>
+        <p:nvSpPr>
+          <p:cNvPr id="21" name="Date Placeholder 20"/>
+          <p:cNvSpPr>
+            <a:spLocks noGrp="1"/>
+          </p:cNvSpPr>
+          <p:nvPr>
+            <p:ph type="dt" sz="half" idx="14"/>
           </p:nvPr>
         </p:nvSpPr>
         <p:spPr/>
         <p:txBody>
-          <a:bodyPr/>
+          <a:bodyPr rtlCol="0"/>
           <a:lstStyle/>
           <a:p>
             <a:fld id="{153650A5-9763-422E-80B7-FD650D7318AA}" type="datetimeFigureOut">
               <a:rPr lang="en-US" smtClean="0"/>
+              <a:pPr/>
               <a:t>11/19/2013</a:t>
             </a:fld>
             <a:endParaRPr lang="en-US"/>
@@ -2236,56 +3696,57 @@
       </p:sp>
       <p:sp>
         <p:nvSpPr>
-          <p:cNvPr id="6" name="Footer Placeholder 5"/>
-          <p:cNvSpPr>
-            <a:spLocks noGrp="1"/>
-          </p:cNvSpPr>
-          <p:nvPr>
-            <p:ph type="ftr" sz="quarter" idx="11"/>
+          <p:cNvPr id="22" name="Slide Number Placeholder 21"/>
+          <p:cNvSpPr>
+            <a:spLocks noGrp="1"/>
+          </p:cNvSpPr>
+          <p:nvPr>
+            <p:ph type="sldNum" sz="quarter" idx="15"/>
           </p:nvPr>
         </p:nvSpPr>
         <p:spPr/>
         <p:txBody>
-          <a:bodyPr/>
-          <a:lstStyle/>
-          <a:p>
-            <a:endParaRPr lang="en-US"/>
-          </a:p>
-        </p:txBody>
-      </p:sp>
-      <p:sp>
-        <p:nvSpPr>
-          <p:cNvPr id="7" name="Slide Number Placeholder 6"/>
-          <p:cNvSpPr>
-            <a:spLocks noGrp="1"/>
-          </p:cNvSpPr>
-          <p:nvPr>
-            <p:ph type="sldNum" sz="quarter" idx="12"/>
-          </p:nvPr>
-        </p:nvSpPr>
-        <p:spPr/>
-        <p:txBody>
-          <a:bodyPr/>
+          <a:bodyPr rtlCol="0"/>
           <a:lstStyle/>
           <a:p>
             <a:fld id="{C6566B18-BB5F-4837-959F-2A7F43B16BA7}" type="slidenum">
               <a:rPr lang="en-US" smtClean="0"/>
+              <a:pPr/>
               <a:t>‹#›</a:t>
             </a:fld>
             <a:endParaRPr lang="en-US"/>
           </a:p>
         </p:txBody>
       </p:sp>
+      <p:sp>
+        <p:nvSpPr>
+          <p:cNvPr id="23" name="Footer Placeholder 22"/>
+          <p:cNvSpPr>
+            <a:spLocks noGrp="1"/>
+          </p:cNvSpPr>
+          <p:nvPr>
+            <p:ph type="ftr" sz="quarter" idx="16"/>
+          </p:nvPr>
+        </p:nvSpPr>
+        <p:spPr/>
+        <p:txBody>
+          <a:bodyPr rtlCol="0"/>
+          <a:lstStyle/>
+          <a:p>
+            <a:endParaRPr lang="en-US"/>
+          </a:p>
+        </p:txBody>
+      </p:sp>
     </p:spTree>
   </p:cSld>
   <p:clrMapOvr>
-    <a:masterClrMapping/>
+    <a:overrideClrMapping bg1="lt1" tx1="dk1" bg2="lt2" tx2="dk2" accent1="accent1" accent2="accent2" accent3="accent3" accent4="accent4" accent5="accent5" accent6="accent6" hlink="hlink" folHlink="folHlink"/>
   </p:clrMapOvr>
 </p:sldLayout>
 </file>
 
 <file path=ppt/slideLayouts/slideLayout9.xml><?xml version="1.0" encoding="utf-8"?>
-<p:sldLayout xmlns:a="http://schemas.openxmlformats.org/drawingml/2006/main" xmlns:r="http://schemas.openxmlformats.org/officeDocument/2006/relationships" xmlns:p="http://schemas.openxmlformats.org/presentationml/2006/main" type="picTx" preserve="1">
+<p:sldLayout xmlns:a="http://schemas.openxmlformats.org/drawingml/2006/main" xmlns:r="http://schemas.openxmlformats.org/officeDocument/2006/relationships" xmlns:p="http://schemas.openxmlformats.org/presentationml/2006/main" showMasterSp="0" type="picTx" preserve="1">
   <p:cSld name="Picture with Caption">
     <p:spTree>
       <p:nvGrpSpPr>
@@ -2303,33 +3764,115 @@
       </p:grpSpPr>
       <p:sp>
         <p:nvSpPr>
-          <p:cNvPr id="2" name="Title 1"/>
-          <p:cNvSpPr>
-            <a:spLocks noGrp="1"/>
-          </p:cNvSpPr>
-          <p:nvPr>
-            <p:ph type="title"/>
-          </p:nvPr>
+          <p:cNvPr id="9" name="Straight Connector 8"/>
+          <p:cNvSpPr>
+            <a:spLocks noChangeShapeType="1"/>
+          </p:cNvSpPr>
+          <p:nvPr/>
+        </p:nvSpPr>
+        <p:spPr bwMode="auto">
+          <a:xfrm>
+            <a:off x="8763000" y="0"/>
+            <a:ext cx="0" cy="6858000"/>
+          </a:xfrm>
+          <a:prstGeom prst="line">
+            <a:avLst/>
+          </a:prstGeom>
+          <a:noFill/>
+          <a:ln w="38100" cap="flat" cmpd="sng" algn="ctr">
+            <a:solidFill>
+              <a:schemeClr val="accent1">
+                <a:tint val="60000"/>
+              </a:schemeClr>
+            </a:solidFill>
+            <a:prstDash val="solid"/>
+            <a:round/>
+            <a:headEnd type="none" w="med" len="med"/>
+            <a:tailEnd type="none" w="med" len="med"/>
+          </a:ln>
+          <a:effectLst/>
+        </p:spPr>
+        <p:txBody>
+          <a:bodyPr vert="horz" wrap="square" lIns="91440" tIns="45720" rIns="91440" bIns="45720" anchor="t" compatLnSpc="1"/>
+          <a:lstStyle/>
+          <a:p>
+            <a:endParaRPr kumimoji="0" lang="en-US"/>
+          </a:p>
+        </p:txBody>
+      </p:sp>
+      <p:sp>
+        <p:nvSpPr>
+          <p:cNvPr id="13" name="Oval 12"/>
+          <p:cNvSpPr/>
+          <p:nvPr/>
         </p:nvSpPr>
         <p:spPr>
           <a:xfrm>
-            <a:off x="1792288" y="4800600"/>
-            <a:ext cx="5486400" cy="566738"/>
+            <a:off x="8156448" y="5715000"/>
+            <a:ext cx="548640" cy="548640"/>
+          </a:xfrm>
+          <a:prstGeom prst="ellipse">
+            <a:avLst/>
+          </a:prstGeom>
+          <a:ln w="38100" cap="rnd" cmpd="sng" algn="ctr">
+            <a:noFill/>
+            <a:prstDash val="solid"/>
+          </a:ln>
+          <a:effectLst/>
+        </p:spPr>
+        <p:style>
+          <a:lnRef idx="3">
+            <a:schemeClr val="lt1"/>
+          </a:lnRef>
+          <a:fillRef idx="1">
+            <a:schemeClr val="accent1"/>
+          </a:fillRef>
+          <a:effectRef idx="1">
+            <a:schemeClr val="accent1"/>
+          </a:effectRef>
+          <a:fontRef idx="minor">
+            <a:schemeClr val="lt1"/>
+          </a:fontRef>
+        </p:style>
+        <p:txBody>
+          <a:bodyPr anchor="ctr"/>
+          <a:lstStyle/>
+          <a:p>
+            <a:pPr algn="ctr" eaLnBrk="1" latinLnBrk="0" hangingPunct="1"/>
+            <a:endParaRPr kumimoji="0" lang="en-US" dirty="0"/>
+          </a:p>
+        </p:txBody>
+      </p:sp>
+      <p:sp>
+        <p:nvSpPr>
+          <p:cNvPr id="2" name="Title 1"/>
+          <p:cNvSpPr>
+            <a:spLocks noGrp="1"/>
+          </p:cNvSpPr>
+          <p:nvPr>
+            <p:ph type="title"/>
+          </p:nvPr>
+        </p:nvSpPr>
+        <p:spPr>
+          <a:xfrm rot="5400000">
+            <a:off x="3350133" y="3200400"/>
+            <a:ext cx="6309360" cy="457200"/>
           </a:xfrm>
         </p:spPr>
         <p:txBody>
           <a:bodyPr anchor="b"/>
           <a:lstStyle>
             <a:lvl1pPr algn="l">
+              <a:buNone/>
               <a:defRPr sz="2000" b="1"/>
             </a:lvl1pPr>
           </a:lstStyle>
           <a:p>
             <a:r>
-              <a:rPr lang="en-US" smtClean="0"/>
+              <a:rPr kumimoji="0" lang="en-US" smtClean="0"/>
               <a:t>Click to edit Master title style</a:t>
             </a:r>
-            <a:endParaRPr lang="en-US"/>
+            <a:endParaRPr kumimoji="0" lang="en-US"/>
           </a:p>
         </p:txBody>
       </p:sp>
@@ -2345,10 +3888,32 @@
         </p:nvSpPr>
         <p:spPr>
           <a:xfrm>
-            <a:off x="1792288" y="612775"/>
-            <a:ext cx="5486400" cy="4114800"/>
+            <a:off x="0" y="0"/>
+            <a:ext cx="6172200" cy="6858000"/>
           </a:xfrm>
+          <a:solidFill>
+            <a:schemeClr val="bg2"/>
+          </a:solidFill>
+          <a:ln w="127000" cap="rnd" cmpd="sng" algn="ctr">
+            <a:noFill/>
+            <a:prstDash val="solid"/>
+          </a:ln>
+          <a:effectLst/>
         </p:spPr>
+        <p:style>
+          <a:lnRef idx="3">
+            <a:schemeClr val="lt1"/>
+          </a:lnRef>
+          <a:fillRef idx="1">
+            <a:schemeClr val="accent1"/>
+          </a:fillRef>
+          <a:effectRef idx="1">
+            <a:schemeClr val="accent1"/>
+          </a:effectRef>
+          <a:fontRef idx="minor">
+            <a:schemeClr val="lt1"/>
+          </a:fontRef>
+        </p:style>
         <p:txBody>
           <a:bodyPr/>
           <a:lstStyle>
@@ -2356,41 +3921,17 @@
               <a:buNone/>
               <a:defRPr sz="3200"/>
             </a:lvl1pPr>
-            <a:lvl2pPr marL="457200" indent="0">
+          </a:lstStyle>
+          <a:p>
+            <a:pPr algn="ctr" eaLnBrk="1" latinLnBrk="0" hangingPunct="1">
+              <a:buFontTx/>
               <a:buNone/>
-              <a:defRPr sz="2800"/>
-            </a:lvl2pPr>
-            <a:lvl3pPr marL="914400" indent="0">
-              <a:buNone/>
-              <a:defRPr sz="2400"/>
-            </a:lvl3pPr>
-            <a:lvl4pPr marL="1371600" indent="0">
-              <a:buNone/>
-              <a:defRPr sz="2000"/>
-            </a:lvl4pPr>
-            <a:lvl5pPr marL="1828800" indent="0">
-              <a:buNone/>
-              <a:defRPr sz="2000"/>
-            </a:lvl5pPr>
-            <a:lvl6pPr marL="2286000" indent="0">
-              <a:buNone/>
-              <a:defRPr sz="2000"/>
-            </a:lvl6pPr>
-            <a:lvl7pPr marL="2743200" indent="0">
-              <a:buNone/>
-              <a:defRPr sz="2000"/>
-            </a:lvl7pPr>
-            <a:lvl8pPr marL="3200400" indent="0">
-              <a:buNone/>
-              <a:defRPr sz="2000"/>
-            </a:lvl8pPr>
-            <a:lvl9pPr marL="3657600" indent="0">
-              <a:buNone/>
-              <a:defRPr sz="2000"/>
-            </a:lvl9pPr>
-          </a:lstStyle>
-          <a:p>
-            <a:endParaRPr lang="en-US"/>
+            </a:pPr>
+            <a:r>
+              <a:rPr kumimoji="0" lang="en-US" smtClean="0"/>
+              <a:t>Click icon to add picture</a:t>
+            </a:r>
+            <a:endParaRPr kumimoji="0" lang="en-US" dirty="0"/>
           </a:p>
         </p:txBody>
       </p:sp>
@@ -2406,54 +3947,43 @@
         </p:nvSpPr>
         <p:spPr>
           <a:xfrm>
-            <a:off x="1792288" y="5367338"/>
-            <a:ext cx="5486400" cy="804862"/>
+            <a:off x="6765798" y="264795"/>
+            <a:ext cx="1524000" cy="4956048"/>
           </a:xfrm>
         </p:spPr>
         <p:txBody>
-          <a:bodyPr/>
+          <a:bodyPr rot="0" spcFirstLastPara="0" vertOverflow="overflow" horzOverflow="overflow" vert="horz" wrap="square" lIns="91440" tIns="45720" rIns="91440" bIns="45720" numCol="1" spcCol="274320" rtlCol="0" fromWordArt="0" anchor="t" anchorCtr="0" forceAA="0" compatLnSpc="1">
+            <a:normAutofit/>
+          </a:bodyPr>
           <a:lstStyle>
             <a:lvl1pPr marL="0" indent="0">
-              <a:buNone/>
-              <a:defRPr sz="1400"/>
-            </a:lvl1pPr>
-            <a:lvl2pPr marL="457200" indent="0">
+              <a:spcBef>
+                <a:spcPts val="100"/>
+              </a:spcBef>
+              <a:spcAft>
+                <a:spcPts val="400"/>
+              </a:spcAft>
+              <a:buFontTx/>
               <a:buNone/>
               <a:defRPr sz="1200"/>
+            </a:lvl1pPr>
+            <a:lvl2pPr>
+              <a:defRPr sz="1200"/>
             </a:lvl2pPr>
-            <a:lvl3pPr marL="914400" indent="0">
-              <a:buNone/>
+            <a:lvl3pPr>
               <a:defRPr sz="1000"/>
             </a:lvl3pPr>
-            <a:lvl4pPr marL="1371600" indent="0">
-              <a:buNone/>
+            <a:lvl4pPr>
               <a:defRPr sz="900"/>
             </a:lvl4pPr>
-            <a:lvl5pPr marL="1828800" indent="0">
-              <a:buNone/>
+            <a:lvl5pPr>
               <a:defRPr sz="900"/>
             </a:lvl5pPr>
-            <a:lvl6pPr marL="2286000" indent="0">
-              <a:buNone/>
-              <a:defRPr sz="900"/>
-            </a:lvl6pPr>
-            <a:lvl7pPr marL="2743200" indent="0">
-              <a:buNone/>
-              <a:defRPr sz="900"/>
-            </a:lvl7pPr>
-            <a:lvl8pPr marL="3200400" indent="0">
-              <a:buNone/>
-              <a:defRPr sz="900"/>
-            </a:lvl8pPr>
-            <a:lvl9pPr marL="3657600" indent="0">
-              <a:buNone/>
-              <a:defRPr sz="900"/>
-            </a:lvl9pPr>
           </a:lstStyle>
           <a:p>
-            <a:pPr lvl="0"/>
-            <a:r>
-              <a:rPr lang="en-US" smtClean="0"/>
+            <a:pPr lvl="0" eaLnBrk="1" latinLnBrk="0" hangingPunct="1"/>
+            <a:r>
+              <a:rPr kumimoji="0" lang="en-US" smtClean="0"/>
               <a:t>Click to edit Master text styles</a:t>
             </a:r>
           </a:p>
@@ -2461,7 +3991,201 @@
       </p:sp>
       <p:sp>
         <p:nvSpPr>
-          <p:cNvPr id="5" name="Date Placeholder 4"/>
+          <p:cNvPr id="10" name="Straight Connector 9"/>
+          <p:cNvSpPr>
+            <a:spLocks noChangeShapeType="1"/>
+          </p:cNvSpPr>
+          <p:nvPr/>
+        </p:nvSpPr>
+        <p:spPr bwMode="auto">
+          <a:xfrm>
+            <a:off x="8991600" y="0"/>
+            <a:ext cx="0" cy="6858000"/>
+          </a:xfrm>
+          <a:prstGeom prst="line">
+            <a:avLst/>
+          </a:prstGeom>
+          <a:noFill/>
+          <a:ln w="9525" cap="flat" cmpd="sng" algn="ctr">
+            <a:solidFill>
+              <a:schemeClr val="tx1"/>
+            </a:solidFill>
+            <a:prstDash val="solid"/>
+            <a:round/>
+            <a:headEnd type="none" w="med" len="med"/>
+            <a:tailEnd type="none" w="med" len="med"/>
+          </a:ln>
+          <a:effectLst/>
+        </p:spPr>
+        <p:txBody>
+          <a:bodyPr vert="horz" wrap="square" lIns="91440" tIns="45720" rIns="91440" bIns="45720" anchor="t" compatLnSpc="1"/>
+          <a:lstStyle/>
+          <a:p>
+            <a:endParaRPr kumimoji="0" lang="en-US"/>
+          </a:p>
+        </p:txBody>
+      </p:sp>
+      <p:sp>
+        <p:nvSpPr>
+          <p:cNvPr id="11" name="Rectangle 10"/>
+          <p:cNvSpPr/>
+          <p:nvPr/>
+        </p:nvSpPr>
+        <p:spPr bwMode="auto">
+          <a:xfrm>
+            <a:off x="8839200" y="0"/>
+            <a:ext cx="304800" cy="6858000"/>
+          </a:xfrm>
+          <a:prstGeom prst="rect">
+            <a:avLst/>
+          </a:prstGeom>
+          <a:solidFill>
+            <a:schemeClr val="accent1">
+              <a:tint val="60000"/>
+            </a:schemeClr>
+          </a:solidFill>
+          <a:ln w="38100" cap="rnd" cmpd="sng" algn="ctr">
+            <a:noFill/>
+            <a:prstDash val="solid"/>
+          </a:ln>
+          <a:effectLst/>
+        </p:spPr>
+        <p:style>
+          <a:lnRef idx="3">
+            <a:schemeClr val="lt1"/>
+          </a:lnRef>
+          <a:fillRef idx="1">
+            <a:schemeClr val="accent1"/>
+          </a:fillRef>
+          <a:effectRef idx="1">
+            <a:schemeClr val="accent1"/>
+          </a:effectRef>
+          <a:fontRef idx="minor">
+            <a:schemeClr val="lt1"/>
+          </a:fontRef>
+        </p:style>
+        <p:txBody>
+          <a:bodyPr anchor="ctr"/>
+          <a:lstStyle/>
+          <a:p>
+            <a:pPr algn="ctr" eaLnBrk="1" latinLnBrk="0" hangingPunct="1"/>
+            <a:endParaRPr kumimoji="0" lang="en-US"/>
+          </a:p>
+        </p:txBody>
+      </p:sp>
+      <p:sp>
+        <p:nvSpPr>
+          <p:cNvPr id="12" name="Straight Connector 11"/>
+          <p:cNvSpPr>
+            <a:spLocks noChangeShapeType="1"/>
+          </p:cNvSpPr>
+          <p:nvPr/>
+        </p:nvSpPr>
+        <p:spPr bwMode="auto">
+          <a:xfrm>
+            <a:off x="8915400" y="0"/>
+            <a:ext cx="0" cy="6858000"/>
+          </a:xfrm>
+          <a:prstGeom prst="line">
+            <a:avLst/>
+          </a:prstGeom>
+          <a:noFill/>
+          <a:ln w="9525" cap="flat" cmpd="sng" algn="ctr">
+            <a:solidFill>
+              <a:schemeClr val="accent1"/>
+            </a:solidFill>
+            <a:prstDash val="solid"/>
+            <a:round/>
+            <a:headEnd type="none" w="med" len="med"/>
+            <a:tailEnd type="none" w="med" len="med"/>
+          </a:ln>
+          <a:effectLst/>
+        </p:spPr>
+        <p:txBody>
+          <a:bodyPr vert="horz" wrap="square" lIns="91440" tIns="45720" rIns="91440" bIns="45720" anchor="t" compatLnSpc="1"/>
+          <a:lstStyle/>
+          <a:p>
+            <a:endParaRPr kumimoji="0" lang="en-US"/>
+          </a:p>
+        </p:txBody>
+      </p:sp>
+      <p:sp>
+        <p:nvSpPr>
+          <p:cNvPr id="19" name="Straight Connector 18"/>
+          <p:cNvSpPr>
+            <a:spLocks noChangeShapeType="1"/>
+          </p:cNvSpPr>
+          <p:nvPr/>
+        </p:nvSpPr>
+        <p:spPr bwMode="auto">
+          <a:xfrm>
+            <a:off x="6248400" y="0"/>
+            <a:ext cx="0" cy="6858000"/>
+          </a:xfrm>
+          <a:prstGeom prst="line">
+            <a:avLst/>
+          </a:prstGeom>
+          <a:noFill/>
+          <a:ln w="38100" cap="flat" cmpd="sng" algn="ctr">
+            <a:solidFill>
+              <a:schemeClr val="accent1">
+                <a:tint val="60000"/>
+              </a:schemeClr>
+            </a:solidFill>
+            <a:prstDash val="solid"/>
+            <a:round/>
+            <a:headEnd type="none" w="med" len="med"/>
+            <a:tailEnd type="none" w="med" len="med"/>
+          </a:ln>
+          <a:effectLst/>
+        </p:spPr>
+        <p:txBody>
+          <a:bodyPr vert="horz" wrap="square" lIns="91440" tIns="45720" rIns="91440" bIns="45720" anchor="t" compatLnSpc="1"/>
+          <a:lstStyle/>
+          <a:p>
+            <a:endParaRPr kumimoji="0" lang="en-US" dirty="0"/>
+          </a:p>
+        </p:txBody>
+      </p:sp>
+      <p:sp>
+        <p:nvSpPr>
+          <p:cNvPr id="20" name="Straight Connector 19"/>
+          <p:cNvSpPr>
+            <a:spLocks noChangeShapeType="1"/>
+          </p:cNvSpPr>
+          <p:nvPr/>
+        </p:nvSpPr>
+        <p:spPr bwMode="auto">
+          <a:xfrm>
+            <a:off x="6192296" y="0"/>
+            <a:ext cx="0" cy="6858000"/>
+          </a:xfrm>
+          <a:prstGeom prst="line">
+            <a:avLst/>
+          </a:prstGeom>
+          <a:noFill/>
+          <a:ln w="12700" cap="flat" cmpd="sng" algn="ctr">
+            <a:solidFill>
+              <a:schemeClr val="accent1"/>
+            </a:solidFill>
+            <a:prstDash val="solid"/>
+            <a:round/>
+            <a:headEnd type="none" w="med" len="med"/>
+            <a:tailEnd type="none" w="med" len="med"/>
+          </a:ln>
+          <a:effectLst/>
+        </p:spPr>
+        <p:txBody>
+          <a:bodyPr vert="horz" wrap="square" lIns="91440" tIns="45720" rIns="91440" bIns="45720" anchor="t" compatLnSpc="1"/>
+          <a:lstStyle/>
+          <a:p>
+            <a:endParaRPr kumimoji="0" lang="en-US" dirty="0"/>
+          </a:p>
+        </p:txBody>
+      </p:sp>
+      <p:sp>
+        <p:nvSpPr>
+          <p:cNvPr id="17" name="Date Placeholder 16"/>
           <p:cNvSpPr>
             <a:spLocks noGrp="1"/>
           </p:cNvSpPr>
@@ -2471,11 +4195,12 @@
         </p:nvSpPr>
         <p:spPr/>
         <p:txBody>
-          <a:bodyPr/>
+          <a:bodyPr rtlCol="0"/>
           <a:lstStyle/>
           <a:p>
             <a:fld id="{153650A5-9763-422E-80B7-FD650D7318AA}" type="datetimeFigureOut">
               <a:rPr lang="en-US" smtClean="0"/>
+              <a:pPr/>
               <a:t>11/19/2013</a:t>
             </a:fld>
             <a:endParaRPr lang="en-US"/>
@@ -2484,42 +4209,43 @@
       </p:sp>
       <p:sp>
         <p:nvSpPr>
-          <p:cNvPr id="6" name="Footer Placeholder 5"/>
-          <p:cNvSpPr>
-            <a:spLocks noGrp="1"/>
-          </p:cNvSpPr>
-          <p:nvPr>
-            <p:ph type="ftr" sz="quarter" idx="11"/>
+          <p:cNvPr id="18" name="Slide Number Placeholder 17"/>
+          <p:cNvSpPr>
+            <a:spLocks noGrp="1"/>
+          </p:cNvSpPr>
+          <p:nvPr>
+            <p:ph type="sldNum" sz="quarter" idx="11"/>
           </p:nvPr>
         </p:nvSpPr>
         <p:spPr/>
         <p:txBody>
-          <a:bodyPr/>
-          <a:lstStyle/>
-          <a:p>
-            <a:endParaRPr lang="en-US"/>
-          </a:p>
-        </p:txBody>
-      </p:sp>
-      <p:sp>
-        <p:nvSpPr>
-          <p:cNvPr id="7" name="Slide Number Placeholder 6"/>
-          <p:cNvSpPr>
-            <a:spLocks noGrp="1"/>
-          </p:cNvSpPr>
-          <p:nvPr>
-            <p:ph type="sldNum" sz="quarter" idx="12"/>
-          </p:nvPr>
-        </p:nvSpPr>
-        <p:spPr/>
-        <p:txBody>
-          <a:bodyPr/>
+          <a:bodyPr rtlCol="0"/>
           <a:lstStyle/>
           <a:p>
             <a:fld id="{C6566B18-BB5F-4837-959F-2A7F43B16BA7}" type="slidenum">
               <a:rPr lang="en-US" smtClean="0"/>
+              <a:pPr/>
               <a:t>‹#›</a:t>
             </a:fld>
+            <a:endParaRPr lang="en-US"/>
+          </a:p>
+        </p:txBody>
+      </p:sp>
+      <p:sp>
+        <p:nvSpPr>
+          <p:cNvPr id="21" name="Footer Placeholder 20"/>
+          <p:cNvSpPr>
+            <a:spLocks noGrp="1"/>
+          </p:cNvSpPr>
+          <p:nvPr>
+            <p:ph type="ftr" sz="quarter" idx="12"/>
+          </p:nvPr>
+        </p:nvSpPr>
+        <p:spPr/>
+        <p:txBody>
+          <a:bodyPr rtlCol="0"/>
+          <a:lstStyle/>
+          <a:p>
             <a:endParaRPr lang="en-US"/>
           </a:p>
         </p:txBody>
@@ -2556,7 +4282,46 @@
       </p:grpSpPr>
       <p:sp>
         <p:nvSpPr>
-          <p:cNvPr id="2" name="Title Placeholder 1"/>
+          <p:cNvPr id="16" name="Straight Connector 15"/>
+          <p:cNvSpPr>
+            <a:spLocks noChangeShapeType="1"/>
+          </p:cNvSpPr>
+          <p:nvPr/>
+        </p:nvSpPr>
+        <p:spPr bwMode="auto">
+          <a:xfrm>
+            <a:off x="8763000" y="0"/>
+            <a:ext cx="0" cy="6858000"/>
+          </a:xfrm>
+          <a:prstGeom prst="line">
+            <a:avLst/>
+          </a:prstGeom>
+          <a:noFill/>
+          <a:ln w="38100" cap="flat" cmpd="sng" algn="ctr">
+            <a:solidFill>
+              <a:schemeClr val="accent1">
+                <a:tint val="60000"/>
+                <a:alpha val="93000"/>
+              </a:schemeClr>
+            </a:solidFill>
+            <a:prstDash val="solid"/>
+            <a:round/>
+            <a:headEnd type="none" w="med" len="med"/>
+            <a:tailEnd type="none" w="med" len="med"/>
+          </a:ln>
+          <a:effectLst/>
+        </p:spPr>
+        <p:txBody>
+          <a:bodyPr vert="horz" wrap="square" lIns="91440" tIns="45720" rIns="91440" bIns="45720" anchor="t" compatLnSpc="1"/>
+          <a:lstStyle/>
+          <a:p>
+            <a:endParaRPr kumimoji="0" lang="en-US" dirty="0"/>
+          </a:p>
+        </p:txBody>
+      </p:sp>
+      <p:sp>
+        <p:nvSpPr>
+          <p:cNvPr id="22" name="Title Placeholder 21"/>
           <p:cNvSpPr>
             <a:spLocks noGrp="1"/>
           </p:cNvSpPr>
@@ -2567,29 +4332,29 @@
         <p:spPr>
           <a:xfrm>
             <a:off x="457200" y="274638"/>
-            <a:ext cx="8229600" cy="1143000"/>
+            <a:ext cx="7467600" cy="1143000"/>
           </a:xfrm>
           <a:prstGeom prst="rect">
             <a:avLst/>
           </a:prstGeom>
         </p:spPr>
         <p:txBody>
-          <a:bodyPr vert="horz" lIns="91440" tIns="45720" rIns="91440" bIns="45720" rtlCol="0" anchor="ctr">
+          <a:bodyPr vert="horz" anchor="b">
             <a:normAutofit/>
           </a:bodyPr>
           <a:lstStyle/>
           <a:p>
             <a:r>
-              <a:rPr lang="en-US" smtClean="0"/>
+              <a:rPr kumimoji="0" lang="en-US" smtClean="0"/>
               <a:t>Click to edit Master title style</a:t>
             </a:r>
-            <a:endParaRPr lang="en-US"/>
-          </a:p>
-        </p:txBody>
-      </p:sp>
-      <p:sp>
-        <p:nvSpPr>
-          <p:cNvPr id="3" name="Text Placeholder 2"/>
+            <a:endParaRPr kumimoji="0" lang="en-US"/>
+          </a:p>
+        </p:txBody>
+      </p:sp>
+      <p:sp>
+        <p:nvSpPr>
+          <p:cNvPr id="13" name="Text Placeholder 12"/>
           <p:cNvSpPr>
             <a:spLocks noGrp="1"/>
           </p:cNvSpPr>
@@ -2600,58 +4365,58 @@
         <p:spPr>
           <a:xfrm>
             <a:off x="457200" y="1600200"/>
-            <a:ext cx="8229600" cy="4525963"/>
+            <a:ext cx="7467600" cy="4873752"/>
           </a:xfrm>
           <a:prstGeom prst="rect">
             <a:avLst/>
           </a:prstGeom>
         </p:spPr>
         <p:txBody>
-          <a:bodyPr vert="horz" lIns="91440" tIns="45720" rIns="91440" bIns="45720" rtlCol="0">
+          <a:bodyPr vert="horz">
             <a:normAutofit/>
           </a:bodyPr>
           <a:lstStyle/>
           <a:p>
-            <a:pPr lvl="0"/>
-            <a:r>
-              <a:rPr lang="en-US" smtClean="0"/>
+            <a:pPr lvl="0" eaLnBrk="1" latinLnBrk="0" hangingPunct="1"/>
+            <a:r>
+              <a:rPr kumimoji="0" lang="en-US" smtClean="0"/>
               <a:t>Click to edit Master text styles</a:t>
             </a:r>
           </a:p>
           <a:p>
-            <a:pPr lvl="1"/>
-            <a:r>
-              <a:rPr lang="en-US" smtClean="0"/>
+            <a:pPr lvl="1" eaLnBrk="1" latinLnBrk="0" hangingPunct="1"/>
+            <a:r>
+              <a:rPr kumimoji="0" lang="en-US" smtClean="0"/>
               <a:t>Second level</a:t>
             </a:r>
           </a:p>
           <a:p>
-            <a:pPr lvl="2"/>
-            <a:r>
-              <a:rPr lang="en-US" smtClean="0"/>
+            <a:pPr lvl="2" eaLnBrk="1" latinLnBrk="0" hangingPunct="1"/>
+            <a:r>
+              <a:rPr kumimoji="0" lang="en-US" smtClean="0"/>
               <a:t>Third level</a:t>
             </a:r>
           </a:p>
           <a:p>
-            <a:pPr lvl="3"/>
-            <a:r>
-              <a:rPr lang="en-US" smtClean="0"/>
+            <a:pPr lvl="3" eaLnBrk="1" latinLnBrk="0" hangingPunct="1"/>
+            <a:r>
+              <a:rPr kumimoji="0" lang="en-US" smtClean="0"/>
               <a:t>Fourth level</a:t>
             </a:r>
           </a:p>
           <a:p>
-            <a:pPr lvl="4"/>
-            <a:r>
-              <a:rPr lang="en-US" smtClean="0"/>
+            <a:pPr lvl="4" eaLnBrk="1" latinLnBrk="0" hangingPunct="1"/>
+            <a:r>
+              <a:rPr kumimoji="0" lang="en-US" smtClean="0"/>
               <a:t>Fifth level</a:t>
             </a:r>
-            <a:endParaRPr lang="en-US"/>
-          </a:p>
-        </p:txBody>
-      </p:sp>
-      <p:sp>
-        <p:nvSpPr>
-          <p:cNvPr id="4" name="Date Placeholder 3"/>
+            <a:endParaRPr kumimoji="0" lang="en-US"/>
+          </a:p>
+        </p:txBody>
+      </p:sp>
+      <p:sp>
+        <p:nvSpPr>
+          <p:cNvPr id="14" name="Date Placeholder 13"/>
           <p:cNvSpPr>
             <a:spLocks noGrp="1"/>
           </p:cNvSpPr>
@@ -2660,23 +4425,21 @@
           </p:nvPr>
         </p:nvSpPr>
         <p:spPr>
-          <a:xfrm>
-            <a:off x="457200" y="6356350"/>
-            <a:ext cx="2133600" cy="365125"/>
+          <a:xfrm rot="5400000">
+            <a:off x="7589520" y="1081851"/>
+            <a:ext cx="2011680" cy="384048"/>
           </a:xfrm>
           <a:prstGeom prst="rect">
             <a:avLst/>
           </a:prstGeom>
         </p:spPr>
         <p:txBody>
-          <a:bodyPr vert="horz" lIns="91440" tIns="45720" rIns="91440" bIns="45720" rtlCol="0" anchor="ctr"/>
+          <a:bodyPr vert="horz" anchor="ctr" anchorCtr="0"/>
           <a:lstStyle>
-            <a:lvl1pPr algn="l">
-              <a:defRPr sz="1200">
+            <a:lvl1pPr algn="r" eaLnBrk="1" latinLnBrk="0" hangingPunct="1">
+              <a:defRPr kumimoji="0" sz="1200">
                 <a:solidFill>
-                  <a:schemeClr val="tx1">
-                    <a:tint val="75000"/>
-                  </a:schemeClr>
+                  <a:schemeClr val="tx2"/>
                 </a:solidFill>
               </a:defRPr>
             </a:lvl1pPr>
@@ -2684,6 +4447,7 @@
           <a:p>
             <a:fld id="{153650A5-9763-422E-80B7-FD650D7318AA}" type="datetimeFigureOut">
               <a:rPr lang="en-US" smtClean="0"/>
+              <a:pPr/>
               <a:t>11/19/2013</a:t>
             </a:fld>
             <a:endParaRPr lang="en-US"/>
@@ -2692,7 +4456,7 @@
       </p:sp>
       <p:sp>
         <p:nvSpPr>
-          <p:cNvPr id="5" name="Footer Placeholder 4"/>
+          <p:cNvPr id="3" name="Footer Placeholder 2"/>
           <p:cNvSpPr>
             <a:spLocks noGrp="1"/>
           </p:cNvSpPr>
@@ -2701,23 +4465,21 @@
           </p:nvPr>
         </p:nvSpPr>
         <p:spPr>
-          <a:xfrm>
-            <a:off x="3124200" y="6356350"/>
-            <a:ext cx="2895600" cy="365125"/>
+          <a:xfrm rot="5400000">
+            <a:off x="6990186" y="3737240"/>
+            <a:ext cx="3200400" cy="365760"/>
           </a:xfrm>
           <a:prstGeom prst="rect">
             <a:avLst/>
           </a:prstGeom>
         </p:spPr>
         <p:txBody>
-          <a:bodyPr vert="horz" lIns="91440" tIns="45720" rIns="91440" bIns="45720" rtlCol="0" anchor="ctr"/>
+          <a:bodyPr vert="horz" anchor="ctr" anchorCtr="0"/>
           <a:lstStyle>
-            <a:lvl1pPr algn="ctr">
-              <a:defRPr sz="1200">
+            <a:lvl1pPr algn="l" eaLnBrk="1" latinLnBrk="0" hangingPunct="1">
+              <a:defRPr kumimoji="0" sz="1200">
                 <a:solidFill>
-                  <a:schemeClr val="tx1">
-                    <a:tint val="75000"/>
-                  </a:schemeClr>
+                  <a:schemeClr val="tx2"/>
                 </a:solidFill>
               </a:defRPr>
             </a:lvl1pPr>
@@ -2729,32 +4491,232 @@
       </p:sp>
       <p:sp>
         <p:nvSpPr>
-          <p:cNvPr id="6" name="Slide Number Placeholder 5"/>
-          <p:cNvSpPr>
-            <a:spLocks noGrp="1"/>
-          </p:cNvSpPr>
-          <p:nvPr>
-            <p:ph type="sldNum" sz="quarter" idx="4"/>
-          </p:nvPr>
+          <p:cNvPr id="7" name="Straight Connector 6"/>
+          <p:cNvSpPr>
+            <a:spLocks noChangeShapeType="1"/>
+          </p:cNvSpPr>
+          <p:nvPr/>
+        </p:nvSpPr>
+        <p:spPr bwMode="auto">
+          <a:xfrm>
+            <a:off x="76200" y="0"/>
+            <a:ext cx="0" cy="6858000"/>
+          </a:xfrm>
+          <a:prstGeom prst="line">
+            <a:avLst/>
+          </a:prstGeom>
+          <a:noFill/>
+          <a:ln w="57150" cap="flat" cmpd="thickThin" algn="ctr">
+            <a:solidFill>
+              <a:schemeClr val="accent1">
+                <a:tint val="60000"/>
+              </a:schemeClr>
+            </a:solidFill>
+            <a:prstDash val="solid"/>
+            <a:round/>
+            <a:headEnd type="none" w="med" len="med"/>
+            <a:tailEnd type="none" w="med" len="med"/>
+          </a:ln>
+          <a:effectLst/>
+        </p:spPr>
+        <p:txBody>
+          <a:bodyPr vert="horz" wrap="square" lIns="91440" tIns="45720" rIns="91440" bIns="45720" anchor="t" compatLnSpc="1"/>
+          <a:lstStyle/>
+          <a:p>
+            <a:endParaRPr kumimoji="0" lang="en-US"/>
+          </a:p>
+        </p:txBody>
+      </p:sp>
+      <p:sp>
+        <p:nvSpPr>
+          <p:cNvPr id="9" name="Straight Connector 8"/>
+          <p:cNvSpPr>
+            <a:spLocks noChangeShapeType="1"/>
+          </p:cNvSpPr>
+          <p:nvPr/>
+        </p:nvSpPr>
+        <p:spPr bwMode="auto">
+          <a:xfrm>
+            <a:off x="8991600" y="0"/>
+            <a:ext cx="0" cy="6858000"/>
+          </a:xfrm>
+          <a:prstGeom prst="line">
+            <a:avLst/>
+          </a:prstGeom>
+          <a:noFill/>
+          <a:ln w="19050" cap="flat" cmpd="sng" algn="ctr">
+            <a:solidFill>
+              <a:schemeClr val="accent1"/>
+            </a:solidFill>
+            <a:prstDash val="solid"/>
+            <a:round/>
+            <a:headEnd type="none" w="med" len="med"/>
+            <a:tailEnd type="none" w="med" len="med"/>
+          </a:ln>
+          <a:effectLst/>
+        </p:spPr>
+        <p:txBody>
+          <a:bodyPr vert="horz" wrap="square" lIns="91440" tIns="45720" rIns="91440" bIns="45720" anchor="t" compatLnSpc="1"/>
+          <a:lstStyle/>
+          <a:p>
+            <a:endParaRPr kumimoji="0" lang="en-US"/>
+          </a:p>
+        </p:txBody>
+      </p:sp>
+      <p:sp>
+        <p:nvSpPr>
+          <p:cNvPr id="10" name="Rectangle 9"/>
+          <p:cNvSpPr/>
+          <p:nvPr/>
+        </p:nvSpPr>
+        <p:spPr bwMode="auto">
+          <a:xfrm>
+            <a:off x="8839200" y="0"/>
+            <a:ext cx="304800" cy="6858000"/>
+          </a:xfrm>
+          <a:prstGeom prst="rect">
+            <a:avLst/>
+          </a:prstGeom>
+          <a:solidFill>
+            <a:schemeClr val="accent1">
+              <a:tint val="60000"/>
+              <a:alpha val="87000"/>
+            </a:schemeClr>
+          </a:solidFill>
+          <a:ln w="38100" cap="rnd" cmpd="sng" algn="ctr">
+            <a:noFill/>
+            <a:prstDash val="solid"/>
+          </a:ln>
+          <a:effectLst/>
+        </p:spPr>
+        <p:style>
+          <a:lnRef idx="3">
+            <a:schemeClr val="lt1"/>
+          </a:lnRef>
+          <a:fillRef idx="1">
+            <a:schemeClr val="accent1"/>
+          </a:fillRef>
+          <a:effectRef idx="1">
+            <a:schemeClr val="accent1"/>
+          </a:effectRef>
+          <a:fontRef idx="minor">
+            <a:schemeClr val="lt1"/>
+          </a:fontRef>
+        </p:style>
+        <p:txBody>
+          <a:bodyPr anchor="ctr"/>
+          <a:lstStyle/>
+          <a:p>
+            <a:pPr algn="ctr" eaLnBrk="1" latinLnBrk="0" hangingPunct="1"/>
+            <a:endParaRPr kumimoji="0" lang="en-US"/>
+          </a:p>
+        </p:txBody>
+      </p:sp>
+      <p:sp>
+        <p:nvSpPr>
+          <p:cNvPr id="11" name="Straight Connector 10"/>
+          <p:cNvSpPr>
+            <a:spLocks noChangeShapeType="1"/>
+          </p:cNvSpPr>
+          <p:nvPr/>
+        </p:nvSpPr>
+        <p:spPr bwMode="auto">
+          <a:xfrm>
+            <a:off x="8915400" y="0"/>
+            <a:ext cx="0" cy="6858000"/>
+          </a:xfrm>
+          <a:prstGeom prst="line">
+            <a:avLst/>
+          </a:prstGeom>
+          <a:noFill/>
+          <a:ln w="9525" cap="flat" cmpd="sng" algn="ctr">
+            <a:solidFill>
+              <a:schemeClr val="accent1"/>
+            </a:solidFill>
+            <a:prstDash val="solid"/>
+            <a:round/>
+            <a:headEnd type="none" w="med" len="med"/>
+            <a:tailEnd type="none" w="med" len="med"/>
+          </a:ln>
+          <a:effectLst/>
+        </p:spPr>
+        <p:txBody>
+          <a:bodyPr vert="horz" wrap="square" lIns="91440" tIns="45720" rIns="91440" bIns="45720" anchor="t" compatLnSpc="1"/>
+          <a:lstStyle/>
+          <a:p>
+            <a:endParaRPr kumimoji="0" lang="en-US"/>
+          </a:p>
+        </p:txBody>
+      </p:sp>
+      <p:sp>
+        <p:nvSpPr>
+          <p:cNvPr id="12" name="Oval 11"/>
+          <p:cNvSpPr/>
+          <p:nvPr/>
         </p:nvSpPr>
         <p:spPr>
           <a:xfrm>
-            <a:off x="6553200" y="6356350"/>
-            <a:ext cx="2133600" cy="365125"/>
+            <a:off x="8156448" y="5715000"/>
+            <a:ext cx="548640" cy="548640"/>
+          </a:xfrm>
+          <a:prstGeom prst="ellipse">
+            <a:avLst/>
+          </a:prstGeom>
+          <a:ln w="38100" cap="rnd" cmpd="sng" algn="ctr">
+            <a:noFill/>
+            <a:prstDash val="solid"/>
+          </a:ln>
+          <a:effectLst/>
+        </p:spPr>
+        <p:style>
+          <a:lnRef idx="3">
+            <a:schemeClr val="lt1"/>
+          </a:lnRef>
+          <a:fillRef idx="1">
+            <a:schemeClr val="accent1"/>
+          </a:fillRef>
+          <a:effectRef idx="1">
+            <a:schemeClr val="accent1"/>
+          </a:effectRef>
+          <a:fontRef idx="minor">
+            <a:schemeClr val="lt1"/>
+          </a:fontRef>
+        </p:style>
+        <p:txBody>
+          <a:bodyPr anchor="ctr"/>
+          <a:lstStyle/>
+          <a:p>
+            <a:pPr algn="ctr" eaLnBrk="1" latinLnBrk="0" hangingPunct="1"/>
+            <a:endParaRPr kumimoji="0" lang="en-US" dirty="0"/>
+          </a:p>
+        </p:txBody>
+      </p:sp>
+      <p:sp>
+        <p:nvSpPr>
+          <p:cNvPr id="23" name="Slide Number Placeholder 22"/>
+          <p:cNvSpPr>
+            <a:spLocks noGrp="1"/>
+          </p:cNvSpPr>
+          <p:nvPr>
+            <p:ph type="sldNum" sz="quarter" idx="4"/>
+          </p:nvPr>
+        </p:nvSpPr>
+        <p:spPr>
+          <a:xfrm>
+            <a:off x="8129016" y="5734050"/>
+            <a:ext cx="609600" cy="521208"/>
           </a:xfrm>
           <a:prstGeom prst="rect">
             <a:avLst/>
           </a:prstGeom>
         </p:spPr>
         <p:txBody>
-          <a:bodyPr vert="horz" lIns="91440" tIns="45720" rIns="91440" bIns="45720" rtlCol="0" anchor="ctr"/>
+          <a:bodyPr vert="horz" anchor="ctr"/>
           <a:lstStyle>
-            <a:lvl1pPr algn="r">
-              <a:defRPr sz="1200">
+            <a:lvl1pPr algn="ctr" eaLnBrk="1" latinLnBrk="0" hangingPunct="1">
+              <a:defRPr kumimoji="0" sz="1400" b="1">
                 <a:solidFill>
-                  <a:schemeClr val="tx1">
-                    <a:tint val="75000"/>
-                  </a:schemeClr>
+                  <a:srgbClr val="FFFFFF"/>
                 </a:solidFill>
               </a:defRPr>
             </a:lvl1pPr>
@@ -2762,6 +4724,7 @@
           <a:p>
             <a:fld id="{C6566B18-BB5F-4837-959F-2A7F43B16BA7}" type="slidenum">
               <a:rPr lang="en-US" smtClean="0"/>
+              <a:pPr/>
               <a:t>‹#›</a:t>
             </a:fld>
             <a:endParaRPr lang="en-US"/>
@@ -2772,28 +4735,28 @@
   </p:cSld>
   <p:clrMap bg1="lt1" tx1="dk1" bg2="lt2" tx2="dk2" accent1="accent1" accent2="accent2" accent3="accent3" accent4="accent4" accent5="accent5" accent6="accent6" hlink="hlink" folHlink="folHlink"/>
   <p:sldLayoutIdLst>
-    <p:sldLayoutId id="2147483649" r:id="rId1"/>
-    <p:sldLayoutId id="2147483650" r:id="rId2"/>
-    <p:sldLayoutId id="2147483651" r:id="rId3"/>
-    <p:sldLayoutId id="2147483652" r:id="rId4"/>
-    <p:sldLayoutId id="2147483653" r:id="rId5"/>
-    <p:sldLayoutId id="2147483654" r:id="rId6"/>
-    <p:sldLayoutId id="2147483655" r:id="rId7"/>
-    <p:sldLayoutId id="2147483656" r:id="rId8"/>
-    <p:sldLayoutId id="2147483657" r:id="rId9"/>
-    <p:sldLayoutId id="2147483658" r:id="rId10"/>
-    <p:sldLayoutId id="2147483659" r:id="rId11"/>
+    <p:sldLayoutId id="2147483685" r:id="rId1"/>
+    <p:sldLayoutId id="2147483686" r:id="rId2"/>
+    <p:sldLayoutId id="2147483687" r:id="rId3"/>
+    <p:sldLayoutId id="2147483688" r:id="rId4"/>
+    <p:sldLayoutId id="2147483689" r:id="rId5"/>
+    <p:sldLayoutId id="2147483690" r:id="rId6"/>
+    <p:sldLayoutId id="2147483691" r:id="rId7"/>
+    <p:sldLayoutId id="2147483692" r:id="rId8"/>
+    <p:sldLayoutId id="2147483693" r:id="rId9"/>
+    <p:sldLayoutId id="2147483694" r:id="rId10"/>
+    <p:sldLayoutId id="2147483695" r:id="rId11"/>
   </p:sldLayoutIdLst>
   <p:txStyles>
     <p:titleStyle>
-      <a:lvl1pPr algn="ctr" defTabSz="914400" rtl="0" eaLnBrk="1" latinLnBrk="0" hangingPunct="1">
+      <a:lvl1pPr algn="l" rtl="0" eaLnBrk="1" latinLnBrk="0" hangingPunct="1">
         <a:spcBef>
           <a:spcPct val="0"/>
         </a:spcBef>
         <a:buNone/>
-        <a:defRPr sz="4400" kern="1200">
+        <a:defRPr kumimoji="0" sz="3000" b="0" kern="1200" cap="small" baseline="0">
           <a:solidFill>
-            <a:schemeClr val="tx1"/>
+            <a:schemeClr val="tx2"/>
           </a:solidFill>
           <a:latin typeface="+mj-lt"/>
           <a:ea typeface="+mj-ea"/>
@@ -2802,13 +4765,17 @@
       </a:lvl1pPr>
     </p:titleStyle>
     <p:bodyStyle>
-      <a:lvl1pPr marL="342900" indent="-342900" algn="l" defTabSz="914400" rtl="0" eaLnBrk="1" latinLnBrk="0" hangingPunct="1">
+      <a:lvl1pPr marL="274320" indent="-274320" algn="l" rtl="0" eaLnBrk="1" latinLnBrk="0" hangingPunct="1">
         <a:spcBef>
-          <a:spcPct val="20000"/>
+          <a:spcPts val="600"/>
         </a:spcBef>
-        <a:buFont typeface="Arial" pitchFamily="34" charset="0"/>
-        <a:buChar char="•"/>
-        <a:defRPr sz="3200" kern="1200">
+        <a:buClr>
+          <a:schemeClr val="accent1"/>
+        </a:buClr>
+        <a:buSzPct val="70000"/>
+        <a:buFont typeface="Wingdings"/>
+        <a:buChar char=""/>
+        <a:defRPr kumimoji="0" sz="2400" kern="1200">
           <a:solidFill>
             <a:schemeClr val="tx1"/>
           </a:solidFill>
@@ -2817,13 +4784,17 @@
           <a:cs typeface="+mn-cs"/>
         </a:defRPr>
       </a:lvl1pPr>
-      <a:lvl2pPr marL="742950" indent="-285750" algn="l" defTabSz="914400" rtl="0" eaLnBrk="1" latinLnBrk="0" hangingPunct="1">
+      <a:lvl2pPr marL="640080" indent="-274320" algn="l" rtl="0" eaLnBrk="1" latinLnBrk="0" hangingPunct="1">
         <a:spcBef>
           <a:spcPct val="20000"/>
         </a:spcBef>
-        <a:buFont typeface="Arial" pitchFamily="34" charset="0"/>
-        <a:buChar char="–"/>
-        <a:defRPr sz="2800" kern="1200">
+        <a:buClr>
+          <a:schemeClr val="accent1"/>
+        </a:buClr>
+        <a:buSzPct val="80000"/>
+        <a:buFont typeface="Wingdings 2"/>
+        <a:buChar char=""/>
+        <a:defRPr kumimoji="0" sz="2100" kern="1200">
           <a:solidFill>
             <a:schemeClr val="tx1"/>
           </a:solidFill>
@@ -2832,13 +4803,19 @@
           <a:cs typeface="+mn-cs"/>
         </a:defRPr>
       </a:lvl2pPr>
-      <a:lvl3pPr marL="1143000" indent="-228600" algn="l" defTabSz="914400" rtl="0" eaLnBrk="1" latinLnBrk="0" hangingPunct="1">
+      <a:lvl3pPr marL="914400" indent="-182880" algn="l" rtl="0" eaLnBrk="1" latinLnBrk="0" hangingPunct="1">
         <a:spcBef>
           <a:spcPct val="20000"/>
         </a:spcBef>
-        <a:buFont typeface="Arial" pitchFamily="34" charset="0"/>
-        <a:buChar char="•"/>
-        <a:defRPr sz="2400" kern="1200">
+        <a:buClr>
+          <a:schemeClr val="accent1">
+            <a:shade val="75000"/>
+          </a:schemeClr>
+        </a:buClr>
+        <a:buSzPct val="60000"/>
+        <a:buFont typeface="Wingdings"/>
+        <a:buChar char=""/>
+        <a:defRPr kumimoji="0" sz="1800" kern="1200">
           <a:solidFill>
             <a:schemeClr val="tx1"/>
           </a:solidFill>
@@ -2847,13 +4824,19 @@
           <a:cs typeface="+mn-cs"/>
         </a:defRPr>
       </a:lvl3pPr>
-      <a:lvl4pPr marL="1600200" indent="-228600" algn="l" defTabSz="914400" rtl="0" eaLnBrk="1" latinLnBrk="0" hangingPunct="1">
+      <a:lvl4pPr marL="1188720" indent="-182880" algn="l" rtl="0" eaLnBrk="1" latinLnBrk="0" hangingPunct="1">
         <a:spcBef>
           <a:spcPct val="20000"/>
         </a:spcBef>
-        <a:buFont typeface="Arial" pitchFamily="34" charset="0"/>
-        <a:buChar char="–"/>
-        <a:defRPr sz="2000" kern="1200">
+        <a:buClr>
+          <a:schemeClr val="accent1">
+            <a:tint val="60000"/>
+          </a:schemeClr>
+        </a:buClr>
+        <a:buSzPct val="60000"/>
+        <a:buFont typeface="Wingdings"/>
+        <a:buChar char=""/>
+        <a:defRPr kumimoji="0" sz="1800" kern="1200">
           <a:solidFill>
             <a:schemeClr val="tx1"/>
           </a:solidFill>
@@ -2862,13 +4845,19 @@
           <a:cs typeface="+mn-cs"/>
         </a:defRPr>
       </a:lvl4pPr>
-      <a:lvl5pPr marL="2057400" indent="-228600" algn="l" defTabSz="914400" rtl="0" eaLnBrk="1" latinLnBrk="0" hangingPunct="1">
+      <a:lvl5pPr marL="1463040" indent="-182880" algn="l" rtl="0" eaLnBrk="1" latinLnBrk="0" hangingPunct="1">
         <a:spcBef>
           <a:spcPct val="20000"/>
         </a:spcBef>
-        <a:buFont typeface="Arial" pitchFamily="34" charset="0"/>
-        <a:buChar char="»"/>
-        <a:defRPr sz="2000" kern="1200">
+        <a:buClr>
+          <a:schemeClr val="accent2">
+            <a:tint val="60000"/>
+          </a:schemeClr>
+        </a:buClr>
+        <a:buSzPct val="68000"/>
+        <a:buFont typeface="Wingdings 2"/>
+        <a:buChar char=""/>
+        <a:defRPr kumimoji="0" sz="1600" kern="1200">
           <a:solidFill>
             <a:schemeClr val="tx1"/>
           </a:solidFill>
@@ -2877,13 +4866,134 @@
           <a:cs typeface="+mn-cs"/>
         </a:defRPr>
       </a:lvl5pPr>
-      <a:lvl6pPr marL="2514600" indent="-228600" algn="l" defTabSz="914400" rtl="0" eaLnBrk="1" latinLnBrk="0" hangingPunct="1">
+      <a:lvl6pPr marL="1737360" indent="-182880" algn="l" rtl="0" eaLnBrk="1" latinLnBrk="0" hangingPunct="1">
         <a:spcBef>
           <a:spcPct val="20000"/>
         </a:spcBef>
-        <a:buFont typeface="Arial" pitchFamily="34" charset="0"/>
+        <a:buClr>
+          <a:schemeClr val="accent1"/>
+        </a:buClr>
         <a:buChar char="•"/>
-        <a:defRPr sz="2000" kern="1200">
+        <a:defRPr kumimoji="0" sz="1600" kern="1200">
+          <a:solidFill>
+            <a:schemeClr val="tx2"/>
+          </a:solidFill>
+          <a:latin typeface="+mn-lt"/>
+          <a:ea typeface="+mn-ea"/>
+          <a:cs typeface="+mn-cs"/>
+        </a:defRPr>
+      </a:lvl6pPr>
+      <a:lvl7pPr marL="2011680" indent="-182880" algn="l" rtl="0" eaLnBrk="1" latinLnBrk="0" hangingPunct="1">
+        <a:spcBef>
+          <a:spcPct val="20000"/>
+        </a:spcBef>
+        <a:buClr>
+          <a:schemeClr val="accent1">
+            <a:tint val="60000"/>
+          </a:schemeClr>
+        </a:buClr>
+        <a:buSzPct val="60000"/>
+        <a:buFont typeface="Wingdings"/>
+        <a:buChar char=""/>
+        <a:defRPr kumimoji="0" sz="1400" kern="1200" baseline="0">
+          <a:solidFill>
+            <a:schemeClr val="tx2"/>
+          </a:solidFill>
+          <a:latin typeface="+mn-lt"/>
+          <a:ea typeface="+mn-ea"/>
+          <a:cs typeface="+mn-cs"/>
+        </a:defRPr>
+      </a:lvl7pPr>
+      <a:lvl8pPr marL="2286000" indent="-182880" algn="l" rtl="0" eaLnBrk="1" latinLnBrk="0" hangingPunct="1">
+        <a:spcBef>
+          <a:spcPct val="20000"/>
+        </a:spcBef>
+        <a:buClr>
+          <a:schemeClr val="accent2"/>
+        </a:buClr>
+        <a:buChar char="•"/>
+        <a:defRPr kumimoji="0" sz="1400" kern="1200" cap="small" baseline="0">
+          <a:solidFill>
+            <a:schemeClr val="tx2"/>
+          </a:solidFill>
+          <a:latin typeface="+mn-lt"/>
+          <a:ea typeface="+mn-ea"/>
+          <a:cs typeface="+mn-cs"/>
+        </a:defRPr>
+      </a:lvl8pPr>
+      <a:lvl9pPr marL="2560320" indent="-182880" algn="l" rtl="0" eaLnBrk="1" latinLnBrk="0" hangingPunct="1">
+        <a:spcBef>
+          <a:spcPct val="20000"/>
+        </a:spcBef>
+        <a:buClr>
+          <a:schemeClr val="accent1">
+            <a:shade val="75000"/>
+          </a:schemeClr>
+        </a:buClr>
+        <a:buChar char="•"/>
+        <a:defRPr kumimoji="0" sz="1400" kern="1200" baseline="0">
+          <a:solidFill>
+            <a:schemeClr val="tx2"/>
+          </a:solidFill>
+          <a:latin typeface="+mn-lt"/>
+          <a:ea typeface="+mn-ea"/>
+          <a:cs typeface="+mn-cs"/>
+        </a:defRPr>
+      </a:lvl9pPr>
+    </p:bodyStyle>
+    <p:otherStyle>
+      <a:lvl1pPr marL="0" algn="l" rtl="0" eaLnBrk="1" latinLnBrk="0" hangingPunct="1">
+        <a:defRPr kumimoji="0" kern="1200">
+          <a:solidFill>
+            <a:schemeClr val="tx1"/>
+          </a:solidFill>
+          <a:latin typeface="+mn-lt"/>
+          <a:ea typeface="+mn-ea"/>
+          <a:cs typeface="+mn-cs"/>
+        </a:defRPr>
+      </a:lvl1pPr>
+      <a:lvl2pPr marL="457200" algn="l" rtl="0" eaLnBrk="1" latinLnBrk="0" hangingPunct="1">
+        <a:defRPr kumimoji="0" kern="1200">
+          <a:solidFill>
+            <a:schemeClr val="tx1"/>
+          </a:solidFill>
+          <a:latin typeface="+mn-lt"/>
+          <a:ea typeface="+mn-ea"/>
+          <a:cs typeface="+mn-cs"/>
+        </a:defRPr>
+      </a:lvl2pPr>
+      <a:lvl3pPr marL="914400" algn="l" rtl="0" eaLnBrk="1" latinLnBrk="0" hangingPunct="1">
+        <a:defRPr kumimoji="0" kern="1200">
+          <a:solidFill>
+            <a:schemeClr val="tx1"/>
+          </a:solidFill>
+          <a:latin typeface="+mn-lt"/>
+          <a:ea typeface="+mn-ea"/>
+          <a:cs typeface="+mn-cs"/>
+        </a:defRPr>
+      </a:lvl3pPr>
+      <a:lvl4pPr marL="1371600" algn="l" rtl="0" eaLnBrk="1" latinLnBrk="0" hangingPunct="1">
+        <a:defRPr kumimoji="0" kern="1200">
+          <a:solidFill>
+            <a:schemeClr val="tx1"/>
+          </a:solidFill>
+          <a:latin typeface="+mn-lt"/>
+          <a:ea typeface="+mn-ea"/>
+          <a:cs typeface="+mn-cs"/>
+        </a:defRPr>
+      </a:lvl4pPr>
+      <a:lvl5pPr marL="1828800" algn="l" rtl="0" eaLnBrk="1" latinLnBrk="0" hangingPunct="1">
+        <a:defRPr kumimoji="0" kern="1200">
+          <a:solidFill>
+            <a:schemeClr val="tx1"/>
+          </a:solidFill>
+          <a:latin typeface="+mn-lt"/>
+          <a:ea typeface="+mn-ea"/>
+          <a:cs typeface="+mn-cs"/>
+        </a:defRPr>
+      </a:lvl5pPr>
+      <a:lvl6pPr marL="2286000" algn="l" rtl="0" eaLnBrk="1" latinLnBrk="0" hangingPunct="1">
+        <a:defRPr kumimoji="0" kern="1200">
           <a:solidFill>
             <a:schemeClr val="tx1"/>
           </a:solidFill>
@@ -2892,13 +5002,8 @@
           <a:cs typeface="+mn-cs"/>
         </a:defRPr>
       </a:lvl6pPr>
-      <a:lvl7pPr marL="2971800" indent="-228600" algn="l" defTabSz="914400" rtl="0" eaLnBrk="1" latinLnBrk="0" hangingPunct="1">
-        <a:spcBef>
-          <a:spcPct val="20000"/>
-        </a:spcBef>
-        <a:buFont typeface="Arial" pitchFamily="34" charset="0"/>
-        <a:buChar char="•"/>
-        <a:defRPr sz="2000" kern="1200">
+      <a:lvl7pPr marL="2743200" algn="l" rtl="0" eaLnBrk="1" latinLnBrk="0" hangingPunct="1">
+        <a:defRPr kumimoji="0" kern="1200">
           <a:solidFill>
             <a:schemeClr val="tx1"/>
           </a:solidFill>
@@ -2907,13 +5012,8 @@
           <a:cs typeface="+mn-cs"/>
         </a:defRPr>
       </a:lvl7pPr>
-      <a:lvl8pPr marL="3429000" indent="-228600" algn="l" defTabSz="914400" rtl="0" eaLnBrk="1" latinLnBrk="0" hangingPunct="1">
-        <a:spcBef>
-          <a:spcPct val="20000"/>
-        </a:spcBef>
-        <a:buFont typeface="Arial" pitchFamily="34" charset="0"/>
-        <a:buChar char="•"/>
-        <a:defRPr sz="2000" kern="1200">
+      <a:lvl8pPr marL="3200400" algn="l" rtl="0" eaLnBrk="1" latinLnBrk="0" hangingPunct="1">
+        <a:defRPr kumimoji="0" kern="1200">
           <a:solidFill>
             <a:schemeClr val="tx1"/>
           </a:solidFill>
@@ -2922,108 +5022,8 @@
           <a:cs typeface="+mn-cs"/>
         </a:defRPr>
       </a:lvl8pPr>
-      <a:lvl9pPr marL="3886200" indent="-228600" algn="l" defTabSz="914400" rtl="0" eaLnBrk="1" latinLnBrk="0" hangingPunct="1">
-        <a:spcBef>
-          <a:spcPct val="20000"/>
-        </a:spcBef>
-        <a:buFont typeface="Arial" pitchFamily="34" charset="0"/>
-        <a:buChar char="•"/>
-        <a:defRPr sz="2000" kern="1200">
-          <a:solidFill>
-            <a:schemeClr val="tx1"/>
-          </a:solidFill>
-          <a:latin typeface="+mn-lt"/>
-          <a:ea typeface="+mn-ea"/>
-          <a:cs typeface="+mn-cs"/>
-        </a:defRPr>
-      </a:lvl9pPr>
-    </p:bodyStyle>
-    <p:otherStyle>
-      <a:defPPr>
-        <a:defRPr lang="en-US"/>
-      </a:defPPr>
-      <a:lvl1pPr marL="0" algn="l" defTabSz="914400" rtl="0" eaLnBrk="1" latinLnBrk="0" hangingPunct="1">
-        <a:defRPr sz="1800" kern="1200">
-          <a:solidFill>
-            <a:schemeClr val="tx1"/>
-          </a:solidFill>
-          <a:latin typeface="+mn-lt"/>
-          <a:ea typeface="+mn-ea"/>
-          <a:cs typeface="+mn-cs"/>
-        </a:defRPr>
-      </a:lvl1pPr>
-      <a:lvl2pPr marL="457200" algn="l" defTabSz="914400" rtl="0" eaLnBrk="1" latinLnBrk="0" hangingPunct="1">
-        <a:defRPr sz="1800" kern="1200">
-          <a:solidFill>
-            <a:schemeClr val="tx1"/>
-          </a:solidFill>
-          <a:latin typeface="+mn-lt"/>
-          <a:ea typeface="+mn-ea"/>
-          <a:cs typeface="+mn-cs"/>
-        </a:defRPr>
-      </a:lvl2pPr>
-      <a:lvl3pPr marL="914400" algn="l" defTabSz="914400" rtl="0" eaLnBrk="1" latinLnBrk="0" hangingPunct="1">
-        <a:defRPr sz="1800" kern="1200">
-          <a:solidFill>
-            <a:schemeClr val="tx1"/>
-          </a:solidFill>
-          <a:latin typeface="+mn-lt"/>
-          <a:ea typeface="+mn-ea"/>
-          <a:cs typeface="+mn-cs"/>
-        </a:defRPr>
-      </a:lvl3pPr>
-      <a:lvl4pPr marL="1371600" algn="l" defTabSz="914400" rtl="0" eaLnBrk="1" latinLnBrk="0" hangingPunct="1">
-        <a:defRPr sz="1800" kern="1200">
-          <a:solidFill>
-            <a:schemeClr val="tx1"/>
-          </a:solidFill>
-          <a:latin typeface="+mn-lt"/>
-          <a:ea typeface="+mn-ea"/>
-          <a:cs typeface="+mn-cs"/>
-        </a:defRPr>
-      </a:lvl4pPr>
-      <a:lvl5pPr marL="1828800" algn="l" defTabSz="914400" rtl="0" eaLnBrk="1" latinLnBrk="0" hangingPunct="1">
-        <a:defRPr sz="1800" kern="1200">
-          <a:solidFill>
-            <a:schemeClr val="tx1"/>
-          </a:solidFill>
-          <a:latin typeface="+mn-lt"/>
-          <a:ea typeface="+mn-ea"/>
-          <a:cs typeface="+mn-cs"/>
-        </a:defRPr>
-      </a:lvl5pPr>
-      <a:lvl6pPr marL="2286000" algn="l" defTabSz="914400" rtl="0" eaLnBrk="1" latinLnBrk="0" hangingPunct="1">
-        <a:defRPr sz="1800" kern="1200">
-          <a:solidFill>
-            <a:schemeClr val="tx1"/>
-          </a:solidFill>
-          <a:latin typeface="+mn-lt"/>
-          <a:ea typeface="+mn-ea"/>
-          <a:cs typeface="+mn-cs"/>
-        </a:defRPr>
-      </a:lvl6pPr>
-      <a:lvl7pPr marL="2743200" algn="l" defTabSz="914400" rtl="0" eaLnBrk="1" latinLnBrk="0" hangingPunct="1">
-        <a:defRPr sz="1800" kern="1200">
-          <a:solidFill>
-            <a:schemeClr val="tx1"/>
-          </a:solidFill>
-          <a:latin typeface="+mn-lt"/>
-          <a:ea typeface="+mn-ea"/>
-          <a:cs typeface="+mn-cs"/>
-        </a:defRPr>
-      </a:lvl7pPr>
-      <a:lvl8pPr marL="3200400" algn="l" defTabSz="914400" rtl="0" eaLnBrk="1" latinLnBrk="0" hangingPunct="1">
-        <a:defRPr sz="1800" kern="1200">
-          <a:solidFill>
-            <a:schemeClr val="tx1"/>
-          </a:solidFill>
-          <a:latin typeface="+mn-lt"/>
-          <a:ea typeface="+mn-ea"/>
-          <a:cs typeface="+mn-cs"/>
-        </a:defRPr>
-      </a:lvl8pPr>
-      <a:lvl9pPr marL="3657600" algn="l" defTabSz="914400" rtl="0" eaLnBrk="1" latinLnBrk="0" hangingPunct="1">
-        <a:defRPr sz="1800" kern="1200">
+      <a:lvl9pPr marL="3657600" algn="l" rtl="0" eaLnBrk="1" latinLnBrk="0" hangingPunct="1">
+        <a:defRPr kumimoji="0" kern="1200">
           <a:solidFill>
             <a:schemeClr val="tx1"/>
           </a:solidFill>
@@ -3089,7 +5089,9 @@
         </p:nvSpPr>
         <p:spPr/>
         <p:txBody>
-          <a:bodyPr/>
+          <a:bodyPr>
+            <a:normAutofit/>
+          </a:bodyPr>
           <a:lstStyle/>
           <a:p>
             <a:r>
@@ -3165,7 +5167,7 @@
             <a:spLocks noGrp="1"/>
           </p:cNvSpPr>
           <p:nvPr>
-            <p:ph idx="1"/>
+            <p:ph sz="quarter" idx="1"/>
           </p:nvPr>
         </p:nvSpPr>
         <p:spPr/>
@@ -3283,7 +5285,7 @@
             <a:spLocks noGrp="1"/>
           </p:cNvSpPr>
           <p:nvPr>
-            <p:ph idx="1"/>
+            <p:ph sz="quarter" idx="1"/>
           </p:nvPr>
         </p:nvSpPr>
         <p:spPr/>
@@ -3372,7 +5374,7 @@
             <a:spLocks noGrp="1"/>
           </p:cNvSpPr>
           <p:nvPr>
-            <p:ph idx="1"/>
+            <p:ph sz="quarter" idx="1"/>
           </p:nvPr>
         </p:nvSpPr>
         <p:spPr/>
@@ -3382,7 +5384,15 @@
           <a:p>
             <a:r>
               <a:rPr lang="en-US" dirty="0" smtClean="0"/>
-              <a:t>For character n-grams detection, we split the sentence first and then add “#’ at the head of each word.</a:t>
+              <a:t>For character n-grams detection, we split the sentence first and then add “#’ at </a:t>
+            </a:r>
+            <a:r>
+              <a:rPr lang="en-US" dirty="0" smtClean="0"/>
+              <a:t>both the head and end </a:t>
+            </a:r>
+            <a:r>
+              <a:rPr lang="en-US" dirty="0" smtClean="0"/>
+              <a:t>of each word.</a:t>
             </a:r>
           </a:p>
           <a:p>
@@ -3455,12 +5465,12 @@
             <a:graphicFrameLocks noGrp="1"/>
           </p:cNvGraphicFramePr>
           <p:nvPr>
-            <p:ph idx="1"/>
+            <p:ph sz="quarter" idx="1"/>
           </p:nvPr>
         </p:nvGraphicFramePr>
         <p:xfrm>
           <a:off x="457200" y="1600200"/>
-          <a:ext cx="8229600" cy="3037840"/>
+          <a:ext cx="7467600" cy="3312160"/>
         </p:xfrm>
         <a:graphic>
           <a:graphicData uri="http://schemas.openxmlformats.org/drawingml/2006/table">
@@ -3469,11 +5479,11 @@
                 <a:tableStyleId>{5C22544A-7EE6-4342-B048-85BDC9FD1C3A}</a:tableStyleId>
               </a:tblPr>
               <a:tblGrid>
-                <a:gridCol w="1645920"/>
-                <a:gridCol w="1645920"/>
-                <a:gridCol w="1645920"/>
-                <a:gridCol w="1645920"/>
-                <a:gridCol w="1645920"/>
+                <a:gridCol w="1493520"/>
+                <a:gridCol w="1493520"/>
+                <a:gridCol w="1493520"/>
+                <a:gridCol w="1493520"/>
+                <a:gridCol w="1493520"/>
               </a:tblGrid>
               <a:tr h="370840">
                 <a:tc>
@@ -3486,17 +5496,17 @@
                         <a:t>Top frequent </a:t>
                       </a:r>
                       <a:r>
-                        <a:rPr lang="en-US" dirty="0" err="1" smtClean="0"/>
-                        <a:t>ngrams</a:t>
-                      </a:r>
-                      <a:r>
-                        <a:rPr lang="en-US" dirty="0" smtClean="0"/>
-                        <a:t> for personal</a:t>
-                      </a:r>
-                      <a:endParaRPr lang="en-US" dirty="0"/>
-                    </a:p>
-                  </a:txBody>
-                  <a:tcPr/>
+                        <a:rPr lang="en-US" dirty="0" smtClean="0"/>
+                        <a:t>n-grams </a:t>
+                      </a:r>
+                      <a:r>
+                        <a:rPr lang="en-US" dirty="0" smtClean="0"/>
+                        <a:t>for personal</a:t>
+                      </a:r>
+                      <a:endParaRPr lang="en-US" dirty="0"/>
+                    </a:p>
+                  </a:txBody>
+                  <a:tcPr marL="82973" marR="82973"/>
                 </a:tc>
                 <a:tc>
                   <a:txBody>
@@ -3514,7 +5524,7 @@
                       <a:endParaRPr lang="en-US" dirty="0"/>
                     </a:p>
                   </a:txBody>
-                  <a:tcPr/>
+                  <a:tcPr marL="82973" marR="82973"/>
                 </a:tc>
                 <a:tc>
                   <a:txBody>
@@ -3528,7 +5538,7 @@
                       <a:endParaRPr lang="en-US" dirty="0"/>
                     </a:p>
                   </a:txBody>
-                  <a:tcPr/>
+                  <a:tcPr marL="82973" marR="82973"/>
                 </a:tc>
                 <a:tc>
                   <a:txBody>
@@ -3542,7 +5552,7 @@
                       <a:endParaRPr lang="en-US" dirty="0"/>
                     </a:p>
                   </a:txBody>
-                  <a:tcPr/>
+                  <a:tcPr marL="82973" marR="82973"/>
                 </a:tc>
                 <a:tc>
                   <a:txBody>
@@ -3556,7 +5566,7 @@
                       <a:endParaRPr lang="en-US" dirty="0"/>
                     </a:p>
                   </a:txBody>
-                  <a:tcPr/>
+                  <a:tcPr marL="82973" marR="82973"/>
                 </a:tc>
               </a:tr>
               <a:tr h="370840">
@@ -3572,7 +5582,7 @@
                       <a:endParaRPr lang="en-US" dirty="0"/>
                     </a:p>
                   </a:txBody>
-                  <a:tcPr/>
+                  <a:tcPr marL="82973" marR="82973"/>
                 </a:tc>
                 <a:tc>
                   <a:txBody>
@@ -3586,7 +5596,7 @@
                       <a:endParaRPr lang="en-US" dirty="0"/>
                     </a:p>
                   </a:txBody>
-                  <a:tcPr/>
+                  <a:tcPr marL="82973" marR="82973"/>
                 </a:tc>
                 <a:tc>
                   <a:txBody>
@@ -3600,7 +5610,7 @@
                       <a:endParaRPr lang="en-US" dirty="0"/>
                     </a:p>
                   </a:txBody>
-                  <a:tcPr/>
+                  <a:tcPr marL="82973" marR="82973"/>
                 </a:tc>
                 <a:tc>
                   <a:txBody>
@@ -3614,7 +5624,7 @@
                       <a:endParaRPr lang="en-US" dirty="0"/>
                     </a:p>
                   </a:txBody>
-                  <a:tcPr/>
+                  <a:tcPr marL="82973" marR="82973"/>
                 </a:tc>
                 <a:tc>
                   <a:txBody>
@@ -3628,7 +5638,7 @@
                       <a:endParaRPr lang="en-US" dirty="0"/>
                     </a:p>
                   </a:txBody>
-                  <a:tcPr/>
+                  <a:tcPr marL="82973" marR="82973"/>
                 </a:tc>
               </a:tr>
               <a:tr h="370840">
@@ -3644,7 +5654,7 @@
                       <a:endParaRPr lang="en-US" dirty="0"/>
                     </a:p>
                   </a:txBody>
-                  <a:tcPr/>
+                  <a:tcPr marL="82973" marR="82973"/>
                 </a:tc>
                 <a:tc>
                   <a:txBody>
@@ -3662,7 +5672,7 @@
                       <a:endParaRPr lang="en-US" dirty="0"/>
                     </a:p>
                   </a:txBody>
-                  <a:tcPr/>
+                  <a:tcPr marL="82973" marR="82973"/>
                 </a:tc>
                 <a:tc>
                   <a:txBody>
@@ -3676,7 +5686,7 @@
                       <a:endParaRPr lang="en-US" dirty="0"/>
                     </a:p>
                   </a:txBody>
-                  <a:tcPr/>
+                  <a:tcPr marL="82973" marR="82973"/>
                 </a:tc>
                 <a:tc>
                   <a:txBody>
@@ -3690,7 +5700,7 @@
                       <a:endParaRPr lang="en-US" dirty="0"/>
                     </a:p>
                   </a:txBody>
-                  <a:tcPr/>
+                  <a:tcPr marL="82973" marR="82973"/>
                 </a:tc>
                 <a:tc>
                   <a:txBody>
@@ -3712,7 +5722,7 @@
                       <a:endParaRPr lang="en-US" dirty="0"/>
                     </a:p>
                   </a:txBody>
-                  <a:tcPr/>
+                  <a:tcPr marL="82973" marR="82973"/>
                 </a:tc>
               </a:tr>
               <a:tr h="370840">
@@ -3728,7 +5738,7 @@
                       <a:endParaRPr lang="en-US" dirty="0"/>
                     </a:p>
                   </a:txBody>
-                  <a:tcPr/>
+                  <a:tcPr marL="82973" marR="82973"/>
                 </a:tc>
                 <a:tc>
                   <a:txBody>
@@ -3742,7 +5752,7 @@
                       <a:endParaRPr lang="en-US" dirty="0"/>
                     </a:p>
                   </a:txBody>
-                  <a:tcPr/>
+                  <a:tcPr marL="82973" marR="82973"/>
                 </a:tc>
                 <a:tc>
                   <a:txBody>
@@ -3756,7 +5766,7 @@
                       <a:endParaRPr lang="en-US" dirty="0"/>
                     </a:p>
                   </a:txBody>
-                  <a:tcPr/>
+                  <a:tcPr marL="82973" marR="82973"/>
                 </a:tc>
                 <a:tc>
                   <a:txBody>
@@ -3770,7 +5780,7 @@
                       <a:endParaRPr lang="en-US" dirty="0"/>
                     </a:p>
                   </a:txBody>
-                  <a:tcPr/>
+                  <a:tcPr marL="82973" marR="82973"/>
                 </a:tc>
                 <a:tc>
                   <a:txBody>
@@ -3784,7 +5794,7 @@
                       <a:endParaRPr lang="en-US" dirty="0"/>
                     </a:p>
                   </a:txBody>
-                  <a:tcPr/>
+                  <a:tcPr marL="82973" marR="82973"/>
                 </a:tc>
               </a:tr>
               <a:tr h="370840">
@@ -3800,7 +5810,7 @@
                       <a:endParaRPr lang="en-US" dirty="0"/>
                     </a:p>
                   </a:txBody>
-                  <a:tcPr/>
+                  <a:tcPr marL="82973" marR="82973"/>
                 </a:tc>
                 <a:tc>
                   <a:txBody>
@@ -3814,7 +5824,7 @@
                       <a:endParaRPr lang="en-US" dirty="0"/>
                     </a:p>
                   </a:txBody>
-                  <a:tcPr/>
+                  <a:tcPr marL="82973" marR="82973"/>
                 </a:tc>
                 <a:tc>
                   <a:txBody>
@@ -3836,7 +5846,7 @@
                       <a:endParaRPr lang="en-US" dirty="0"/>
                     </a:p>
                   </a:txBody>
-                  <a:tcPr/>
+                  <a:tcPr marL="82973" marR="82973"/>
                 </a:tc>
                 <a:tc>
                   <a:txBody>
@@ -3850,7 +5860,7 @@
                       <a:endParaRPr lang="en-US" dirty="0"/>
                     </a:p>
                   </a:txBody>
-                  <a:tcPr/>
+                  <a:tcPr marL="82973" marR="82973"/>
                 </a:tc>
                 <a:tc>
                   <a:txBody>
@@ -3868,7 +5878,7 @@
                       <a:endParaRPr lang="en-US" dirty="0"/>
                     </a:p>
                   </a:txBody>
-                  <a:tcPr/>
+                  <a:tcPr marL="82973" marR="82973"/>
                 </a:tc>
               </a:tr>
               <a:tr h="370840">
@@ -3884,7 +5894,7 @@
                       <a:endParaRPr lang="en-US" dirty="0"/>
                     </a:p>
                   </a:txBody>
-                  <a:tcPr/>
+                  <a:tcPr marL="82973" marR="82973"/>
                 </a:tc>
                 <a:tc>
                   <a:txBody>
@@ -3898,7 +5908,7 @@
                       <a:endParaRPr lang="en-US" dirty="0"/>
                     </a:p>
                   </a:txBody>
-                  <a:tcPr/>
+                  <a:tcPr marL="82973" marR="82973"/>
                 </a:tc>
                 <a:tc>
                   <a:txBody>
@@ -3912,7 +5922,7 @@
                       <a:endParaRPr lang="en-US" dirty="0"/>
                     </a:p>
                   </a:txBody>
-                  <a:tcPr/>
+                  <a:tcPr marL="82973" marR="82973"/>
                 </a:tc>
                 <a:tc>
                   <a:txBody>
@@ -3930,7 +5940,7 @@
                       <a:endParaRPr lang="en-US" dirty="0"/>
                     </a:p>
                   </a:txBody>
-                  <a:tcPr/>
+                  <a:tcPr marL="82973" marR="82973"/>
                 </a:tc>
                 <a:tc>
                   <a:txBody>
@@ -3944,7 +5954,7 @@
                       <a:endParaRPr lang="en-US" dirty="0"/>
                     </a:p>
                   </a:txBody>
-                  <a:tcPr/>
+                  <a:tcPr marL="82973" marR="82973"/>
                 </a:tc>
               </a:tr>
             </a:tbl>
@@ -3960,7 +5970,7 @@
         <p:spPr>
           <a:xfrm>
             <a:off x="683568" y="5373216"/>
-            <a:ext cx="5580887" cy="369332"/>
+            <a:ext cx="5651419" cy="369332"/>
           </a:xfrm>
           <a:prstGeom prst="rect">
             <a:avLst/>
@@ -3978,12 +5988,12 @@
               <a:t>Top frequent </a:t>
             </a:r>
             <a:r>
-              <a:rPr lang="en-US" dirty="0" err="1" smtClean="0"/>
-              <a:t>ngrams</a:t>
-            </a:r>
-            <a:r>
               <a:rPr lang="en-US" dirty="0" smtClean="0"/>
-              <a:t> and occurrence for personal profiles</a:t>
+              <a:t>n-grams </a:t>
+            </a:r>
+            <a:r>
+              <a:rPr lang="en-US" dirty="0" smtClean="0"/>
+              <a:t>and occurrence for personal profiles</a:t>
             </a:r>
             <a:endParaRPr lang="en-US" dirty="0"/>
           </a:p>
@@ -4044,12 +6054,12 @@
             <a:graphicFrameLocks noGrp="1"/>
           </p:cNvGraphicFramePr>
           <p:nvPr>
-            <p:ph idx="1"/>
+            <p:ph sz="quarter" idx="1"/>
           </p:nvPr>
         </p:nvGraphicFramePr>
         <p:xfrm>
           <a:off x="457200" y="1600200"/>
-          <a:ext cx="8229600" cy="2768600"/>
+          <a:ext cx="7467600" cy="3581400"/>
         </p:xfrm>
         <a:graphic>
           <a:graphicData uri="http://schemas.openxmlformats.org/drawingml/2006/table">
@@ -4058,11 +6068,11 @@
                 <a:tableStyleId>{5C22544A-7EE6-4342-B048-85BDC9FD1C3A}</a:tableStyleId>
               </a:tblPr>
               <a:tblGrid>
-                <a:gridCol w="1645920"/>
-                <a:gridCol w="1645920"/>
-                <a:gridCol w="1645920"/>
-                <a:gridCol w="1645920"/>
-                <a:gridCol w="1645920"/>
+                <a:gridCol w="1493520"/>
+                <a:gridCol w="1493520"/>
+                <a:gridCol w="1493520"/>
+                <a:gridCol w="1493520"/>
+                <a:gridCol w="1493520"/>
               </a:tblGrid>
               <a:tr h="370840">
                 <a:tc>
@@ -4085,7 +6095,7 @@
                       <a:endParaRPr lang="en-US" dirty="0"/>
                     </a:p>
                   </a:txBody>
-                  <a:tcPr/>
+                  <a:tcPr marL="82973" marR="82973"/>
                 </a:tc>
                 <a:tc>
                   <a:txBody>
@@ -4103,7 +6113,7 @@
                       <a:endParaRPr lang="en-US" dirty="0"/>
                     </a:p>
                   </a:txBody>
-                  <a:tcPr/>
+                  <a:tcPr marL="82973" marR="82973"/>
                 </a:tc>
                 <a:tc>
                   <a:txBody>
@@ -4117,7 +6127,7 @@
                       <a:endParaRPr lang="en-US" dirty="0"/>
                     </a:p>
                   </a:txBody>
-                  <a:tcPr/>
+                  <a:tcPr marL="82973" marR="82973"/>
                 </a:tc>
                 <a:tc>
                   <a:txBody>
@@ -4131,7 +6141,7 @@
                       <a:endParaRPr lang="en-US" dirty="0"/>
                     </a:p>
                   </a:txBody>
-                  <a:tcPr/>
+                  <a:tcPr marL="82973" marR="82973"/>
                 </a:tc>
                 <a:tc>
                   <a:txBody>
@@ -4145,7 +6155,7 @@
                       <a:endParaRPr lang="en-US" dirty="0"/>
                     </a:p>
                   </a:txBody>
-                  <a:tcPr/>
+                  <a:tcPr marL="82973" marR="82973"/>
                 </a:tc>
               </a:tr>
               <a:tr h="370840">
@@ -4161,7 +6171,7 @@
                       <a:endParaRPr lang="en-US" dirty="0"/>
                     </a:p>
                   </a:txBody>
-                  <a:tcPr/>
+                  <a:tcPr marL="82973" marR="82973"/>
                 </a:tc>
                 <a:tc>
                   <a:txBody>
@@ -4175,7 +6185,7 @@
                       <a:endParaRPr lang="en-US" dirty="0"/>
                     </a:p>
                   </a:txBody>
-                  <a:tcPr/>
+                  <a:tcPr marL="82973" marR="82973"/>
                 </a:tc>
                 <a:tc>
                   <a:txBody>
@@ -4189,7 +6199,7 @@
                       <a:endParaRPr lang="en-US" dirty="0"/>
                     </a:p>
                   </a:txBody>
-                  <a:tcPr/>
+                  <a:tcPr marL="82973" marR="82973"/>
                 </a:tc>
                 <a:tc>
                   <a:txBody>
@@ -4203,7 +6213,7 @@
                       <a:endParaRPr lang="en-US" dirty="0"/>
                     </a:p>
                   </a:txBody>
-                  <a:tcPr/>
+                  <a:tcPr marL="82973" marR="82973"/>
                 </a:tc>
                 <a:tc>
                   <a:txBody>
@@ -4217,7 +6227,7 @@
                       <a:endParaRPr lang="en-US" dirty="0"/>
                     </a:p>
                   </a:txBody>
-                  <a:tcPr/>
+                  <a:tcPr marL="82973" marR="82973"/>
                 </a:tc>
               </a:tr>
               <a:tr h="370840">
@@ -4233,7 +6243,7 @@
                       <a:endParaRPr lang="en-US" dirty="0"/>
                     </a:p>
                   </a:txBody>
-                  <a:tcPr/>
+                  <a:tcPr marL="82973" marR="82973"/>
                 </a:tc>
                 <a:tc>
                   <a:txBody>
@@ -4247,7 +6257,7 @@
                       <a:endParaRPr lang="en-US" dirty="0"/>
                     </a:p>
                   </a:txBody>
-                  <a:tcPr/>
+                  <a:tcPr marL="82973" marR="82973"/>
                 </a:tc>
                 <a:tc>
                   <a:txBody>
@@ -4261,7 +6271,7 @@
                       <a:endParaRPr lang="en-US" dirty="0"/>
                     </a:p>
                   </a:txBody>
-                  <a:tcPr/>
+                  <a:tcPr marL="82973" marR="82973"/>
                 </a:tc>
                 <a:tc>
                   <a:txBody>
@@ -4275,7 +6285,7 @@
                       <a:endParaRPr lang="en-US" dirty="0"/>
                     </a:p>
                   </a:txBody>
-                  <a:tcPr/>
+                  <a:tcPr marL="82973" marR="82973"/>
                 </a:tc>
                 <a:tc>
                   <a:txBody>
@@ -4289,7 +6299,7 @@
                       <a:endParaRPr lang="en-US" dirty="0"/>
                     </a:p>
                   </a:txBody>
-                  <a:tcPr/>
+                  <a:tcPr marL="82973" marR="82973"/>
                 </a:tc>
               </a:tr>
               <a:tr h="370840">
@@ -4305,7 +6315,7 @@
                       <a:endParaRPr lang="en-US" dirty="0"/>
                     </a:p>
                   </a:txBody>
-                  <a:tcPr/>
+                  <a:tcPr marL="82973" marR="82973"/>
                 </a:tc>
                 <a:tc>
                   <a:txBody>
@@ -4323,7 +6333,7 @@
                       <a:endParaRPr lang="en-US" dirty="0"/>
                     </a:p>
                   </a:txBody>
-                  <a:tcPr/>
+                  <a:tcPr marL="82973" marR="82973"/>
                 </a:tc>
                 <a:tc>
                   <a:txBody>
@@ -4337,7 +6347,7 @@
                       <a:endParaRPr lang="en-US" dirty="0"/>
                     </a:p>
                   </a:txBody>
-                  <a:tcPr/>
+                  <a:tcPr marL="82973" marR="82973"/>
                 </a:tc>
                 <a:tc>
                   <a:txBody>
@@ -4351,7 +6361,7 @@
                       <a:endParaRPr lang="en-US" dirty="0"/>
                     </a:p>
                   </a:txBody>
-                  <a:tcPr/>
+                  <a:tcPr marL="82973" marR="82973"/>
                 </a:tc>
                 <a:tc>
                   <a:txBody>
@@ -4365,7 +6375,7 @@
                       <a:endParaRPr lang="en-US" dirty="0"/>
                     </a:p>
                   </a:txBody>
-                  <a:tcPr/>
+                  <a:tcPr marL="82973" marR="82973"/>
                 </a:tc>
               </a:tr>
               <a:tr h="370840">
@@ -4381,7 +6391,7 @@
                       <a:endParaRPr lang="en-US" dirty="0"/>
                     </a:p>
                   </a:txBody>
-                  <a:tcPr/>
+                  <a:tcPr marL="82973" marR="82973"/>
                 </a:tc>
                 <a:tc>
                   <a:txBody>
@@ -4395,7 +6405,7 @@
                       <a:endParaRPr lang="en-US" dirty="0"/>
                     </a:p>
                   </a:txBody>
-                  <a:tcPr/>
+                  <a:tcPr marL="82973" marR="82973"/>
                 </a:tc>
                 <a:tc>
                   <a:txBody>
@@ -4409,7 +6419,7 @@
                       <a:endParaRPr lang="en-US" dirty="0"/>
                     </a:p>
                   </a:txBody>
-                  <a:tcPr/>
+                  <a:tcPr marL="82973" marR="82973"/>
                 </a:tc>
                 <a:tc>
                   <a:txBody>
@@ -4423,7 +6433,7 @@
                       <a:endParaRPr lang="en-US" dirty="0"/>
                     </a:p>
                   </a:txBody>
-                  <a:tcPr/>
+                  <a:tcPr marL="82973" marR="82973"/>
                 </a:tc>
                 <a:tc>
                   <a:txBody>
@@ -4437,7 +6447,7 @@
                       <a:endParaRPr lang="en-US" dirty="0"/>
                     </a:p>
                   </a:txBody>
-                  <a:tcPr/>
+                  <a:tcPr marL="82973" marR="82973"/>
                 </a:tc>
               </a:tr>
               <a:tr h="370840">
@@ -4453,7 +6463,7 @@
                       <a:endParaRPr lang="en-US" dirty="0"/>
                     </a:p>
                   </a:txBody>
-                  <a:tcPr/>
+                  <a:tcPr marL="82973" marR="82973"/>
                 </a:tc>
                 <a:tc>
                   <a:txBody>
@@ -4467,7 +6477,7 @@
                       <a:endParaRPr lang="en-US" dirty="0"/>
                     </a:p>
                   </a:txBody>
-                  <a:tcPr/>
+                  <a:tcPr marL="82973" marR="82973"/>
                 </a:tc>
                 <a:tc>
                   <a:txBody>
@@ -4481,7 +6491,7 @@
                       <a:endParaRPr lang="en-US" dirty="0"/>
                     </a:p>
                   </a:txBody>
-                  <a:tcPr/>
+                  <a:tcPr marL="82973" marR="82973"/>
                 </a:tc>
                 <a:tc>
                   <a:txBody>
@@ -4495,7 +6505,7 @@
                       <a:endParaRPr lang="en-US" dirty="0"/>
                     </a:p>
                   </a:txBody>
-                  <a:tcPr/>
+                  <a:tcPr marL="82973" marR="82973"/>
                 </a:tc>
                 <a:tc>
                   <a:txBody>
@@ -4509,7 +6519,7 @@
                       <a:endParaRPr lang="en-US" dirty="0"/>
                     </a:p>
                   </a:txBody>
-                  <a:tcPr/>
+                  <a:tcPr marL="82973" marR="82973"/>
                 </a:tc>
               </a:tr>
             </a:tbl>
@@ -4525,7 +6535,7 @@
         <p:spPr>
           <a:xfrm>
             <a:off x="683568" y="5373216"/>
-            <a:ext cx="6039538" cy="369332"/>
+            <a:ext cx="6162969" cy="369332"/>
           </a:xfrm>
           <a:prstGeom prst="rect">
             <a:avLst/>
@@ -4543,12 +6553,12 @@
               <a:t>Top frequent </a:t>
             </a:r>
             <a:r>
-              <a:rPr lang="en-US" dirty="0" err="1" smtClean="0"/>
-              <a:t>ngrams</a:t>
-            </a:r>
-            <a:r>
               <a:rPr lang="en-US" dirty="0" smtClean="0"/>
-              <a:t> and occurrence for organizational profiles</a:t>
+              <a:t>n-grams </a:t>
+            </a:r>
+            <a:r>
+              <a:rPr lang="en-US" dirty="0" smtClean="0"/>
+              <a:t>and occurrence for organizational profiles</a:t>
             </a:r>
             <a:endParaRPr lang="en-US" dirty="0"/>
           </a:p>
@@ -4609,7 +6619,7 @@
             <a:spLocks noGrp="1"/>
           </p:cNvSpPr>
           <p:nvPr>
-            <p:ph idx="1"/>
+            <p:ph sz="quarter" idx="1"/>
           </p:nvPr>
         </p:nvSpPr>
         <p:spPr/>
@@ -4619,7 +6629,15 @@
           <a:p>
             <a:r>
               <a:rPr lang="en-US" dirty="0" smtClean="0"/>
-              <a:t>Because the highly homogeneity of character n-grams in both personal and organizational profiles, we use term (word) n-grams as high-level features</a:t>
+              <a:t>Because the </a:t>
+            </a:r>
+            <a:r>
+              <a:rPr lang="en-US" dirty="0" smtClean="0"/>
+              <a:t>high </a:t>
+            </a:r>
+            <a:r>
+              <a:rPr lang="en-US" dirty="0" smtClean="0"/>
+              <a:t>homogeneity of character n-grams in both personal and organizational profiles, we use term (word) n-grams as high-level features</a:t>
             </a:r>
           </a:p>
           <a:p>
@@ -4686,7 +6704,7 @@
             <a:spLocks noGrp="1"/>
           </p:cNvSpPr>
           <p:nvPr>
-            <p:ph idx="1"/>
+            <p:ph sz="quarter" idx="1"/>
           </p:nvPr>
         </p:nvSpPr>
         <p:spPr/>
@@ -4704,13 +6722,34 @@
             </a:r>
             <a:r>
               <a:rPr lang="en-US" dirty="0" smtClean="0"/>
-              <a:t> times in total profiles</a:t>
-            </a:r>
-          </a:p>
-          <a:p>
+              <a:t> times in </a:t>
+            </a:r>
             <a:r>
               <a:rPr lang="en-US" dirty="0" smtClean="0"/>
-              <a:t>Difference: the difference between occurrences in personal profiles and ones in organizational profiles is at least </a:t>
+              <a:t>either personal or organization descriptions</a:t>
+            </a:r>
+            <a:endParaRPr lang="en-US" dirty="0" smtClean="0"/>
+          </a:p>
+          <a:p>
+            <a:r>
+              <a:rPr lang="en-US" dirty="0" smtClean="0"/>
+              <a:t>Difference: the difference between occurrences in personal </a:t>
+            </a:r>
+            <a:r>
+              <a:rPr lang="en-US" dirty="0" smtClean="0"/>
+              <a:t>descriptions </a:t>
+            </a:r>
+            <a:r>
+              <a:rPr lang="en-US" dirty="0" smtClean="0"/>
+              <a:t>and ones in organizational </a:t>
+            </a:r>
+            <a:r>
+              <a:rPr lang="en-US" dirty="0" smtClean="0"/>
+              <a:t>descriptions </a:t>
+            </a:r>
+            <a:r>
+              <a:rPr lang="en-US" dirty="0" smtClean="0"/>
+              <a:t>is at least </a:t>
             </a:r>
             <a:r>
               <a:rPr lang="en-US" b="1" dirty="0" smtClean="0"/>
@@ -4777,7 +6816,7 @@
             <a:spLocks noGrp="1"/>
           </p:cNvSpPr>
           <p:nvPr>
-            <p:ph idx="1"/>
+            <p:ph sz="quarter" idx="1"/>
           </p:nvPr>
         </p:nvSpPr>
         <p:spPr/>
@@ -4871,12 +6910,12 @@
             <a:graphicFrameLocks noGrp="1"/>
           </p:cNvGraphicFramePr>
           <p:nvPr>
-            <p:ph idx="1"/>
+            <p:ph sz="quarter" idx="1"/>
           </p:nvPr>
         </p:nvGraphicFramePr>
         <p:xfrm>
           <a:off x="457200" y="1600200"/>
-          <a:ext cx="8229600" cy="1483360"/>
+          <a:ext cx="7467600" cy="1483360"/>
         </p:xfrm>
         <a:graphic>
           <a:graphicData uri="http://schemas.openxmlformats.org/drawingml/2006/table">
@@ -4885,9 +6924,9 @@
                 <a:tableStyleId>{5C22544A-7EE6-4342-B048-85BDC9FD1C3A}</a:tableStyleId>
               </a:tblPr>
               <a:tblGrid>
-                <a:gridCol w="2743200"/>
-                <a:gridCol w="2743200"/>
-                <a:gridCol w="2743200"/>
+                <a:gridCol w="2489200"/>
+                <a:gridCol w="2489200"/>
+                <a:gridCol w="2489200"/>
               </a:tblGrid>
               <a:tr h="370840">
                 <a:tc>
@@ -4898,7 +6937,7 @@
                       <a:endParaRPr lang="en-US" dirty="0"/>
                     </a:p>
                   </a:txBody>
-                  <a:tcPr/>
+                  <a:tcPr marL="82973" marR="82973"/>
                 </a:tc>
                 <a:tc>
                   <a:txBody>
@@ -4916,7 +6955,7 @@
                       <a:endParaRPr lang="en-US" dirty="0"/>
                     </a:p>
                   </a:txBody>
-                  <a:tcPr/>
+                  <a:tcPr marL="82973" marR="82973"/>
                 </a:tc>
                 <a:tc>
                   <a:txBody>
@@ -4930,7 +6969,7 @@
                       <a:endParaRPr lang="en-US" dirty="0"/>
                     </a:p>
                   </a:txBody>
-                  <a:tcPr/>
+                  <a:tcPr marL="82973" marR="82973"/>
                 </a:tc>
               </a:tr>
               <a:tr h="370840">
@@ -4950,7 +6989,7 @@
                       <a:endParaRPr lang="en-US" dirty="0"/>
                     </a:p>
                   </a:txBody>
-                  <a:tcPr/>
+                  <a:tcPr marL="82973" marR="82973"/>
                 </a:tc>
                 <a:tc>
                   <a:txBody>
@@ -4964,7 +7003,7 @@
                       <a:endParaRPr lang="en-US" dirty="0"/>
                     </a:p>
                   </a:txBody>
-                  <a:tcPr/>
+                  <a:tcPr marL="82973" marR="82973"/>
                 </a:tc>
                 <a:tc>
                   <a:txBody>
@@ -4978,7 +7017,7 @@
                       <a:endParaRPr lang="en-US" dirty="0"/>
                     </a:p>
                   </a:txBody>
-                  <a:tcPr/>
+                  <a:tcPr marL="82973" marR="82973"/>
                 </a:tc>
               </a:tr>
               <a:tr h="370840">
@@ -4998,7 +7037,7 @@
                       <a:endParaRPr lang="en-US" dirty="0"/>
                     </a:p>
                   </a:txBody>
-                  <a:tcPr/>
+                  <a:tcPr marL="82973" marR="82973"/>
                 </a:tc>
                 <a:tc>
                   <a:txBody>
@@ -5012,7 +7051,7 @@
                       <a:endParaRPr lang="en-US" dirty="0"/>
                     </a:p>
                   </a:txBody>
-                  <a:tcPr/>
+                  <a:tcPr marL="82973" marR="82973"/>
                 </a:tc>
                 <a:tc>
                   <a:txBody>
@@ -5026,7 +7065,7 @@
                       <a:endParaRPr lang="en-US" dirty="0"/>
                     </a:p>
                   </a:txBody>
-                  <a:tcPr/>
+                  <a:tcPr marL="82973" marR="82973"/>
                 </a:tc>
               </a:tr>
               <a:tr h="370840">
@@ -5042,7 +7081,7 @@
                       <a:endParaRPr lang="en-US" dirty="0"/>
                     </a:p>
                   </a:txBody>
-                  <a:tcPr/>
+                  <a:tcPr marL="82973" marR="82973"/>
                 </a:tc>
                 <a:tc>
                   <a:txBody>
@@ -5056,7 +7095,7 @@
                       <a:endParaRPr lang="en-US" dirty="0"/>
                     </a:p>
                   </a:txBody>
-                  <a:tcPr/>
+                  <a:tcPr marL="82973" marR="82973"/>
                 </a:tc>
                 <a:tc>
                   <a:txBody>
@@ -5070,7 +7109,7 @@
                       <a:endParaRPr lang="en-US" dirty="0"/>
                     </a:p>
                   </a:txBody>
-                  <a:tcPr/>
+                  <a:tcPr marL="82973" marR="82973"/>
                 </a:tc>
               </a:tr>
             </a:tbl>
@@ -5086,7 +7125,7 @@
         <p:spPr>
           <a:xfrm>
             <a:off x="683568" y="4005064"/>
-            <a:ext cx="7549952" cy="461665"/>
+            <a:ext cx="7025834" cy="369332"/>
           </a:xfrm>
           <a:prstGeom prst="rect">
             <a:avLst/>
@@ -5100,10 +7139,18 @@
           <a:lstStyle/>
           <a:p>
             <a:r>
-              <a:rPr lang="en-US" sz="2400" dirty="0" smtClean="0"/>
-              <a:t>We will experiment on more  couples of factors and report.</a:t>
-            </a:r>
-            <a:endParaRPr lang="en-US" sz="2400" dirty="0"/>
+              <a:rPr lang="en-US" dirty="0" smtClean="0"/>
+              <a:t>We will experiment on more  couples of factors </a:t>
+            </a:r>
+            <a:r>
+              <a:rPr lang="en-US" dirty="0" smtClean="0"/>
+              <a:t>before </a:t>
+            </a:r>
+            <a:r>
+              <a:rPr lang="en-US" dirty="0" smtClean="0"/>
+              <a:t>report.</a:t>
+            </a:r>
+            <a:endParaRPr lang="en-US" dirty="0"/>
           </a:p>
         </p:txBody>
       </p:sp>
@@ -5162,7 +7209,7 @@
             <a:spLocks noGrp="1"/>
           </p:cNvSpPr>
           <p:nvPr>
-            <p:ph idx="1"/>
+            <p:ph sz="quarter" idx="1"/>
           </p:nvPr>
         </p:nvSpPr>
         <p:spPr/>
@@ -5194,7 +7241,23 @@
           <a:p>
             <a:r>
               <a:rPr lang="en-US" dirty="0" smtClean="0"/>
-              <a:t>Use SMO (Normalized Poly Kernel) and ANN (Multilayer Perception) in WEKA</a:t>
+              <a:t>Use SMO (Normalized Poly Kernel) and </a:t>
+            </a:r>
+            <a:r>
+              <a:rPr lang="en-US" dirty="0" smtClean="0"/>
+              <a:t>MLP </a:t>
+            </a:r>
+            <a:r>
+              <a:rPr lang="en-US" dirty="0" smtClean="0"/>
+              <a:t>(Multilayer </a:t>
+            </a:r>
+            <a:r>
+              <a:rPr lang="en-US" dirty="0" err="1" smtClean="0"/>
+              <a:t>Perceptron</a:t>
+            </a:r>
+            <a:r>
+              <a:rPr lang="en-US" dirty="0" smtClean="0"/>
+              <a:t>) in WEKA</a:t>
             </a:r>
           </a:p>
           <a:p>
@@ -5261,13 +7324,13 @@
             <a:spLocks noGrp="1"/>
           </p:cNvSpPr>
           <p:nvPr>
-            <p:ph idx="1"/>
+            <p:ph sz="quarter" idx="1"/>
           </p:nvPr>
         </p:nvSpPr>
         <p:spPr/>
         <p:txBody>
           <a:bodyPr>
-            <a:normAutofit fontScale="92500"/>
+            <a:normAutofit/>
           </a:bodyPr>
           <a:lstStyle/>
           <a:p>
@@ -5339,11 +7402,17 @@
               <a:rPr lang="en-US" dirty="0" smtClean="0">
                 <a:hlinkClick r:id="rId5"/>
               </a:rPr>
-              <a:t>Sue Moon</a:t>
+              <a:t>Sue </a:t>
+            </a:r>
+            <a:r>
+              <a:rPr lang="en-US" dirty="0" smtClean="0">
+                <a:hlinkClick r:id="rId5"/>
+              </a:rPr>
+              <a:t>Moon</a:t>
             </a:r>
             <a:r>
               <a:rPr lang="en-US" dirty="0" smtClean="0"/>
-              <a:t> </a:t>
+              <a:t>: </a:t>
             </a:r>
             <a:r>
               <a:rPr lang="en-US" i="1" dirty="0" smtClean="0"/>
@@ -5429,12 +7498,12 @@
             <a:graphicFrameLocks noGrp="1"/>
           </p:cNvGraphicFramePr>
           <p:nvPr>
-            <p:ph idx="1"/>
+            <p:ph sz="quarter" idx="1"/>
           </p:nvPr>
         </p:nvGraphicFramePr>
         <p:xfrm>
-          <a:off x="457200" y="1600200"/>
-          <a:ext cx="8229600" cy="3403600"/>
+          <a:off x="467544" y="1556792"/>
+          <a:ext cx="7467600" cy="4480560"/>
         </p:xfrm>
         <a:graphic>
           <a:graphicData uri="http://schemas.openxmlformats.org/drawingml/2006/table">
@@ -5443,12 +7512,12 @@
                 <a:tableStyleId>{5C22544A-7EE6-4342-B048-85BDC9FD1C3A}</a:tableStyleId>
               </a:tblPr>
               <a:tblGrid>
-                <a:gridCol w="1371600"/>
-                <a:gridCol w="1371600"/>
-                <a:gridCol w="1371600"/>
-                <a:gridCol w="1371600"/>
-                <a:gridCol w="1371600"/>
-                <a:gridCol w="1371600"/>
+                <a:gridCol w="1244600"/>
+                <a:gridCol w="1244600"/>
+                <a:gridCol w="1244600"/>
+                <a:gridCol w="1244600"/>
+                <a:gridCol w="1244600"/>
+                <a:gridCol w="1244600"/>
               </a:tblGrid>
               <a:tr h="370840">
                 <a:tc>
@@ -5463,7 +7532,7 @@
                       <a:endParaRPr lang="en-US" dirty="0"/>
                     </a:p>
                   </a:txBody>
-                  <a:tcPr/>
+                  <a:tcPr marL="82973" marR="82973"/>
                 </a:tc>
                 <a:tc>
                   <a:txBody>
@@ -5477,7 +7546,7 @@
                       <a:endParaRPr lang="en-US" dirty="0"/>
                     </a:p>
                   </a:txBody>
-                  <a:tcPr/>
+                  <a:tcPr marL="82973" marR="82973"/>
                 </a:tc>
                 <a:tc>
                   <a:txBody>
@@ -5491,7 +7560,7 @@
                       <a:endParaRPr lang="en-US" dirty="0"/>
                     </a:p>
                   </a:txBody>
-                  <a:tcPr/>
+                  <a:tcPr marL="82973" marR="82973"/>
                 </a:tc>
                 <a:tc>
                   <a:txBody>
@@ -5505,7 +7574,7 @@
                       <a:endParaRPr lang="en-US" dirty="0"/>
                     </a:p>
                   </a:txBody>
-                  <a:tcPr/>
+                  <a:tcPr marL="82973" marR="82973"/>
                 </a:tc>
                 <a:tc>
                   <a:txBody>
@@ -5519,7 +7588,7 @@
                       <a:endParaRPr lang="en-US" dirty="0"/>
                     </a:p>
                   </a:txBody>
-                  <a:tcPr/>
+                  <a:tcPr marL="82973" marR="82973"/>
                 </a:tc>
                 <a:tc>
                   <a:txBody>
@@ -5533,7 +7602,7 @@
                       <a:endParaRPr lang="en-US" dirty="0"/>
                     </a:p>
                   </a:txBody>
-                  <a:tcPr/>
+                  <a:tcPr marL="82973" marR="82973"/>
                 </a:tc>
               </a:tr>
               <a:tr h="370840">
@@ -5549,7 +7618,7 @@
                       <a:endParaRPr lang="en-US" dirty="0"/>
                     </a:p>
                   </a:txBody>
-                  <a:tcPr/>
+                  <a:tcPr marL="82973" marR="82973"/>
                 </a:tc>
                 <a:tc>
                   <a:txBody>
@@ -5563,7 +7632,7 @@
                       <a:endParaRPr lang="en-US" dirty="0"/>
                     </a:p>
                   </a:txBody>
-                  <a:tcPr/>
+                  <a:tcPr marL="82973" marR="82973"/>
                 </a:tc>
                 <a:tc>
                   <a:txBody>
@@ -5577,7 +7646,7 @@
                       <a:endParaRPr lang="en-US" dirty="0"/>
                     </a:p>
                   </a:txBody>
-                  <a:tcPr/>
+                  <a:tcPr marL="82973" marR="82973"/>
                 </a:tc>
                 <a:tc>
                   <a:txBody>
@@ -5591,7 +7660,7 @@
                       <a:endParaRPr lang="en-US" dirty="0"/>
                     </a:p>
                   </a:txBody>
-                  <a:tcPr/>
+                  <a:tcPr marL="82973" marR="82973"/>
                 </a:tc>
                 <a:tc>
                   <a:txBody>
@@ -5605,7 +7674,7 @@
                       <a:endParaRPr lang="en-US" dirty="0"/>
                     </a:p>
                   </a:txBody>
-                  <a:tcPr/>
+                  <a:tcPr marL="82973" marR="82973"/>
                 </a:tc>
                 <a:tc>
                   <a:txBody>
@@ -5619,7 +7688,7 @@
                       <a:endParaRPr lang="en-US" dirty="0"/>
                     </a:p>
                   </a:txBody>
-                  <a:tcPr/>
+                  <a:tcPr marL="82973" marR="82973"/>
                 </a:tc>
               </a:tr>
               <a:tr h="370840">
@@ -5630,12 +7699,16 @@
                     <a:p>
                       <a:r>
                         <a:rPr lang="en-US" dirty="0" smtClean="0"/>
-                        <a:t>ANN(30, 30)</a:t>
-                      </a:r>
-                      <a:endParaRPr lang="en-US" dirty="0"/>
-                    </a:p>
-                  </a:txBody>
-                  <a:tcPr/>
+                        <a:t>MLP(30</a:t>
+                      </a:r>
+                      <a:r>
+                        <a:rPr lang="en-US" dirty="0" smtClean="0"/>
+                        <a:t>, 30)</a:t>
+                      </a:r>
+                      <a:endParaRPr lang="en-US" dirty="0"/>
+                    </a:p>
+                  </a:txBody>
+                  <a:tcPr marL="82973" marR="82973"/>
                 </a:tc>
                 <a:tc>
                   <a:txBody>
@@ -5649,7 +7722,7 @@
                       <a:endParaRPr lang="en-US" dirty="0"/>
                     </a:p>
                   </a:txBody>
-                  <a:tcPr/>
+                  <a:tcPr marL="82973" marR="82973"/>
                 </a:tc>
                 <a:tc>
                   <a:txBody>
@@ -5663,7 +7736,7 @@
                       <a:endParaRPr lang="en-US" dirty="0"/>
                     </a:p>
                   </a:txBody>
-                  <a:tcPr/>
+                  <a:tcPr marL="82973" marR="82973"/>
                 </a:tc>
                 <a:tc>
                   <a:txBody>
@@ -5677,7 +7750,7 @@
                       <a:endParaRPr lang="en-US" dirty="0"/>
                     </a:p>
                   </a:txBody>
-                  <a:tcPr/>
+                  <a:tcPr marL="82973" marR="82973"/>
                 </a:tc>
                 <a:tc>
                   <a:txBody>
@@ -5691,7 +7764,7 @@
                       <a:endParaRPr lang="en-US" dirty="0"/>
                     </a:p>
                   </a:txBody>
-                  <a:tcPr/>
+                  <a:tcPr marL="82973" marR="82973"/>
                 </a:tc>
                 <a:tc>
                   <a:txBody>
@@ -5705,7 +7778,7 @@
                       <a:endParaRPr lang="en-US" dirty="0"/>
                     </a:p>
                   </a:txBody>
-                  <a:tcPr/>
+                  <a:tcPr marL="82973" marR="82973"/>
                 </a:tc>
               </a:tr>
               <a:tr h="370840">
@@ -5721,7 +7794,7 @@
                       <a:endParaRPr lang="en-US" dirty="0"/>
                     </a:p>
                   </a:txBody>
-                  <a:tcPr/>
+                  <a:tcPr marL="82973" marR="82973"/>
                 </a:tc>
                 <a:tc>
                   <a:txBody>
@@ -5735,7 +7808,7 @@
                       <a:endParaRPr lang="en-US" dirty="0"/>
                     </a:p>
                   </a:txBody>
-                  <a:tcPr/>
+                  <a:tcPr marL="82973" marR="82973"/>
                 </a:tc>
                 <a:tc>
                   <a:txBody>
@@ -5749,7 +7822,7 @@
                       <a:endParaRPr lang="en-US" dirty="0"/>
                     </a:p>
                   </a:txBody>
-                  <a:tcPr/>
+                  <a:tcPr marL="82973" marR="82973"/>
                 </a:tc>
                 <a:tc>
                   <a:txBody>
@@ -5763,7 +7836,7 @@
                       <a:endParaRPr lang="en-US" dirty="0"/>
                     </a:p>
                   </a:txBody>
-                  <a:tcPr/>
+                  <a:tcPr marL="82973" marR="82973"/>
                 </a:tc>
                 <a:tc>
                   <a:txBody>
@@ -5777,7 +7850,7 @@
                       <a:endParaRPr lang="en-US" dirty="0"/>
                     </a:p>
                   </a:txBody>
-                  <a:tcPr/>
+                  <a:tcPr marL="82973" marR="82973"/>
                 </a:tc>
                 <a:tc>
                   <a:txBody>
@@ -5791,7 +7864,7 @@
                       <a:endParaRPr lang="en-US" dirty="0"/>
                     </a:p>
                   </a:txBody>
-                  <a:tcPr/>
+                  <a:tcPr marL="82973" marR="82973"/>
                 </a:tc>
               </a:tr>
               <a:tr h="370840">
@@ -5802,12 +7875,16 @@
                     <a:p>
                       <a:r>
                         <a:rPr lang="en-US" dirty="0" smtClean="0"/>
-                        <a:t>ANN(50, 50)</a:t>
-                      </a:r>
-                      <a:endParaRPr lang="en-US" dirty="0"/>
-                    </a:p>
-                  </a:txBody>
-                  <a:tcPr/>
+                        <a:t>MLP(50</a:t>
+                      </a:r>
+                      <a:r>
+                        <a:rPr lang="en-US" dirty="0" smtClean="0"/>
+                        <a:t>, 50)</a:t>
+                      </a:r>
+                      <a:endParaRPr lang="en-US" dirty="0"/>
+                    </a:p>
+                  </a:txBody>
+                  <a:tcPr marL="82973" marR="82973"/>
                 </a:tc>
                 <a:tc>
                   <a:txBody>
@@ -5821,7 +7898,7 @@
                       <a:endParaRPr lang="en-US" dirty="0"/>
                     </a:p>
                   </a:txBody>
-                  <a:tcPr/>
+                  <a:tcPr marL="82973" marR="82973"/>
                 </a:tc>
                 <a:tc>
                   <a:txBody>
@@ -5835,7 +7912,7 @@
                       <a:endParaRPr lang="en-US" dirty="0"/>
                     </a:p>
                   </a:txBody>
-                  <a:tcPr/>
+                  <a:tcPr marL="82973" marR="82973"/>
                 </a:tc>
                 <a:tc>
                   <a:txBody>
@@ -5849,7 +7926,7 @@
                       <a:endParaRPr lang="en-US" dirty="0"/>
                     </a:p>
                   </a:txBody>
-                  <a:tcPr/>
+                  <a:tcPr marL="82973" marR="82973"/>
                 </a:tc>
                 <a:tc>
                   <a:txBody>
@@ -5863,7 +7940,7 @@
                       <a:endParaRPr lang="en-US" dirty="0"/>
                     </a:p>
                   </a:txBody>
-                  <a:tcPr/>
+                  <a:tcPr marL="82973" marR="82973"/>
                 </a:tc>
                 <a:tc>
                   <a:txBody>
@@ -5877,7 +7954,7 @@
                       <a:endParaRPr lang="en-US" dirty="0"/>
                     </a:p>
                   </a:txBody>
-                  <a:tcPr/>
+                  <a:tcPr marL="82973" marR="82973"/>
                 </a:tc>
               </a:tr>
               <a:tr h="370840">
@@ -5893,7 +7970,7 @@
                       <a:endParaRPr lang="en-US" dirty="0"/>
                     </a:p>
                   </a:txBody>
-                  <a:tcPr/>
+                  <a:tcPr marL="82973" marR="82973"/>
                 </a:tc>
                 <a:tc>
                   <a:txBody>
@@ -5907,7 +7984,7 @@
                       <a:endParaRPr lang="en-US" b="1" dirty="0"/>
                     </a:p>
                   </a:txBody>
-                  <a:tcPr/>
+                  <a:tcPr marL="82973" marR="82973"/>
                 </a:tc>
                 <a:tc>
                   <a:txBody>
@@ -5921,7 +7998,7 @@
                       <a:endParaRPr lang="en-US" b="1" dirty="0"/>
                     </a:p>
                   </a:txBody>
-                  <a:tcPr/>
+                  <a:tcPr marL="82973" marR="82973"/>
                 </a:tc>
                 <a:tc>
                   <a:txBody>
@@ -5935,7 +8012,7 @@
                       <a:endParaRPr lang="en-US" b="1" dirty="0"/>
                     </a:p>
                   </a:txBody>
-                  <a:tcPr/>
+                  <a:tcPr marL="82973" marR="82973"/>
                 </a:tc>
                 <a:tc>
                   <a:txBody>
@@ -5949,7 +8026,7 @@
                       <a:endParaRPr lang="en-US" dirty="0"/>
                     </a:p>
                   </a:txBody>
-                  <a:tcPr/>
+                  <a:tcPr marL="82973" marR="82973"/>
                 </a:tc>
                 <a:tc>
                   <a:txBody>
@@ -5963,7 +8040,7 @@
                       <a:endParaRPr lang="en-US" b="1" dirty="0"/>
                     </a:p>
                   </a:txBody>
-                  <a:tcPr/>
+                  <a:tcPr marL="82973" marR="82973"/>
                 </a:tc>
               </a:tr>
               <a:tr h="370840">
@@ -5974,12 +8051,16 @@
                     <a:p>
                       <a:r>
                         <a:rPr lang="en-US" dirty="0" smtClean="0"/>
-                        <a:t>ANN(100, 100)</a:t>
-                      </a:r>
-                      <a:endParaRPr lang="en-US" dirty="0"/>
-                    </a:p>
-                  </a:txBody>
-                  <a:tcPr/>
+                        <a:t>MLP(100</a:t>
+                      </a:r>
+                      <a:r>
+                        <a:rPr lang="en-US" dirty="0" smtClean="0"/>
+                        <a:t>, 100)</a:t>
+                      </a:r>
+                      <a:endParaRPr lang="en-US" dirty="0"/>
+                    </a:p>
+                  </a:txBody>
+                  <a:tcPr marL="82973" marR="82973"/>
                 </a:tc>
                 <a:tc>
                   <a:txBody>
@@ -5993,7 +8074,7 @@
                       <a:endParaRPr lang="en-US" dirty="0"/>
                     </a:p>
                   </a:txBody>
-                  <a:tcPr/>
+                  <a:tcPr marL="82973" marR="82973"/>
                 </a:tc>
                 <a:tc>
                   <a:txBody>
@@ -6007,7 +8088,7 @@
                       <a:endParaRPr lang="en-US" dirty="0"/>
                     </a:p>
                   </a:txBody>
-                  <a:tcPr/>
+                  <a:tcPr marL="82973" marR="82973"/>
                 </a:tc>
                 <a:tc>
                   <a:txBody>
@@ -6021,7 +8102,7 @@
                       <a:endParaRPr lang="en-US" dirty="0"/>
                     </a:p>
                   </a:txBody>
-                  <a:tcPr/>
+                  <a:tcPr marL="82973" marR="82973"/>
                 </a:tc>
                 <a:tc>
                   <a:txBody>
@@ -6035,7 +8116,7 @@
                       <a:endParaRPr lang="en-US" b="1" dirty="0"/>
                     </a:p>
                   </a:txBody>
-                  <a:tcPr/>
+                  <a:tcPr marL="82973" marR="82973"/>
                 </a:tc>
                 <a:tc>
                   <a:txBody>
@@ -6049,7 +8130,7 @@
                       <a:endParaRPr lang="en-US" dirty="0"/>
                     </a:p>
                   </a:txBody>
-                  <a:tcPr/>
+                  <a:tcPr marL="82973" marR="82973"/>
                 </a:tc>
               </a:tr>
             </a:tbl>
@@ -6064,8 +8145,8 @@
         </p:nvSpPr>
         <p:spPr>
           <a:xfrm>
-            <a:off x="755576" y="5733256"/>
-            <a:ext cx="7582525" cy="523220"/>
+            <a:off x="971600" y="6093296"/>
+            <a:ext cx="6382709" cy="400110"/>
           </a:xfrm>
           <a:prstGeom prst="rect">
             <a:avLst/>
@@ -6079,10 +8160,170 @@
           <a:lstStyle/>
           <a:p>
             <a:r>
-              <a:rPr lang="en-US" sz="2800" dirty="0" smtClean="0"/>
+              <a:rPr lang="en-US" sz="2000" dirty="0" smtClean="0"/>
               <a:t>Best performance of each metric is written in bold.</a:t>
             </a:r>
-            <a:endParaRPr lang="en-US" sz="2800" dirty="0"/>
+            <a:endParaRPr lang="en-US" sz="2000" dirty="0"/>
+          </a:p>
+        </p:txBody>
+      </p:sp>
+    </p:spTree>
+  </p:cSld>
+  <p:clrMapOvr>
+    <a:masterClrMapping/>
+  </p:clrMapOvr>
+</p:sld>
+</file>
+
+<file path=ppt/slides/slide21.xml><?xml version="1.0" encoding="utf-8"?>
+<p:sld xmlns:a="http://schemas.openxmlformats.org/drawingml/2006/main" xmlns:r="http://schemas.openxmlformats.org/officeDocument/2006/relationships" xmlns:p="http://schemas.openxmlformats.org/presentationml/2006/main">
+  <p:cSld>
+    <p:spTree>
+      <p:nvGrpSpPr>
+        <p:cNvPr id="1" name=""/>
+        <p:cNvGrpSpPr/>
+        <p:nvPr/>
+      </p:nvGrpSpPr>
+      <p:grpSpPr>
+        <a:xfrm>
+          <a:off x="0" y="0"/>
+          <a:ext cx="0" cy="0"/>
+          <a:chOff x="0" y="0"/>
+          <a:chExt cx="0" cy="0"/>
+        </a:xfrm>
+      </p:grpSpPr>
+      <p:sp>
+        <p:nvSpPr>
+          <p:cNvPr id="2" name="Title 1"/>
+          <p:cNvSpPr>
+            <a:spLocks noGrp="1"/>
+          </p:cNvSpPr>
+          <p:nvPr>
+            <p:ph type="title"/>
+          </p:nvPr>
+        </p:nvSpPr>
+        <p:spPr/>
+        <p:txBody>
+          <a:bodyPr/>
+          <a:lstStyle/>
+          <a:p>
+            <a:r>
+              <a:rPr lang="en-US" dirty="0" smtClean="0"/>
+              <a:t>Future Work</a:t>
+            </a:r>
+            <a:endParaRPr lang="en-US" dirty="0"/>
+          </a:p>
+        </p:txBody>
+      </p:sp>
+      <p:sp>
+        <p:nvSpPr>
+          <p:cNvPr id="3" name="Content Placeholder 2"/>
+          <p:cNvSpPr>
+            <a:spLocks noGrp="1"/>
+          </p:cNvSpPr>
+          <p:nvPr>
+            <p:ph sz="quarter" idx="1"/>
+          </p:nvPr>
+        </p:nvSpPr>
+        <p:spPr/>
+        <p:txBody>
+          <a:bodyPr/>
+          <a:lstStyle/>
+          <a:p>
+            <a:r>
+              <a:rPr lang="en-US" dirty="0" smtClean="0"/>
+              <a:t>Testing on more data</a:t>
+            </a:r>
+          </a:p>
+          <a:p>
+            <a:r>
+              <a:rPr lang="en-US" dirty="0" smtClean="0"/>
+              <a:t>Trying to make use of other high-level features</a:t>
+            </a:r>
+          </a:p>
+          <a:p>
+            <a:r>
+              <a:rPr lang="en-US" dirty="0" smtClean="0"/>
+              <a:t>Trying to analyze the tweets from different types of accounts</a:t>
+            </a:r>
+          </a:p>
+          <a:p>
+            <a:r>
+              <a:rPr lang="en-US" dirty="0" smtClean="0"/>
+              <a:t>Trying some other algorithms</a:t>
+            </a:r>
+            <a:endParaRPr lang="en-US" dirty="0"/>
+          </a:p>
+        </p:txBody>
+      </p:sp>
+    </p:spTree>
+  </p:cSld>
+  <p:clrMapOvr>
+    <a:masterClrMapping/>
+  </p:clrMapOvr>
+</p:sld>
+</file>
+
+<file path=ppt/slides/slide22.xml><?xml version="1.0" encoding="utf-8"?>
+<p:sld xmlns:a="http://schemas.openxmlformats.org/drawingml/2006/main" xmlns:r="http://schemas.openxmlformats.org/officeDocument/2006/relationships" xmlns:p="http://schemas.openxmlformats.org/presentationml/2006/main">
+  <p:cSld>
+    <p:spTree>
+      <p:nvGrpSpPr>
+        <p:cNvPr id="1" name=""/>
+        <p:cNvGrpSpPr/>
+        <p:nvPr/>
+      </p:nvGrpSpPr>
+      <p:grpSpPr>
+        <a:xfrm>
+          <a:off x="0" y="0"/>
+          <a:ext cx="0" cy="0"/>
+          <a:chOff x="0" y="0"/>
+          <a:chExt cx="0" cy="0"/>
+        </a:xfrm>
+      </p:grpSpPr>
+      <p:sp>
+        <p:nvSpPr>
+          <p:cNvPr id="2" name="Title 1"/>
+          <p:cNvSpPr>
+            <a:spLocks noGrp="1"/>
+          </p:cNvSpPr>
+          <p:nvPr>
+            <p:ph type="title"/>
+          </p:nvPr>
+        </p:nvSpPr>
+        <p:spPr/>
+        <p:txBody>
+          <a:bodyPr/>
+          <a:lstStyle/>
+          <a:p>
+            <a:r>
+              <a:rPr lang="en-US" dirty="0" smtClean="0"/>
+              <a:t> </a:t>
+            </a:r>
+            <a:endParaRPr lang="en-US" dirty="0"/>
+          </a:p>
+        </p:txBody>
+      </p:sp>
+      <p:sp>
+        <p:nvSpPr>
+          <p:cNvPr id="3" name="Content Placeholder 2"/>
+          <p:cNvSpPr>
+            <a:spLocks noGrp="1"/>
+          </p:cNvSpPr>
+          <p:nvPr>
+            <p:ph sz="quarter" idx="1"/>
+          </p:nvPr>
+        </p:nvSpPr>
+        <p:spPr/>
+        <p:txBody>
+          <a:bodyPr/>
+          <a:lstStyle/>
+          <a:p>
+            <a:r>
+              <a:rPr lang="en-US" dirty="0" smtClean="0"/>
+              <a:t>Thanks for watching!</a:t>
+            </a:r>
+            <a:endParaRPr lang="en-US" dirty="0"/>
           </a:p>
         </p:txBody>
       </p:sp>
@@ -6141,7 +8382,7 @@
             <a:spLocks noGrp="1"/>
           </p:cNvSpPr>
           <p:nvPr>
-            <p:ph idx="1"/>
+            <p:ph sz="quarter" idx="1"/>
           </p:nvPr>
         </p:nvSpPr>
         <p:spPr/>
@@ -6394,7 +8635,11 @@
           <a:p>
             <a:r>
               <a:rPr lang="en-US" dirty="0" smtClean="0"/>
-              <a:t>Profiles Classification</a:t>
+              <a:t>Profiles </a:t>
+            </a:r>
+            <a:r>
+              <a:rPr lang="en-US" dirty="0" smtClean="0"/>
+              <a:t>Labeling</a:t>
             </a:r>
             <a:endParaRPr lang="en-US" dirty="0"/>
           </a:p>
@@ -6407,7 +8652,7 @@
             <a:spLocks noGrp="1"/>
           </p:cNvSpPr>
           <p:nvPr>
-            <p:ph idx="1"/>
+            <p:ph sz="quarter" idx="1"/>
           </p:nvPr>
         </p:nvSpPr>
         <p:spPr/>
@@ -6421,7 +8666,11 @@
             </a:r>
             <a:r>
               <a:rPr lang="en-US" altLang="zh-CN" dirty="0" smtClean="0"/>
-              <a:t>account run by personal and tweets about none-personal life</a:t>
+              <a:t>accounts </a:t>
+            </a:r>
+            <a:r>
+              <a:rPr lang="en-US" altLang="zh-CN" dirty="0" smtClean="0"/>
+              <a:t>run by personal and tweets about none-personal life</a:t>
             </a:r>
             <a:endParaRPr lang="en-US" dirty="0" smtClean="0"/>
           </a:p>
@@ -6432,7 +8681,11 @@
             </a:r>
             <a:r>
               <a:rPr lang="en-US" altLang="zh-CN" dirty="0" smtClean="0"/>
-              <a:t>account run by one person and tweets about his personal life and run by more than 1 people and tweets about none-personal life.</a:t>
+              <a:t>accounts </a:t>
+            </a:r>
+            <a:r>
+              <a:rPr lang="en-US" altLang="zh-CN" dirty="0" smtClean="0"/>
+              <a:t>run by one person and tweets about his personal life and run by more than 1 people and tweets about none-personal life.</a:t>
             </a:r>
             <a:endParaRPr lang="en-US" dirty="0" smtClean="0"/>
           </a:p>
@@ -6500,7 +8753,7 @@
             <a:spLocks noGrp="1"/>
           </p:cNvSpPr>
           <p:nvPr>
-            <p:ph idx="1"/>
+            <p:ph sz="quarter" idx="1"/>
           </p:nvPr>
         </p:nvSpPr>
         <p:spPr/>
@@ -6510,7 +8763,7 @@
           <a:p>
             <a:r>
               <a:rPr lang="en-US" altLang="zh-CN" dirty="0" smtClean="0"/>
-              <a:t>Account </a:t>
+              <a:t>An account </a:t>
             </a:r>
             <a:r>
               <a:rPr lang="en-US" altLang="zh-CN" dirty="0"/>
@@ -6534,7 +8787,7 @@
           <a:blip r:embed="rId2" cstate="print">
             <a:extLst>
               <a:ext uri="{28A0092B-C50C-407E-A947-70E740481C1C}">
-                <a14:useLocalDpi xmlns:a14="http://schemas.microsoft.com/office/drawing/2010/main" xmlns="" val="0"/>
+                <a14:useLocalDpi xmlns="" xmlns:a14="http://schemas.microsoft.com/office/drawing/2010/main" val="0"/>
               </a:ext>
             </a:extLst>
           </a:blip>
@@ -6558,14 +8811,14 @@
           <a:effectLst/>
           <a:extLst>
             <a:ext uri="{909E8E84-426E-40DD-AFC4-6F175D3DCCD1}">
-              <a14:hiddenFill xmlns:a14="http://schemas.microsoft.com/office/drawing/2010/main" xmlns="">
+              <a14:hiddenFill xmlns="" xmlns:a14="http://schemas.microsoft.com/office/drawing/2010/main">
                 <a:solidFill>
                   <a:schemeClr val="accent1"/>
                 </a:solidFill>
               </a14:hiddenFill>
             </a:ext>
             <a:ext uri="{91240B29-F687-4F45-9708-019B960494DF}">
-              <a14:hiddenLine xmlns:a14="http://schemas.microsoft.com/office/drawing/2010/main" xmlns="" w="9525">
+              <a14:hiddenLine xmlns="" xmlns:a14="http://schemas.microsoft.com/office/drawing/2010/main" w="9525">
                 <a:solidFill>
                   <a:schemeClr val="tx1"/>
                 </a:solidFill>
@@ -6575,7 +8828,7 @@
               </a14:hiddenLine>
             </a:ext>
             <a:ext uri="{AF507438-7753-43E0-B8FC-AC1667EBCBE1}">
-              <a14:hiddenEffects xmlns:a14="http://schemas.microsoft.com/office/drawing/2010/main" xmlns="">
+              <a14:hiddenEffects xmlns="" xmlns:a14="http://schemas.microsoft.com/office/drawing/2010/main">
                 <a:effectLst>
                   <a:outerShdw dist="35921" dir="2700000" algn="ctr" rotWithShape="0">
                     <a:schemeClr val="bg2"/>
@@ -6589,7 +8842,7 @@
     </p:spTree>
     <p:extLst>
       <p:ext uri="{BB962C8B-B14F-4D97-AF65-F5344CB8AC3E}">
-        <p14:creationId xmlns:p14="http://schemas.microsoft.com/office/powerpoint/2010/main" xmlns="" val="3821419121"/>
+        <p14:creationId xmlns="" xmlns:p14="http://schemas.microsoft.com/office/powerpoint/2010/main" val="3821419121"/>
       </p:ext>
     </p:extLst>
   </p:cSld>
@@ -6646,7 +8899,7 @@
             <a:spLocks noGrp="1"/>
           </p:cNvSpPr>
           <p:nvPr>
-            <p:ph idx="1"/>
+            <p:ph sz="quarter" idx="1"/>
           </p:nvPr>
         </p:nvSpPr>
         <p:spPr/>
@@ -6656,7 +8909,7 @@
           <a:p>
             <a:r>
               <a:rPr lang="en-US" altLang="zh-CN" dirty="0" smtClean="0"/>
-              <a:t>Account </a:t>
+              <a:t>An account </a:t>
             </a:r>
             <a:r>
               <a:rPr lang="en-US" altLang="zh-CN" dirty="0"/>
@@ -6680,7 +8933,7 @@
           <a:blip r:embed="rId2" cstate="print">
             <a:extLst>
               <a:ext uri="{28A0092B-C50C-407E-A947-70E740481C1C}">
-                <a14:useLocalDpi xmlns:a14="http://schemas.microsoft.com/office/drawing/2010/main" xmlns="" val="0"/>
+                <a14:useLocalDpi xmlns="" xmlns:a14="http://schemas.microsoft.com/office/drawing/2010/main" val="0"/>
               </a:ext>
             </a:extLst>
           </a:blip>
@@ -6704,14 +8957,14 @@
           <a:effectLst/>
           <a:extLst>
             <a:ext uri="{909E8E84-426E-40DD-AFC4-6F175D3DCCD1}">
-              <a14:hiddenFill xmlns:a14="http://schemas.microsoft.com/office/drawing/2010/main" xmlns="">
+              <a14:hiddenFill xmlns="" xmlns:a14="http://schemas.microsoft.com/office/drawing/2010/main">
                 <a:solidFill>
                   <a:schemeClr val="accent1"/>
                 </a:solidFill>
               </a14:hiddenFill>
             </a:ext>
             <a:ext uri="{91240B29-F687-4F45-9708-019B960494DF}">
-              <a14:hiddenLine xmlns:a14="http://schemas.microsoft.com/office/drawing/2010/main" xmlns="" w="9525">
+              <a14:hiddenLine xmlns="" xmlns:a14="http://schemas.microsoft.com/office/drawing/2010/main" w="9525">
                 <a:solidFill>
                   <a:schemeClr val="tx1"/>
                 </a:solidFill>
@@ -6721,7 +8974,7 @@
               </a14:hiddenLine>
             </a:ext>
             <a:ext uri="{AF507438-7753-43E0-B8FC-AC1667EBCBE1}">
-              <a14:hiddenEffects xmlns:a14="http://schemas.microsoft.com/office/drawing/2010/main" xmlns="">
+              <a14:hiddenEffects xmlns="" xmlns:a14="http://schemas.microsoft.com/office/drawing/2010/main">
                 <a:effectLst>
                   <a:outerShdw dist="35921" dir="2700000" algn="ctr" rotWithShape="0">
                     <a:schemeClr val="bg2"/>
@@ -6735,7 +8988,7 @@
     </p:spTree>
     <p:extLst>
       <p:ext uri="{BB962C8B-B14F-4D97-AF65-F5344CB8AC3E}">
-        <p14:creationId xmlns:p14="http://schemas.microsoft.com/office/powerpoint/2010/main" xmlns="" val="2022229711"/>
+        <p14:creationId xmlns="" xmlns:p14="http://schemas.microsoft.com/office/powerpoint/2010/main" val="2022229711"/>
       </p:ext>
     </p:extLst>
   </p:cSld>
@@ -6792,7 +9045,7 @@
             <a:spLocks noGrp="1"/>
           </p:cNvSpPr>
           <p:nvPr>
-            <p:ph idx="1"/>
+            <p:ph sz="quarter" idx="1"/>
           </p:nvPr>
         </p:nvSpPr>
         <p:spPr/>
@@ -6801,8 +9054,12 @@
           <a:lstStyle/>
           <a:p>
             <a:r>
+              <a:rPr lang="en-US" altLang="zh-CN" dirty="0" smtClean="0"/>
+              <a:t>An account </a:t>
+            </a:r>
+            <a:r>
               <a:rPr lang="en-US" altLang="zh-CN" dirty="0"/>
-              <a:t>Account run by more than 1 people and tweets about none-personal life.</a:t>
+              <a:t>run by more than 1 people and tweets about none-personal life.</a:t>
             </a:r>
             <a:endParaRPr lang="zh-CN" altLang="en-US" dirty="0"/>
           </a:p>
@@ -6823,7 +9080,7 @@
           <a:blip r:embed="rId2" cstate="print">
             <a:extLst>
               <a:ext uri="{28A0092B-C50C-407E-A947-70E740481C1C}">
-                <a14:useLocalDpi xmlns:a14="http://schemas.microsoft.com/office/drawing/2010/main" xmlns="" val="0"/>
+                <a14:useLocalDpi xmlns="" xmlns:a14="http://schemas.microsoft.com/office/drawing/2010/main" val="0"/>
               </a:ext>
             </a:extLst>
           </a:blip>
@@ -6847,14 +9104,14 @@
           <a:effectLst/>
           <a:extLst>
             <a:ext uri="{909E8E84-426E-40DD-AFC4-6F175D3DCCD1}">
-              <a14:hiddenFill xmlns:a14="http://schemas.microsoft.com/office/drawing/2010/main" xmlns="">
+              <a14:hiddenFill xmlns="" xmlns:a14="http://schemas.microsoft.com/office/drawing/2010/main">
                 <a:solidFill>
                   <a:schemeClr val="accent1"/>
                 </a:solidFill>
               </a14:hiddenFill>
             </a:ext>
             <a:ext uri="{91240B29-F687-4F45-9708-019B960494DF}">
-              <a14:hiddenLine xmlns:a14="http://schemas.microsoft.com/office/drawing/2010/main" xmlns="" w="9525">
+              <a14:hiddenLine xmlns="" xmlns:a14="http://schemas.microsoft.com/office/drawing/2010/main" w="9525">
                 <a:solidFill>
                   <a:schemeClr val="tx1"/>
                 </a:solidFill>
@@ -6864,7 +9121,7 @@
               </a14:hiddenLine>
             </a:ext>
             <a:ext uri="{AF507438-7753-43E0-B8FC-AC1667EBCBE1}">
-              <a14:hiddenEffects xmlns:a14="http://schemas.microsoft.com/office/drawing/2010/main" xmlns="">
+              <a14:hiddenEffects xmlns="" xmlns:a14="http://schemas.microsoft.com/office/drawing/2010/main">
                 <a:effectLst>
                   <a:outerShdw dist="35921" dir="2700000" algn="ctr" rotWithShape="0">
                     <a:schemeClr val="bg2"/>
@@ -6878,7 +9135,7 @@
     </p:spTree>
     <p:extLst>
       <p:ext uri="{BB962C8B-B14F-4D97-AF65-F5344CB8AC3E}">
-        <p14:creationId xmlns:p14="http://schemas.microsoft.com/office/powerpoint/2010/main" xmlns="" val="1917967696"/>
+        <p14:creationId xmlns="" xmlns:p14="http://schemas.microsoft.com/office/powerpoint/2010/main" val="1917967696"/>
       </p:ext>
     </p:extLst>
   </p:cSld>
@@ -6935,13 +9192,13 @@
             <a:spLocks noGrp="1"/>
           </p:cNvSpPr>
           <p:nvPr>
-            <p:ph idx="1"/>
+            <p:ph sz="quarter" idx="1"/>
           </p:nvPr>
         </p:nvSpPr>
         <p:spPr/>
         <p:txBody>
           <a:bodyPr>
-            <a:normAutofit fontScale="77500" lnSpcReduction="20000"/>
+            <a:normAutofit fontScale="92500"/>
           </a:bodyPr>
           <a:lstStyle/>
           <a:p>
@@ -7024,7 +9281,7 @@
     </p:spTree>
     <p:extLst>
       <p:ext uri="{BB962C8B-B14F-4D97-AF65-F5344CB8AC3E}">
-        <p14:creationId xmlns:p14="http://schemas.microsoft.com/office/powerpoint/2010/main" xmlns="" val="278647894"/>
+        <p14:creationId xmlns="" xmlns:p14="http://schemas.microsoft.com/office/powerpoint/2010/main" val="278647894"/>
       </p:ext>
     </p:extLst>
   </p:cSld>
@@ -7081,19 +9338,27 @@
             <a:spLocks noGrp="1"/>
           </p:cNvSpPr>
           <p:nvPr>
-            <p:ph idx="1"/>
+            <p:ph sz="quarter" idx="1"/>
           </p:nvPr>
         </p:nvSpPr>
         <p:spPr/>
         <p:txBody>
           <a:bodyPr>
-            <a:normAutofit lnSpcReduction="10000"/>
+            <a:normAutofit/>
           </a:bodyPr>
           <a:lstStyle/>
           <a:p>
             <a:r>
               <a:rPr lang="en-US" dirty="0" smtClean="0"/>
-              <a:t>Removing unknown and broken (not formatted well) profiles: 4614 profiles remains (3086 personal accounts and 1528 organizational  accounts)</a:t>
+              <a:t>Removing unknown and broken (not formatted well) profiles: 4614 profiles </a:t>
+            </a:r>
+            <a:r>
+              <a:rPr lang="en-US" dirty="0" smtClean="0"/>
+              <a:t>remain </a:t>
+            </a:r>
+            <a:r>
+              <a:rPr lang="en-US" dirty="0" smtClean="0"/>
+              <a:t>(3086 personal accounts and 1528 organizational  accounts)</a:t>
             </a:r>
           </a:p>
           <a:p>
@@ -7105,7 +9370,11 @@
           <a:p>
             <a:r>
               <a:rPr lang="en-US" dirty="0" smtClean="0"/>
-              <a:t>Retrieving description and analyzing high-level features</a:t>
+              <a:t>Retrieving and classifying descriptions into personal and organizations </a:t>
+            </a:r>
+            <a:r>
+              <a:rPr lang="en-US" dirty="0" smtClean="0"/>
+              <a:t>and analyzing high-level features</a:t>
             </a:r>
           </a:p>
           <a:p>
@@ -7134,9 +9403,9 @@
 </file>
 
 <file path=ppt/theme/theme1.xml><?xml version="1.0" encoding="utf-8"?>
-<a:theme xmlns:a="http://schemas.openxmlformats.org/drawingml/2006/main" name="Office Theme">
+<a:theme xmlns:a="http://schemas.openxmlformats.org/drawingml/2006/main" name="Oriel">
   <a:themeElements>
-    <a:clrScheme name="Office">
+    <a:clrScheme name="Oriel">
       <a:dk1>
         <a:sysClr val="windowText" lastClr="000000"/>
       </a:dk1>
@@ -7144,48 +9413,48 @@
         <a:sysClr val="window" lastClr="FFFFFF"/>
       </a:lt1>
       <a:dk2>
-        <a:srgbClr val="1F497D"/>
+        <a:srgbClr val="575F6D"/>
       </a:dk2>
       <a:lt2>
-        <a:srgbClr val="EEECE1"/>
+        <a:srgbClr val="FFF39D"/>
       </a:lt2>
       <a:accent1>
-        <a:srgbClr val="4F81BD"/>
+        <a:srgbClr val="FE8637"/>
       </a:accent1>
       <a:accent2>
-        <a:srgbClr val="C0504D"/>
+        <a:srgbClr val="7598D9"/>
       </a:accent2>
       <a:accent3>
-        <a:srgbClr val="9BBB59"/>
+        <a:srgbClr val="B32C16"/>
       </a:accent3>
       <a:accent4>
-        <a:srgbClr val="8064A2"/>
+        <a:srgbClr val="F5CD2D"/>
       </a:accent4>
       <a:accent5>
-        <a:srgbClr val="4BACC6"/>
+        <a:srgbClr val="AEBAD5"/>
       </a:accent5>
       <a:accent6>
-        <a:srgbClr val="F79646"/>
+        <a:srgbClr val="777C84"/>
       </a:accent6>
       <a:hlink>
-        <a:srgbClr val="0000FF"/>
+        <a:srgbClr val="D2611C"/>
       </a:hlink>
       <a:folHlink>
-        <a:srgbClr val="800080"/>
+        <a:srgbClr val="3B435B"/>
       </a:folHlink>
     </a:clrScheme>
-    <a:fontScheme name="Office">
+    <a:fontScheme name="Oriel">
       <a:majorFont>
-        <a:latin typeface="Calibri"/>
+        <a:latin typeface="Century Schoolbook"/>
         <a:ea typeface=""/>
         <a:cs typeface=""/>
-        <a:font script="Jpan" typeface="ＭＳ Ｐゴシック"/>
-        <a:font script="Hang" typeface="맑은 고딕"/>
-        <a:font script="Hans" typeface="宋体"/>
+        <a:font script="Jpan" typeface="ＭＳ Ｐ明朝"/>
+        <a:font script="Hang" typeface="휴먼매직체"/>
+        <a:font script="Hans" typeface="华文楷体"/>
         <a:font script="Hant" typeface="新細明體"/>
         <a:font script="Arab" typeface="Times New Roman"/>
         <a:font script="Hebr" typeface="Times New Roman"/>
-        <a:font script="Thai" typeface="Angsana New"/>
+        <a:font script="Thai" typeface="KodchiangUPC"/>
         <a:font script="Ethi" typeface="Nyala"/>
         <a:font script="Beng" typeface="Vrinda"/>
         <a:font script="Gujr" typeface="Shruti"/>
@@ -7210,20 +9479,20 @@
         <a:font script="Uigh" typeface="Microsoft Uighur"/>
       </a:majorFont>
       <a:minorFont>
-        <a:latin typeface="Calibri"/>
+        <a:latin typeface="Century Schoolbook"/>
         <a:ea typeface=""/>
         <a:cs typeface=""/>
-        <a:font script="Jpan" typeface="ＭＳ Ｐゴシック"/>
-        <a:font script="Hang" typeface="맑은 고딕"/>
+        <a:font script="Jpan" typeface="ＭＳ Ｐ明朝"/>
+        <a:font script="Hang" typeface="휴먼매직체"/>
         <a:font script="Hans" typeface="宋体"/>
         <a:font script="Hant" typeface="新細明體"/>
-        <a:font script="Arab" typeface="Arial"/>
-        <a:font script="Hebr" typeface="Arial"/>
-        <a:font script="Thai" typeface="Cordia New"/>
+        <a:font script="Arab" typeface="Times New Roman"/>
+        <a:font script="Hebr" typeface="Times New Roman"/>
+        <a:font script="Thai" typeface="KodchiangUPC"/>
         <a:font script="Ethi" typeface="Nyala"/>
         <a:font script="Beng" typeface="Vrinda"/>
         <a:font script="Gujr" typeface="Shruti"/>
-        <a:font script="Khmr" typeface="DaunPenh"/>
+        <a:font script="Khmr" typeface="MoolBoran"/>
         <a:font script="Knda" typeface="Tunga"/>
         <a:font script="Guru" typeface="Raavi"/>
         <a:font script="Cans" typeface="Euphemia"/>
@@ -7240,11 +9509,11 @@
         <a:font script="Laoo" typeface="DokChampa"/>
         <a:font script="Sinh" typeface="Iskoola Pota"/>
         <a:font script="Mong" typeface="Mongolian Baiti"/>
-        <a:font script="Viet" typeface="Arial"/>
+        <a:font script="Viet" typeface="Times New Roman"/>
         <a:font script="Uigh" typeface="Microsoft Uighur"/>
       </a:minorFont>
     </a:fontScheme>
-    <a:fmtScheme name="Office">
+    <a:fmtScheme name="Oriel">
       <a:fillStyleLst>
         <a:solidFill>
           <a:schemeClr val="phClr"/>
@@ -7253,55 +9522,71 @@
           <a:gsLst>
             <a:gs pos="0">
               <a:schemeClr val="phClr">
-                <a:tint val="50000"/>
-                <a:satMod val="300000"/>
+                <a:tint val="35000"/>
+                <a:satMod val="260000"/>
               </a:schemeClr>
             </a:gs>
-            <a:gs pos="35000">
+            <a:gs pos="30000">
               <a:schemeClr val="phClr">
-                <a:tint val="37000"/>
-                <a:satMod val="300000"/>
+                <a:tint val="38000"/>
+                <a:satMod val="260000"/>
+              </a:schemeClr>
+            </a:gs>
+            <a:gs pos="75000">
+              <a:schemeClr val="phClr">
+                <a:tint val="55000"/>
+                <a:satMod val="255000"/>
               </a:schemeClr>
             </a:gs>
             <a:gs pos="100000">
               <a:schemeClr val="phClr">
-                <a:tint val="15000"/>
-                <a:satMod val="350000"/>
+                <a:tint val="70000"/>
+                <a:satMod val="255000"/>
               </a:schemeClr>
             </a:gs>
           </a:gsLst>
-          <a:lin ang="16200000" scaled="1"/>
+          <a:path path="circle">
+            <a:fillToRect l="5000" t="100000" r="120000" b="10000"/>
+          </a:path>
         </a:gradFill>
         <a:gradFill rotWithShape="1">
           <a:gsLst>
             <a:gs pos="0">
               <a:schemeClr val="phClr">
-                <a:shade val="51000"/>
-                <a:satMod val="130000"/>
+                <a:shade val="63000"/>
+                <a:satMod val="165000"/>
               </a:schemeClr>
             </a:gs>
-            <a:gs pos="80000">
+            <a:gs pos="30000">
               <a:schemeClr val="phClr">
-                <a:shade val="93000"/>
-                <a:satMod val="130000"/>
+                <a:shade val="58000"/>
+                <a:satMod val="165000"/>
+              </a:schemeClr>
+            </a:gs>
+            <a:gs pos="75000">
+              <a:schemeClr val="phClr">
+                <a:shade val="30000"/>
+                <a:satMod val="175000"/>
               </a:schemeClr>
             </a:gs>
             <a:gs pos="100000">
               <a:schemeClr val="phClr">
-                <a:shade val="94000"/>
-                <a:satMod val="135000"/>
+                <a:shade val="15000"/>
+                <a:satMod val="175000"/>
               </a:schemeClr>
             </a:gs>
           </a:gsLst>
-          <a:lin ang="16200000" scaled="0"/>
+          <a:path path="circle">
+            <a:fillToRect l="5000" t="100000" r="120000" b="10000"/>
+          </a:path>
         </a:gradFill>
       </a:fillStyleLst>
       <a:lnStyleLst>
-        <a:ln w="9525" cap="flat" cmpd="sng" algn="ctr">
+        <a:ln w="12700" cap="flat" cmpd="sng" algn="ctr">
           <a:solidFill>
             <a:schemeClr val="phClr">
-              <a:shade val="95000"/>
-              <a:satMod val="105000"/>
+              <a:shade val="70000"/>
+              <a:satMod val="150000"/>
             </a:schemeClr>
           </a:solidFill>
           <a:prstDash val="solid"/>
@@ -7312,7 +9597,7 @@
           </a:solidFill>
           <a:prstDash val="solid"/>
         </a:ln>
-        <a:ln w="38100" cap="flat" cmpd="sng" algn="ctr">
+        <a:ln w="34925" cap="flat" cmpd="sng" algn="ctr">
           <a:solidFill>
             <a:schemeClr val="phClr"/>
           </a:solidFill>
@@ -7322,27 +9607,27 @@
       <a:effectStyleLst>
         <a:effectStyle>
           <a:effectLst>
-            <a:outerShdw blurRad="40000" dist="20000" dir="5400000" rotWithShape="0">
+            <a:outerShdw blurRad="50800" dist="25000" dir="5400000" rotWithShape="0">
               <a:srgbClr val="000000">
-                <a:alpha val="38000"/>
+                <a:alpha val="40000"/>
               </a:srgbClr>
             </a:outerShdw>
           </a:effectLst>
         </a:effectStyle>
         <a:effectStyle>
           <a:effectLst>
-            <a:outerShdw blurRad="40000" dist="23000" dir="5400000" rotWithShape="0">
+            <a:outerShdw blurRad="50800" dist="20000" dir="5400000" rotWithShape="0">
               <a:srgbClr val="000000">
-                <a:alpha val="35000"/>
+                <a:alpha val="42000"/>
               </a:srgbClr>
             </a:outerShdw>
           </a:effectLst>
         </a:effectStyle>
         <a:effectStyle>
           <a:effectLst>
-            <a:outerShdw blurRad="40000" dist="23000" dir="5400000" rotWithShape="0">
+            <a:outerShdw blurRad="50800" dist="20000" dir="5400000" rotWithShape="0">
               <a:srgbClr val="000000">
-                <a:alpha val="35000"/>
+                <a:alpha val="42000"/>
               </a:srgbClr>
             </a:outerShdw>
           </a:effectLst>
@@ -7350,12 +9635,15 @@
             <a:camera prst="orthographicFront">
               <a:rot lat="0" lon="0" rev="0"/>
             </a:camera>
-            <a:lightRig rig="threePt" dir="t">
-              <a:rot lat="0" lon="0" rev="1200000"/>
+            <a:lightRig rig="balanced" dir="t">
+              <a:rot lat="0" lon="0" rev="0"/>
             </a:lightRig>
           </a:scene3d>
           <a:sp3d>
-            <a:bevelT w="63500" h="25400"/>
+            <a:bevelT w="47625" h="69850"/>
+            <a:contourClr>
+              <a:schemeClr val="lt1"/>
+            </a:contourClr>
           </a:sp3d>
         </a:effectStyle>
       </a:effectStyleLst>
@@ -7367,47 +9655,38 @@
           <a:gsLst>
             <a:gs pos="0">
               <a:schemeClr val="phClr">
-                <a:tint val="40000"/>
-                <a:satMod val="350000"/>
+                <a:shade val="58000"/>
+                <a:satMod val="125000"/>
               </a:schemeClr>
             </a:gs>
             <a:gs pos="40000">
               <a:schemeClr val="phClr">
-                <a:tint val="45000"/>
-                <a:shade val="99000"/>
-                <a:satMod val="350000"/>
+                <a:tint val="90000"/>
+                <a:shade val="90000"/>
+                <a:satMod val="120000"/>
               </a:schemeClr>
             </a:gs>
             <a:gs pos="100000">
               <a:schemeClr val="phClr">
-                <a:shade val="20000"/>
-                <a:satMod val="255000"/>
+                <a:tint val="50000"/>
               </a:schemeClr>
             </a:gs>
           </a:gsLst>
-          <a:path path="circle">
-            <a:fillToRect l="50000" t="-80000" r="50000" b="180000"/>
-          </a:path>
+          <a:lin ang="16200000" scaled="1"/>
         </a:gradFill>
-        <a:gradFill rotWithShape="1">
-          <a:gsLst>
-            <a:gs pos="0">
+        <a:blipFill>
+          <a:blip xmlns:r="http://schemas.openxmlformats.org/officeDocument/2006/relationships" r:embed="rId1">
+            <a:duotone>
               <a:schemeClr val="phClr">
-                <a:tint val="80000"/>
-                <a:satMod val="300000"/>
+                <a:shade val="80000"/>
               </a:schemeClr>
-            </a:gs>
-            <a:gs pos="100000">
               <a:schemeClr val="phClr">
-                <a:shade val="30000"/>
-                <a:satMod val="200000"/>
+                <a:tint val="91000"/>
               </a:schemeClr>
-            </a:gs>
-          </a:gsLst>
-          <a:path path="circle">
-            <a:fillToRect l="50000" t="50000" r="50000" b="50000"/>
-          </a:path>
-        </a:gradFill>
+            </a:duotone>
+          </a:blip>
+          <a:tile tx="0" ty="0" sx="40000" sy="50000" flip="y" algn="tl"/>
+        </a:blipFill>
       </a:bgFillStyleLst>
     </a:fmtScheme>
   </a:themeElements>

--- a/Organization Detection.pptx
+++ b/Organization Detection.pptx
@@ -266,7 +266,7 @@
             <a:fld id="{153650A5-9763-422E-80B7-FD650D7318AA}" type="datetimeFigureOut">
               <a:rPr lang="en-US" smtClean="0"/>
               <a:pPr/>
-              <a:t>11/19/2013</a:t>
+              <a:t>11/20/2013</a:t>
             </a:fld>
             <a:endParaRPr lang="en-US"/>
           </a:p>
@@ -1137,7 +1137,7 @@
             <a:fld id="{153650A5-9763-422E-80B7-FD650D7318AA}" type="datetimeFigureOut">
               <a:rPr lang="en-US" smtClean="0"/>
               <a:pPr/>
-              <a:t>11/19/2013</a:t>
+              <a:t>11/20/2013</a:t>
             </a:fld>
             <a:endParaRPr lang="en-US"/>
           </a:p>
@@ -1314,7 +1314,7 @@
             <a:fld id="{153650A5-9763-422E-80B7-FD650D7318AA}" type="datetimeFigureOut">
               <a:rPr lang="en-US" smtClean="0"/>
               <a:pPr/>
-              <a:t>11/19/2013</a:t>
+              <a:t>11/20/2013</a:t>
             </a:fld>
             <a:endParaRPr lang="en-US"/>
           </a:p>
@@ -1486,7 +1486,7 @@
             <a:fld id="{153650A5-9763-422E-80B7-FD650D7318AA}" type="datetimeFigureOut">
               <a:rPr lang="en-US" smtClean="0"/>
               <a:pPr/>
-              <a:t>11/19/2013</a:t>
+              <a:t>11/20/2013</a:t>
             </a:fld>
             <a:endParaRPr lang="en-US"/>
           </a:p>
@@ -1698,7 +1698,7 @@
             <a:fld id="{153650A5-9763-422E-80B7-FD650D7318AA}" type="datetimeFigureOut">
               <a:rPr lang="en-US" smtClean="0"/>
               <a:pPr/>
-              <a:t>11/19/2013</a:t>
+              <a:t>11/20/2013</a:t>
             </a:fld>
             <a:endParaRPr lang="en-US"/>
           </a:p>
@@ -2514,7 +2514,7 @@
             <a:fld id="{153650A5-9763-422E-80B7-FD650D7318AA}" type="datetimeFigureOut">
               <a:rPr lang="en-US" smtClean="0"/>
               <a:pPr/>
-              <a:t>11/19/2013</a:t>
+              <a:t>11/20/2013</a:t>
             </a:fld>
             <a:endParaRPr lang="en-US"/>
           </a:p>
@@ -2752,7 +2752,7 @@
             <a:fld id="{153650A5-9763-422E-80B7-FD650D7318AA}" type="datetimeFigureOut">
               <a:rPr lang="en-US" smtClean="0"/>
               <a:pPr/>
-              <a:t>11/19/2013</a:t>
+              <a:t>11/20/2013</a:t>
             </a:fld>
             <a:endParaRPr lang="en-US"/>
           </a:p>
@@ -3077,7 +3077,7 @@
             <a:fld id="{153650A5-9763-422E-80B7-FD650D7318AA}" type="datetimeFigureOut">
               <a:rPr lang="en-US" smtClean="0"/>
               <a:pPr/>
-              <a:t>11/19/2013</a:t>
+              <a:t>11/20/2013</a:t>
             </a:fld>
             <a:endParaRPr lang="en-US"/>
           </a:p>
@@ -3169,7 +3169,7 @@
             <a:fld id="{153650A5-9763-422E-80B7-FD650D7318AA}" type="datetimeFigureOut">
               <a:rPr lang="en-US" smtClean="0"/>
               <a:pPr/>
-              <a:t>11/19/2013</a:t>
+              <a:t>11/20/2013</a:t>
             </a:fld>
             <a:endParaRPr lang="en-US"/>
           </a:p>
@@ -3688,7 +3688,7 @@
             <a:fld id="{153650A5-9763-422E-80B7-FD650D7318AA}" type="datetimeFigureOut">
               <a:rPr lang="en-US" smtClean="0"/>
               <a:pPr/>
-              <a:t>11/19/2013</a:t>
+              <a:t>11/20/2013</a:t>
             </a:fld>
             <a:endParaRPr lang="en-US"/>
           </a:p>
@@ -4201,7 +4201,7 @@
             <a:fld id="{153650A5-9763-422E-80B7-FD650D7318AA}" type="datetimeFigureOut">
               <a:rPr lang="en-US" smtClean="0"/>
               <a:pPr/>
-              <a:t>11/19/2013</a:t>
+              <a:t>11/20/2013</a:t>
             </a:fld>
             <a:endParaRPr lang="en-US"/>
           </a:p>
@@ -4448,7 +4448,7 @@
             <a:fld id="{153650A5-9763-422E-80B7-FD650D7318AA}" type="datetimeFigureOut">
               <a:rPr lang="en-US" smtClean="0"/>
               <a:pPr/>
-              <a:t>11/19/2013</a:t>
+              <a:t>11/20/2013</a:t>
             </a:fld>
             <a:endParaRPr lang="en-US"/>
           </a:p>
@@ -5384,15 +5384,7 @@
           <a:p>
             <a:r>
               <a:rPr lang="en-US" dirty="0" smtClean="0"/>
-              <a:t>For character n-grams detection, we split the sentence first and then add “#’ at </a:t>
-            </a:r>
-            <a:r>
-              <a:rPr lang="en-US" dirty="0" smtClean="0"/>
-              <a:t>both the head and end </a:t>
-            </a:r>
-            <a:r>
-              <a:rPr lang="en-US" dirty="0" smtClean="0"/>
-              <a:t>of each word.</a:t>
+              <a:t>For character n-grams detection, we split the sentence first and then add “#’ at both the head and end of each word.</a:t>
             </a:r>
           </a:p>
           <a:p>
@@ -5493,15 +5485,7 @@
                     <a:p>
                       <a:r>
                         <a:rPr lang="en-US" dirty="0" smtClean="0"/>
-                        <a:t>Top frequent </a:t>
-                      </a:r>
-                      <a:r>
-                        <a:rPr lang="en-US" dirty="0" smtClean="0"/>
-                        <a:t>n-grams </a:t>
-                      </a:r>
-                      <a:r>
-                        <a:rPr lang="en-US" dirty="0" smtClean="0"/>
-                        <a:t>for personal</a:t>
+                        <a:t>Top frequent n-grams for personal</a:t>
                       </a:r>
                       <a:endParaRPr lang="en-US" dirty="0"/>
                     </a:p>
@@ -5985,15 +5969,7 @@
           <a:p>
             <a:r>
               <a:rPr lang="en-US" dirty="0" smtClean="0"/>
-              <a:t>Top frequent </a:t>
-            </a:r>
-            <a:r>
-              <a:rPr lang="en-US" dirty="0" smtClean="0"/>
-              <a:t>n-grams </a:t>
-            </a:r>
-            <a:r>
-              <a:rPr lang="en-US" dirty="0" smtClean="0"/>
-              <a:t>and occurrence for personal profiles</a:t>
+              <a:t>Top frequent n-grams and occurrence for personal profiles</a:t>
             </a:r>
             <a:endParaRPr lang="en-US" dirty="0"/>
           </a:p>
@@ -6055,6 +6031,11 @@
           </p:cNvGraphicFramePr>
           <p:nvPr>
             <p:ph sz="quarter" idx="1"/>
+            <p:extLst>
+              <p:ext uri="{D42A27DB-BD31-4B8C-83A1-F6EECF244321}">
+                <p14:modId xmlns:p14="http://schemas.microsoft.com/office/powerpoint/2010/main" xmlns="" val="3338231765"/>
+              </p:ext>
+            </p:extLst>
           </p:nvPr>
         </p:nvGraphicFramePr>
         <p:xfrm>
@@ -6082,15 +6063,15 @@
                     <a:p>
                       <a:r>
                         <a:rPr lang="en-US" dirty="0" smtClean="0"/>
-                        <a:t>Top frequent </a:t>
-                      </a:r>
-                      <a:r>
-                        <a:rPr lang="en-US" dirty="0" err="1" smtClean="0"/>
-                        <a:t>ngrams</a:t>
-                      </a:r>
-                      <a:r>
-                        <a:rPr lang="en-US" dirty="0" smtClean="0"/>
-                        <a:t> for personal</a:t>
+                        <a:t>Top </a:t>
+                      </a:r>
+                      <a:r>
+                        <a:rPr lang="en-US" smtClean="0"/>
+                        <a:t>frequent n-grams </a:t>
+                      </a:r>
+                      <a:r>
+                        <a:rPr lang="en-US" dirty="0" smtClean="0"/>
+                        <a:t>for personal</a:t>
                       </a:r>
                       <a:endParaRPr lang="en-US" dirty="0"/>
                     </a:p>
@@ -6550,15 +6531,7 @@
           <a:p>
             <a:r>
               <a:rPr lang="en-US" dirty="0" smtClean="0"/>
-              <a:t>Top frequent </a:t>
-            </a:r>
-            <a:r>
-              <a:rPr lang="en-US" dirty="0" smtClean="0"/>
-              <a:t>n-grams </a:t>
-            </a:r>
-            <a:r>
-              <a:rPr lang="en-US" dirty="0" smtClean="0"/>
-              <a:t>and occurrence for organizational profiles</a:t>
+              <a:t>Top frequent n-grams and occurrence for organizational profiles</a:t>
             </a:r>
             <a:endParaRPr lang="en-US" dirty="0"/>
           </a:p>
@@ -6629,15 +6602,7 @@
           <a:p>
             <a:r>
               <a:rPr lang="en-US" dirty="0" smtClean="0"/>
-              <a:t>Because the </a:t>
-            </a:r>
-            <a:r>
-              <a:rPr lang="en-US" dirty="0" smtClean="0"/>
-              <a:t>high </a:t>
-            </a:r>
-            <a:r>
-              <a:rPr lang="en-US" dirty="0" smtClean="0"/>
-              <a:t>homogeneity of character n-grams in both personal and organizational profiles, we use term (word) n-grams as high-level features</a:t>
+              <a:t>Because the high homogeneity of character n-grams in both personal and organizational profiles, we use term (word) n-grams as high-level features</a:t>
             </a:r>
           </a:p>
           <a:p>
@@ -6722,34 +6687,13 @@
             </a:r>
             <a:r>
               <a:rPr lang="en-US" dirty="0" smtClean="0"/>
-              <a:t> times in </a:t>
-            </a:r>
+              <a:t> times in either personal or organization descriptions</a:t>
+            </a:r>
+          </a:p>
+          <a:p>
             <a:r>
               <a:rPr lang="en-US" dirty="0" smtClean="0"/>
-              <a:t>either personal or organization descriptions</a:t>
-            </a:r>
-            <a:endParaRPr lang="en-US" dirty="0" smtClean="0"/>
-          </a:p>
-          <a:p>
-            <a:r>
-              <a:rPr lang="en-US" dirty="0" smtClean="0"/>
-              <a:t>Difference: the difference between occurrences in personal </a:t>
-            </a:r>
-            <a:r>
-              <a:rPr lang="en-US" dirty="0" smtClean="0"/>
-              <a:t>descriptions </a:t>
-            </a:r>
-            <a:r>
-              <a:rPr lang="en-US" dirty="0" smtClean="0"/>
-              <a:t>and ones in organizational </a:t>
-            </a:r>
-            <a:r>
-              <a:rPr lang="en-US" dirty="0" smtClean="0"/>
-              <a:t>descriptions </a:t>
-            </a:r>
-            <a:r>
-              <a:rPr lang="en-US" dirty="0" smtClean="0"/>
-              <a:t>is at least </a:t>
+              <a:t>Difference: the difference between occurrences in personal descriptions and ones in organizational descriptions is at least </a:t>
             </a:r>
             <a:r>
               <a:rPr lang="en-US" b="1" dirty="0" smtClean="0"/>
@@ -7140,15 +7084,7 @@
           <a:p>
             <a:r>
               <a:rPr lang="en-US" dirty="0" smtClean="0"/>
-              <a:t>We will experiment on more  couples of factors </a:t>
-            </a:r>
-            <a:r>
-              <a:rPr lang="en-US" dirty="0" smtClean="0"/>
-              <a:t>before </a:t>
-            </a:r>
-            <a:r>
-              <a:rPr lang="en-US" dirty="0" smtClean="0"/>
-              <a:t>report.</a:t>
+              <a:t>We will experiment on more  couples of factors before report.</a:t>
             </a:r>
             <a:endParaRPr lang="en-US" dirty="0"/>
           </a:p>
@@ -7241,15 +7177,7 @@
           <a:p>
             <a:r>
               <a:rPr lang="en-US" dirty="0" smtClean="0"/>
-              <a:t>Use SMO (Normalized Poly Kernel) and </a:t>
-            </a:r>
-            <a:r>
-              <a:rPr lang="en-US" dirty="0" smtClean="0"/>
-              <a:t>MLP </a:t>
-            </a:r>
-            <a:r>
-              <a:rPr lang="en-US" dirty="0" smtClean="0"/>
-              <a:t>(Multilayer </a:t>
+              <a:t>Use SMO (Normalized Poly Kernel) and MLP (Multilayer </a:t>
             </a:r>
             <a:r>
               <a:rPr lang="en-US" dirty="0" err="1" smtClean="0"/>
@@ -7402,13 +7330,7 @@
               <a:rPr lang="en-US" dirty="0" smtClean="0">
                 <a:hlinkClick r:id="rId5"/>
               </a:rPr>
-              <a:t>Sue </a:t>
-            </a:r>
-            <a:r>
-              <a:rPr lang="en-US" dirty="0" smtClean="0">
-                <a:hlinkClick r:id="rId5"/>
-              </a:rPr>
-              <a:t>Moon</a:t>
+              <a:t>Sue Moon</a:t>
             </a:r>
             <a:r>
               <a:rPr lang="en-US" dirty="0" smtClean="0"/>
@@ -7426,18 +7348,11 @@
             </a:r>
             <a:r>
               <a:rPr lang="en-US" b="1" dirty="0" smtClean="0"/>
-              <a:t>(&gt; 10,000 followers)</a:t>
-            </a:r>
-            <a:endParaRPr lang="en-US" b="1" dirty="0"/>
-          </a:p>
-          <a:p>
-            <a:r>
-              <a:rPr lang="en-US" b="1" dirty="0"/>
-              <a:t>Notice</a:t>
+              <a:t>(&gt; 10,000 followers</a:t>
             </a:r>
             <a:r>
               <a:rPr lang="en-US" b="1" dirty="0" smtClean="0"/>
-              <a:t>: we only tested on 6016 profiles for now, all the data showing in the presentation come from the experiments with these 6016 profiles</a:t>
+              <a:t>)</a:t>
             </a:r>
             <a:endParaRPr lang="en-US" b="1" dirty="0"/>
           </a:p>
@@ -7699,11 +7614,7 @@
                     <a:p>
                       <a:r>
                         <a:rPr lang="en-US" dirty="0" smtClean="0"/>
-                        <a:t>MLP(30</a:t>
-                      </a:r>
-                      <a:r>
-                        <a:rPr lang="en-US" dirty="0" smtClean="0"/>
-                        <a:t>, 30)</a:t>
+                        <a:t>MLP(30, 30)</a:t>
                       </a:r>
                       <a:endParaRPr lang="en-US" dirty="0"/>
                     </a:p>
@@ -7875,11 +7786,7 @@
                     <a:p>
                       <a:r>
                         <a:rPr lang="en-US" dirty="0" smtClean="0"/>
-                        <a:t>MLP(50</a:t>
-                      </a:r>
-                      <a:r>
-                        <a:rPr lang="en-US" dirty="0" smtClean="0"/>
-                        <a:t>, 50)</a:t>
+                        <a:t>MLP(50, 50)</a:t>
                       </a:r>
                       <a:endParaRPr lang="en-US" dirty="0"/>
                     </a:p>
@@ -8051,11 +7958,7 @@
                     <a:p>
                       <a:r>
                         <a:rPr lang="en-US" dirty="0" smtClean="0"/>
-                        <a:t>MLP(100</a:t>
-                      </a:r>
-                      <a:r>
-                        <a:rPr lang="en-US" dirty="0" smtClean="0"/>
-                        <a:t>, 100)</a:t>
+                        <a:t>MLP(100, 100)</a:t>
                       </a:r>
                       <a:endParaRPr lang="en-US" dirty="0"/>
                     </a:p>
@@ -8635,11 +8538,7 @@
           <a:p>
             <a:r>
               <a:rPr lang="en-US" dirty="0" smtClean="0"/>
-              <a:t>Profiles </a:t>
-            </a:r>
-            <a:r>
-              <a:rPr lang="en-US" dirty="0" smtClean="0"/>
-              <a:t>Labeling</a:t>
+              <a:t>Profiles Labeling</a:t>
             </a:r>
             <a:endParaRPr lang="en-US" dirty="0"/>
           </a:p>
@@ -8666,11 +8565,15 @@
             </a:r>
             <a:r>
               <a:rPr lang="en-US" altLang="zh-CN" dirty="0" smtClean="0"/>
-              <a:t>accounts </a:t>
+              <a:t>accounts run by personal and tweets about none-personal life </a:t>
+            </a:r>
+            <a:r>
+              <a:rPr lang="en-US" altLang="zh-CN" dirty="0"/>
+              <a:t>and more than 1 people and tweets about none-personal life</a:t>
             </a:r>
             <a:r>
               <a:rPr lang="en-US" altLang="zh-CN" dirty="0" smtClean="0"/>
-              <a:t>run by personal and tweets about none-personal life</a:t>
+              <a:t>.</a:t>
             </a:r>
             <a:endParaRPr lang="en-US" dirty="0" smtClean="0"/>
           </a:p>
@@ -8681,13 +8584,8 @@
             </a:r>
             <a:r>
               <a:rPr lang="en-US" altLang="zh-CN" dirty="0" smtClean="0"/>
-              <a:t>accounts </a:t>
-            </a:r>
-            <a:r>
-              <a:rPr lang="en-US" altLang="zh-CN" dirty="0" smtClean="0"/>
-              <a:t>run by one person and tweets about his personal life and run by more than 1 people and tweets about none-personal life.</a:t>
-            </a:r>
-            <a:endParaRPr lang="en-US" dirty="0" smtClean="0"/>
+              <a:t>accounts run by one person and tweets about his personal life.</a:t>
+            </a:r>
           </a:p>
           <a:p>
             <a:r>
@@ -8787,7 +8685,7 @@
           <a:blip r:embed="rId2" cstate="print">
             <a:extLst>
               <a:ext uri="{28A0092B-C50C-407E-A947-70E740481C1C}">
-                <a14:useLocalDpi xmlns="" xmlns:a14="http://schemas.microsoft.com/office/drawing/2010/main" val="0"/>
+                <a14:useLocalDpi xmlns:a14="http://schemas.microsoft.com/office/drawing/2010/main" xmlns="" val="0"/>
               </a:ext>
             </a:extLst>
           </a:blip>
@@ -8811,14 +8709,14 @@
           <a:effectLst/>
           <a:extLst>
             <a:ext uri="{909E8E84-426E-40DD-AFC4-6F175D3DCCD1}">
-              <a14:hiddenFill xmlns="" xmlns:a14="http://schemas.microsoft.com/office/drawing/2010/main">
+              <a14:hiddenFill xmlns:a14="http://schemas.microsoft.com/office/drawing/2010/main" xmlns="">
                 <a:solidFill>
                   <a:schemeClr val="accent1"/>
                 </a:solidFill>
               </a14:hiddenFill>
             </a:ext>
             <a:ext uri="{91240B29-F687-4F45-9708-019B960494DF}">
-              <a14:hiddenLine xmlns="" xmlns:a14="http://schemas.microsoft.com/office/drawing/2010/main" w="9525">
+              <a14:hiddenLine xmlns:a14="http://schemas.microsoft.com/office/drawing/2010/main" xmlns="" w="9525">
                 <a:solidFill>
                   <a:schemeClr val="tx1"/>
                 </a:solidFill>
@@ -8828,7 +8726,7 @@
               </a14:hiddenLine>
             </a:ext>
             <a:ext uri="{AF507438-7753-43E0-B8FC-AC1667EBCBE1}">
-              <a14:hiddenEffects xmlns="" xmlns:a14="http://schemas.microsoft.com/office/drawing/2010/main">
+              <a14:hiddenEffects xmlns:a14="http://schemas.microsoft.com/office/drawing/2010/main" xmlns="">
                 <a:effectLst>
                   <a:outerShdw dist="35921" dir="2700000" algn="ctr" rotWithShape="0">
                     <a:schemeClr val="bg2"/>
@@ -8842,7 +8740,7 @@
     </p:spTree>
     <p:extLst>
       <p:ext uri="{BB962C8B-B14F-4D97-AF65-F5344CB8AC3E}">
-        <p14:creationId xmlns="" xmlns:p14="http://schemas.microsoft.com/office/powerpoint/2010/main" val="3821419121"/>
+        <p14:creationId xmlns:p14="http://schemas.microsoft.com/office/powerpoint/2010/main" xmlns="" val="3821419121"/>
       </p:ext>
     </p:extLst>
   </p:cSld>
@@ -8933,7 +8831,7 @@
           <a:blip r:embed="rId2" cstate="print">
             <a:extLst>
               <a:ext uri="{28A0092B-C50C-407E-A947-70E740481C1C}">
-                <a14:useLocalDpi xmlns="" xmlns:a14="http://schemas.microsoft.com/office/drawing/2010/main" val="0"/>
+                <a14:useLocalDpi xmlns:a14="http://schemas.microsoft.com/office/drawing/2010/main" xmlns="" val="0"/>
               </a:ext>
             </a:extLst>
           </a:blip>
@@ -8957,14 +8855,14 @@
           <a:effectLst/>
           <a:extLst>
             <a:ext uri="{909E8E84-426E-40DD-AFC4-6F175D3DCCD1}">
-              <a14:hiddenFill xmlns="" xmlns:a14="http://schemas.microsoft.com/office/drawing/2010/main">
+              <a14:hiddenFill xmlns:a14="http://schemas.microsoft.com/office/drawing/2010/main" xmlns="">
                 <a:solidFill>
                   <a:schemeClr val="accent1"/>
                 </a:solidFill>
               </a14:hiddenFill>
             </a:ext>
             <a:ext uri="{91240B29-F687-4F45-9708-019B960494DF}">
-              <a14:hiddenLine xmlns="" xmlns:a14="http://schemas.microsoft.com/office/drawing/2010/main" w="9525">
+              <a14:hiddenLine xmlns:a14="http://schemas.microsoft.com/office/drawing/2010/main" xmlns="" w="9525">
                 <a:solidFill>
                   <a:schemeClr val="tx1"/>
                 </a:solidFill>
@@ -8974,7 +8872,7 @@
               </a14:hiddenLine>
             </a:ext>
             <a:ext uri="{AF507438-7753-43E0-B8FC-AC1667EBCBE1}">
-              <a14:hiddenEffects xmlns="" xmlns:a14="http://schemas.microsoft.com/office/drawing/2010/main">
+              <a14:hiddenEffects xmlns:a14="http://schemas.microsoft.com/office/drawing/2010/main" xmlns="">
                 <a:effectLst>
                   <a:outerShdw dist="35921" dir="2700000" algn="ctr" rotWithShape="0">
                     <a:schemeClr val="bg2"/>
@@ -8988,7 +8886,7 @@
     </p:spTree>
     <p:extLst>
       <p:ext uri="{BB962C8B-B14F-4D97-AF65-F5344CB8AC3E}">
-        <p14:creationId xmlns="" xmlns:p14="http://schemas.microsoft.com/office/powerpoint/2010/main" val="2022229711"/>
+        <p14:creationId xmlns:p14="http://schemas.microsoft.com/office/powerpoint/2010/main" xmlns="" val="2022229711"/>
       </p:ext>
     </p:extLst>
   </p:cSld>
@@ -9080,7 +8978,7 @@
           <a:blip r:embed="rId2" cstate="print">
             <a:extLst>
               <a:ext uri="{28A0092B-C50C-407E-A947-70E740481C1C}">
-                <a14:useLocalDpi xmlns="" xmlns:a14="http://schemas.microsoft.com/office/drawing/2010/main" val="0"/>
+                <a14:useLocalDpi xmlns:a14="http://schemas.microsoft.com/office/drawing/2010/main" xmlns="" val="0"/>
               </a:ext>
             </a:extLst>
           </a:blip>
@@ -9104,14 +9002,14 @@
           <a:effectLst/>
           <a:extLst>
             <a:ext uri="{909E8E84-426E-40DD-AFC4-6F175D3DCCD1}">
-              <a14:hiddenFill xmlns="" xmlns:a14="http://schemas.microsoft.com/office/drawing/2010/main">
+              <a14:hiddenFill xmlns:a14="http://schemas.microsoft.com/office/drawing/2010/main" xmlns="">
                 <a:solidFill>
                   <a:schemeClr val="accent1"/>
                 </a:solidFill>
               </a14:hiddenFill>
             </a:ext>
             <a:ext uri="{91240B29-F687-4F45-9708-019B960494DF}">
-              <a14:hiddenLine xmlns="" xmlns:a14="http://schemas.microsoft.com/office/drawing/2010/main" w="9525">
+              <a14:hiddenLine xmlns:a14="http://schemas.microsoft.com/office/drawing/2010/main" xmlns="" w="9525">
                 <a:solidFill>
                   <a:schemeClr val="tx1"/>
                 </a:solidFill>
@@ -9121,7 +9019,7 @@
               </a14:hiddenLine>
             </a:ext>
             <a:ext uri="{AF507438-7753-43E0-B8FC-AC1667EBCBE1}">
-              <a14:hiddenEffects xmlns="" xmlns:a14="http://schemas.microsoft.com/office/drawing/2010/main">
+              <a14:hiddenEffects xmlns:a14="http://schemas.microsoft.com/office/drawing/2010/main" xmlns="">
                 <a:effectLst>
                   <a:outerShdw dist="35921" dir="2700000" algn="ctr" rotWithShape="0">
                     <a:schemeClr val="bg2"/>
@@ -9135,7 +9033,7 @@
     </p:spTree>
     <p:extLst>
       <p:ext uri="{BB962C8B-B14F-4D97-AF65-F5344CB8AC3E}">
-        <p14:creationId xmlns="" xmlns:p14="http://schemas.microsoft.com/office/powerpoint/2010/main" val="1917967696"/>
+        <p14:creationId xmlns:p14="http://schemas.microsoft.com/office/powerpoint/2010/main" xmlns="" val="1917967696"/>
       </p:ext>
     </p:extLst>
   </p:cSld>
@@ -9204,7 +9102,19 @@
           <a:p>
             <a:r>
               <a:rPr lang="en-US" altLang="zh-CN" dirty="0"/>
-              <a:t>21537374	False	95E8EC	3C3940	11443	False	Atlanta, Georgia	0099B9	-21600	208	</a:t>
+              <a:t>21537374	False	95E8EC	3C3940	11443	False	Atlanta, Georgia	0099B9	-21600	</a:t>
+            </a:r>
+            <a:r>
+              <a:rPr lang="en-US" altLang="zh-CN" dirty="0">
+                <a:solidFill>
+                  <a:srgbClr val="FF0000"/>
+                </a:solidFill>
+              </a:rPr>
+              <a:t>208</a:t>
+            </a:r>
+            <a:r>
+              <a:rPr lang="en-US" altLang="zh-CN" dirty="0"/>
+              <a:t>	</a:t>
             </a:r>
             <a:r>
               <a:rPr lang="en-US" altLang="zh-CN" dirty="0">
@@ -9252,10 +9162,22 @@
             </a:r>
             <a:r>
               <a:rPr lang="en-US" altLang="zh-CN" dirty="0"/>
-              <a:t>	False	4	Ken </a:t>
-            </a:r>
-            <a:r>
-              <a:rPr lang="en-US" altLang="zh-CN" dirty="0" err="1"/>
+              <a:t>	False	4	</a:t>
+            </a:r>
+            <a:r>
+              <a:rPr lang="en-US" altLang="zh-CN" dirty="0">
+                <a:solidFill>
+                  <a:srgbClr val="FF0000"/>
+                </a:solidFill>
+              </a:rPr>
+              <a:t>Ken </a:t>
+            </a:r>
+            <a:r>
+              <a:rPr lang="en-US" altLang="zh-CN" dirty="0" err="1">
+                <a:solidFill>
+                  <a:srgbClr val="FF0000"/>
+                </a:solidFill>
+              </a:rPr>
               <a:t>Gerrick</a:t>
             </a:r>
             <a:r>
@@ -9281,7 +9203,7 @@
     </p:spTree>
     <p:extLst>
       <p:ext uri="{BB962C8B-B14F-4D97-AF65-F5344CB8AC3E}">
-        <p14:creationId xmlns="" xmlns:p14="http://schemas.microsoft.com/office/powerpoint/2010/main" val="278647894"/>
+        <p14:creationId xmlns:p14="http://schemas.microsoft.com/office/powerpoint/2010/main" xmlns="" val="278647894"/>
       </p:ext>
     </p:extLst>
   </p:cSld>
@@ -9350,15 +9272,7 @@
           <a:p>
             <a:r>
               <a:rPr lang="en-US" dirty="0" smtClean="0"/>
-              <a:t>Removing unknown and broken (not formatted well) profiles: 4614 profiles </a:t>
-            </a:r>
-            <a:r>
-              <a:rPr lang="en-US" dirty="0" smtClean="0"/>
-              <a:t>remain </a:t>
-            </a:r>
-            <a:r>
-              <a:rPr lang="en-US" dirty="0" smtClean="0"/>
-              <a:t>(3086 personal accounts and 1528 organizational  accounts)</a:t>
+              <a:t>Removing unknown and broken (not formatted well) profiles: 4614 profiles remain (3086 personal accounts and 1528 organizational  accounts)</a:t>
             </a:r>
           </a:p>
           <a:p>
@@ -9370,11 +9284,7 @@
           <a:p>
             <a:r>
               <a:rPr lang="en-US" dirty="0" smtClean="0"/>
-              <a:t>Retrieving and classifying descriptions into personal and organizations </a:t>
-            </a:r>
-            <a:r>
-              <a:rPr lang="en-US" dirty="0" smtClean="0"/>
-              <a:t>and analyzing high-level features</a:t>
+              <a:t>Retrieving and classifying descriptions into personal and organizations and analyzing high-level features</a:t>
             </a:r>
           </a:p>
           <a:p>

--- a/Organization Detection.pptx
+++ b/Organization Detection.pptx
@@ -5462,7 +5462,7 @@
         </p:nvGraphicFramePr>
         <p:xfrm>
           <a:off x="457200" y="1600200"/>
-          <a:ext cx="7467600" cy="3312160"/>
+          <a:ext cx="7467600" cy="3581400"/>
         </p:xfrm>
         <a:graphic>
           <a:graphicData uri="http://schemas.openxmlformats.org/drawingml/2006/table">
@@ -5575,49 +5575,49 @@
                     <a:p>
                       <a:r>
                         <a:rPr lang="en-US" dirty="0" smtClean="0"/>
-                        <a:t>e r - 5614</a:t>
-                      </a:r>
-                      <a:endParaRPr lang="en-US" dirty="0"/>
-                    </a:p>
-                  </a:txBody>
-                  <a:tcPr marL="82973" marR="82973"/>
-                </a:tc>
-                <a:tc>
-                  <a:txBody>
-                    <a:bodyPr/>
-                    <a:lstStyle/>
-                    <a:p>
-                      <a:r>
-                        <a:rPr lang="en-US" dirty="0" smtClean="0"/>
-                        <a:t># # a - 5251</a:t>
-                      </a:r>
-                      <a:endParaRPr lang="en-US" dirty="0"/>
-                    </a:p>
-                  </a:txBody>
-                  <a:tcPr marL="82973" marR="82973"/>
-                </a:tc>
-                <a:tc>
-                  <a:txBody>
-                    <a:bodyPr/>
-                    <a:lstStyle/>
-                    <a:p>
-                      <a:r>
-                        <a:rPr lang="en-US" dirty="0" smtClean="0"/>
-                        <a:t># - 11518</a:t>
-                      </a:r>
-                      <a:endParaRPr lang="en-US" dirty="0"/>
-                    </a:p>
-                  </a:txBody>
-                  <a:tcPr marL="82973" marR="82973"/>
-                </a:tc>
-                <a:tc>
-                  <a:txBody>
-                    <a:bodyPr/>
-                    <a:lstStyle/>
-                    <a:p>
-                      <a:r>
-                        <a:rPr lang="en-US" dirty="0" smtClean="0"/>
-                        <a:t>#  - 776</a:t>
+                        <a:t>e r - 5777</a:t>
+                      </a:r>
+                      <a:endParaRPr lang="en-US" dirty="0"/>
+                    </a:p>
+                  </a:txBody>
+                  <a:tcPr marL="82973" marR="82973"/>
+                </a:tc>
+                <a:tc>
+                  <a:txBody>
+                    <a:bodyPr/>
+                    <a:lstStyle/>
+                    <a:p>
+                      <a:r>
+                        <a:rPr lang="en-US" dirty="0" smtClean="0"/>
+                        <a:t># # a - 5435</a:t>
+                      </a:r>
+                      <a:endParaRPr lang="en-US" dirty="0"/>
+                    </a:p>
+                  </a:txBody>
+                  <a:tcPr marL="82973" marR="82973"/>
+                </a:tc>
+                <a:tc>
+                  <a:txBody>
+                    <a:bodyPr/>
+                    <a:lstStyle/>
+                    <a:p>
+                      <a:r>
+                        <a:rPr lang="en-US" dirty="0" smtClean="0"/>
+                        <a:t># - 11818</a:t>
+                      </a:r>
+                      <a:endParaRPr lang="en-US" dirty="0"/>
+                    </a:p>
+                  </a:txBody>
+                  <a:tcPr marL="82973" marR="82973"/>
+                </a:tc>
+                <a:tc>
+                  <a:txBody>
+                    <a:bodyPr/>
+                    <a:lstStyle/>
+                    <a:p>
+                      <a:r>
+                        <a:rPr lang="en-US" dirty="0" smtClean="0"/>
+                        <a:t># (space) - 794</a:t>
                       </a:r>
                       <a:endParaRPr lang="en-US" dirty="0"/>
                     </a:p>
@@ -5651,35 +5651,35 @@
                       </a:r>
                       <a:r>
                         <a:rPr lang="en-US" dirty="0" smtClean="0"/>
-                        <a:t> n - 5384</a:t>
-                      </a:r>
-                      <a:endParaRPr lang="en-US" dirty="0"/>
-                    </a:p>
-                  </a:txBody>
-                  <a:tcPr marL="82973" marR="82973"/>
-                </a:tc>
-                <a:tc>
-                  <a:txBody>
-                    <a:bodyPr/>
-                    <a:lstStyle/>
-                    <a:p>
-                      <a:r>
-                        <a:rPr lang="en-US" dirty="0" smtClean="0"/>
-                        <a:t># # t - 4084</a:t>
-                      </a:r>
-                      <a:endParaRPr lang="en-US" dirty="0"/>
-                    </a:p>
-                  </a:txBody>
-                  <a:tcPr marL="82973" marR="82973"/>
-                </a:tc>
-                <a:tc>
-                  <a:txBody>
-                    <a:bodyPr/>
-                    <a:lstStyle/>
-                    <a:p>
-                      <a:r>
-                        <a:rPr lang="en-US" dirty="0" smtClean="0"/>
-                        <a:t>and - 1736</a:t>
+                        <a:t> n - 5579</a:t>
+                      </a:r>
+                      <a:endParaRPr lang="en-US" dirty="0"/>
+                    </a:p>
+                  </a:txBody>
+                  <a:tcPr marL="82973" marR="82973"/>
+                </a:tc>
+                <a:tc>
+                  <a:txBody>
+                    <a:bodyPr/>
+                    <a:lstStyle/>
+                    <a:p>
+                      <a:r>
+                        <a:rPr lang="en-US" dirty="0" smtClean="0"/>
+                        <a:t># # t - 4230</a:t>
+                      </a:r>
+                      <a:endParaRPr lang="en-US" dirty="0"/>
+                    </a:p>
+                  </a:txBody>
+                  <a:tcPr marL="82973" marR="82973"/>
+                </a:tc>
+                <a:tc>
+                  <a:txBody>
+                    <a:bodyPr/>
+                    <a:lstStyle/>
+                    <a:p>
+                      <a:r>
+                        <a:rPr lang="en-US" dirty="0" smtClean="0"/>
+                        <a:t>and - 1788</a:t>
                       </a:r>
                       <a:endParaRPr lang="en-US" dirty="0"/>
                     </a:p>
@@ -5701,7 +5701,7 @@
                       </a:r>
                       <a:r>
                         <a:rPr lang="en-US" dirty="0" smtClean="0"/>
-                        <a:t> - 470</a:t>
+                        <a:t> - 496</a:t>
                       </a:r>
                       <a:endParaRPr lang="en-US" dirty="0"/>
                     </a:p>
@@ -5731,49 +5731,49 @@
                     <a:p>
                       <a:r>
                         <a:rPr lang="en-US" dirty="0" smtClean="0"/>
-                        <a:t># a - 5251</a:t>
-                      </a:r>
-                      <a:endParaRPr lang="en-US" dirty="0"/>
-                    </a:p>
-                  </a:txBody>
-                  <a:tcPr marL="82973" marR="82973"/>
-                </a:tc>
-                <a:tc>
-                  <a:txBody>
-                    <a:bodyPr/>
-                    <a:lstStyle/>
-                    <a:p>
-                      <a:r>
-                        <a:rPr lang="en-US" dirty="0" smtClean="0"/>
-                        <a:t># # m - 3504</a:t>
-                      </a:r>
-                      <a:endParaRPr lang="en-US" dirty="0"/>
-                    </a:p>
-                  </a:txBody>
-                  <a:tcPr marL="82973" marR="82973"/>
-                </a:tc>
-                <a:tc>
-                  <a:txBody>
-                    <a:bodyPr/>
-                    <a:lstStyle/>
-                    <a:p>
-                      <a:r>
-                        <a:rPr lang="en-US" dirty="0" smtClean="0"/>
-                        <a:t>of - 1021</a:t>
-                      </a:r>
-                      <a:endParaRPr lang="en-US" dirty="0"/>
-                    </a:p>
-                  </a:txBody>
-                  <a:tcPr marL="82973" marR="82973"/>
-                </a:tc>
-                <a:tc>
-                  <a:txBody>
-                    <a:bodyPr/>
-                    <a:lstStyle/>
-                    <a:p>
-                      <a:r>
-                        <a:rPr lang="en-US" dirty="0" smtClean="0"/>
-                        <a:t>social media - 176</a:t>
+                        <a:t># a - 5435</a:t>
+                      </a:r>
+                      <a:endParaRPr lang="en-US" dirty="0"/>
+                    </a:p>
+                  </a:txBody>
+                  <a:tcPr marL="82973" marR="82973"/>
+                </a:tc>
+                <a:tc>
+                  <a:txBody>
+                    <a:bodyPr/>
+                    <a:lstStyle/>
+                    <a:p>
+                      <a:r>
+                        <a:rPr lang="en-US" dirty="0" smtClean="0"/>
+                        <a:t># # m - 3639</a:t>
+                      </a:r>
+                      <a:endParaRPr lang="en-US" dirty="0"/>
+                    </a:p>
+                  </a:txBody>
+                  <a:tcPr marL="82973" marR="82973"/>
+                </a:tc>
+                <a:tc>
+                  <a:txBody>
+                    <a:bodyPr/>
+                    <a:lstStyle/>
+                    <a:p>
+                      <a:r>
+                        <a:rPr lang="en-US" dirty="0" smtClean="0"/>
+                        <a:t>of - 1046</a:t>
+                      </a:r>
+                      <a:endParaRPr lang="en-US" dirty="0"/>
+                    </a:p>
+                  </a:txBody>
+                  <a:tcPr marL="82973" marR="82973"/>
+                </a:tc>
+                <a:tc>
+                  <a:txBody>
+                    <a:bodyPr/>
+                    <a:lstStyle/>
+                    <a:p>
+                      <a:r>
+                        <a:rPr lang="en-US" dirty="0" smtClean="0"/>
+                        <a:t>social media - 177</a:t>
                       </a:r>
                       <a:endParaRPr lang="en-US" dirty="0"/>
                     </a:p>
@@ -5803,7 +5803,7 @@
                     <a:p>
                       <a:r>
                         <a:rPr lang="en-US" dirty="0" smtClean="0"/>
-                        <a:t># t - 4085</a:t>
+                        <a:t># t - 4231</a:t>
                       </a:r>
                       <a:endParaRPr lang="en-US" dirty="0"/>
                     </a:p>
@@ -5825,21 +5825,21 @@
                       </a:r>
                       <a:r>
                         <a:rPr lang="en-US" dirty="0" smtClean="0"/>
-                        <a:t> - 3182</a:t>
-                      </a:r>
-                      <a:endParaRPr lang="en-US" dirty="0"/>
-                    </a:p>
-                  </a:txBody>
-                  <a:tcPr marL="82973" marR="82973"/>
-                </a:tc>
-                <a:tc>
-                  <a:txBody>
-                    <a:bodyPr/>
-                    <a:lstStyle/>
-                    <a:p>
-                      <a:r>
-                        <a:rPr lang="en-US" dirty="0" smtClean="0"/>
-                        <a:t>the - 960</a:t>
+                        <a:t> - 3333</a:t>
+                      </a:r>
+                      <a:endParaRPr lang="en-US" dirty="0"/>
+                    </a:p>
+                  </a:txBody>
+                  <a:tcPr marL="82973" marR="82973"/>
+                </a:tc>
+                <a:tc>
+                  <a:txBody>
+                    <a:bodyPr/>
+                    <a:lstStyle/>
+                    <a:p>
+                      <a:r>
+                        <a:rPr lang="en-US" dirty="0" smtClean="0"/>
+                        <a:t>the - 997</a:t>
                       </a:r>
                       <a:endParaRPr lang="en-US" dirty="0"/>
                     </a:p>
@@ -5857,7 +5857,7 @@
                       </a:r>
                       <a:r>
                         <a:rPr lang="en-US" dirty="0" smtClean="0"/>
-                        <a:t> am - 146</a:t>
+                        <a:t> am - 160</a:t>
                       </a:r>
                       <a:endParaRPr lang="en-US" dirty="0"/>
                     </a:p>
@@ -5887,21 +5887,21 @@
                     <a:p>
                       <a:r>
                         <a:rPr lang="en-US" dirty="0" smtClean="0"/>
-                        <a:t>a n - 3947</a:t>
-                      </a:r>
-                      <a:endParaRPr lang="en-US" dirty="0"/>
-                    </a:p>
-                  </a:txBody>
-                  <a:tcPr marL="82973" marR="82973"/>
-                </a:tc>
-                <a:tc>
-                  <a:txBody>
-                    <a:bodyPr/>
-                    <a:lstStyle/>
-                    <a:p>
-                      <a:r>
-                        <a:rPr lang="en-US" dirty="0" smtClean="0"/>
-                        <a:t># # s - 3065</a:t>
+                        <a:t>a n - 4072</a:t>
+                      </a:r>
+                      <a:endParaRPr lang="en-US" dirty="0"/>
+                    </a:p>
+                  </a:txBody>
+                  <a:tcPr marL="82973" marR="82973"/>
+                </a:tc>
+                <a:tc>
+                  <a:txBody>
+                    <a:bodyPr/>
+                    <a:lstStyle/>
+                    <a:p>
+                      <a:r>
+                        <a:rPr lang="en-US" dirty="0" smtClean="0"/>
+                        <a:t># # s - 3160</a:t>
                       </a:r>
                       <a:endParaRPr lang="en-US" dirty="0"/>
                     </a:p>
@@ -5919,21 +5919,25 @@
                       </a:r>
                       <a:r>
                         <a:rPr lang="en-US" dirty="0" smtClean="0"/>
-                        <a:t> - 829</a:t>
-                      </a:r>
-                      <a:endParaRPr lang="en-US" dirty="0"/>
-                    </a:p>
-                  </a:txBody>
-                  <a:tcPr marL="82973" marR="82973"/>
-                </a:tc>
-                <a:tc>
-                  <a:txBody>
-                    <a:bodyPr/>
-                    <a:lstStyle/>
-                    <a:p>
-                      <a:r>
-                        <a:rPr lang="en-US" dirty="0" smtClean="0"/>
-                        <a:t>of the - 134</a:t>
+                        <a:t> - 871</a:t>
+                      </a:r>
+                      <a:endParaRPr lang="en-US" dirty="0"/>
+                    </a:p>
+                  </a:txBody>
+                  <a:tcPr marL="82973" marR="82973"/>
+                </a:tc>
+                <a:tc>
+                  <a:txBody>
+                    <a:bodyPr/>
+                    <a:lstStyle/>
+                    <a:p>
+                      <a:r>
+                        <a:rPr lang="en-US" dirty="0" err="1" smtClean="0"/>
+                        <a:t>i’m</a:t>
+                      </a:r>
+                      <a:r>
+                        <a:rPr lang="en-US" dirty="0" smtClean="0"/>
+                        <a:t> - 144</a:t>
                       </a:r>
                       <a:endParaRPr lang="en-US" dirty="0"/>
                     </a:p>
@@ -6063,15 +6067,7 @@
                     <a:p>
                       <a:r>
                         <a:rPr lang="en-US" dirty="0" smtClean="0"/>
-                        <a:t>Top </a:t>
-                      </a:r>
-                      <a:r>
-                        <a:rPr lang="en-US" smtClean="0"/>
-                        <a:t>frequent n-grams </a:t>
-                      </a:r>
-                      <a:r>
-                        <a:rPr lang="en-US" dirty="0" smtClean="0"/>
-                        <a:t>for personal</a:t>
+                        <a:t>Top frequent n-grams for personal</a:t>
                       </a:r>
                       <a:endParaRPr lang="en-US" dirty="0"/>
                     </a:p>
@@ -6161,49 +6157,49 @@
                     <a:p>
                       <a:r>
                         <a:rPr lang="en-US" dirty="0" smtClean="0"/>
-                        <a:t># t - 2388</a:t>
-                      </a:r>
-                      <a:endParaRPr lang="en-US" dirty="0"/>
-                    </a:p>
-                  </a:txBody>
-                  <a:tcPr marL="82973" marR="82973"/>
-                </a:tc>
-                <a:tc>
-                  <a:txBody>
-                    <a:bodyPr/>
-                    <a:lstStyle/>
-                    <a:p>
-                      <a:r>
-                        <a:rPr lang="en-US" dirty="0" smtClean="0"/>
-                        <a:t># # t - 2388</a:t>
-                      </a:r>
-                      <a:endParaRPr lang="en-US" dirty="0"/>
-                    </a:p>
-                  </a:txBody>
-                  <a:tcPr marL="82973" marR="82973"/>
-                </a:tc>
-                <a:tc>
-                  <a:txBody>
-                    <a:bodyPr/>
-                    <a:lstStyle/>
-                    <a:p>
-                      <a:r>
-                        <a:rPr lang="en-US" dirty="0" smtClean="0"/>
-                        <a:t># - 3930</a:t>
-                      </a:r>
-                      <a:endParaRPr lang="en-US" dirty="0"/>
-                    </a:p>
-                  </a:txBody>
-                  <a:tcPr marL="82973" marR="82973"/>
-                </a:tc>
-                <a:tc>
-                  <a:txBody>
-                    <a:bodyPr/>
-                    <a:lstStyle/>
-                    <a:p>
-                      <a:r>
-                        <a:rPr lang="en-US" dirty="0" smtClean="0"/>
-                        <a:t>#  - 223</a:t>
+                        <a:t># t - 2477</a:t>
+                      </a:r>
+                      <a:endParaRPr lang="en-US" dirty="0"/>
+                    </a:p>
+                  </a:txBody>
+                  <a:tcPr marL="82973" marR="82973"/>
+                </a:tc>
+                <a:tc>
+                  <a:txBody>
+                    <a:bodyPr/>
+                    <a:lstStyle/>
+                    <a:p>
+                      <a:r>
+                        <a:rPr lang="en-US" dirty="0" smtClean="0"/>
+                        <a:t># # t - 2477</a:t>
+                      </a:r>
+                      <a:endParaRPr lang="en-US" dirty="0"/>
+                    </a:p>
+                  </a:txBody>
+                  <a:tcPr marL="82973" marR="82973"/>
+                </a:tc>
+                <a:tc>
+                  <a:txBody>
+                    <a:bodyPr/>
+                    <a:lstStyle/>
+                    <a:p>
+                      <a:r>
+                        <a:rPr lang="en-US" dirty="0" smtClean="0"/>
+                        <a:t># - 4032</a:t>
+                      </a:r>
+                      <a:endParaRPr lang="en-US" dirty="0"/>
+                    </a:p>
+                  </a:txBody>
+                  <a:tcPr marL="82973" marR="82973"/>
+                </a:tc>
+                <a:tc>
+                  <a:txBody>
+                    <a:bodyPr/>
+                    <a:lstStyle/>
+                    <a:p>
+                      <a:r>
+                        <a:rPr lang="en-US" dirty="0" smtClean="0"/>
+                        <a:t>#  - 234</a:t>
                       </a:r>
                       <a:endParaRPr lang="en-US" dirty="0"/>
                     </a:p>
@@ -6233,49 +6229,49 @@
                     <a:p>
                       <a:r>
                         <a:rPr lang="en-US" dirty="0" smtClean="0"/>
-                        <a:t># a - 2057</a:t>
-                      </a:r>
-                      <a:endParaRPr lang="en-US" dirty="0"/>
-                    </a:p>
-                  </a:txBody>
-                  <a:tcPr marL="82973" marR="82973"/>
-                </a:tc>
-                <a:tc>
-                  <a:txBody>
-                    <a:bodyPr/>
-                    <a:lstStyle/>
-                    <a:p>
-                      <a:r>
-                        <a:rPr lang="en-US" dirty="0" smtClean="0"/>
-                        <a:t># # a - 2057</a:t>
-                      </a:r>
-                      <a:endParaRPr lang="en-US" dirty="0"/>
-                    </a:p>
-                  </a:txBody>
-                  <a:tcPr marL="82973" marR="82973"/>
-                </a:tc>
-                <a:tc>
-                  <a:txBody>
-                    <a:bodyPr/>
-                    <a:lstStyle/>
-                    <a:p>
-                      <a:r>
-                        <a:rPr lang="en-US" dirty="0" smtClean="0"/>
-                        <a:t>the - 825</a:t>
-                      </a:r>
-                      <a:endParaRPr lang="en-US" dirty="0"/>
-                    </a:p>
-                  </a:txBody>
-                  <a:tcPr marL="82973" marR="82973"/>
-                </a:tc>
-                <a:tc>
-                  <a:txBody>
-                    <a:bodyPr/>
-                    <a:lstStyle/>
-                    <a:p>
-                      <a:r>
-                        <a:rPr lang="en-US" dirty="0" smtClean="0"/>
-                        <a:t># the - 142</a:t>
+                        <a:t># a - 2109</a:t>
+                      </a:r>
+                      <a:endParaRPr lang="en-US" dirty="0"/>
+                    </a:p>
+                  </a:txBody>
+                  <a:tcPr marL="82973" marR="82973"/>
+                </a:tc>
+                <a:tc>
+                  <a:txBody>
+                    <a:bodyPr/>
+                    <a:lstStyle/>
+                    <a:p>
+                      <a:r>
+                        <a:rPr lang="en-US" dirty="0" smtClean="0"/>
+                        <a:t># # a - 2109</a:t>
+                      </a:r>
+                      <a:endParaRPr lang="en-US" dirty="0"/>
+                    </a:p>
+                  </a:txBody>
+                  <a:tcPr marL="82973" marR="82973"/>
+                </a:tc>
+                <a:tc>
+                  <a:txBody>
+                    <a:bodyPr/>
+                    <a:lstStyle/>
+                    <a:p>
+                      <a:r>
+                        <a:rPr lang="en-US" dirty="0" smtClean="0"/>
+                        <a:t>the - 852</a:t>
+                      </a:r>
+                      <a:endParaRPr lang="en-US" dirty="0"/>
+                    </a:p>
+                  </a:txBody>
+                  <a:tcPr marL="82973" marR="82973"/>
+                </a:tc>
+                <a:tc>
+                  <a:txBody>
+                    <a:bodyPr/>
+                    <a:lstStyle/>
+                    <a:p>
+                      <a:r>
+                        <a:rPr lang="en-US" dirty="0" smtClean="0"/>
+                        <a:t># the - 148</a:t>
                       </a:r>
                       <a:endParaRPr lang="en-US" dirty="0"/>
                     </a:p>
@@ -6309,49 +6305,49 @@
                       </a:r>
                       <a:r>
                         <a:rPr lang="en-US" dirty="0" smtClean="0"/>
-                        <a:t> n - 2019</a:t>
-                      </a:r>
-                      <a:endParaRPr lang="en-US" dirty="0"/>
-                    </a:p>
-                  </a:txBody>
-                  <a:tcPr marL="82973" marR="82973"/>
-                </a:tc>
-                <a:tc>
-                  <a:txBody>
-                    <a:bodyPr/>
-                    <a:lstStyle/>
-                    <a:p>
-                      <a:r>
-                        <a:rPr lang="en-US" dirty="0" smtClean="0"/>
-                        <a:t># # o - 1269</a:t>
-                      </a:r>
-                      <a:endParaRPr lang="en-US" dirty="0"/>
-                    </a:p>
-                  </a:txBody>
-                  <a:tcPr marL="82973" marR="82973"/>
-                </a:tc>
-                <a:tc>
-                  <a:txBody>
-                    <a:bodyPr/>
-                    <a:lstStyle/>
-                    <a:p>
-                      <a:r>
-                        <a:rPr lang="en-US" dirty="0" smtClean="0"/>
-                        <a:t>and - 741</a:t>
-                      </a:r>
-                      <a:endParaRPr lang="en-US" dirty="0"/>
-                    </a:p>
-                  </a:txBody>
-                  <a:tcPr marL="82973" marR="82973"/>
-                </a:tc>
-                <a:tc>
-                  <a:txBody>
-                    <a:bodyPr/>
-                    <a:lstStyle/>
-                    <a:p>
-                      <a:r>
-                        <a:rPr lang="en-US" dirty="0" smtClean="0"/>
-                        <a:t># com - 97</a:t>
+                        <a:t> n - 2074</a:t>
+                      </a:r>
+                      <a:endParaRPr lang="en-US" dirty="0"/>
+                    </a:p>
+                  </a:txBody>
+                  <a:tcPr marL="82973" marR="82973"/>
+                </a:tc>
+                <a:tc>
+                  <a:txBody>
+                    <a:bodyPr/>
+                    <a:lstStyle/>
+                    <a:p>
+                      <a:r>
+                        <a:rPr lang="en-US" dirty="0" smtClean="0"/>
+                        <a:t># # o - 1325</a:t>
+                      </a:r>
+                      <a:endParaRPr lang="en-US" dirty="0"/>
+                    </a:p>
+                  </a:txBody>
+                  <a:tcPr marL="82973" marR="82973"/>
+                </a:tc>
+                <a:tc>
+                  <a:txBody>
+                    <a:bodyPr/>
+                    <a:lstStyle/>
+                    <a:p>
+                      <a:r>
+                        <a:rPr lang="en-US" dirty="0" smtClean="0"/>
+                        <a:t>and - 754</a:t>
+                      </a:r>
+                      <a:endParaRPr lang="en-US" dirty="0"/>
+                    </a:p>
+                  </a:txBody>
+                  <a:tcPr marL="82973" marR="82973"/>
+                </a:tc>
+                <a:tc>
+                  <a:txBody>
+                    <a:bodyPr/>
+                    <a:lstStyle/>
+                    <a:p>
+                      <a:r>
+                        <a:rPr lang="en-US" dirty="0" smtClean="0"/>
+                        <a:t># com - 99</a:t>
                       </a:r>
                       <a:endParaRPr lang="en-US" dirty="0"/>
                     </a:p>
@@ -6381,49 +6377,49 @@
                     <a:p>
                       <a:r>
                         <a:rPr lang="en-US" dirty="0" smtClean="0"/>
-                        <a:t>e r - 1555</a:t>
-                      </a:r>
-                      <a:endParaRPr lang="en-US" dirty="0"/>
-                    </a:p>
-                  </a:txBody>
-                  <a:tcPr marL="82973" marR="82973"/>
-                </a:tc>
-                <a:tc>
-                  <a:txBody>
-                    <a:bodyPr/>
-                    <a:lstStyle/>
-                    <a:p>
-                      <a:r>
-                        <a:rPr lang="en-US" dirty="0" smtClean="0"/>
-                        <a:t># # s - 1258</a:t>
-                      </a:r>
-                      <a:endParaRPr lang="en-US" dirty="0"/>
-                    </a:p>
-                  </a:txBody>
-                  <a:tcPr marL="82973" marR="82973"/>
-                </a:tc>
-                <a:tc>
-                  <a:txBody>
-                    <a:bodyPr/>
-                    <a:lstStyle/>
-                    <a:p>
-                      <a:r>
-                        <a:rPr lang="en-US" dirty="0" smtClean="0"/>
-                        <a:t>of - 331</a:t>
-                      </a:r>
-                      <a:endParaRPr lang="en-US" dirty="0"/>
-                    </a:p>
-                  </a:txBody>
-                  <a:tcPr marL="82973" marR="82973"/>
-                </a:tc>
-                <a:tc>
-                  <a:txBody>
-                    <a:bodyPr/>
-                    <a:lstStyle/>
-                    <a:p>
-                      <a:r>
-                        <a:rPr lang="en-US" dirty="0" smtClean="0"/>
-                        <a:t># we - 92</a:t>
+                        <a:t>e r - 1611</a:t>
+                      </a:r>
+                      <a:endParaRPr lang="en-US" dirty="0"/>
+                    </a:p>
+                  </a:txBody>
+                  <a:tcPr marL="82973" marR="82973"/>
+                </a:tc>
+                <a:tc>
+                  <a:txBody>
+                    <a:bodyPr/>
+                    <a:lstStyle/>
+                    <a:p>
+                      <a:r>
+                        <a:rPr lang="en-US" dirty="0" smtClean="0"/>
+                        <a:t># # s - 1295</a:t>
+                      </a:r>
+                      <a:endParaRPr lang="en-US" dirty="0"/>
+                    </a:p>
+                  </a:txBody>
+                  <a:tcPr marL="82973" marR="82973"/>
+                </a:tc>
+                <a:tc>
+                  <a:txBody>
+                    <a:bodyPr/>
+                    <a:lstStyle/>
+                    <a:p>
+                      <a:r>
+                        <a:rPr lang="en-US" dirty="0" smtClean="0"/>
+                        <a:t>of - 339</a:t>
+                      </a:r>
+                      <a:endParaRPr lang="en-US" dirty="0"/>
+                    </a:p>
+                  </a:txBody>
+                  <a:tcPr marL="82973" marR="82973"/>
+                </a:tc>
+                <a:tc>
+                  <a:txBody>
+                    <a:bodyPr/>
+                    <a:lstStyle/>
+                    <a:p>
+                      <a:r>
+                        <a:rPr lang="en-US" dirty="0" smtClean="0"/>
+                        <a:t># we - 95</a:t>
                       </a:r>
                       <a:endParaRPr lang="en-US" dirty="0"/>
                     </a:p>
@@ -6453,49 +6449,49 @@
                     <a:p>
                       <a:r>
                         <a:rPr lang="en-US" dirty="0" smtClean="0"/>
-                        <a:t>t h - 1509</a:t>
-                      </a:r>
-                      <a:endParaRPr lang="en-US" dirty="0"/>
-                    </a:p>
-                  </a:txBody>
-                  <a:tcPr marL="82973" marR="82973"/>
-                </a:tc>
-                <a:tc>
-                  <a:txBody>
-                    <a:bodyPr/>
-                    <a:lstStyle/>
-                    <a:p>
-                      <a:r>
-                        <a:rPr lang="en-US" dirty="0" smtClean="0"/>
-                        <a:t># # f - 1217</a:t>
-                      </a:r>
-                      <a:endParaRPr lang="en-US" dirty="0"/>
-                    </a:p>
-                  </a:txBody>
-                  <a:tcPr marL="82973" marR="82973"/>
-                </a:tc>
-                <a:tc>
-                  <a:txBody>
-                    <a:bodyPr/>
-                    <a:lstStyle/>
-                    <a:p>
-                      <a:r>
-                        <a:rPr lang="en-US" dirty="0" smtClean="0"/>
-                        <a:t>to - 323</a:t>
-                      </a:r>
-                      <a:endParaRPr lang="en-US" dirty="0"/>
-                    </a:p>
-                  </a:txBody>
-                  <a:tcPr marL="82973" marR="82973"/>
-                </a:tc>
-                <a:tc>
-                  <a:txBody>
-                    <a:bodyPr/>
-                    <a:lstStyle/>
-                    <a:p>
-                      <a:r>
-                        <a:rPr lang="en-US" dirty="0" smtClean="0"/>
-                        <a:t>the official - 86</a:t>
+                        <a:t>t h - 1558</a:t>
+                      </a:r>
+                      <a:endParaRPr lang="en-US" dirty="0"/>
+                    </a:p>
+                  </a:txBody>
+                  <a:tcPr marL="82973" marR="82973"/>
+                </a:tc>
+                <a:tc>
+                  <a:txBody>
+                    <a:bodyPr/>
+                    <a:lstStyle/>
+                    <a:p>
+                      <a:r>
+                        <a:rPr lang="en-US" dirty="0" smtClean="0"/>
+                        <a:t># # f - 1255</a:t>
+                      </a:r>
+                      <a:endParaRPr lang="en-US" dirty="0"/>
+                    </a:p>
+                  </a:txBody>
+                  <a:tcPr marL="82973" marR="82973"/>
+                </a:tc>
+                <a:tc>
+                  <a:txBody>
+                    <a:bodyPr/>
+                    <a:lstStyle/>
+                    <a:p>
+                      <a:r>
+                        <a:rPr lang="en-US" dirty="0" smtClean="0"/>
+                        <a:t>to - 336</a:t>
+                      </a:r>
+                      <a:endParaRPr lang="en-US" dirty="0"/>
+                    </a:p>
+                  </a:txBody>
+                  <a:tcPr marL="82973" marR="82973"/>
+                </a:tc>
+                <a:tc>
+                  <a:txBody>
+                    <a:bodyPr/>
+                    <a:lstStyle/>
+                    <a:p>
+                      <a:r>
+                        <a:rPr lang="en-US" dirty="0" smtClean="0"/>
+                        <a:t>the official - 94</a:t>
                       </a:r>
                       <a:endParaRPr lang="en-US" dirty="0"/>
                     </a:p>
@@ -6956,7 +6952,7 @@
                     <a:p>
                       <a:r>
                         <a:rPr lang="en-US" dirty="0" smtClean="0"/>
-                        <a:t>9</a:t>
+                        <a:t>10</a:t>
                       </a:r>
                       <a:endParaRPr lang="en-US" dirty="0"/>
                     </a:p>
@@ -7348,11 +7344,7 @@
             </a:r>
             <a:r>
               <a:rPr lang="en-US" b="1" dirty="0" smtClean="0"/>
-              <a:t>(&gt; 10,000 followers</a:t>
-            </a:r>
-            <a:r>
-              <a:rPr lang="en-US" b="1" dirty="0" smtClean="0"/>
-              <a:t>)</a:t>
+              <a:t>(&gt; 10,000 followers)</a:t>
             </a:r>
             <a:endParaRPr lang="en-US" b="1" dirty="0"/>
           </a:p>
@@ -7556,49 +7548,49 @@
                     <a:p>
                       <a:r>
                         <a:rPr lang="en-US" dirty="0" smtClean="0"/>
-                        <a:t>0.797</a:t>
-                      </a:r>
-                      <a:endParaRPr lang="en-US" dirty="0"/>
-                    </a:p>
-                  </a:txBody>
-                  <a:tcPr marL="82973" marR="82973"/>
-                </a:tc>
-                <a:tc>
-                  <a:txBody>
-                    <a:bodyPr/>
-                    <a:lstStyle/>
-                    <a:p>
-                      <a:r>
-                        <a:rPr lang="en-US" dirty="0" smtClean="0"/>
-                        <a:t>0.782</a:t>
-                      </a:r>
-                      <a:endParaRPr lang="en-US" dirty="0"/>
-                    </a:p>
-                  </a:txBody>
-                  <a:tcPr marL="82973" marR="82973"/>
-                </a:tc>
-                <a:tc>
-                  <a:txBody>
-                    <a:bodyPr/>
-                    <a:lstStyle/>
-                    <a:p>
-                      <a:r>
-                        <a:rPr lang="en-US" dirty="0" smtClean="0"/>
-                        <a:t>0.724</a:t>
-                      </a:r>
-                      <a:endParaRPr lang="en-US" dirty="0"/>
-                    </a:p>
-                  </a:txBody>
-                  <a:tcPr marL="82973" marR="82973"/>
-                </a:tc>
-                <a:tc>
-                  <a:txBody>
-                    <a:bodyPr/>
-                    <a:lstStyle/>
-                    <a:p>
-                      <a:r>
-                        <a:rPr lang="en-US" dirty="0" smtClean="0"/>
-                        <a:t>79.6958 %</a:t>
+                        <a:t>0.798</a:t>
+                      </a:r>
+                      <a:endParaRPr lang="en-US" dirty="0"/>
+                    </a:p>
+                  </a:txBody>
+                  <a:tcPr marL="82973" marR="82973"/>
+                </a:tc>
+                <a:tc>
+                  <a:txBody>
+                    <a:bodyPr/>
+                    <a:lstStyle/>
+                    <a:p>
+                      <a:r>
+                        <a:rPr lang="en-US" dirty="0" smtClean="0"/>
+                        <a:t>0.784</a:t>
+                      </a:r>
+                      <a:endParaRPr lang="en-US" dirty="0"/>
+                    </a:p>
+                  </a:txBody>
+                  <a:tcPr marL="82973" marR="82973"/>
+                </a:tc>
+                <a:tc>
+                  <a:txBody>
+                    <a:bodyPr/>
+                    <a:lstStyle/>
+                    <a:p>
+                      <a:r>
+                        <a:rPr lang="en-US" dirty="0" smtClean="0"/>
+                        <a:t>0.726</a:t>
+                      </a:r>
+                      <a:endParaRPr lang="en-US" dirty="0"/>
+                    </a:p>
+                  </a:txBody>
+                  <a:tcPr marL="82973" marR="82973"/>
+                </a:tc>
+                <a:tc>
+                  <a:txBody>
+                    <a:bodyPr/>
+                    <a:lstStyle/>
+                    <a:p>
+                      <a:r>
+                        <a:rPr lang="en-US" dirty="0" smtClean="0"/>
+                        <a:t>79.8006 %</a:t>
                       </a:r>
                       <a:endParaRPr lang="en-US" dirty="0"/>
                     </a:p>
@@ -7628,63 +7620,63 @@
                     <a:p>
                       <a:r>
                         <a:rPr lang="en-US" dirty="0" smtClean="0"/>
-                        <a:t>0.762</a:t>
-                      </a:r>
-                      <a:endParaRPr lang="en-US" dirty="0"/>
-                    </a:p>
-                  </a:txBody>
-                  <a:tcPr marL="82973" marR="82973"/>
-                </a:tc>
-                <a:tc>
-                  <a:txBody>
-                    <a:bodyPr/>
-                    <a:lstStyle/>
-                    <a:p>
-                      <a:r>
-                        <a:rPr lang="en-US" dirty="0" smtClean="0"/>
-                        <a:t>0.769</a:t>
-                      </a:r>
-                      <a:endParaRPr lang="en-US" dirty="0"/>
-                    </a:p>
-                  </a:txBody>
-                  <a:tcPr marL="82973" marR="82973"/>
-                </a:tc>
-                <a:tc>
-                  <a:txBody>
-                    <a:bodyPr/>
-                    <a:lstStyle/>
-                    <a:p>
-                      <a:r>
-                        <a:rPr lang="en-US" dirty="0" smtClean="0"/>
-                        <a:t>0.76</a:t>
-                      </a:r>
-                      <a:endParaRPr lang="en-US" dirty="0"/>
-                    </a:p>
-                  </a:txBody>
-                  <a:tcPr marL="82973" marR="82973"/>
-                </a:tc>
-                <a:tc>
-                  <a:txBody>
-                    <a:bodyPr/>
-                    <a:lstStyle/>
-                    <a:p>
-                      <a:r>
-                        <a:rPr lang="en-US" dirty="0" smtClean="0"/>
-                        <a:t>0.803</a:t>
-                      </a:r>
-                      <a:endParaRPr lang="en-US" dirty="0"/>
-                    </a:p>
-                  </a:txBody>
-                  <a:tcPr marL="82973" marR="82973"/>
-                </a:tc>
-                <a:tc>
-                  <a:txBody>
-                    <a:bodyPr/>
-                    <a:lstStyle/>
-                    <a:p>
-                      <a:r>
-                        <a:rPr lang="en-US" dirty="0" smtClean="0"/>
-                        <a:t>76.8959 %</a:t>
+                        <a:t>0.765</a:t>
+                      </a:r>
+                      <a:endParaRPr lang="en-US" dirty="0"/>
+                    </a:p>
+                  </a:txBody>
+                  <a:tcPr marL="82973" marR="82973"/>
+                </a:tc>
+                <a:tc>
+                  <a:txBody>
+                    <a:bodyPr/>
+                    <a:lstStyle/>
+                    <a:p>
+                      <a:r>
+                        <a:rPr lang="en-US" dirty="0" smtClean="0"/>
+                        <a:t>0.772</a:t>
+                      </a:r>
+                      <a:endParaRPr lang="en-US" dirty="0"/>
+                    </a:p>
+                  </a:txBody>
+                  <a:tcPr marL="82973" marR="82973"/>
+                </a:tc>
+                <a:tc>
+                  <a:txBody>
+                    <a:bodyPr/>
+                    <a:lstStyle/>
+                    <a:p>
+                      <a:r>
+                        <a:rPr lang="en-US" dirty="0" smtClean="0"/>
+                        <a:t>0.765</a:t>
+                      </a:r>
+                      <a:endParaRPr lang="en-US" dirty="0"/>
+                    </a:p>
+                  </a:txBody>
+                  <a:tcPr marL="82973" marR="82973"/>
+                </a:tc>
+                <a:tc>
+                  <a:txBody>
+                    <a:bodyPr/>
+                    <a:lstStyle/>
+                    <a:p>
+                      <a:r>
+                        <a:rPr lang="en-US" smtClean="0"/>
+                        <a:t>0.814</a:t>
+                      </a:r>
+                      <a:endParaRPr lang="en-US" dirty="0"/>
+                    </a:p>
+                  </a:txBody>
+                  <a:tcPr marL="82973" marR="82973"/>
+                </a:tc>
+                <a:tc>
+                  <a:txBody>
+                    <a:bodyPr/>
+                    <a:lstStyle/>
+                    <a:p>
+                      <a:r>
+                        <a:rPr lang="en-US" dirty="0" smtClean="0"/>
+                        <a:t>77.1695 %</a:t>
                       </a:r>
                       <a:endParaRPr lang="en-US" dirty="0"/>
                     </a:p>
@@ -7714,63 +7706,67 @@
                     <a:p>
                       <a:r>
                         <a:rPr lang="en-US" dirty="0" smtClean="0"/>
-                        <a:t>0.804</a:t>
-                      </a:r>
-                      <a:endParaRPr lang="en-US" dirty="0"/>
-                    </a:p>
-                  </a:txBody>
-                  <a:tcPr marL="82973" marR="82973"/>
-                </a:tc>
-                <a:tc>
-                  <a:txBody>
-                    <a:bodyPr/>
-                    <a:lstStyle/>
-                    <a:p>
-                      <a:r>
-                        <a:rPr lang="en-US" dirty="0" smtClean="0"/>
-                        <a:t>0.802</a:t>
-                      </a:r>
-                      <a:endParaRPr lang="en-US" dirty="0"/>
-                    </a:p>
-                  </a:txBody>
-                  <a:tcPr marL="82973" marR="82973"/>
-                </a:tc>
-                <a:tc>
-                  <a:txBody>
-                    <a:bodyPr/>
-                    <a:lstStyle/>
-                    <a:p>
-                      <a:r>
-                        <a:rPr lang="en-US" dirty="0" smtClean="0"/>
-                        <a:t>0.789</a:t>
-                      </a:r>
-                      <a:endParaRPr lang="en-US" dirty="0"/>
-                    </a:p>
-                  </a:txBody>
-                  <a:tcPr marL="82973" marR="82973"/>
-                </a:tc>
-                <a:tc>
-                  <a:txBody>
-                    <a:bodyPr/>
-                    <a:lstStyle/>
-                    <a:p>
-                      <a:r>
-                        <a:rPr lang="en-US" dirty="0" smtClean="0"/>
-                        <a:t>0.735</a:t>
-                      </a:r>
-                      <a:endParaRPr lang="en-US" dirty="0"/>
-                    </a:p>
-                  </a:txBody>
-                  <a:tcPr marL="82973" marR="82973"/>
-                </a:tc>
-                <a:tc>
-                  <a:txBody>
-                    <a:bodyPr/>
-                    <a:lstStyle/>
-                    <a:p>
-                      <a:r>
-                        <a:rPr lang="en-US" dirty="0" smtClean="0"/>
-                        <a:t>80.2249 %</a:t>
+                        <a:t>0.806</a:t>
+                      </a:r>
+                      <a:endParaRPr lang="en-US" dirty="0"/>
+                    </a:p>
+                  </a:txBody>
+                  <a:tcPr marL="82973" marR="82973"/>
+                </a:tc>
+                <a:tc>
+                  <a:txBody>
+                    <a:bodyPr/>
+                    <a:lstStyle/>
+                    <a:p>
+                      <a:r>
+                        <a:rPr lang="en-US" dirty="0" smtClean="0"/>
+                        <a:t>0.805</a:t>
+                      </a:r>
+                      <a:endParaRPr lang="en-US" dirty="0"/>
+                    </a:p>
+                  </a:txBody>
+                  <a:tcPr marL="82973" marR="82973"/>
+                </a:tc>
+                <a:tc>
+                  <a:txBody>
+                    <a:bodyPr/>
+                    <a:lstStyle/>
+                    <a:p>
+                      <a:r>
+                        <a:rPr lang="en-US" dirty="0" smtClean="0"/>
+                        <a:t>0.793</a:t>
+                      </a:r>
+                      <a:endParaRPr lang="en-US" dirty="0"/>
+                    </a:p>
+                  </a:txBody>
+                  <a:tcPr marL="82973" marR="82973"/>
+                </a:tc>
+                <a:tc>
+                  <a:txBody>
+                    <a:bodyPr/>
+                    <a:lstStyle/>
+                    <a:p>
+                      <a:r>
+                        <a:rPr lang="en-US" dirty="0" smtClean="0"/>
+                        <a:t>0.738</a:t>
+                      </a:r>
+                      <a:endParaRPr lang="en-US" dirty="0"/>
+                    </a:p>
+                  </a:txBody>
+                  <a:tcPr marL="82973" marR="82973"/>
+                </a:tc>
+                <a:tc>
+                  <a:txBody>
+                    <a:bodyPr/>
+                    <a:lstStyle/>
+                    <a:p>
+                      <a:r>
+                        <a:rPr lang="en-US" dirty="0" smtClean="0"/>
+                        <a:t>80.552 </a:t>
+                      </a:r>
+                      <a:r>
+                        <a:rPr lang="en-US" dirty="0" smtClean="0"/>
+                        <a:t>%</a:t>
                       </a:r>
                       <a:endParaRPr lang="en-US" dirty="0"/>
                     </a:p>
@@ -7800,63 +7796,67 @@
                     <a:p>
                       <a:r>
                         <a:rPr lang="en-US" dirty="0" smtClean="0"/>
-                        <a:t>0.755</a:t>
-                      </a:r>
-                      <a:endParaRPr lang="en-US" dirty="0"/>
-                    </a:p>
-                  </a:txBody>
-                  <a:tcPr marL="82973" marR="82973"/>
-                </a:tc>
-                <a:tc>
-                  <a:txBody>
-                    <a:bodyPr/>
-                    <a:lstStyle/>
-                    <a:p>
-                      <a:r>
-                        <a:rPr lang="en-US" dirty="0" smtClean="0"/>
-                        <a:t>0.762</a:t>
-                      </a:r>
-                      <a:endParaRPr lang="en-US" dirty="0"/>
-                    </a:p>
-                  </a:txBody>
-                  <a:tcPr marL="82973" marR="82973"/>
-                </a:tc>
-                <a:tc>
-                  <a:txBody>
-                    <a:bodyPr/>
-                    <a:lstStyle/>
-                    <a:p>
-                      <a:r>
-                        <a:rPr lang="en-US" dirty="0" smtClean="0"/>
-                        <a:t>0.754</a:t>
-                      </a:r>
-                      <a:endParaRPr lang="en-US" dirty="0"/>
-                    </a:p>
-                  </a:txBody>
-                  <a:tcPr marL="82973" marR="82973"/>
-                </a:tc>
-                <a:tc>
-                  <a:txBody>
-                    <a:bodyPr/>
-                    <a:lstStyle/>
-                    <a:p>
-                      <a:r>
-                        <a:rPr lang="en-US" dirty="0" smtClean="0"/>
-                        <a:t>0.805</a:t>
-                      </a:r>
-                      <a:endParaRPr lang="en-US" dirty="0"/>
-                    </a:p>
-                  </a:txBody>
-                  <a:tcPr marL="82973" marR="82973"/>
-                </a:tc>
-                <a:tc>
-                  <a:txBody>
-                    <a:bodyPr/>
-                    <a:lstStyle/>
-                    <a:p>
-                      <a:r>
-                        <a:rPr lang="en-US" dirty="0" smtClean="0"/>
-                        <a:t>76.2125 %</a:t>
+                        <a:t>0.764</a:t>
+                      </a:r>
+                      <a:endParaRPr lang="en-US" dirty="0"/>
+                    </a:p>
+                  </a:txBody>
+                  <a:tcPr marL="82973" marR="82973"/>
+                </a:tc>
+                <a:tc>
+                  <a:txBody>
+                    <a:bodyPr/>
+                    <a:lstStyle/>
+                    <a:p>
+                      <a:r>
+                        <a:rPr lang="en-US" dirty="0" smtClean="0"/>
+                        <a:t>0.77</a:t>
+                      </a:r>
+                      <a:endParaRPr lang="en-US" dirty="0"/>
+                    </a:p>
+                  </a:txBody>
+                  <a:tcPr marL="82973" marR="82973"/>
+                </a:tc>
+                <a:tc>
+                  <a:txBody>
+                    <a:bodyPr/>
+                    <a:lstStyle/>
+                    <a:p>
+                      <a:r>
+                        <a:rPr lang="en-US" dirty="0" smtClean="0"/>
+                        <a:t>0.764</a:t>
+                      </a:r>
+                      <a:endParaRPr lang="en-US" dirty="0"/>
+                    </a:p>
+                  </a:txBody>
+                  <a:tcPr marL="82973" marR="82973"/>
+                </a:tc>
+                <a:tc>
+                  <a:txBody>
+                    <a:bodyPr/>
+                    <a:lstStyle/>
+                    <a:p>
+                      <a:r>
+                        <a:rPr lang="en-US" smtClean="0"/>
+                        <a:t>0.808</a:t>
+                      </a:r>
+                      <a:endParaRPr lang="en-US" dirty="0"/>
+                    </a:p>
+                  </a:txBody>
+                  <a:tcPr marL="82973" marR="82973"/>
+                </a:tc>
+                <a:tc>
+                  <a:txBody>
+                    <a:bodyPr/>
+                    <a:lstStyle/>
+                    <a:p>
+                      <a:r>
+                        <a:rPr lang="en-US" dirty="0" smtClean="0"/>
+                        <a:t>77.021 </a:t>
+                      </a:r>
+                      <a:r>
+                        <a:rPr lang="en-US" dirty="0" smtClean="0"/>
+                        <a:t>%</a:t>
                       </a:r>
                       <a:endParaRPr lang="en-US" dirty="0"/>
                     </a:p>
@@ -9272,7 +9272,7 @@
           <a:p>
             <a:r>
               <a:rPr lang="en-US" dirty="0" smtClean="0"/>
-              <a:t>Removing unknown and broken (not formatted well) profiles: 4614 profiles remain (3086 personal accounts and 1528 organizational  accounts)</a:t>
+              <a:t>Removing unknown and broken (not formatted well) profiles: 4791 profiles remain (3214 personal accounts and 1577 organizational  accounts)</a:t>
             </a:r>
           </a:p>
           <a:p>

--- a/Organization Detection.pptx
+++ b/Organization Detection.pptx
@@ -6037,7 +6037,7 @@
             <p:ph sz="quarter" idx="1"/>
             <p:extLst>
               <p:ext uri="{D42A27DB-BD31-4B8C-83A1-F6EECF244321}">
-                <p14:modId xmlns:p14="http://schemas.microsoft.com/office/powerpoint/2010/main" xmlns="" val="3338231765"/>
+                <p14:modId xmlns="" xmlns:p14="http://schemas.microsoft.com/office/powerpoint/2010/main" val="3338231765"/>
               </p:ext>
             </p:extLst>
           </p:nvPr>
@@ -7030,21 +7030,21 @@
                     <a:p>
                       <a:r>
                         <a:rPr lang="en-US" dirty="0" smtClean="0"/>
-                        <a:t>87</a:t>
-                      </a:r>
-                      <a:endParaRPr lang="en-US" dirty="0"/>
-                    </a:p>
-                  </a:txBody>
-                  <a:tcPr marL="82973" marR="82973"/>
-                </a:tc>
-                <a:tc>
-                  <a:txBody>
-                    <a:bodyPr/>
-                    <a:lstStyle/>
-                    <a:p>
-                      <a:r>
-                        <a:rPr lang="en-US" dirty="0" smtClean="0"/>
-                        <a:t>46</a:t>
+                        <a:t>83</a:t>
+                      </a:r>
+                      <a:endParaRPr lang="en-US" dirty="0"/>
+                    </a:p>
+                  </a:txBody>
+                  <a:tcPr marL="82973" marR="82973"/>
+                </a:tc>
+                <a:tc>
+                  <a:txBody>
+                    <a:bodyPr/>
+                    <a:lstStyle/>
+                    <a:p>
+                      <a:r>
+                        <a:rPr lang="en-US" dirty="0" smtClean="0"/>
+                        <a:t>49</a:t>
                       </a:r>
                       <a:endParaRPr lang="en-US" dirty="0"/>
                     </a:p>
@@ -7762,11 +7762,7 @@
                     <a:p>
                       <a:r>
                         <a:rPr lang="en-US" dirty="0" smtClean="0"/>
-                        <a:t>80.552 </a:t>
-                      </a:r>
-                      <a:r>
-                        <a:rPr lang="en-US" dirty="0" smtClean="0"/>
-                        <a:t>%</a:t>
+                        <a:t>80.552 %</a:t>
                       </a:r>
                       <a:endParaRPr lang="en-US" dirty="0"/>
                     </a:p>
@@ -7852,11 +7848,7 @@
                     <a:p>
                       <a:r>
                         <a:rPr lang="en-US" dirty="0" smtClean="0"/>
-                        <a:t>77.021 </a:t>
-                      </a:r>
-                      <a:r>
-                        <a:rPr lang="en-US" dirty="0" smtClean="0"/>
-                        <a:t>%</a:t>
+                        <a:t>77.021 %</a:t>
                       </a:r>
                       <a:endParaRPr lang="en-US" dirty="0"/>
                     </a:p>
@@ -7886,7 +7878,7 @@
                     <a:p>
                       <a:r>
                         <a:rPr lang="en-US" b="1" dirty="0" smtClean="0"/>
-                        <a:t>0.822</a:t>
+                        <a:t>0.828</a:t>
                       </a:r>
                       <a:endParaRPr lang="en-US" b="1" dirty="0"/>
                     </a:p>
@@ -7900,7 +7892,7 @@
                     <a:p>
                       <a:r>
                         <a:rPr lang="en-US" b="1" dirty="0" smtClean="0"/>
-                        <a:t>0.823</a:t>
+                        <a:t>0.828</a:t>
                       </a:r>
                       <a:endParaRPr lang="en-US" b="1" dirty="0"/>
                     </a:p>
@@ -7914,7 +7906,7 @@
                     <a:p>
                       <a:r>
                         <a:rPr lang="en-US" b="1" dirty="0" smtClean="0"/>
-                        <a:t>0.815</a:t>
+                        <a:t>0.82</a:t>
                       </a:r>
                       <a:endParaRPr lang="en-US" b="1" dirty="0"/>
                     </a:p>
@@ -7928,7 +7920,7 @@
                     <a:p>
                       <a:r>
                         <a:rPr lang="en-US" dirty="0" smtClean="0"/>
-                        <a:t>0.768</a:t>
+                        <a:t>0.771</a:t>
                       </a:r>
                       <a:endParaRPr lang="en-US" dirty="0"/>
                     </a:p>
@@ -7942,7 +7934,11 @@
                     <a:p>
                       <a:r>
                         <a:rPr lang="en-US" b="1" dirty="0" smtClean="0"/>
-                        <a:t>82.3095 %</a:t>
+                        <a:t>82.8386 </a:t>
+                      </a:r>
+                      <a:r>
+                        <a:rPr lang="en-US" b="1" dirty="0" smtClean="0"/>
+                        <a:t>%</a:t>
                       </a:r>
                       <a:endParaRPr lang="en-US" b="1" dirty="0"/>
                     </a:p>
@@ -7972,21 +7968,7 @@
                     <a:p>
                       <a:r>
                         <a:rPr lang="en-US" dirty="0" smtClean="0"/>
-                        <a:t>0.793</a:t>
-                      </a:r>
-                      <a:endParaRPr lang="en-US" dirty="0"/>
-                    </a:p>
-                  </a:txBody>
-                  <a:tcPr marL="82973" marR="82973"/>
-                </a:tc>
-                <a:tc>
-                  <a:txBody>
-                    <a:bodyPr/>
-                    <a:lstStyle/>
-                    <a:p>
-                      <a:r>
-                        <a:rPr lang="en-US" dirty="0" smtClean="0"/>
-                        <a:t>0.797</a:t>
+                        <a:t>0.789</a:t>
                       </a:r>
                       <a:endParaRPr lang="en-US" dirty="0"/>
                     </a:p>
@@ -8013,8 +7995,22 @@
                     <a:lstStyle/>
                     <a:p>
                       <a:r>
-                        <a:rPr lang="en-US" b="1" dirty="0" smtClean="0"/>
-                        <a:t>0.856</a:t>
+                        <a:rPr lang="en-US" dirty="0" smtClean="0"/>
+                        <a:t>0.79</a:t>
+                      </a:r>
+                      <a:endParaRPr lang="en-US" dirty="0"/>
+                    </a:p>
+                  </a:txBody>
+                  <a:tcPr marL="82973" marR="82973"/>
+                </a:tc>
+                <a:tc>
+                  <a:txBody>
+                    <a:bodyPr/>
+                    <a:lstStyle/>
+                    <a:p>
+                      <a:r>
+                        <a:rPr lang="en-US" b="1" smtClean="0"/>
+                        <a:t>0.848</a:t>
                       </a:r>
                       <a:endParaRPr lang="en-US" b="1" dirty="0"/>
                     </a:p>
@@ -8028,7 +8024,11 @@
                     <a:p>
                       <a:r>
                         <a:rPr lang="en-US" dirty="0" smtClean="0"/>
-                        <a:t>79.6614 %</a:t>
+                        <a:t>79.4105 </a:t>
+                      </a:r>
+                      <a:r>
+                        <a:rPr lang="en-US" dirty="0" smtClean="0"/>
+                        <a:t>%</a:t>
                       </a:r>
                       <a:endParaRPr lang="en-US" dirty="0"/>
                     </a:p>
@@ -8685,7 +8685,7 @@
           <a:blip r:embed="rId2" cstate="print">
             <a:extLst>
               <a:ext uri="{28A0092B-C50C-407E-A947-70E740481C1C}">
-                <a14:useLocalDpi xmlns:a14="http://schemas.microsoft.com/office/drawing/2010/main" xmlns="" val="0"/>
+                <a14:useLocalDpi xmlns="" xmlns:a14="http://schemas.microsoft.com/office/drawing/2010/main" val="0"/>
               </a:ext>
             </a:extLst>
           </a:blip>
@@ -8709,14 +8709,14 @@
           <a:effectLst/>
           <a:extLst>
             <a:ext uri="{909E8E84-426E-40DD-AFC4-6F175D3DCCD1}">
-              <a14:hiddenFill xmlns:a14="http://schemas.microsoft.com/office/drawing/2010/main" xmlns="">
+              <a14:hiddenFill xmlns="" xmlns:a14="http://schemas.microsoft.com/office/drawing/2010/main">
                 <a:solidFill>
                   <a:schemeClr val="accent1"/>
                 </a:solidFill>
               </a14:hiddenFill>
             </a:ext>
             <a:ext uri="{91240B29-F687-4F45-9708-019B960494DF}">
-              <a14:hiddenLine xmlns:a14="http://schemas.microsoft.com/office/drawing/2010/main" xmlns="" w="9525">
+              <a14:hiddenLine xmlns="" xmlns:a14="http://schemas.microsoft.com/office/drawing/2010/main" w="9525">
                 <a:solidFill>
                   <a:schemeClr val="tx1"/>
                 </a:solidFill>
@@ -8726,7 +8726,7 @@
               </a14:hiddenLine>
             </a:ext>
             <a:ext uri="{AF507438-7753-43E0-B8FC-AC1667EBCBE1}">
-              <a14:hiddenEffects xmlns:a14="http://schemas.microsoft.com/office/drawing/2010/main" xmlns="">
+              <a14:hiddenEffects xmlns="" xmlns:a14="http://schemas.microsoft.com/office/drawing/2010/main">
                 <a:effectLst>
                   <a:outerShdw dist="35921" dir="2700000" algn="ctr" rotWithShape="0">
                     <a:schemeClr val="bg2"/>
@@ -8740,7 +8740,7 @@
     </p:spTree>
     <p:extLst>
       <p:ext uri="{BB962C8B-B14F-4D97-AF65-F5344CB8AC3E}">
-        <p14:creationId xmlns:p14="http://schemas.microsoft.com/office/powerpoint/2010/main" xmlns="" val="3821419121"/>
+        <p14:creationId xmlns="" xmlns:p14="http://schemas.microsoft.com/office/powerpoint/2010/main" val="3821419121"/>
       </p:ext>
     </p:extLst>
   </p:cSld>
@@ -8831,7 +8831,7 @@
           <a:blip r:embed="rId2" cstate="print">
             <a:extLst>
               <a:ext uri="{28A0092B-C50C-407E-A947-70E740481C1C}">
-                <a14:useLocalDpi xmlns:a14="http://schemas.microsoft.com/office/drawing/2010/main" xmlns="" val="0"/>
+                <a14:useLocalDpi xmlns="" xmlns:a14="http://schemas.microsoft.com/office/drawing/2010/main" val="0"/>
               </a:ext>
             </a:extLst>
           </a:blip>
@@ -8855,14 +8855,14 @@
           <a:effectLst/>
           <a:extLst>
             <a:ext uri="{909E8E84-426E-40DD-AFC4-6F175D3DCCD1}">
-              <a14:hiddenFill xmlns:a14="http://schemas.microsoft.com/office/drawing/2010/main" xmlns="">
+              <a14:hiddenFill xmlns="" xmlns:a14="http://schemas.microsoft.com/office/drawing/2010/main">
                 <a:solidFill>
                   <a:schemeClr val="accent1"/>
                 </a:solidFill>
               </a14:hiddenFill>
             </a:ext>
             <a:ext uri="{91240B29-F687-4F45-9708-019B960494DF}">
-              <a14:hiddenLine xmlns:a14="http://schemas.microsoft.com/office/drawing/2010/main" xmlns="" w="9525">
+              <a14:hiddenLine xmlns="" xmlns:a14="http://schemas.microsoft.com/office/drawing/2010/main" w="9525">
                 <a:solidFill>
                   <a:schemeClr val="tx1"/>
                 </a:solidFill>
@@ -8872,7 +8872,7 @@
               </a14:hiddenLine>
             </a:ext>
             <a:ext uri="{AF507438-7753-43E0-B8FC-AC1667EBCBE1}">
-              <a14:hiddenEffects xmlns:a14="http://schemas.microsoft.com/office/drawing/2010/main" xmlns="">
+              <a14:hiddenEffects xmlns="" xmlns:a14="http://schemas.microsoft.com/office/drawing/2010/main">
                 <a:effectLst>
                   <a:outerShdw dist="35921" dir="2700000" algn="ctr" rotWithShape="0">
                     <a:schemeClr val="bg2"/>
@@ -8886,7 +8886,7 @@
     </p:spTree>
     <p:extLst>
       <p:ext uri="{BB962C8B-B14F-4D97-AF65-F5344CB8AC3E}">
-        <p14:creationId xmlns:p14="http://schemas.microsoft.com/office/powerpoint/2010/main" xmlns="" val="2022229711"/>
+        <p14:creationId xmlns="" xmlns:p14="http://schemas.microsoft.com/office/powerpoint/2010/main" val="2022229711"/>
       </p:ext>
     </p:extLst>
   </p:cSld>
@@ -8978,7 +8978,7 @@
           <a:blip r:embed="rId2" cstate="print">
             <a:extLst>
               <a:ext uri="{28A0092B-C50C-407E-A947-70E740481C1C}">
-                <a14:useLocalDpi xmlns:a14="http://schemas.microsoft.com/office/drawing/2010/main" xmlns="" val="0"/>
+                <a14:useLocalDpi xmlns="" xmlns:a14="http://schemas.microsoft.com/office/drawing/2010/main" val="0"/>
               </a:ext>
             </a:extLst>
           </a:blip>
@@ -9002,14 +9002,14 @@
           <a:effectLst/>
           <a:extLst>
             <a:ext uri="{909E8E84-426E-40DD-AFC4-6F175D3DCCD1}">
-              <a14:hiddenFill xmlns:a14="http://schemas.microsoft.com/office/drawing/2010/main" xmlns="">
+              <a14:hiddenFill xmlns="" xmlns:a14="http://schemas.microsoft.com/office/drawing/2010/main">
                 <a:solidFill>
                   <a:schemeClr val="accent1"/>
                 </a:solidFill>
               </a14:hiddenFill>
             </a:ext>
             <a:ext uri="{91240B29-F687-4F45-9708-019B960494DF}">
-              <a14:hiddenLine xmlns:a14="http://schemas.microsoft.com/office/drawing/2010/main" xmlns="" w="9525">
+              <a14:hiddenLine xmlns="" xmlns:a14="http://schemas.microsoft.com/office/drawing/2010/main" w="9525">
                 <a:solidFill>
                   <a:schemeClr val="tx1"/>
                 </a:solidFill>
@@ -9019,7 +9019,7 @@
               </a14:hiddenLine>
             </a:ext>
             <a:ext uri="{AF507438-7753-43E0-B8FC-AC1667EBCBE1}">
-              <a14:hiddenEffects xmlns:a14="http://schemas.microsoft.com/office/drawing/2010/main" xmlns="">
+              <a14:hiddenEffects xmlns="" xmlns:a14="http://schemas.microsoft.com/office/drawing/2010/main">
                 <a:effectLst>
                   <a:outerShdw dist="35921" dir="2700000" algn="ctr" rotWithShape="0">
                     <a:schemeClr val="bg2"/>
@@ -9033,7 +9033,7 @@
     </p:spTree>
     <p:extLst>
       <p:ext uri="{BB962C8B-B14F-4D97-AF65-F5344CB8AC3E}">
-        <p14:creationId xmlns:p14="http://schemas.microsoft.com/office/powerpoint/2010/main" xmlns="" val="1917967696"/>
+        <p14:creationId xmlns="" xmlns:p14="http://schemas.microsoft.com/office/powerpoint/2010/main" val="1917967696"/>
       </p:ext>
     </p:extLst>
   </p:cSld>
@@ -9203,7 +9203,7 @@
     </p:spTree>
     <p:extLst>
       <p:ext uri="{BB962C8B-B14F-4D97-AF65-F5344CB8AC3E}">
-        <p14:creationId xmlns:p14="http://schemas.microsoft.com/office/powerpoint/2010/main" xmlns="" val="278647894"/>
+        <p14:creationId xmlns="" xmlns:p14="http://schemas.microsoft.com/office/powerpoint/2010/main" val="278647894"/>
       </p:ext>
     </p:extLst>
   </p:cSld>
@@ -9272,7 +9272,15 @@
           <a:p>
             <a:r>
               <a:rPr lang="en-US" dirty="0" smtClean="0"/>
-              <a:t>Removing unknown and broken (not formatted well) profiles: 4791 profiles remain (3214 personal accounts and 1577 organizational  accounts)</a:t>
+              <a:t>Removing unknown </a:t>
+            </a:r>
+            <a:r>
+              <a:rPr lang="en-US" dirty="0" smtClean="0"/>
+              <a:t>profiles</a:t>
+            </a:r>
+            <a:r>
+              <a:rPr lang="en-US" dirty="0" smtClean="0"/>
+              <a:t>: 4791 profiles remain (3214 personal accounts and 1577 organizational  accounts)</a:t>
             </a:r>
           </a:p>
           <a:p>

--- a/Organization Detection.pptx
+++ b/Organization Detection.pptx
@@ -6037,7 +6037,7 @@
             <p:ph sz="quarter" idx="1"/>
             <p:extLst>
               <p:ext uri="{D42A27DB-BD31-4B8C-83A1-F6EECF244321}">
-                <p14:modId xmlns="" xmlns:p14="http://schemas.microsoft.com/office/powerpoint/2010/main" val="3338231765"/>
+                <p14:modId xmlns:p14="http://schemas.microsoft.com/office/powerpoint/2010/main" xmlns="" val="3338231765"/>
               </p:ext>
             </p:extLst>
           </p:nvPr>
@@ -6855,7 +6855,7 @@
         </p:nvGraphicFramePr>
         <p:xfrm>
           <a:off x="457200" y="1600200"/>
-          <a:ext cx="7467600" cy="1483360"/>
+          <a:ext cx="7467600" cy="2966720"/>
         </p:xfrm>
         <a:graphic>
           <a:graphicData uri="http://schemas.openxmlformats.org/drawingml/2006/table">
@@ -6968,6 +6968,102 @@
                     <a:p>
                       <a:r>
                         <a:rPr lang="en-US" dirty="0" smtClean="0"/>
+                        <a:t>m</a:t>
+                      </a:r>
+                      <a:r>
+                        <a:rPr lang="en-US" baseline="0" dirty="0" smtClean="0"/>
+                        <a:t>=30, n=50</a:t>
+                      </a:r>
+                      <a:endParaRPr lang="en-US" dirty="0"/>
+                    </a:p>
+                  </a:txBody>
+                  <a:tcPr marL="82973" marR="82973"/>
+                </a:tc>
+                <a:tc>
+                  <a:txBody>
+                    <a:bodyPr/>
+                    <a:lstStyle/>
+                    <a:p>
+                      <a:r>
+                        <a:rPr lang="en-US" dirty="0" smtClean="0"/>
+                        <a:t>29</a:t>
+                      </a:r>
+                      <a:endParaRPr lang="en-US" dirty="0"/>
+                    </a:p>
+                  </a:txBody>
+                  <a:tcPr marL="82973" marR="82973"/>
+                </a:tc>
+                <a:tc>
+                  <a:txBody>
+                    <a:bodyPr/>
+                    <a:lstStyle/>
+                    <a:p>
+                      <a:r>
+                        <a:rPr lang="en-US" dirty="0" smtClean="0"/>
+                        <a:t>13</a:t>
+                      </a:r>
+                      <a:endParaRPr lang="en-US" dirty="0"/>
+                    </a:p>
+                  </a:txBody>
+                  <a:tcPr marL="82973" marR="82973"/>
+                </a:tc>
+              </a:tr>
+              <a:tr h="370840">
+                <a:tc>
+                  <a:txBody>
+                    <a:bodyPr/>
+                    <a:lstStyle/>
+                    <a:p>
+                      <a:r>
+                        <a:rPr lang="en-US" dirty="0" smtClean="0"/>
+                        <a:t>m=50,</a:t>
+                      </a:r>
+                      <a:r>
+                        <a:rPr lang="en-US" baseline="0" dirty="0" smtClean="0"/>
+                        <a:t> n=30</a:t>
+                      </a:r>
+                      <a:endParaRPr lang="en-US" dirty="0"/>
+                    </a:p>
+                  </a:txBody>
+                  <a:tcPr marL="82973" marR="82973"/>
+                </a:tc>
+                <a:tc>
+                  <a:txBody>
+                    <a:bodyPr/>
+                    <a:lstStyle/>
+                    <a:p>
+                      <a:r>
+                        <a:rPr lang="en-US" dirty="0" smtClean="0"/>
+                        <a:t>23</a:t>
+                      </a:r>
+                      <a:endParaRPr lang="en-US" dirty="0"/>
+                    </a:p>
+                  </a:txBody>
+                  <a:tcPr marL="82973" marR="82973"/>
+                </a:tc>
+                <a:tc>
+                  <a:txBody>
+                    <a:bodyPr/>
+                    <a:lstStyle/>
+                    <a:p>
+                      <a:r>
+                        <a:rPr lang="en-US" dirty="0" smtClean="0"/>
+                        <a:t>11</a:t>
+                      </a:r>
+                      <a:endParaRPr lang="en-US" dirty="0"/>
+                    </a:p>
+                  </a:txBody>
+                  <a:tcPr marL="82973" marR="82973"/>
+                </a:tc>
+              </a:tr>
+              <a:tr h="370840">
+                <a:tc>
+                  <a:txBody>
+                    <a:bodyPr/>
+                    <a:lstStyle/>
+                    <a:p>
+                      <a:r>
+                        <a:rPr lang="en-US" dirty="0" smtClean="0"/>
                         <a:t>m=50,</a:t>
                       </a:r>
                       <a:r>
@@ -7016,7 +7112,99 @@
                     <a:p>
                       <a:r>
                         <a:rPr lang="en-US" dirty="0" smtClean="0"/>
-                        <a:t>M=100, n=100</a:t>
+                        <a:t>m=50, n=100</a:t>
+                      </a:r>
+                      <a:endParaRPr lang="en-US" dirty="0"/>
+                    </a:p>
+                  </a:txBody>
+                  <a:tcPr marL="82973" marR="82973"/>
+                </a:tc>
+                <a:tc>
+                  <a:txBody>
+                    <a:bodyPr/>
+                    <a:lstStyle/>
+                    <a:p>
+                      <a:r>
+                        <a:rPr lang="en-US" dirty="0" smtClean="0"/>
+                        <a:t>57</a:t>
+                      </a:r>
+                      <a:endParaRPr lang="en-US" dirty="0"/>
+                    </a:p>
+                  </a:txBody>
+                  <a:tcPr marL="82973" marR="82973"/>
+                </a:tc>
+                <a:tc>
+                  <a:txBody>
+                    <a:bodyPr/>
+                    <a:lstStyle/>
+                    <a:p>
+                      <a:r>
+                        <a:rPr lang="en-US" dirty="0" smtClean="0"/>
+                        <a:t>26</a:t>
+                      </a:r>
+                      <a:endParaRPr lang="en-US" dirty="0"/>
+                    </a:p>
+                  </a:txBody>
+                  <a:tcPr marL="82973" marR="82973"/>
+                </a:tc>
+              </a:tr>
+              <a:tr h="370840">
+                <a:tc>
+                  <a:txBody>
+                    <a:bodyPr/>
+                    <a:lstStyle/>
+                    <a:p>
+                      <a:r>
+                        <a:rPr lang="en-US" dirty="0" smtClean="0"/>
+                        <a:t>n=100, m=50</a:t>
+                      </a:r>
+                      <a:endParaRPr lang="en-US" dirty="0"/>
+                    </a:p>
+                  </a:txBody>
+                  <a:tcPr marL="82973" marR="82973"/>
+                </a:tc>
+                <a:tc>
+                  <a:txBody>
+                    <a:bodyPr/>
+                    <a:lstStyle/>
+                    <a:p>
+                      <a:r>
+                        <a:rPr lang="en-US" dirty="0" smtClean="0"/>
+                        <a:t>35</a:t>
+                      </a:r>
+                      <a:endParaRPr lang="en-US" dirty="0"/>
+                    </a:p>
+                  </a:txBody>
+                  <a:tcPr marL="82973" marR="82973"/>
+                </a:tc>
+                <a:tc>
+                  <a:txBody>
+                    <a:bodyPr/>
+                    <a:lstStyle/>
+                    <a:p>
+                      <a:r>
+                        <a:rPr lang="en-US" smtClean="0"/>
+                        <a:t>25</a:t>
+                      </a:r>
+                      <a:endParaRPr lang="en-US" dirty="0"/>
+                    </a:p>
+                  </a:txBody>
+                  <a:tcPr marL="82973" marR="82973"/>
+                </a:tc>
+              </a:tr>
+              <a:tr h="370840">
+                <a:tc>
+                  <a:txBody>
+                    <a:bodyPr/>
+                    <a:lstStyle/>
+                    <a:p>
+                      <a:r>
+                        <a:rPr lang="en-US" dirty="0" smtClean="0"/>
+                        <a:t>m=100</a:t>
+                      </a:r>
+                      <a:r>
+                        <a:rPr lang="en-US" dirty="0" smtClean="0"/>
+                        <a:t>, n=100</a:t>
                       </a:r>
                       <a:endParaRPr lang="en-US" dirty="0"/>
                     </a:p>
@@ -7064,7 +7252,7 @@
         </p:nvSpPr>
         <p:spPr>
           <a:xfrm>
-            <a:off x="683568" y="4005064"/>
+            <a:off x="683568" y="4869160"/>
             <a:ext cx="7025834" cy="369332"/>
           </a:xfrm>
           <a:prstGeom prst="rect">
@@ -7934,11 +8122,7 @@
                     <a:p>
                       <a:r>
                         <a:rPr lang="en-US" b="1" dirty="0" smtClean="0"/>
-                        <a:t>82.8386 </a:t>
-                      </a:r>
-                      <a:r>
-                        <a:rPr lang="en-US" b="1" dirty="0" smtClean="0"/>
-                        <a:t>%</a:t>
+                        <a:t>82.8386 %</a:t>
                       </a:r>
                       <a:endParaRPr lang="en-US" b="1" dirty="0"/>
                     </a:p>
@@ -8024,11 +8208,7 @@
                     <a:p>
                       <a:r>
                         <a:rPr lang="en-US" dirty="0" smtClean="0"/>
-                        <a:t>79.4105 </a:t>
-                      </a:r>
-                      <a:r>
-                        <a:rPr lang="en-US" dirty="0" smtClean="0"/>
-                        <a:t>%</a:t>
+                        <a:t>79.4105 %</a:t>
                       </a:r>
                       <a:endParaRPr lang="en-US" dirty="0"/>
                     </a:p>
@@ -8685,7 +8865,7 @@
           <a:blip r:embed="rId2" cstate="print">
             <a:extLst>
               <a:ext uri="{28A0092B-C50C-407E-A947-70E740481C1C}">
-                <a14:useLocalDpi xmlns="" xmlns:a14="http://schemas.microsoft.com/office/drawing/2010/main" val="0"/>
+                <a14:useLocalDpi xmlns:a14="http://schemas.microsoft.com/office/drawing/2010/main" xmlns="" val="0"/>
               </a:ext>
             </a:extLst>
           </a:blip>
@@ -8709,14 +8889,14 @@
           <a:effectLst/>
           <a:extLst>
             <a:ext uri="{909E8E84-426E-40DD-AFC4-6F175D3DCCD1}">
-              <a14:hiddenFill xmlns="" xmlns:a14="http://schemas.microsoft.com/office/drawing/2010/main">
+              <a14:hiddenFill xmlns:a14="http://schemas.microsoft.com/office/drawing/2010/main" xmlns="">
                 <a:solidFill>
                   <a:schemeClr val="accent1"/>
                 </a:solidFill>
               </a14:hiddenFill>
             </a:ext>
             <a:ext uri="{91240B29-F687-4F45-9708-019B960494DF}">
-              <a14:hiddenLine xmlns="" xmlns:a14="http://schemas.microsoft.com/office/drawing/2010/main" w="9525">
+              <a14:hiddenLine xmlns:a14="http://schemas.microsoft.com/office/drawing/2010/main" xmlns="" w="9525">
                 <a:solidFill>
                   <a:schemeClr val="tx1"/>
                 </a:solidFill>
@@ -8726,7 +8906,7 @@
               </a14:hiddenLine>
             </a:ext>
             <a:ext uri="{AF507438-7753-43E0-B8FC-AC1667EBCBE1}">
-              <a14:hiddenEffects xmlns="" xmlns:a14="http://schemas.microsoft.com/office/drawing/2010/main">
+              <a14:hiddenEffects xmlns:a14="http://schemas.microsoft.com/office/drawing/2010/main" xmlns="">
                 <a:effectLst>
                   <a:outerShdw dist="35921" dir="2700000" algn="ctr" rotWithShape="0">
                     <a:schemeClr val="bg2"/>
@@ -8740,7 +8920,7 @@
     </p:spTree>
     <p:extLst>
       <p:ext uri="{BB962C8B-B14F-4D97-AF65-F5344CB8AC3E}">
-        <p14:creationId xmlns="" xmlns:p14="http://schemas.microsoft.com/office/powerpoint/2010/main" val="3821419121"/>
+        <p14:creationId xmlns:p14="http://schemas.microsoft.com/office/powerpoint/2010/main" xmlns="" val="3821419121"/>
       </p:ext>
     </p:extLst>
   </p:cSld>
@@ -8831,7 +9011,7 @@
           <a:blip r:embed="rId2" cstate="print">
             <a:extLst>
               <a:ext uri="{28A0092B-C50C-407E-A947-70E740481C1C}">
-                <a14:useLocalDpi xmlns="" xmlns:a14="http://schemas.microsoft.com/office/drawing/2010/main" val="0"/>
+                <a14:useLocalDpi xmlns:a14="http://schemas.microsoft.com/office/drawing/2010/main" xmlns="" val="0"/>
               </a:ext>
             </a:extLst>
           </a:blip>
@@ -8855,14 +9035,14 @@
           <a:effectLst/>
           <a:extLst>
             <a:ext uri="{909E8E84-426E-40DD-AFC4-6F175D3DCCD1}">
-              <a14:hiddenFill xmlns="" xmlns:a14="http://schemas.microsoft.com/office/drawing/2010/main">
+              <a14:hiddenFill xmlns:a14="http://schemas.microsoft.com/office/drawing/2010/main" xmlns="">
                 <a:solidFill>
                   <a:schemeClr val="accent1"/>
                 </a:solidFill>
               </a14:hiddenFill>
             </a:ext>
             <a:ext uri="{91240B29-F687-4F45-9708-019B960494DF}">
-              <a14:hiddenLine xmlns="" xmlns:a14="http://schemas.microsoft.com/office/drawing/2010/main" w="9525">
+              <a14:hiddenLine xmlns:a14="http://schemas.microsoft.com/office/drawing/2010/main" xmlns="" w="9525">
                 <a:solidFill>
                   <a:schemeClr val="tx1"/>
                 </a:solidFill>
@@ -8872,7 +9052,7 @@
               </a14:hiddenLine>
             </a:ext>
             <a:ext uri="{AF507438-7753-43E0-B8FC-AC1667EBCBE1}">
-              <a14:hiddenEffects xmlns="" xmlns:a14="http://schemas.microsoft.com/office/drawing/2010/main">
+              <a14:hiddenEffects xmlns:a14="http://schemas.microsoft.com/office/drawing/2010/main" xmlns="">
                 <a:effectLst>
                   <a:outerShdw dist="35921" dir="2700000" algn="ctr" rotWithShape="0">
                     <a:schemeClr val="bg2"/>
@@ -8886,7 +9066,7 @@
     </p:spTree>
     <p:extLst>
       <p:ext uri="{BB962C8B-B14F-4D97-AF65-F5344CB8AC3E}">
-        <p14:creationId xmlns="" xmlns:p14="http://schemas.microsoft.com/office/powerpoint/2010/main" val="2022229711"/>
+        <p14:creationId xmlns:p14="http://schemas.microsoft.com/office/powerpoint/2010/main" xmlns="" val="2022229711"/>
       </p:ext>
     </p:extLst>
   </p:cSld>
@@ -8978,7 +9158,7 @@
           <a:blip r:embed="rId2" cstate="print">
             <a:extLst>
               <a:ext uri="{28A0092B-C50C-407E-A947-70E740481C1C}">
-                <a14:useLocalDpi xmlns="" xmlns:a14="http://schemas.microsoft.com/office/drawing/2010/main" val="0"/>
+                <a14:useLocalDpi xmlns:a14="http://schemas.microsoft.com/office/drawing/2010/main" xmlns="" val="0"/>
               </a:ext>
             </a:extLst>
           </a:blip>
@@ -9002,14 +9182,14 @@
           <a:effectLst/>
           <a:extLst>
             <a:ext uri="{909E8E84-426E-40DD-AFC4-6F175D3DCCD1}">
-              <a14:hiddenFill xmlns="" xmlns:a14="http://schemas.microsoft.com/office/drawing/2010/main">
+              <a14:hiddenFill xmlns:a14="http://schemas.microsoft.com/office/drawing/2010/main" xmlns="">
                 <a:solidFill>
                   <a:schemeClr val="accent1"/>
                 </a:solidFill>
               </a14:hiddenFill>
             </a:ext>
             <a:ext uri="{91240B29-F687-4F45-9708-019B960494DF}">
-              <a14:hiddenLine xmlns="" xmlns:a14="http://schemas.microsoft.com/office/drawing/2010/main" w="9525">
+              <a14:hiddenLine xmlns:a14="http://schemas.microsoft.com/office/drawing/2010/main" xmlns="" w="9525">
                 <a:solidFill>
                   <a:schemeClr val="tx1"/>
                 </a:solidFill>
@@ -9019,7 +9199,7 @@
               </a14:hiddenLine>
             </a:ext>
             <a:ext uri="{AF507438-7753-43E0-B8FC-AC1667EBCBE1}">
-              <a14:hiddenEffects xmlns="" xmlns:a14="http://schemas.microsoft.com/office/drawing/2010/main">
+              <a14:hiddenEffects xmlns:a14="http://schemas.microsoft.com/office/drawing/2010/main" xmlns="">
                 <a:effectLst>
                   <a:outerShdw dist="35921" dir="2700000" algn="ctr" rotWithShape="0">
                     <a:schemeClr val="bg2"/>
@@ -9033,7 +9213,7 @@
     </p:spTree>
     <p:extLst>
       <p:ext uri="{BB962C8B-B14F-4D97-AF65-F5344CB8AC3E}">
-        <p14:creationId xmlns="" xmlns:p14="http://schemas.microsoft.com/office/powerpoint/2010/main" val="1917967696"/>
+        <p14:creationId xmlns:p14="http://schemas.microsoft.com/office/powerpoint/2010/main" xmlns="" val="1917967696"/>
       </p:ext>
     </p:extLst>
   </p:cSld>
@@ -9203,7 +9383,7 @@
     </p:spTree>
     <p:extLst>
       <p:ext uri="{BB962C8B-B14F-4D97-AF65-F5344CB8AC3E}">
-        <p14:creationId xmlns="" xmlns:p14="http://schemas.microsoft.com/office/powerpoint/2010/main" val="278647894"/>
+        <p14:creationId xmlns:p14="http://schemas.microsoft.com/office/powerpoint/2010/main" xmlns="" val="278647894"/>
       </p:ext>
     </p:extLst>
   </p:cSld>
@@ -9272,15 +9452,7 @@
           <a:p>
             <a:r>
               <a:rPr lang="en-US" dirty="0" smtClean="0"/>
-              <a:t>Removing unknown </a:t>
-            </a:r>
-            <a:r>
-              <a:rPr lang="en-US" dirty="0" smtClean="0"/>
-              <a:t>profiles</a:t>
-            </a:r>
-            <a:r>
-              <a:rPr lang="en-US" dirty="0" smtClean="0"/>
-              <a:t>: 4791 profiles remain (3214 personal accounts and 1577 organizational  accounts)</a:t>
+              <a:t>Removing unknown profiles: 4791 profiles remain (3214 personal accounts and 1577 organizational  accounts)</a:t>
             </a:r>
           </a:p>
           <a:p>

--- a/Organization Detection.pptx
+++ b/Organization Detection.pptx
@@ -266,7 +266,7 @@
             <a:fld id="{153650A5-9763-422E-80B7-FD650D7318AA}" type="datetimeFigureOut">
               <a:rPr lang="en-US" smtClean="0"/>
               <a:pPr/>
-              <a:t>11/20/2013</a:t>
+              <a:t>11/21/2013</a:t>
             </a:fld>
             <a:endParaRPr lang="en-US"/>
           </a:p>
@@ -1137,7 +1137,7 @@
             <a:fld id="{153650A5-9763-422E-80B7-FD650D7318AA}" type="datetimeFigureOut">
               <a:rPr lang="en-US" smtClean="0"/>
               <a:pPr/>
-              <a:t>11/20/2013</a:t>
+              <a:t>11/21/2013</a:t>
             </a:fld>
             <a:endParaRPr lang="en-US"/>
           </a:p>
@@ -1314,7 +1314,7 @@
             <a:fld id="{153650A5-9763-422E-80B7-FD650D7318AA}" type="datetimeFigureOut">
               <a:rPr lang="en-US" smtClean="0"/>
               <a:pPr/>
-              <a:t>11/20/2013</a:t>
+              <a:t>11/21/2013</a:t>
             </a:fld>
             <a:endParaRPr lang="en-US"/>
           </a:p>
@@ -1486,7 +1486,7 @@
             <a:fld id="{153650A5-9763-422E-80B7-FD650D7318AA}" type="datetimeFigureOut">
               <a:rPr lang="en-US" smtClean="0"/>
               <a:pPr/>
-              <a:t>11/20/2013</a:t>
+              <a:t>11/21/2013</a:t>
             </a:fld>
             <a:endParaRPr lang="en-US"/>
           </a:p>
@@ -1698,7 +1698,7 @@
             <a:fld id="{153650A5-9763-422E-80B7-FD650D7318AA}" type="datetimeFigureOut">
               <a:rPr lang="en-US" smtClean="0"/>
               <a:pPr/>
-              <a:t>11/20/2013</a:t>
+              <a:t>11/21/2013</a:t>
             </a:fld>
             <a:endParaRPr lang="en-US"/>
           </a:p>
@@ -2514,7 +2514,7 @@
             <a:fld id="{153650A5-9763-422E-80B7-FD650D7318AA}" type="datetimeFigureOut">
               <a:rPr lang="en-US" smtClean="0"/>
               <a:pPr/>
-              <a:t>11/20/2013</a:t>
+              <a:t>11/21/2013</a:t>
             </a:fld>
             <a:endParaRPr lang="en-US"/>
           </a:p>
@@ -2752,7 +2752,7 @@
             <a:fld id="{153650A5-9763-422E-80B7-FD650D7318AA}" type="datetimeFigureOut">
               <a:rPr lang="en-US" smtClean="0"/>
               <a:pPr/>
-              <a:t>11/20/2013</a:t>
+              <a:t>11/21/2013</a:t>
             </a:fld>
             <a:endParaRPr lang="en-US"/>
           </a:p>
@@ -3077,7 +3077,7 @@
             <a:fld id="{153650A5-9763-422E-80B7-FD650D7318AA}" type="datetimeFigureOut">
               <a:rPr lang="en-US" smtClean="0"/>
               <a:pPr/>
-              <a:t>11/20/2013</a:t>
+              <a:t>11/21/2013</a:t>
             </a:fld>
             <a:endParaRPr lang="en-US"/>
           </a:p>
@@ -3169,7 +3169,7 @@
             <a:fld id="{153650A5-9763-422E-80B7-FD650D7318AA}" type="datetimeFigureOut">
               <a:rPr lang="en-US" smtClean="0"/>
               <a:pPr/>
-              <a:t>11/20/2013</a:t>
+              <a:t>11/21/2013</a:t>
             </a:fld>
             <a:endParaRPr lang="en-US"/>
           </a:p>
@@ -3688,7 +3688,7 @@
             <a:fld id="{153650A5-9763-422E-80B7-FD650D7318AA}" type="datetimeFigureOut">
               <a:rPr lang="en-US" smtClean="0"/>
               <a:pPr/>
-              <a:t>11/20/2013</a:t>
+              <a:t>11/21/2013</a:t>
             </a:fld>
             <a:endParaRPr lang="en-US"/>
           </a:p>
@@ -4201,7 +4201,7 @@
             <a:fld id="{153650A5-9763-422E-80B7-FD650D7318AA}" type="datetimeFigureOut">
               <a:rPr lang="en-US" smtClean="0"/>
               <a:pPr/>
-              <a:t>11/20/2013</a:t>
+              <a:t>11/21/2013</a:t>
             </a:fld>
             <a:endParaRPr lang="en-US"/>
           </a:p>
@@ -4448,7 +4448,7 @@
             <a:fld id="{153650A5-9763-422E-80B7-FD650D7318AA}" type="datetimeFigureOut">
               <a:rPr lang="en-US" smtClean="0"/>
               <a:pPr/>
-              <a:t>11/20/2013</a:t>
+              <a:t>11/21/2013</a:t>
             </a:fld>
             <a:endParaRPr lang="en-US"/>
           </a:p>
@@ -6037,7 +6037,7 @@
             <p:ph sz="quarter" idx="1"/>
             <p:extLst>
               <p:ext uri="{D42A27DB-BD31-4B8C-83A1-F6EECF244321}">
-                <p14:modId xmlns:p14="http://schemas.microsoft.com/office/powerpoint/2010/main" xmlns="" val="3338231765"/>
+                <p14:modId xmlns="" xmlns:p14="http://schemas.microsoft.com/office/powerpoint/2010/main" val="3338231765"/>
               </p:ext>
             </p:extLst>
           </p:nvPr>
@@ -7200,11 +7200,7 @@
                     <a:p>
                       <a:r>
                         <a:rPr lang="en-US" dirty="0" smtClean="0"/>
-                        <a:t>m=100</a:t>
-                      </a:r>
-                      <a:r>
-                        <a:rPr lang="en-US" dirty="0" smtClean="0"/>
-                        <a:t>, n=100</a:t>
+                        <a:t>m=100, n=100</a:t>
                       </a:r>
                       <a:endParaRPr lang="en-US" dirty="0"/>
                     </a:p>
@@ -8403,8 +8399,8 @@
           <a:lstStyle/>
           <a:p>
             <a:r>
-              <a:rPr lang="en-US" dirty="0" smtClean="0"/>
-              <a:t>Thanks for watching!</a:t>
+              <a:rPr lang="en-US" smtClean="0"/>
+              <a:t>Thanks!</a:t>
             </a:r>
             <a:endParaRPr lang="en-US" dirty="0"/>
           </a:p>
@@ -8865,7 +8861,7 @@
           <a:blip r:embed="rId2" cstate="print">
             <a:extLst>
               <a:ext uri="{28A0092B-C50C-407E-A947-70E740481C1C}">
-                <a14:useLocalDpi xmlns:a14="http://schemas.microsoft.com/office/drawing/2010/main" xmlns="" val="0"/>
+                <a14:useLocalDpi xmlns="" xmlns:a14="http://schemas.microsoft.com/office/drawing/2010/main" val="0"/>
               </a:ext>
             </a:extLst>
           </a:blip>
@@ -8889,14 +8885,14 @@
           <a:effectLst/>
           <a:extLst>
             <a:ext uri="{909E8E84-426E-40DD-AFC4-6F175D3DCCD1}">
-              <a14:hiddenFill xmlns:a14="http://schemas.microsoft.com/office/drawing/2010/main" xmlns="">
+              <a14:hiddenFill xmlns="" xmlns:a14="http://schemas.microsoft.com/office/drawing/2010/main">
                 <a:solidFill>
                   <a:schemeClr val="accent1"/>
                 </a:solidFill>
               </a14:hiddenFill>
             </a:ext>
             <a:ext uri="{91240B29-F687-4F45-9708-019B960494DF}">
-              <a14:hiddenLine xmlns:a14="http://schemas.microsoft.com/office/drawing/2010/main" xmlns="" w="9525">
+              <a14:hiddenLine xmlns="" xmlns:a14="http://schemas.microsoft.com/office/drawing/2010/main" w="9525">
                 <a:solidFill>
                   <a:schemeClr val="tx1"/>
                 </a:solidFill>
@@ -8906,7 +8902,7 @@
               </a14:hiddenLine>
             </a:ext>
             <a:ext uri="{AF507438-7753-43E0-B8FC-AC1667EBCBE1}">
-              <a14:hiddenEffects xmlns:a14="http://schemas.microsoft.com/office/drawing/2010/main" xmlns="">
+              <a14:hiddenEffects xmlns="" xmlns:a14="http://schemas.microsoft.com/office/drawing/2010/main">
                 <a:effectLst>
                   <a:outerShdw dist="35921" dir="2700000" algn="ctr" rotWithShape="0">
                     <a:schemeClr val="bg2"/>
@@ -8920,7 +8916,7 @@
     </p:spTree>
     <p:extLst>
       <p:ext uri="{BB962C8B-B14F-4D97-AF65-F5344CB8AC3E}">
-        <p14:creationId xmlns:p14="http://schemas.microsoft.com/office/powerpoint/2010/main" xmlns="" val="3821419121"/>
+        <p14:creationId xmlns="" xmlns:p14="http://schemas.microsoft.com/office/powerpoint/2010/main" val="3821419121"/>
       </p:ext>
     </p:extLst>
   </p:cSld>
@@ -9011,7 +9007,7 @@
           <a:blip r:embed="rId2" cstate="print">
             <a:extLst>
               <a:ext uri="{28A0092B-C50C-407E-A947-70E740481C1C}">
-                <a14:useLocalDpi xmlns:a14="http://schemas.microsoft.com/office/drawing/2010/main" xmlns="" val="0"/>
+                <a14:useLocalDpi xmlns="" xmlns:a14="http://schemas.microsoft.com/office/drawing/2010/main" val="0"/>
               </a:ext>
             </a:extLst>
           </a:blip>
@@ -9035,14 +9031,14 @@
           <a:effectLst/>
           <a:extLst>
             <a:ext uri="{909E8E84-426E-40DD-AFC4-6F175D3DCCD1}">
-              <a14:hiddenFill xmlns:a14="http://schemas.microsoft.com/office/drawing/2010/main" xmlns="">
+              <a14:hiddenFill xmlns="" xmlns:a14="http://schemas.microsoft.com/office/drawing/2010/main">
                 <a:solidFill>
                   <a:schemeClr val="accent1"/>
                 </a:solidFill>
               </a14:hiddenFill>
             </a:ext>
             <a:ext uri="{91240B29-F687-4F45-9708-019B960494DF}">
-              <a14:hiddenLine xmlns:a14="http://schemas.microsoft.com/office/drawing/2010/main" xmlns="" w="9525">
+              <a14:hiddenLine xmlns="" xmlns:a14="http://schemas.microsoft.com/office/drawing/2010/main" w="9525">
                 <a:solidFill>
                   <a:schemeClr val="tx1"/>
                 </a:solidFill>
@@ -9052,7 +9048,7 @@
               </a14:hiddenLine>
             </a:ext>
             <a:ext uri="{AF507438-7753-43E0-B8FC-AC1667EBCBE1}">
-              <a14:hiddenEffects xmlns:a14="http://schemas.microsoft.com/office/drawing/2010/main" xmlns="">
+              <a14:hiddenEffects xmlns="" xmlns:a14="http://schemas.microsoft.com/office/drawing/2010/main">
                 <a:effectLst>
                   <a:outerShdw dist="35921" dir="2700000" algn="ctr" rotWithShape="0">
                     <a:schemeClr val="bg2"/>
@@ -9066,7 +9062,7 @@
     </p:spTree>
     <p:extLst>
       <p:ext uri="{BB962C8B-B14F-4D97-AF65-F5344CB8AC3E}">
-        <p14:creationId xmlns:p14="http://schemas.microsoft.com/office/powerpoint/2010/main" xmlns="" val="2022229711"/>
+        <p14:creationId xmlns="" xmlns:p14="http://schemas.microsoft.com/office/powerpoint/2010/main" val="2022229711"/>
       </p:ext>
     </p:extLst>
   </p:cSld>
@@ -9158,7 +9154,7 @@
           <a:blip r:embed="rId2" cstate="print">
             <a:extLst>
               <a:ext uri="{28A0092B-C50C-407E-A947-70E740481C1C}">
-                <a14:useLocalDpi xmlns:a14="http://schemas.microsoft.com/office/drawing/2010/main" xmlns="" val="0"/>
+                <a14:useLocalDpi xmlns="" xmlns:a14="http://schemas.microsoft.com/office/drawing/2010/main" val="0"/>
               </a:ext>
             </a:extLst>
           </a:blip>
@@ -9182,14 +9178,14 @@
           <a:effectLst/>
           <a:extLst>
             <a:ext uri="{909E8E84-426E-40DD-AFC4-6F175D3DCCD1}">
-              <a14:hiddenFill xmlns:a14="http://schemas.microsoft.com/office/drawing/2010/main" xmlns="">
+              <a14:hiddenFill xmlns="" xmlns:a14="http://schemas.microsoft.com/office/drawing/2010/main">
                 <a:solidFill>
                   <a:schemeClr val="accent1"/>
                 </a:solidFill>
               </a14:hiddenFill>
             </a:ext>
             <a:ext uri="{91240B29-F687-4F45-9708-019B960494DF}">
-              <a14:hiddenLine xmlns:a14="http://schemas.microsoft.com/office/drawing/2010/main" xmlns="" w="9525">
+              <a14:hiddenLine xmlns="" xmlns:a14="http://schemas.microsoft.com/office/drawing/2010/main" w="9525">
                 <a:solidFill>
                   <a:schemeClr val="tx1"/>
                 </a:solidFill>
@@ -9199,7 +9195,7 @@
               </a14:hiddenLine>
             </a:ext>
             <a:ext uri="{AF507438-7753-43E0-B8FC-AC1667EBCBE1}">
-              <a14:hiddenEffects xmlns:a14="http://schemas.microsoft.com/office/drawing/2010/main" xmlns="">
+              <a14:hiddenEffects xmlns="" xmlns:a14="http://schemas.microsoft.com/office/drawing/2010/main">
                 <a:effectLst>
                   <a:outerShdw dist="35921" dir="2700000" algn="ctr" rotWithShape="0">
                     <a:schemeClr val="bg2"/>
@@ -9213,7 +9209,7 @@
     </p:spTree>
     <p:extLst>
       <p:ext uri="{BB962C8B-B14F-4D97-AF65-F5344CB8AC3E}">
-        <p14:creationId xmlns:p14="http://schemas.microsoft.com/office/powerpoint/2010/main" xmlns="" val="1917967696"/>
+        <p14:creationId xmlns="" xmlns:p14="http://schemas.microsoft.com/office/powerpoint/2010/main" val="1917967696"/>
       </p:ext>
     </p:extLst>
   </p:cSld>
@@ -9383,7 +9379,7 @@
     </p:spTree>
     <p:extLst>
       <p:ext uri="{BB962C8B-B14F-4D97-AF65-F5344CB8AC3E}">
-        <p14:creationId xmlns:p14="http://schemas.microsoft.com/office/powerpoint/2010/main" xmlns="" val="278647894"/>
+        <p14:creationId xmlns="" xmlns:p14="http://schemas.microsoft.com/office/powerpoint/2010/main" val="278647894"/>
       </p:ext>
     </p:extLst>
   </p:cSld>

--- a/Organization Detection.pptx
+++ b/Organization Detection.pptx
@@ -266,7 +266,7 @@
             <a:fld id="{153650A5-9763-422E-80B7-FD650D7318AA}" type="datetimeFigureOut">
               <a:rPr lang="en-US" smtClean="0"/>
               <a:pPr/>
-              <a:t>11/21/2013</a:t>
+              <a:t>11/25/2013</a:t>
             </a:fld>
             <a:endParaRPr lang="en-US"/>
           </a:p>
@@ -1137,7 +1137,7 @@
             <a:fld id="{153650A5-9763-422E-80B7-FD650D7318AA}" type="datetimeFigureOut">
               <a:rPr lang="en-US" smtClean="0"/>
               <a:pPr/>
-              <a:t>11/21/2013</a:t>
+              <a:t>11/25/2013</a:t>
             </a:fld>
             <a:endParaRPr lang="en-US"/>
           </a:p>
@@ -1314,7 +1314,7 @@
             <a:fld id="{153650A5-9763-422E-80B7-FD650D7318AA}" type="datetimeFigureOut">
               <a:rPr lang="en-US" smtClean="0"/>
               <a:pPr/>
-              <a:t>11/21/2013</a:t>
+              <a:t>11/25/2013</a:t>
             </a:fld>
             <a:endParaRPr lang="en-US"/>
           </a:p>
@@ -1486,7 +1486,7 @@
             <a:fld id="{153650A5-9763-422E-80B7-FD650D7318AA}" type="datetimeFigureOut">
               <a:rPr lang="en-US" smtClean="0"/>
               <a:pPr/>
-              <a:t>11/21/2013</a:t>
+              <a:t>11/25/2013</a:t>
             </a:fld>
             <a:endParaRPr lang="en-US"/>
           </a:p>
@@ -1698,7 +1698,7 @@
             <a:fld id="{153650A5-9763-422E-80B7-FD650D7318AA}" type="datetimeFigureOut">
               <a:rPr lang="en-US" smtClean="0"/>
               <a:pPr/>
-              <a:t>11/21/2013</a:t>
+              <a:t>11/25/2013</a:t>
             </a:fld>
             <a:endParaRPr lang="en-US"/>
           </a:p>
@@ -2514,7 +2514,7 @@
             <a:fld id="{153650A5-9763-422E-80B7-FD650D7318AA}" type="datetimeFigureOut">
               <a:rPr lang="en-US" smtClean="0"/>
               <a:pPr/>
-              <a:t>11/21/2013</a:t>
+              <a:t>11/25/2013</a:t>
             </a:fld>
             <a:endParaRPr lang="en-US"/>
           </a:p>
@@ -2752,7 +2752,7 @@
             <a:fld id="{153650A5-9763-422E-80B7-FD650D7318AA}" type="datetimeFigureOut">
               <a:rPr lang="en-US" smtClean="0"/>
               <a:pPr/>
-              <a:t>11/21/2013</a:t>
+              <a:t>11/25/2013</a:t>
             </a:fld>
             <a:endParaRPr lang="en-US"/>
           </a:p>
@@ -3077,7 +3077,7 @@
             <a:fld id="{153650A5-9763-422E-80B7-FD650D7318AA}" type="datetimeFigureOut">
               <a:rPr lang="en-US" smtClean="0"/>
               <a:pPr/>
-              <a:t>11/21/2013</a:t>
+              <a:t>11/25/2013</a:t>
             </a:fld>
             <a:endParaRPr lang="en-US"/>
           </a:p>
@@ -3169,7 +3169,7 @@
             <a:fld id="{153650A5-9763-422E-80B7-FD650D7318AA}" type="datetimeFigureOut">
               <a:rPr lang="en-US" smtClean="0"/>
               <a:pPr/>
-              <a:t>11/21/2013</a:t>
+              <a:t>11/25/2013</a:t>
             </a:fld>
             <a:endParaRPr lang="en-US"/>
           </a:p>
@@ -3688,7 +3688,7 @@
             <a:fld id="{153650A5-9763-422E-80B7-FD650D7318AA}" type="datetimeFigureOut">
               <a:rPr lang="en-US" smtClean="0"/>
               <a:pPr/>
-              <a:t>11/21/2013</a:t>
+              <a:t>11/25/2013</a:t>
             </a:fld>
             <a:endParaRPr lang="en-US"/>
           </a:p>
@@ -4201,7 +4201,7 @@
             <a:fld id="{153650A5-9763-422E-80B7-FD650D7318AA}" type="datetimeFigureOut">
               <a:rPr lang="en-US" smtClean="0"/>
               <a:pPr/>
-              <a:t>11/21/2013</a:t>
+              <a:t>11/25/2013</a:t>
             </a:fld>
             <a:endParaRPr lang="en-US"/>
           </a:p>
@@ -4448,7 +4448,7 @@
             <a:fld id="{153650A5-9763-422E-80B7-FD650D7318AA}" type="datetimeFigureOut">
               <a:rPr lang="en-US" smtClean="0"/>
               <a:pPr/>
-              <a:t>11/21/2013</a:t>
+              <a:t>11/25/2013</a:t>
             </a:fld>
             <a:endParaRPr lang="en-US"/>
           </a:p>
@@ -7240,36 +7240,6 @@
           </a:graphicData>
         </a:graphic>
       </p:graphicFrame>
-      <p:sp>
-        <p:nvSpPr>
-          <p:cNvPr id="5" name="TextBox 4"/>
-          <p:cNvSpPr txBox="1"/>
-          <p:nvPr/>
-        </p:nvSpPr>
-        <p:spPr>
-          <a:xfrm>
-            <a:off x="683568" y="4869160"/>
-            <a:ext cx="7025834" cy="369332"/>
-          </a:xfrm>
-          <a:prstGeom prst="rect">
-            <a:avLst/>
-          </a:prstGeom>
-          <a:noFill/>
-        </p:spPr>
-        <p:txBody>
-          <a:bodyPr wrap="none" rtlCol="0">
-            <a:spAutoFit/>
-          </a:bodyPr>
-          <a:lstStyle/>
-          <a:p>
-            <a:r>
-              <a:rPr lang="en-US" dirty="0" smtClean="0"/>
-              <a:t>We will experiment on more  couples of factors before report.</a:t>
-            </a:r>
-            <a:endParaRPr lang="en-US" dirty="0"/>
-          </a:p>
-        </p:txBody>
-      </p:sp>
     </p:spTree>
   </p:cSld>
   <p:clrMapOvr>
@@ -7371,7 +7341,15 @@
           <a:p>
             <a:r>
               <a:rPr lang="en-US" dirty="0" smtClean="0"/>
-              <a:t>We apply 10 folder cross validation</a:t>
+              <a:t>We apply </a:t>
+            </a:r>
+            <a:r>
+              <a:rPr lang="en-US" smtClean="0"/>
+              <a:t>10 fold </a:t>
+            </a:r>
+            <a:r>
+              <a:rPr lang="en-US" dirty="0" smtClean="0"/>
+              <a:t>cross validation</a:t>
             </a:r>
             <a:endParaRPr lang="en-US" dirty="0"/>
           </a:p>
@@ -8224,8 +8202,8 @@
         </p:nvSpPr>
         <p:spPr>
           <a:xfrm>
-            <a:off x="971600" y="6093296"/>
-            <a:ext cx="6382709" cy="400110"/>
+            <a:off x="755576" y="6093296"/>
+            <a:ext cx="6961393" cy="400110"/>
           </a:xfrm>
           <a:prstGeom prst="rect">
             <a:avLst/>
@@ -8240,7 +8218,11 @@
           <a:p>
             <a:r>
               <a:rPr lang="en-US" sz="2000" dirty="0" smtClean="0"/>
-              <a:t>Best performance of each metric is written in bold.</a:t>
+              <a:t>Best performance of each metric is written in </a:t>
+            </a:r>
+            <a:r>
+              <a:rPr lang="en-US" sz="2000" dirty="0" smtClean="0"/>
+              <a:t>bold face.</a:t>
             </a:r>
             <a:endParaRPr lang="en-US" sz="2000" dirty="0"/>
           </a:p>
@@ -9448,7 +9430,15 @@
           <a:p>
             <a:r>
               <a:rPr lang="en-US" dirty="0" smtClean="0"/>
-              <a:t>Removing unknown profiles: 4791 profiles remain (3214 personal accounts and 1577 organizational  accounts)</a:t>
+              <a:t>Removing unknown profiles: 4791 profiles remain (3214 personal accounts and 1577 organizational </a:t>
+            </a:r>
+            <a:r>
+              <a:rPr lang="en-US" dirty="0" smtClean="0"/>
+              <a:t>accounts</a:t>
+            </a:r>
+            <a:r>
+              <a:rPr lang="en-US" dirty="0" smtClean="0"/>
+              <a:t>)</a:t>
             </a:r>
           </a:p>
           <a:p>
